--- a/TensorFlow入门.pptx
+++ b/TensorFlow入门.pptx
@@ -5,30 +5,30 @@
     <p:sldMasterId id="2147483648" r:id="rId1"/>
   </p:sldMasterIdLst>
   <p:notesMasterIdLst>
-    <p:notesMasterId r:id="rId23"/>
+    <p:notesMasterId r:id="rId5"/>
   </p:notesMasterIdLst>
   <p:sldIdLst>
-    <p:sldId id="390" r:id="rId2"/>
-    <p:sldId id="270" r:id="rId3"/>
-    <p:sldId id="314" r:id="rId4"/>
-    <p:sldId id="455" r:id="rId5"/>
-    <p:sldId id="456" r:id="rId6"/>
-    <p:sldId id="459" r:id="rId7"/>
-    <p:sldId id="494" r:id="rId8"/>
-    <p:sldId id="493" r:id="rId9"/>
-    <p:sldId id="460" r:id="rId10"/>
-    <p:sldId id="461" r:id="rId11"/>
-    <p:sldId id="495" r:id="rId12"/>
-    <p:sldId id="501" r:id="rId13"/>
-    <p:sldId id="502" r:id="rId14"/>
-    <p:sldId id="503" r:id="rId15"/>
-    <p:sldId id="500" r:id="rId16"/>
-    <p:sldId id="492" r:id="rId17"/>
-    <p:sldId id="496" r:id="rId18"/>
-    <p:sldId id="497" r:id="rId19"/>
-    <p:sldId id="498" r:id="rId20"/>
-    <p:sldId id="499" r:id="rId21"/>
-    <p:sldId id="504" r:id="rId22"/>
+    <p:sldId id="390" r:id="rId3"/>
+    <p:sldId id="270" r:id="rId4"/>
+    <p:sldId id="314" r:id="rId6"/>
+    <p:sldId id="455" r:id="rId7"/>
+    <p:sldId id="456" r:id="rId8"/>
+    <p:sldId id="459" r:id="rId9"/>
+    <p:sldId id="494" r:id="rId10"/>
+    <p:sldId id="493" r:id="rId11"/>
+    <p:sldId id="460" r:id="rId12"/>
+    <p:sldId id="461" r:id="rId13"/>
+    <p:sldId id="495" r:id="rId14"/>
+    <p:sldId id="501" r:id="rId15"/>
+    <p:sldId id="502" r:id="rId16"/>
+    <p:sldId id="503" r:id="rId17"/>
+    <p:sldId id="500" r:id="rId18"/>
+    <p:sldId id="492" r:id="rId19"/>
+    <p:sldId id="496" r:id="rId20"/>
+    <p:sldId id="497" r:id="rId21"/>
+    <p:sldId id="498" r:id="rId22"/>
+    <p:sldId id="499" r:id="rId23"/>
+    <p:sldId id="504" r:id="rId24"/>
   </p:sldIdLst>
   <p:sldSz cx="9144000" cy="6858000" type="screen4x3"/>
   <p:notesSz cx="6858000" cy="9144000"/>
@@ -127,22 +127,6 @@
       </a:defRPr>
     </a:lvl9pPr>
   </p:defaultTextStyle>
-  <p:extLst>
-    <p:ext uri="{EFAFB233-063F-42B5-8137-9DF3F51BA10A}">
-      <p15:sldGuideLst xmlns:p15="http://schemas.microsoft.com/office/powerpoint/2012/main">
-        <p15:guide id="1" orient="horz" pos="2121">
-          <p15:clr>
-            <a:srgbClr val="A4A3A4"/>
-          </p15:clr>
-        </p15:guide>
-        <p15:guide id="2" pos="2869">
-          <p15:clr>
-            <a:srgbClr val="A4A3A4"/>
-          </p15:clr>
-        </p15:guide>
-      </p15:sldGuideLst>
-    </p:ext>
-  </p:extLst>
 </p:presentation>
 </file>
 
@@ -228,7 +212,6 @@
           <a:p>
             <a:fld id="{D18A805E-3924-4030-B627-D89AFF2C885E}" type="datetimeFigureOut">
               <a:rPr lang="zh-CN" altLang="en-US" smtClean="0"/>
-              <a:t>2018/7/16</a:t>
             </a:fld>
             <a:endParaRPr lang="zh-CN" altLang="en-US"/>
           </a:p>
@@ -295,6 +278,7 @@
               <a:rPr lang="zh-CN" altLang="en-US"/>
               <a:t>单击此处编辑母版文本样式</a:t>
             </a:r>
+            <a:endParaRPr lang="zh-CN" altLang="en-US"/>
           </a:p>
           <a:p>
             <a:pPr lvl="1"/>
@@ -302,6 +286,7 @@
               <a:rPr lang="zh-CN" altLang="en-US"/>
               <a:t>第二级</a:t>
             </a:r>
+            <a:endParaRPr lang="zh-CN" altLang="en-US"/>
           </a:p>
           <a:p>
             <a:pPr lvl="2"/>
@@ -309,6 +294,7 @@
               <a:rPr lang="zh-CN" altLang="en-US"/>
               <a:t>第三级</a:t>
             </a:r>
+            <a:endParaRPr lang="zh-CN" altLang="en-US"/>
           </a:p>
           <a:p>
             <a:pPr lvl="3"/>
@@ -316,6 +302,7 @@
               <a:rPr lang="zh-CN" altLang="en-US"/>
               <a:t>第四级</a:t>
             </a:r>
+            <a:endParaRPr lang="zh-CN" altLang="en-US"/>
           </a:p>
           <a:p>
             <a:pPr lvl="4"/>
@@ -323,6 +310,7 @@
               <a:rPr lang="zh-CN" altLang="en-US"/>
               <a:t>第五级</a:t>
             </a:r>
+            <a:endParaRPr lang="zh-CN" altLang="en-US"/>
           </a:p>
         </p:txBody>
       </p:sp>
@@ -386,18 +374,12 @@
           <a:p>
             <a:fld id="{B73877EA-1A91-4B3F-A140-F9DFAD5BA57C}" type="slidenum">
               <a:rPr lang="zh-CN" altLang="en-US" smtClean="0"/>
-              <a:t>‹#›</a:t>
             </a:fld>
             <a:endParaRPr lang="zh-CN" altLang="en-US"/>
           </a:p>
         </p:txBody>
       </p:sp>
     </p:spTree>
-    <p:extLst>
-      <p:ext uri="{BB962C8B-B14F-4D97-AF65-F5344CB8AC3E}">
-        <p14:creationId xmlns:p14="http://schemas.microsoft.com/office/powerpoint/2010/main" val="3326850418"/>
-      </p:ext>
-    </p:extLst>
   </p:cSld>
   <p:clrMap bg1="lt1" tx1="dk1" bg2="lt2" tx2="dk2" accent1="accent1" accent2="accent2" accent3="accent3" accent4="accent4" accent5="accent5" accent6="accent6" hlink="hlink" folHlink="folHlink"/>
   <p:notesStyle>
@@ -560,18 +542,12 @@
           <a:p>
             <a:fld id="{B73877EA-1A91-4B3F-A140-F9DFAD5BA57C}" type="slidenum">
               <a:rPr lang="zh-CN" altLang="en-US" smtClean="0"/>
-              <a:t>2</a:t>
             </a:fld>
             <a:endParaRPr lang="zh-CN" altLang="en-US"/>
           </a:p>
         </p:txBody>
       </p:sp>
     </p:spTree>
-    <p:extLst>
-      <p:ext uri="{BB962C8B-B14F-4D97-AF65-F5344CB8AC3E}">
-        <p14:creationId xmlns:p14="http://schemas.microsoft.com/office/powerpoint/2010/main" val="496981265"/>
-      </p:ext>
-    </p:extLst>
   </p:cSld>
   <p:clrMapOvr>
     <a:masterClrMapping/>
@@ -644,18 +620,12 @@
           <a:p>
             <a:fld id="{B73877EA-1A91-4B3F-A140-F9DFAD5BA57C}" type="slidenum">
               <a:rPr lang="zh-CN" altLang="en-US" smtClean="0"/>
-              <a:t>11</a:t>
             </a:fld>
             <a:endParaRPr lang="zh-CN" altLang="en-US"/>
           </a:p>
         </p:txBody>
       </p:sp>
     </p:spTree>
-    <p:extLst>
-      <p:ext uri="{BB962C8B-B14F-4D97-AF65-F5344CB8AC3E}">
-        <p14:creationId xmlns:p14="http://schemas.microsoft.com/office/powerpoint/2010/main" val="2933728057"/>
-      </p:ext>
-    </p:extLst>
   </p:cSld>
   <p:clrMapOvr>
     <a:masterClrMapping/>
@@ -728,18 +698,12 @@
           <a:p>
             <a:fld id="{B73877EA-1A91-4B3F-A140-F9DFAD5BA57C}" type="slidenum">
               <a:rPr lang="zh-CN" altLang="en-US" smtClean="0"/>
-              <a:t>12</a:t>
             </a:fld>
             <a:endParaRPr lang="zh-CN" altLang="en-US"/>
           </a:p>
         </p:txBody>
       </p:sp>
     </p:spTree>
-    <p:extLst>
-      <p:ext uri="{BB962C8B-B14F-4D97-AF65-F5344CB8AC3E}">
-        <p14:creationId xmlns:p14="http://schemas.microsoft.com/office/powerpoint/2010/main" val="2276545613"/>
-      </p:ext>
-    </p:extLst>
   </p:cSld>
   <p:clrMapOvr>
     <a:masterClrMapping/>
@@ -812,18 +776,12 @@
           <a:p>
             <a:fld id="{B73877EA-1A91-4B3F-A140-F9DFAD5BA57C}" type="slidenum">
               <a:rPr lang="zh-CN" altLang="en-US" smtClean="0"/>
-              <a:t>13</a:t>
             </a:fld>
             <a:endParaRPr lang="zh-CN" altLang="en-US"/>
           </a:p>
         </p:txBody>
       </p:sp>
     </p:spTree>
-    <p:extLst>
-      <p:ext uri="{BB962C8B-B14F-4D97-AF65-F5344CB8AC3E}">
-        <p14:creationId xmlns:p14="http://schemas.microsoft.com/office/powerpoint/2010/main" val="3744081247"/>
-      </p:ext>
-    </p:extLst>
   </p:cSld>
   <p:clrMapOvr>
     <a:masterClrMapping/>
@@ -896,18 +854,12 @@
           <a:p>
             <a:fld id="{B73877EA-1A91-4B3F-A140-F9DFAD5BA57C}" type="slidenum">
               <a:rPr lang="zh-CN" altLang="en-US" smtClean="0"/>
-              <a:t>14</a:t>
             </a:fld>
             <a:endParaRPr lang="zh-CN" altLang="en-US"/>
           </a:p>
         </p:txBody>
       </p:sp>
     </p:spTree>
-    <p:extLst>
-      <p:ext uri="{BB962C8B-B14F-4D97-AF65-F5344CB8AC3E}">
-        <p14:creationId xmlns:p14="http://schemas.microsoft.com/office/powerpoint/2010/main" val="2058396383"/>
-      </p:ext>
-    </p:extLst>
   </p:cSld>
   <p:clrMapOvr>
     <a:masterClrMapping/>
@@ -980,18 +932,12 @@
           <a:p>
             <a:fld id="{B73877EA-1A91-4B3F-A140-F9DFAD5BA57C}" type="slidenum">
               <a:rPr lang="zh-CN" altLang="en-US" smtClean="0"/>
-              <a:t>15</a:t>
             </a:fld>
             <a:endParaRPr lang="zh-CN" altLang="en-US"/>
           </a:p>
         </p:txBody>
       </p:sp>
     </p:spTree>
-    <p:extLst>
-      <p:ext uri="{BB962C8B-B14F-4D97-AF65-F5344CB8AC3E}">
-        <p14:creationId xmlns:p14="http://schemas.microsoft.com/office/powerpoint/2010/main" val="2907442762"/>
-      </p:ext>
-    </p:extLst>
   </p:cSld>
   <p:clrMapOvr>
     <a:masterClrMapping/>
@@ -1064,18 +1010,12 @@
           <a:p>
             <a:fld id="{B73877EA-1A91-4B3F-A140-F9DFAD5BA57C}" type="slidenum">
               <a:rPr lang="zh-CN" altLang="en-US" smtClean="0"/>
-              <a:t>16</a:t>
             </a:fld>
             <a:endParaRPr lang="zh-CN" altLang="en-US"/>
           </a:p>
         </p:txBody>
       </p:sp>
     </p:spTree>
-    <p:extLst>
-      <p:ext uri="{BB962C8B-B14F-4D97-AF65-F5344CB8AC3E}">
-        <p14:creationId xmlns:p14="http://schemas.microsoft.com/office/powerpoint/2010/main" val="3436537006"/>
-      </p:ext>
-    </p:extLst>
   </p:cSld>
   <p:clrMapOvr>
     <a:masterClrMapping/>
@@ -1148,18 +1088,12 @@
           <a:p>
             <a:fld id="{B73877EA-1A91-4B3F-A140-F9DFAD5BA57C}" type="slidenum">
               <a:rPr lang="zh-CN" altLang="en-US" smtClean="0"/>
-              <a:t>17</a:t>
             </a:fld>
             <a:endParaRPr lang="zh-CN" altLang="en-US"/>
           </a:p>
         </p:txBody>
       </p:sp>
     </p:spTree>
-    <p:extLst>
-      <p:ext uri="{BB962C8B-B14F-4D97-AF65-F5344CB8AC3E}">
-        <p14:creationId xmlns:p14="http://schemas.microsoft.com/office/powerpoint/2010/main" val="1690728171"/>
-      </p:ext>
-    </p:extLst>
   </p:cSld>
   <p:clrMapOvr>
     <a:masterClrMapping/>
@@ -1232,18 +1166,12 @@
           <a:p>
             <a:fld id="{B73877EA-1A91-4B3F-A140-F9DFAD5BA57C}" type="slidenum">
               <a:rPr lang="zh-CN" altLang="en-US" smtClean="0"/>
-              <a:t>18</a:t>
             </a:fld>
             <a:endParaRPr lang="zh-CN" altLang="en-US"/>
           </a:p>
         </p:txBody>
       </p:sp>
     </p:spTree>
-    <p:extLst>
-      <p:ext uri="{BB962C8B-B14F-4D97-AF65-F5344CB8AC3E}">
-        <p14:creationId xmlns:p14="http://schemas.microsoft.com/office/powerpoint/2010/main" val="1469421445"/>
-      </p:ext>
-    </p:extLst>
   </p:cSld>
   <p:clrMapOvr>
     <a:masterClrMapping/>
@@ -1316,18 +1244,12 @@
           <a:p>
             <a:fld id="{B73877EA-1A91-4B3F-A140-F9DFAD5BA57C}" type="slidenum">
               <a:rPr lang="zh-CN" altLang="en-US" smtClean="0"/>
-              <a:t>19</a:t>
             </a:fld>
             <a:endParaRPr lang="zh-CN" altLang="en-US"/>
           </a:p>
         </p:txBody>
       </p:sp>
     </p:spTree>
-    <p:extLst>
-      <p:ext uri="{BB962C8B-B14F-4D97-AF65-F5344CB8AC3E}">
-        <p14:creationId xmlns:p14="http://schemas.microsoft.com/office/powerpoint/2010/main" val="3759430991"/>
-      </p:ext>
-    </p:extLst>
   </p:cSld>
   <p:clrMapOvr>
     <a:masterClrMapping/>
@@ -1400,18 +1322,12 @@
           <a:p>
             <a:fld id="{B73877EA-1A91-4B3F-A140-F9DFAD5BA57C}" type="slidenum">
               <a:rPr lang="zh-CN" altLang="en-US" smtClean="0"/>
-              <a:t>20</a:t>
             </a:fld>
             <a:endParaRPr lang="zh-CN" altLang="en-US"/>
           </a:p>
         </p:txBody>
       </p:sp>
     </p:spTree>
-    <p:extLst>
-      <p:ext uri="{BB962C8B-B14F-4D97-AF65-F5344CB8AC3E}">
-        <p14:creationId xmlns:p14="http://schemas.microsoft.com/office/powerpoint/2010/main" val="905753772"/>
-      </p:ext>
-    </p:extLst>
   </p:cSld>
   <p:clrMapOvr>
     <a:masterClrMapping/>
@@ -1484,18 +1400,12 @@
           <a:p>
             <a:fld id="{B73877EA-1A91-4B3F-A140-F9DFAD5BA57C}" type="slidenum">
               <a:rPr lang="zh-CN" altLang="en-US" smtClean="0"/>
-              <a:t>3</a:t>
             </a:fld>
             <a:endParaRPr lang="zh-CN" altLang="en-US"/>
           </a:p>
         </p:txBody>
       </p:sp>
     </p:spTree>
-    <p:extLst>
-      <p:ext uri="{BB962C8B-B14F-4D97-AF65-F5344CB8AC3E}">
-        <p14:creationId xmlns:p14="http://schemas.microsoft.com/office/powerpoint/2010/main" val="2158259547"/>
-      </p:ext>
-    </p:extLst>
   </p:cSld>
   <p:clrMapOvr>
     <a:masterClrMapping/>
@@ -1568,18 +1478,12 @@
           <a:p>
             <a:fld id="{B73877EA-1A91-4B3F-A140-F9DFAD5BA57C}" type="slidenum">
               <a:rPr lang="zh-CN" altLang="en-US" smtClean="0"/>
-              <a:t>21</a:t>
             </a:fld>
             <a:endParaRPr lang="zh-CN" altLang="en-US"/>
           </a:p>
         </p:txBody>
       </p:sp>
     </p:spTree>
-    <p:extLst>
-      <p:ext uri="{BB962C8B-B14F-4D97-AF65-F5344CB8AC3E}">
-        <p14:creationId xmlns:p14="http://schemas.microsoft.com/office/powerpoint/2010/main" val="215290958"/>
-      </p:ext>
-    </p:extLst>
   </p:cSld>
   <p:clrMapOvr>
     <a:masterClrMapping/>
@@ -1652,18 +1556,12 @@
           <a:p>
             <a:fld id="{B73877EA-1A91-4B3F-A140-F9DFAD5BA57C}" type="slidenum">
               <a:rPr lang="zh-CN" altLang="en-US" smtClean="0"/>
-              <a:t>4</a:t>
             </a:fld>
             <a:endParaRPr lang="zh-CN" altLang="en-US"/>
           </a:p>
         </p:txBody>
       </p:sp>
     </p:spTree>
-    <p:extLst>
-      <p:ext uri="{BB962C8B-B14F-4D97-AF65-F5344CB8AC3E}">
-        <p14:creationId xmlns:p14="http://schemas.microsoft.com/office/powerpoint/2010/main" val="602111998"/>
-      </p:ext>
-    </p:extLst>
   </p:cSld>
   <p:clrMapOvr>
     <a:masterClrMapping/>
@@ -1736,18 +1634,12 @@
           <a:p>
             <a:fld id="{B73877EA-1A91-4B3F-A140-F9DFAD5BA57C}" type="slidenum">
               <a:rPr lang="zh-CN" altLang="en-US" smtClean="0"/>
-              <a:t>5</a:t>
             </a:fld>
             <a:endParaRPr lang="zh-CN" altLang="en-US"/>
           </a:p>
         </p:txBody>
       </p:sp>
     </p:spTree>
-    <p:extLst>
-      <p:ext uri="{BB962C8B-B14F-4D97-AF65-F5344CB8AC3E}">
-        <p14:creationId xmlns:p14="http://schemas.microsoft.com/office/powerpoint/2010/main" val="1234516537"/>
-      </p:ext>
-    </p:extLst>
   </p:cSld>
   <p:clrMapOvr>
     <a:masterClrMapping/>
@@ -1820,18 +1712,12 @@
           <a:p>
             <a:fld id="{B73877EA-1A91-4B3F-A140-F9DFAD5BA57C}" type="slidenum">
               <a:rPr lang="zh-CN" altLang="en-US" smtClean="0"/>
-              <a:t>6</a:t>
             </a:fld>
             <a:endParaRPr lang="zh-CN" altLang="en-US"/>
           </a:p>
         </p:txBody>
       </p:sp>
     </p:spTree>
-    <p:extLst>
-      <p:ext uri="{BB962C8B-B14F-4D97-AF65-F5344CB8AC3E}">
-        <p14:creationId xmlns:p14="http://schemas.microsoft.com/office/powerpoint/2010/main" val="3744657832"/>
-      </p:ext>
-    </p:extLst>
   </p:cSld>
   <p:clrMapOvr>
     <a:masterClrMapping/>
@@ -1904,18 +1790,12 @@
           <a:p>
             <a:fld id="{B73877EA-1A91-4B3F-A140-F9DFAD5BA57C}" type="slidenum">
               <a:rPr lang="zh-CN" altLang="en-US" smtClean="0"/>
-              <a:t>7</a:t>
             </a:fld>
             <a:endParaRPr lang="zh-CN" altLang="en-US"/>
           </a:p>
         </p:txBody>
       </p:sp>
     </p:spTree>
-    <p:extLst>
-      <p:ext uri="{BB962C8B-B14F-4D97-AF65-F5344CB8AC3E}">
-        <p14:creationId xmlns:p14="http://schemas.microsoft.com/office/powerpoint/2010/main" val="1321954333"/>
-      </p:ext>
-    </p:extLst>
   </p:cSld>
   <p:clrMapOvr>
     <a:masterClrMapping/>
@@ -1988,18 +1868,12 @@
           <a:p>
             <a:fld id="{B73877EA-1A91-4B3F-A140-F9DFAD5BA57C}" type="slidenum">
               <a:rPr lang="zh-CN" altLang="en-US" smtClean="0"/>
-              <a:t>8</a:t>
             </a:fld>
             <a:endParaRPr lang="zh-CN" altLang="en-US"/>
           </a:p>
         </p:txBody>
       </p:sp>
     </p:spTree>
-    <p:extLst>
-      <p:ext uri="{BB962C8B-B14F-4D97-AF65-F5344CB8AC3E}">
-        <p14:creationId xmlns:p14="http://schemas.microsoft.com/office/powerpoint/2010/main" val="1795289990"/>
-      </p:ext>
-    </p:extLst>
   </p:cSld>
   <p:clrMapOvr>
     <a:masterClrMapping/>
@@ -2072,18 +1946,12 @@
           <a:p>
             <a:fld id="{B73877EA-1A91-4B3F-A140-F9DFAD5BA57C}" type="slidenum">
               <a:rPr lang="zh-CN" altLang="en-US" smtClean="0"/>
-              <a:t>9</a:t>
             </a:fld>
             <a:endParaRPr lang="zh-CN" altLang="en-US"/>
           </a:p>
         </p:txBody>
       </p:sp>
     </p:spTree>
-    <p:extLst>
-      <p:ext uri="{BB962C8B-B14F-4D97-AF65-F5344CB8AC3E}">
-        <p14:creationId xmlns:p14="http://schemas.microsoft.com/office/powerpoint/2010/main" val="3496623658"/>
-      </p:ext>
-    </p:extLst>
   </p:cSld>
   <p:clrMapOvr>
     <a:masterClrMapping/>
@@ -2156,18 +2024,12 @@
           <a:p>
             <a:fld id="{B73877EA-1A91-4B3F-A140-F9DFAD5BA57C}" type="slidenum">
               <a:rPr lang="zh-CN" altLang="en-US" smtClean="0"/>
-              <a:t>10</a:t>
             </a:fld>
             <a:endParaRPr lang="zh-CN" altLang="en-US"/>
           </a:p>
         </p:txBody>
       </p:sp>
     </p:spTree>
-    <p:extLst>
-      <p:ext uri="{BB962C8B-B14F-4D97-AF65-F5344CB8AC3E}">
-        <p14:creationId xmlns:p14="http://schemas.microsoft.com/office/powerpoint/2010/main" val="714469343"/>
-      </p:ext>
-    </p:extLst>
   </p:cSld>
   <p:clrMapOvr>
     <a:masterClrMapping/>
@@ -2220,6 +2082,7 @@
               <a:rPr lang="zh-CN" altLang="en-US"/>
               <a:t>单击此处编辑母版标题样式</a:t>
             </a:r>
+            <a:endParaRPr lang="zh-CN" altLang="en-US"/>
           </a:p>
         </p:txBody>
       </p:sp>
@@ -2284,6 +2147,7 @@
               <a:rPr lang="zh-CN" altLang="en-US"/>
               <a:t>单击此处编辑母版副标题样式</a:t>
             </a:r>
+            <a:endParaRPr lang="zh-CN" altLang="en-US"/>
           </a:p>
         </p:txBody>
       </p:sp>
@@ -2304,7 +2168,6 @@
           <a:p>
             <a:fld id="{530820CF-B880-4189-942D-D702A7CBA730}" type="datetimeFigureOut">
               <a:rPr lang="zh-CN" altLang="en-US" smtClean="0"/>
-              <a:t>2018/7/16</a:t>
             </a:fld>
             <a:endParaRPr lang="zh-CN" altLang="en-US"/>
           </a:p>
@@ -2346,7 +2209,6 @@
           <a:p>
             <a:fld id="{0C913308-F349-4B6D-A68A-DD1791B4A57B}" type="slidenum">
               <a:rPr lang="zh-CN" altLang="en-US" smtClean="0"/>
-              <a:t>‹#›</a:t>
             </a:fld>
             <a:endParaRPr lang="zh-CN" altLang="en-US"/>
           </a:p>
@@ -2396,6 +2258,7 @@
               <a:rPr lang="zh-CN" altLang="en-US"/>
               <a:t>单击此处编辑母版标题样式</a:t>
             </a:r>
+            <a:endParaRPr lang="zh-CN" altLang="en-US"/>
           </a:p>
         </p:txBody>
       </p:sp>
@@ -2419,6 +2282,7 @@
               <a:rPr lang="zh-CN" altLang="en-US"/>
               <a:t>单击此处编辑母版文本样式</a:t>
             </a:r>
+            <a:endParaRPr lang="zh-CN" altLang="en-US"/>
           </a:p>
           <a:p>
             <a:pPr lvl="1"/>
@@ -2426,6 +2290,7 @@
               <a:rPr lang="zh-CN" altLang="en-US"/>
               <a:t>第二级</a:t>
             </a:r>
+            <a:endParaRPr lang="zh-CN" altLang="en-US"/>
           </a:p>
           <a:p>
             <a:pPr lvl="2"/>
@@ -2433,6 +2298,7 @@
               <a:rPr lang="zh-CN" altLang="en-US"/>
               <a:t>第三级</a:t>
             </a:r>
+            <a:endParaRPr lang="zh-CN" altLang="en-US"/>
           </a:p>
           <a:p>
             <a:pPr lvl="3"/>
@@ -2440,6 +2306,7 @@
               <a:rPr lang="zh-CN" altLang="en-US"/>
               <a:t>第四级</a:t>
             </a:r>
+            <a:endParaRPr lang="zh-CN" altLang="en-US"/>
           </a:p>
           <a:p>
             <a:pPr lvl="4"/>
@@ -2447,6 +2314,7 @@
               <a:rPr lang="zh-CN" altLang="en-US"/>
               <a:t>第五级</a:t>
             </a:r>
+            <a:endParaRPr lang="zh-CN" altLang="en-US"/>
           </a:p>
         </p:txBody>
       </p:sp>
@@ -2467,7 +2335,6 @@
           <a:p>
             <a:fld id="{530820CF-B880-4189-942D-D702A7CBA730}" type="datetimeFigureOut">
               <a:rPr lang="zh-CN" altLang="en-US" smtClean="0"/>
-              <a:t>2018/7/16</a:t>
             </a:fld>
             <a:endParaRPr lang="zh-CN" altLang="en-US"/>
           </a:p>
@@ -2509,7 +2376,6 @@
           <a:p>
             <a:fld id="{0C913308-F349-4B6D-A68A-DD1791B4A57B}" type="slidenum">
               <a:rPr lang="zh-CN" altLang="en-US" smtClean="0"/>
-              <a:t>‹#›</a:t>
             </a:fld>
             <a:endParaRPr lang="zh-CN" altLang="en-US"/>
           </a:p>
@@ -2564,6 +2430,7 @@
               <a:rPr lang="zh-CN" altLang="en-US"/>
               <a:t>单击此处编辑母版标题样式</a:t>
             </a:r>
+            <a:endParaRPr lang="zh-CN" altLang="en-US"/>
           </a:p>
         </p:txBody>
       </p:sp>
@@ -2592,6 +2459,7 @@
               <a:rPr lang="zh-CN" altLang="en-US"/>
               <a:t>单击此处编辑母版文本样式</a:t>
             </a:r>
+            <a:endParaRPr lang="zh-CN" altLang="en-US"/>
           </a:p>
           <a:p>
             <a:pPr lvl="1"/>
@@ -2599,6 +2467,7 @@
               <a:rPr lang="zh-CN" altLang="en-US"/>
               <a:t>第二级</a:t>
             </a:r>
+            <a:endParaRPr lang="zh-CN" altLang="en-US"/>
           </a:p>
           <a:p>
             <a:pPr lvl="2"/>
@@ -2606,6 +2475,7 @@
               <a:rPr lang="zh-CN" altLang="en-US"/>
               <a:t>第三级</a:t>
             </a:r>
+            <a:endParaRPr lang="zh-CN" altLang="en-US"/>
           </a:p>
           <a:p>
             <a:pPr lvl="3"/>
@@ -2613,6 +2483,7 @@
               <a:rPr lang="zh-CN" altLang="en-US"/>
               <a:t>第四级</a:t>
             </a:r>
+            <a:endParaRPr lang="zh-CN" altLang="en-US"/>
           </a:p>
           <a:p>
             <a:pPr lvl="4"/>
@@ -2620,6 +2491,7 @@
               <a:rPr lang="zh-CN" altLang="en-US"/>
               <a:t>第五级</a:t>
             </a:r>
+            <a:endParaRPr lang="zh-CN" altLang="en-US"/>
           </a:p>
         </p:txBody>
       </p:sp>
@@ -2640,7 +2512,6 @@
           <a:p>
             <a:fld id="{530820CF-B880-4189-942D-D702A7CBA730}" type="datetimeFigureOut">
               <a:rPr lang="zh-CN" altLang="en-US" smtClean="0"/>
-              <a:t>2018/7/16</a:t>
             </a:fld>
             <a:endParaRPr lang="zh-CN" altLang="en-US"/>
           </a:p>
@@ -2682,7 +2553,6 @@
           <a:p>
             <a:fld id="{0C913308-F349-4B6D-A68A-DD1791B4A57B}" type="slidenum">
               <a:rPr lang="zh-CN" altLang="en-US" smtClean="0"/>
-              <a:t>‹#›</a:t>
             </a:fld>
             <a:endParaRPr lang="zh-CN" altLang="en-US"/>
           </a:p>
@@ -2732,6 +2602,7 @@
               <a:rPr lang="zh-CN" altLang="en-US"/>
               <a:t>单击此处编辑母版标题样式</a:t>
             </a:r>
+            <a:endParaRPr lang="zh-CN" altLang="en-US"/>
           </a:p>
         </p:txBody>
       </p:sp>
@@ -2755,6 +2626,7 @@
               <a:rPr lang="zh-CN" altLang="en-US"/>
               <a:t>单击此处编辑母版文本样式</a:t>
             </a:r>
+            <a:endParaRPr lang="zh-CN" altLang="en-US"/>
           </a:p>
           <a:p>
             <a:pPr lvl="1"/>
@@ -2762,6 +2634,7 @@
               <a:rPr lang="zh-CN" altLang="en-US"/>
               <a:t>第二级</a:t>
             </a:r>
+            <a:endParaRPr lang="zh-CN" altLang="en-US"/>
           </a:p>
           <a:p>
             <a:pPr lvl="2"/>
@@ -2769,6 +2642,7 @@
               <a:rPr lang="zh-CN" altLang="en-US"/>
               <a:t>第三级</a:t>
             </a:r>
+            <a:endParaRPr lang="zh-CN" altLang="en-US"/>
           </a:p>
           <a:p>
             <a:pPr lvl="3"/>
@@ -2776,6 +2650,7 @@
               <a:rPr lang="zh-CN" altLang="en-US"/>
               <a:t>第四级</a:t>
             </a:r>
+            <a:endParaRPr lang="zh-CN" altLang="en-US"/>
           </a:p>
           <a:p>
             <a:pPr lvl="4"/>
@@ -2783,6 +2658,7 @@
               <a:rPr lang="zh-CN" altLang="en-US"/>
               <a:t>第五级</a:t>
             </a:r>
+            <a:endParaRPr lang="zh-CN" altLang="en-US"/>
           </a:p>
         </p:txBody>
       </p:sp>
@@ -2803,7 +2679,6 @@
           <a:p>
             <a:fld id="{530820CF-B880-4189-942D-D702A7CBA730}" type="datetimeFigureOut">
               <a:rPr lang="zh-CN" altLang="en-US" smtClean="0"/>
-              <a:t>2018/7/16</a:t>
             </a:fld>
             <a:endParaRPr lang="zh-CN" altLang="en-US"/>
           </a:p>
@@ -2845,7 +2720,6 @@
           <a:p>
             <a:fld id="{0C913308-F349-4B6D-A68A-DD1791B4A57B}" type="slidenum">
               <a:rPr lang="zh-CN" altLang="en-US" smtClean="0"/>
-              <a:t>‹#›</a:t>
             </a:fld>
             <a:endParaRPr lang="zh-CN" altLang="en-US"/>
           </a:p>
@@ -2904,6 +2778,7 @@
               <a:rPr lang="zh-CN" altLang="en-US"/>
               <a:t>单击此处编辑母版标题样式</a:t>
             </a:r>
+            <a:endParaRPr lang="zh-CN" altLang="en-US"/>
           </a:p>
         </p:txBody>
       </p:sp>
@@ -3023,6 +2898,7 @@
               <a:rPr lang="zh-CN" altLang="en-US"/>
               <a:t>单击此处编辑母版文本样式</a:t>
             </a:r>
+            <a:endParaRPr lang="zh-CN" altLang="en-US"/>
           </a:p>
         </p:txBody>
       </p:sp>
@@ -3043,7 +2919,6 @@
           <a:p>
             <a:fld id="{530820CF-B880-4189-942D-D702A7CBA730}" type="datetimeFigureOut">
               <a:rPr lang="zh-CN" altLang="en-US" smtClean="0"/>
-              <a:t>2018/7/16</a:t>
             </a:fld>
             <a:endParaRPr lang="zh-CN" altLang="en-US"/>
           </a:p>
@@ -3085,7 +2960,6 @@
           <a:p>
             <a:fld id="{0C913308-F349-4B6D-A68A-DD1791B4A57B}" type="slidenum">
               <a:rPr lang="zh-CN" altLang="en-US" smtClean="0"/>
-              <a:t>‹#›</a:t>
             </a:fld>
             <a:endParaRPr lang="zh-CN" altLang="en-US"/>
           </a:p>
@@ -3135,6 +3009,7 @@
               <a:rPr lang="zh-CN" altLang="en-US"/>
               <a:t>单击此处编辑母版标题样式</a:t>
             </a:r>
+            <a:endParaRPr lang="zh-CN" altLang="en-US"/>
           </a:p>
         </p:txBody>
       </p:sp>
@@ -3163,6 +3038,7 @@
               <a:rPr lang="zh-CN" altLang="en-US"/>
               <a:t>单击此处编辑母版文本样式</a:t>
             </a:r>
+            <a:endParaRPr lang="zh-CN" altLang="en-US"/>
           </a:p>
           <a:p>
             <a:pPr lvl="1"/>
@@ -3170,6 +3046,7 @@
               <a:rPr lang="zh-CN" altLang="en-US"/>
               <a:t>第二级</a:t>
             </a:r>
+            <a:endParaRPr lang="zh-CN" altLang="en-US"/>
           </a:p>
           <a:p>
             <a:pPr lvl="2"/>
@@ -3177,6 +3054,7 @@
               <a:rPr lang="zh-CN" altLang="en-US"/>
               <a:t>第三级</a:t>
             </a:r>
+            <a:endParaRPr lang="zh-CN" altLang="en-US"/>
           </a:p>
           <a:p>
             <a:pPr lvl="3"/>
@@ -3184,6 +3062,7 @@
               <a:rPr lang="zh-CN" altLang="en-US"/>
               <a:t>第四级</a:t>
             </a:r>
+            <a:endParaRPr lang="zh-CN" altLang="en-US"/>
           </a:p>
           <a:p>
             <a:pPr lvl="4"/>
@@ -3191,6 +3070,7 @@
               <a:rPr lang="zh-CN" altLang="en-US"/>
               <a:t>第五级</a:t>
             </a:r>
+            <a:endParaRPr lang="zh-CN" altLang="en-US"/>
           </a:p>
         </p:txBody>
       </p:sp>
@@ -3219,6 +3099,7 @@
               <a:rPr lang="zh-CN" altLang="en-US"/>
               <a:t>单击此处编辑母版文本样式</a:t>
             </a:r>
+            <a:endParaRPr lang="zh-CN" altLang="en-US"/>
           </a:p>
           <a:p>
             <a:pPr lvl="1"/>
@@ -3226,6 +3107,7 @@
               <a:rPr lang="zh-CN" altLang="en-US"/>
               <a:t>第二级</a:t>
             </a:r>
+            <a:endParaRPr lang="zh-CN" altLang="en-US"/>
           </a:p>
           <a:p>
             <a:pPr lvl="2"/>
@@ -3233,6 +3115,7 @@
               <a:rPr lang="zh-CN" altLang="en-US"/>
               <a:t>第三级</a:t>
             </a:r>
+            <a:endParaRPr lang="zh-CN" altLang="en-US"/>
           </a:p>
           <a:p>
             <a:pPr lvl="3"/>
@@ -3240,6 +3123,7 @@
               <a:rPr lang="zh-CN" altLang="en-US"/>
               <a:t>第四级</a:t>
             </a:r>
+            <a:endParaRPr lang="zh-CN" altLang="en-US"/>
           </a:p>
           <a:p>
             <a:pPr lvl="4"/>
@@ -3247,6 +3131,7 @@
               <a:rPr lang="zh-CN" altLang="en-US"/>
               <a:t>第五级</a:t>
             </a:r>
+            <a:endParaRPr lang="zh-CN" altLang="en-US"/>
           </a:p>
         </p:txBody>
       </p:sp>
@@ -3267,7 +3152,6 @@
           <a:p>
             <a:fld id="{530820CF-B880-4189-942D-D702A7CBA730}" type="datetimeFigureOut">
               <a:rPr lang="zh-CN" altLang="en-US" smtClean="0"/>
-              <a:t>2018/7/16</a:t>
             </a:fld>
             <a:endParaRPr lang="zh-CN" altLang="en-US"/>
           </a:p>
@@ -3309,7 +3193,6 @@
           <a:p>
             <a:fld id="{0C913308-F349-4B6D-A68A-DD1791B4A57B}" type="slidenum">
               <a:rPr lang="zh-CN" altLang="en-US" smtClean="0"/>
-              <a:t>‹#›</a:t>
             </a:fld>
             <a:endParaRPr lang="zh-CN" altLang="en-US"/>
           </a:p>
@@ -3364,6 +3247,7 @@
               <a:rPr lang="zh-CN" altLang="en-US"/>
               <a:t>单击此处编辑母版标题样式</a:t>
             </a:r>
+            <a:endParaRPr lang="zh-CN" altLang="en-US"/>
           </a:p>
         </p:txBody>
       </p:sp>
@@ -3429,6 +3313,7 @@
               <a:rPr lang="zh-CN" altLang="en-US"/>
               <a:t>单击此处编辑母版文本样式</a:t>
             </a:r>
+            <a:endParaRPr lang="zh-CN" altLang="en-US"/>
           </a:p>
         </p:txBody>
       </p:sp>
@@ -3457,6 +3342,7 @@
               <a:rPr lang="zh-CN" altLang="en-US"/>
               <a:t>单击此处编辑母版文本样式</a:t>
             </a:r>
+            <a:endParaRPr lang="zh-CN" altLang="en-US"/>
           </a:p>
           <a:p>
             <a:pPr lvl="1"/>
@@ -3464,6 +3350,7 @@
               <a:rPr lang="zh-CN" altLang="en-US"/>
               <a:t>第二级</a:t>
             </a:r>
+            <a:endParaRPr lang="zh-CN" altLang="en-US"/>
           </a:p>
           <a:p>
             <a:pPr lvl="2"/>
@@ -3471,6 +3358,7 @@
               <a:rPr lang="zh-CN" altLang="en-US"/>
               <a:t>第三级</a:t>
             </a:r>
+            <a:endParaRPr lang="zh-CN" altLang="en-US"/>
           </a:p>
           <a:p>
             <a:pPr lvl="3"/>
@@ -3478,6 +3366,7 @@
               <a:rPr lang="zh-CN" altLang="en-US"/>
               <a:t>第四级</a:t>
             </a:r>
+            <a:endParaRPr lang="zh-CN" altLang="en-US"/>
           </a:p>
           <a:p>
             <a:pPr lvl="4"/>
@@ -3485,6 +3374,7 @@
               <a:rPr lang="zh-CN" altLang="en-US"/>
               <a:t>第五级</a:t>
             </a:r>
+            <a:endParaRPr lang="zh-CN" altLang="en-US"/>
           </a:p>
         </p:txBody>
       </p:sp>
@@ -3550,6 +3440,7 @@
               <a:rPr lang="zh-CN" altLang="en-US"/>
               <a:t>单击此处编辑母版文本样式</a:t>
             </a:r>
+            <a:endParaRPr lang="zh-CN" altLang="en-US"/>
           </a:p>
         </p:txBody>
       </p:sp>
@@ -3578,6 +3469,7 @@
               <a:rPr lang="zh-CN" altLang="en-US"/>
               <a:t>单击此处编辑母版文本样式</a:t>
             </a:r>
+            <a:endParaRPr lang="zh-CN" altLang="en-US"/>
           </a:p>
           <a:p>
             <a:pPr lvl="1"/>
@@ -3585,6 +3477,7 @@
               <a:rPr lang="zh-CN" altLang="en-US"/>
               <a:t>第二级</a:t>
             </a:r>
+            <a:endParaRPr lang="zh-CN" altLang="en-US"/>
           </a:p>
           <a:p>
             <a:pPr lvl="2"/>
@@ -3592,6 +3485,7 @@
               <a:rPr lang="zh-CN" altLang="en-US"/>
               <a:t>第三级</a:t>
             </a:r>
+            <a:endParaRPr lang="zh-CN" altLang="en-US"/>
           </a:p>
           <a:p>
             <a:pPr lvl="3"/>
@@ -3599,6 +3493,7 @@
               <a:rPr lang="zh-CN" altLang="en-US"/>
               <a:t>第四级</a:t>
             </a:r>
+            <a:endParaRPr lang="zh-CN" altLang="en-US"/>
           </a:p>
           <a:p>
             <a:pPr lvl="4"/>
@@ -3606,6 +3501,7 @@
               <a:rPr lang="zh-CN" altLang="en-US"/>
               <a:t>第五级</a:t>
             </a:r>
+            <a:endParaRPr lang="zh-CN" altLang="en-US"/>
           </a:p>
         </p:txBody>
       </p:sp>
@@ -3626,7 +3522,6 @@
           <a:p>
             <a:fld id="{530820CF-B880-4189-942D-D702A7CBA730}" type="datetimeFigureOut">
               <a:rPr lang="zh-CN" altLang="en-US" smtClean="0"/>
-              <a:t>2018/7/16</a:t>
             </a:fld>
             <a:endParaRPr lang="zh-CN" altLang="en-US"/>
           </a:p>
@@ -3668,7 +3563,6 @@
           <a:p>
             <a:fld id="{0C913308-F349-4B6D-A68A-DD1791B4A57B}" type="slidenum">
               <a:rPr lang="zh-CN" altLang="en-US" smtClean="0"/>
-              <a:t>‹#›</a:t>
             </a:fld>
             <a:endParaRPr lang="zh-CN" altLang="en-US"/>
           </a:p>
@@ -3718,6 +3612,7 @@
               <a:rPr lang="zh-CN" altLang="en-US"/>
               <a:t>单击此处编辑母版标题样式</a:t>
             </a:r>
+            <a:endParaRPr lang="zh-CN" altLang="en-US"/>
           </a:p>
         </p:txBody>
       </p:sp>
@@ -3738,7 +3633,6 @@
           <a:p>
             <a:fld id="{530820CF-B880-4189-942D-D702A7CBA730}" type="datetimeFigureOut">
               <a:rPr lang="zh-CN" altLang="en-US" smtClean="0"/>
-              <a:t>2018/7/16</a:t>
             </a:fld>
             <a:endParaRPr lang="zh-CN" altLang="en-US"/>
           </a:p>
@@ -3780,7 +3674,6 @@
           <a:p>
             <a:fld id="{0C913308-F349-4B6D-A68A-DD1791B4A57B}" type="slidenum">
               <a:rPr lang="zh-CN" altLang="en-US" smtClean="0"/>
-              <a:t>‹#›</a:t>
             </a:fld>
             <a:endParaRPr lang="zh-CN" altLang="en-US"/>
           </a:p>
@@ -3828,7 +3721,6 @@
           <a:p>
             <a:fld id="{530820CF-B880-4189-942D-D702A7CBA730}" type="datetimeFigureOut">
               <a:rPr lang="zh-CN" altLang="en-US" smtClean="0"/>
-              <a:t>2018/7/16</a:t>
             </a:fld>
             <a:endParaRPr lang="zh-CN" altLang="en-US"/>
           </a:p>
@@ -3870,7 +3762,6 @@
           <a:p>
             <a:fld id="{0C913308-F349-4B6D-A68A-DD1791B4A57B}" type="slidenum">
               <a:rPr lang="zh-CN" altLang="en-US" smtClean="0"/>
-              <a:t>‹#›</a:t>
             </a:fld>
             <a:endParaRPr lang="zh-CN" altLang="en-US"/>
           </a:p>
@@ -3929,6 +3820,7 @@
               <a:rPr lang="zh-CN" altLang="en-US"/>
               <a:t>单击此处编辑母版标题样式</a:t>
             </a:r>
+            <a:endParaRPr lang="zh-CN" altLang="en-US"/>
           </a:p>
         </p:txBody>
       </p:sp>
@@ -3985,6 +3877,7 @@
               <a:rPr lang="zh-CN" altLang="en-US"/>
               <a:t>单击此处编辑母版文本样式</a:t>
             </a:r>
+            <a:endParaRPr lang="zh-CN" altLang="en-US"/>
           </a:p>
           <a:p>
             <a:pPr lvl="1"/>
@@ -3992,6 +3885,7 @@
               <a:rPr lang="zh-CN" altLang="en-US"/>
               <a:t>第二级</a:t>
             </a:r>
+            <a:endParaRPr lang="zh-CN" altLang="en-US"/>
           </a:p>
           <a:p>
             <a:pPr lvl="2"/>
@@ -3999,6 +3893,7 @@
               <a:rPr lang="zh-CN" altLang="en-US"/>
               <a:t>第三级</a:t>
             </a:r>
+            <a:endParaRPr lang="zh-CN" altLang="en-US"/>
           </a:p>
           <a:p>
             <a:pPr lvl="3"/>
@@ -4006,6 +3901,7 @@
               <a:rPr lang="zh-CN" altLang="en-US"/>
               <a:t>第四级</a:t>
             </a:r>
+            <a:endParaRPr lang="zh-CN" altLang="en-US"/>
           </a:p>
           <a:p>
             <a:pPr lvl="4"/>
@@ -4013,6 +3909,7 @@
               <a:rPr lang="zh-CN" altLang="en-US"/>
               <a:t>第五级</a:t>
             </a:r>
+            <a:endParaRPr lang="zh-CN" altLang="en-US"/>
           </a:p>
         </p:txBody>
       </p:sp>
@@ -4078,6 +3975,7 @@
               <a:rPr lang="zh-CN" altLang="en-US"/>
               <a:t>单击此处编辑母版文本样式</a:t>
             </a:r>
+            <a:endParaRPr lang="zh-CN" altLang="en-US"/>
           </a:p>
         </p:txBody>
       </p:sp>
@@ -4098,7 +3996,6 @@
           <a:p>
             <a:fld id="{530820CF-B880-4189-942D-D702A7CBA730}" type="datetimeFigureOut">
               <a:rPr lang="zh-CN" altLang="en-US" smtClean="0"/>
-              <a:t>2018/7/16</a:t>
             </a:fld>
             <a:endParaRPr lang="zh-CN" altLang="en-US"/>
           </a:p>
@@ -4140,7 +4037,6 @@
           <a:p>
             <a:fld id="{0C913308-F349-4B6D-A68A-DD1791B4A57B}" type="slidenum">
               <a:rPr lang="zh-CN" altLang="en-US" smtClean="0"/>
-              <a:t>‹#›</a:t>
             </a:fld>
             <a:endParaRPr lang="zh-CN" altLang="en-US"/>
           </a:p>
@@ -4199,6 +4095,7 @@
               <a:rPr lang="zh-CN" altLang="en-US"/>
               <a:t>单击此处编辑母版标题样式</a:t>
             </a:r>
+            <a:endParaRPr lang="zh-CN" altLang="en-US"/>
           </a:p>
         </p:txBody>
       </p:sp>
@@ -4263,6 +4160,7 @@
               <a:rPr lang="zh-CN" altLang="en-US"/>
               <a:t>单击图标添加图片</a:t>
             </a:r>
+            <a:endParaRPr lang="zh-CN" altLang="en-US"/>
           </a:p>
         </p:txBody>
       </p:sp>
@@ -4328,6 +4226,7 @@
               <a:rPr lang="zh-CN" altLang="en-US"/>
               <a:t>单击此处编辑母版文本样式</a:t>
             </a:r>
+            <a:endParaRPr lang="zh-CN" altLang="en-US"/>
           </a:p>
         </p:txBody>
       </p:sp>
@@ -4348,7 +4247,6 @@
           <a:p>
             <a:fld id="{530820CF-B880-4189-942D-D702A7CBA730}" type="datetimeFigureOut">
               <a:rPr lang="zh-CN" altLang="en-US" smtClean="0"/>
-              <a:t>2018/7/16</a:t>
             </a:fld>
             <a:endParaRPr lang="zh-CN" altLang="en-US"/>
           </a:p>
@@ -4390,7 +4288,6 @@
           <a:p>
             <a:fld id="{0C913308-F349-4B6D-A68A-DD1791B4A57B}" type="slidenum">
               <a:rPr lang="zh-CN" altLang="en-US" smtClean="0"/>
-              <a:t>‹#›</a:t>
             </a:fld>
             <a:endParaRPr lang="zh-CN" altLang="en-US"/>
           </a:p>
@@ -4455,6 +4352,7 @@
               <a:rPr lang="zh-CN" altLang="en-US"/>
               <a:t>单击此处编辑母版标题样式</a:t>
             </a:r>
+            <a:endParaRPr lang="zh-CN" altLang="en-US"/>
           </a:p>
         </p:txBody>
       </p:sp>
@@ -4488,6 +4386,7 @@
               <a:rPr lang="zh-CN" altLang="en-US"/>
               <a:t>单击此处编辑母版文本样式</a:t>
             </a:r>
+            <a:endParaRPr lang="zh-CN" altLang="en-US"/>
           </a:p>
           <a:p>
             <a:pPr lvl="1"/>
@@ -4495,6 +4394,7 @@
               <a:rPr lang="zh-CN" altLang="en-US"/>
               <a:t>第二级</a:t>
             </a:r>
+            <a:endParaRPr lang="zh-CN" altLang="en-US"/>
           </a:p>
           <a:p>
             <a:pPr lvl="2"/>
@@ -4502,6 +4402,7 @@
               <a:rPr lang="zh-CN" altLang="en-US"/>
               <a:t>第三级</a:t>
             </a:r>
+            <a:endParaRPr lang="zh-CN" altLang="en-US"/>
           </a:p>
           <a:p>
             <a:pPr lvl="3"/>
@@ -4509,6 +4410,7 @@
               <a:rPr lang="zh-CN" altLang="en-US"/>
               <a:t>第四级</a:t>
             </a:r>
+            <a:endParaRPr lang="zh-CN" altLang="en-US"/>
           </a:p>
           <a:p>
             <a:pPr lvl="4"/>
@@ -4516,6 +4418,7 @@
               <a:rPr lang="zh-CN" altLang="en-US"/>
               <a:t>第五级</a:t>
             </a:r>
+            <a:endParaRPr lang="zh-CN" altLang="en-US"/>
           </a:p>
         </p:txBody>
       </p:sp>
@@ -4554,7 +4457,6 @@
           <a:p>
             <a:fld id="{530820CF-B880-4189-942D-D702A7CBA730}" type="datetimeFigureOut">
               <a:rPr lang="zh-CN" altLang="en-US" smtClean="0"/>
-              <a:t>2018/7/16</a:t>
             </a:fld>
             <a:endParaRPr lang="zh-CN" altLang="en-US"/>
           </a:p>
@@ -4632,7 +4534,6 @@
           <a:p>
             <a:fld id="{0C913308-F349-4B6D-A68A-DD1791B4A57B}" type="slidenum">
               <a:rPr lang="zh-CN" altLang="en-US" smtClean="0"/>
-              <a:t>‹#›</a:t>
             </a:fld>
             <a:endParaRPr lang="zh-CN" altLang="en-US"/>
           </a:p>
@@ -5004,6 +4905,11 @@
               </a:rPr>
               <a:t>            </a:t>
             </a:r>
+            <a:endParaRPr lang="en-US" altLang="zh-CN" sz="1350">
+              <a:solidFill>
+                <a:schemeClr val="bg1"/>
+              </a:solidFill>
+            </a:endParaRPr>
           </a:p>
         </p:txBody>
       </p:sp>
@@ -5016,7 +4922,7 @@
           <p:nvPr/>
         </p:nvPicPr>
         <p:blipFill>
-          <a:blip r:embed="rId2"/>
+          <a:blip r:embed="rId1"/>
           <a:stretch>
             <a:fillRect/>
           </a:stretch>
@@ -5048,7 +4954,6 @@
           <a:p>
             <a:fld id="{7D9BB5D0-35E4-459D-AEF3-FE4D7C45CC19}" type="slidenum">
               <a:rPr lang="zh-CN" altLang="en-US" sz="900" smtClean="0"/>
-              <a:t>1</a:t>
             </a:fld>
             <a:endParaRPr lang="zh-CN" altLang="en-US" sz="900"/>
           </a:p>
@@ -5096,6 +5001,13 @@
               </a:rPr>
               <a:t>信数据服务（上海）有限公司 </a:t>
             </a:r>
+            <a:endParaRPr lang="zh-CN" altLang="en-US" sz="1350" dirty="0">
+              <a:solidFill>
+                <a:srgbClr val="42BDD8"/>
+              </a:solidFill>
+              <a:latin typeface="微软雅黑" panose="020B0503020204020204" pitchFamily="34" charset="-122"/>
+              <a:ea typeface="微软雅黑" panose="020B0503020204020204" pitchFamily="34" charset="-122"/>
+            </a:endParaRPr>
           </a:p>
         </p:txBody>
       </p:sp>
@@ -5162,6 +5074,13 @@
               </a:rPr>
               <a:t>月</a:t>
             </a:r>
+            <a:endParaRPr lang="zh-CN" altLang="en-US" sz="1350" dirty="0">
+              <a:solidFill>
+                <a:srgbClr val="42BDD8"/>
+              </a:solidFill>
+              <a:latin typeface="微软雅黑" panose="020B0503020204020204" pitchFamily="34" charset="-122"/>
+              <a:ea typeface="微软雅黑" panose="020B0503020204020204" pitchFamily="34" charset="-122"/>
+            </a:endParaRPr>
           </a:p>
         </p:txBody>
       </p:sp>
@@ -5174,7 +5093,7 @@
           <p:nvPr/>
         </p:nvPicPr>
         <p:blipFill>
-          <a:blip r:embed="rId3"/>
+          <a:blip r:embed="rId2"/>
           <a:stretch>
             <a:fillRect/>
           </a:stretch>
@@ -5294,8 +5213,8 @@
         </p:nvSpPr>
         <p:spPr>
           <a:xfrm>
-            <a:off x="5436096" y="260648"/>
-            <a:ext cx="3707904" cy="800219"/>
+            <a:off x="5436096" y="293668"/>
+            <a:ext cx="3707904" cy="675640"/>
           </a:xfrm>
           <a:prstGeom prst="rect">
             <a:avLst/>
@@ -5310,17 +5229,79 @@
           <a:p>
             <a:pPr algn="r"/>
             <a:r>
-              <a:rPr lang="en-US" altLang="zh-CN" sz="2800" b="1" dirty="0" err="1"/>
+              <a:rPr lang="en-US" altLang="zh-CN" sz="2000" dirty="0" err="1">
+                <a:latin typeface="微软雅黑" panose="020B0503020204020204" pitchFamily="34" charset="-122"/>
+                <a:ea typeface="微软雅黑" panose="020B0503020204020204" pitchFamily="34" charset="-122"/>
+                <a:cs typeface="微软雅黑" panose="020B0503020204020204" pitchFamily="34" charset="-122"/>
+              </a:rPr>
               <a:t>Softmax</a:t>
             </a:r>
             <a:r>
-              <a:rPr lang="zh-CN" altLang="en-US" sz="2800" b="1" dirty="0"/>
+              <a:rPr lang="zh-CN" altLang="en-US" sz="2000" dirty="0">
+                <a:latin typeface="微软雅黑" panose="020B0503020204020204" pitchFamily="34" charset="-122"/>
+                <a:ea typeface="微软雅黑" panose="020B0503020204020204" pitchFamily="34" charset="-122"/>
+                <a:cs typeface="微软雅黑" panose="020B0503020204020204" pitchFamily="34" charset="-122"/>
+              </a:rPr>
               <a:t>回归介绍</a:t>
             </a:r>
+            <a:endParaRPr lang="zh-CN" altLang="en-US" sz="2800" b="1" dirty="0"/>
           </a:p>
           <a:p>
             <a:pPr algn="r"/>
             <a:endParaRPr lang="zh-CN" altLang="en-US" dirty="0"/>
+          </a:p>
+        </p:txBody>
+      </p:sp>
+      <p:pic>
+        <p:nvPicPr>
+          <p:cNvPr id="2" name="图片 1"/>
+          <p:cNvPicPr>
+            <a:picLocks noChangeAspect="1"/>
+          </p:cNvPicPr>
+          <p:nvPr/>
+        </p:nvPicPr>
+        <p:blipFill>
+          <a:blip r:embed="rId1"/>
+          <a:stretch>
+            <a:fillRect/>
+          </a:stretch>
+        </p:blipFill>
+        <p:spPr>
+          <a:xfrm>
+            <a:off x="643255" y="845820"/>
+            <a:ext cx="7675880" cy="4409440"/>
+          </a:xfrm>
+          <a:prstGeom prst="rect">
+            <a:avLst/>
+          </a:prstGeom>
+        </p:spPr>
+      </p:pic>
+      <p:sp>
+        <p:nvSpPr>
+          <p:cNvPr id="4" name="文本框 3"/>
+          <p:cNvSpPr txBox="1"/>
+          <p:nvPr/>
+        </p:nvSpPr>
+        <p:spPr>
+          <a:xfrm>
+            <a:off x="770255" y="5383530"/>
+            <a:ext cx="7421245" cy="953135"/>
+          </a:xfrm>
+          <a:prstGeom prst="rect">
+            <a:avLst/>
+          </a:prstGeom>
+          <a:noFill/>
+        </p:spPr>
+        <p:txBody>
+          <a:bodyPr wrap="square" rtlCol="0">
+            <a:spAutoFit/>
+          </a:bodyPr>
+          <a:p>
+            <a:r>
+              <a:rPr lang="zh-CN" altLang="en-US" sz="1400"/>
+              <a:t>把输入值当成幂指数求值，再正则化这些结果值。这个幂运算表示，更大的证据对应更大的假设模型（hypothesis）里面的乘数权重值。反之，拥有更少的证据意味着在假设模型里面拥有更小的乘数系数。假设模型里的权值不可以是0值或者负值。Softmax然后会正则化这些权重值，使它们的总和等于1，以此构造一个有效的概率分布。</a:t>
+            </a:r>
+            <a:endParaRPr lang="zh-CN" altLang="en-US" sz="1400"/>
           </a:p>
         </p:txBody>
       </p:sp>
@@ -5391,6 +5372,77 @@
           </a:fontRef>
         </p:style>
       </p:cxnSp>
+      <p:sp>
+        <p:nvSpPr>
+          <p:cNvPr id="2" name="文本框 1"/>
+          <p:cNvSpPr txBox="1"/>
+          <p:nvPr/>
+        </p:nvSpPr>
+        <p:spPr>
+          <a:xfrm>
+            <a:off x="6947535" y="313690"/>
+            <a:ext cx="2196465" cy="398780"/>
+          </a:xfrm>
+          <a:prstGeom prst="rect">
+            <a:avLst/>
+          </a:prstGeom>
+          <a:noFill/>
+        </p:spPr>
+        <p:txBody>
+          <a:bodyPr wrap="none" rtlCol="0" anchor="t">
+            <a:spAutoFit/>
+          </a:bodyPr>
+          <a:p>
+            <a:r>
+              <a:rPr lang="en-US" altLang="zh-CN" sz="2000" dirty="0" err="1">
+                <a:latin typeface="微软雅黑" panose="020B0503020204020204" pitchFamily="34" charset="-122"/>
+                <a:ea typeface="微软雅黑" panose="020B0503020204020204" pitchFamily="34" charset="-122"/>
+                <a:cs typeface="微软雅黑" panose="020B0503020204020204" pitchFamily="34" charset="-122"/>
+                <a:sym typeface="+mn-ea"/>
+              </a:rPr>
+              <a:t>Softmax</a:t>
+            </a:r>
+            <a:r>
+              <a:rPr lang="zh-CN" altLang="en-US" sz="2000" dirty="0">
+                <a:latin typeface="微软雅黑" panose="020B0503020204020204" pitchFamily="34" charset="-122"/>
+                <a:ea typeface="微软雅黑" panose="020B0503020204020204" pitchFamily="34" charset="-122"/>
+                <a:cs typeface="微软雅黑" panose="020B0503020204020204" pitchFamily="34" charset="-122"/>
+                <a:sym typeface="+mn-ea"/>
+              </a:rPr>
+              <a:t>回归介绍</a:t>
+            </a:r>
+            <a:endParaRPr lang="zh-CN" altLang="en-US" sz="2000">
+              <a:latin typeface="微软雅黑" panose="020B0503020204020204" pitchFamily="34" charset="-122"/>
+              <a:ea typeface="微软雅黑" panose="020B0503020204020204" pitchFamily="34" charset="-122"/>
+              <a:cs typeface="微软雅黑" panose="020B0503020204020204" pitchFamily="34" charset="-122"/>
+            </a:endParaRPr>
+          </a:p>
+        </p:txBody>
+      </p:sp>
+      <p:pic>
+        <p:nvPicPr>
+          <p:cNvPr id="3" name="图片 2"/>
+          <p:cNvPicPr>
+            <a:picLocks noChangeAspect="1"/>
+          </p:cNvPicPr>
+          <p:nvPr/>
+        </p:nvPicPr>
+        <p:blipFill>
+          <a:blip r:embed="rId1"/>
+          <a:stretch>
+            <a:fillRect/>
+          </a:stretch>
+        </p:blipFill>
+        <p:spPr>
+          <a:xfrm>
+            <a:off x="935355" y="800735"/>
+            <a:ext cx="7049135" cy="5946140"/>
+          </a:xfrm>
+          <a:prstGeom prst="rect">
+            <a:avLst/>
+          </a:prstGeom>
+        </p:spPr>
+      </p:pic>
     </p:spTree>
   </p:cSld>
   <p:clrMapOvr>
@@ -5495,6 +5547,42 @@
           </a:p>
           <a:p>
             <a:endParaRPr lang="en-US" altLang="zh-CN"/>
+          </a:p>
+        </p:txBody>
+      </p:sp>
+      <p:sp>
+        <p:nvSpPr>
+          <p:cNvPr id="3" name="文本框 2"/>
+          <p:cNvSpPr txBox="1"/>
+          <p:nvPr/>
+        </p:nvSpPr>
+        <p:spPr>
+          <a:xfrm>
+            <a:off x="7020560" y="238125"/>
+            <a:ext cx="2015490" cy="398780"/>
+          </a:xfrm>
+          <a:prstGeom prst="rect">
+            <a:avLst/>
+          </a:prstGeom>
+          <a:noFill/>
+        </p:spPr>
+        <p:txBody>
+          <a:bodyPr wrap="square" rtlCol="0">
+            <a:spAutoFit/>
+          </a:bodyPr>
+          <a:p>
+            <a:pPr algn="r"/>
+            <a:r>
+              <a:rPr lang="zh-CN" altLang="en-US" sz="2000">
+                <a:latin typeface="微软雅黑" panose="020B0503020204020204" pitchFamily="34" charset="-122"/>
+                <a:ea typeface="微软雅黑" panose="020B0503020204020204" pitchFamily="34" charset="-122"/>
+              </a:rPr>
+              <a:t>实现回归模型</a:t>
+            </a:r>
+            <a:endParaRPr lang="zh-CN" altLang="en-US" sz="2000">
+              <a:latin typeface="微软雅黑" panose="020B0503020204020204" pitchFamily="34" charset="-122"/>
+              <a:ea typeface="微软雅黑" panose="020B0503020204020204" pitchFamily="34" charset="-122"/>
+            </a:endParaRPr>
           </a:p>
         </p:txBody>
       </p:sp>
@@ -5872,6 +5960,7 @@
               <a:rPr lang="en-US" altLang="zh-CN"/>
               <a:t>  </a:t>
             </a:r>
+            <a:endParaRPr lang="en-US" altLang="zh-CN"/>
           </a:p>
         </p:txBody>
       </p:sp>
@@ -6008,6 +6097,7 @@
               <a:rPr lang="en-US" altLang="zh-CN"/>
               <a:t>  </a:t>
             </a:r>
+            <a:endParaRPr lang="en-US" altLang="zh-CN"/>
           </a:p>
         </p:txBody>
       </p:sp>
@@ -6144,6 +6234,7 @@
               <a:rPr lang="en-US" altLang="zh-CN"/>
               <a:t>  </a:t>
             </a:r>
+            <a:endParaRPr lang="en-US" altLang="zh-CN"/>
           </a:p>
         </p:txBody>
       </p:sp>
@@ -6240,6 +6331,7 @@
               <a:rPr lang="en-US" altLang="zh-CN"/>
               <a:t>  </a:t>
             </a:r>
+            <a:endParaRPr lang="en-US" altLang="zh-CN"/>
           </a:p>
         </p:txBody>
       </p:sp>
@@ -7231,7 +7323,7 @@
         <p:spPr>
           <a:xfrm>
             <a:off x="3995936" y="180779"/>
-            <a:ext cx="5004048" cy="521970"/>
+            <a:ext cx="5004048" cy="398780"/>
           </a:xfrm>
           <a:prstGeom prst="rect">
             <a:avLst/>
@@ -7246,13 +7338,13 @@
           <a:p>
             <a:pPr algn="r"/>
             <a:r>
-              <a:rPr lang="zh-CN" altLang="en-US" sz="2800" dirty="0" smtClean="0">
+              <a:rPr lang="zh-CN" altLang="en-US" sz="2000" dirty="0" smtClean="0">
                 <a:latin typeface="微软雅黑" panose="020B0503020204020204" pitchFamily="34" charset="-122"/>
                 <a:ea typeface="微软雅黑" panose="020B0503020204020204" pitchFamily="34" charset="-122"/>
               </a:rPr>
               <a:t>本期主题</a:t>
             </a:r>
-            <a:endParaRPr lang="zh-CN" altLang="en-US" sz="2800" dirty="0">
+            <a:endParaRPr lang="zh-CN" altLang="en-US" sz="2000" dirty="0" smtClean="0">
               <a:latin typeface="微软雅黑" panose="020B0503020204020204" pitchFamily="34" charset="-122"/>
               <a:ea typeface="微软雅黑" panose="020B0503020204020204" pitchFamily="34" charset="-122"/>
             </a:endParaRPr>
@@ -7817,6 +7909,13 @@
               </a:rPr>
               <a:t>1</a:t>
             </a:r>
+            <a:endParaRPr lang="zh-CN" altLang="zh-CN" sz="2400" b="1" dirty="0">
+              <a:solidFill>
+                <a:schemeClr val="bg1"/>
+              </a:solidFill>
+              <a:latin typeface="微软雅黑" panose="020B0503020204020204" pitchFamily="34" charset="-122"/>
+              <a:ea typeface="微软雅黑" panose="020B0503020204020204" pitchFamily="34" charset="-122"/>
+            </a:endParaRPr>
           </a:p>
         </p:txBody>
       </p:sp>
@@ -8190,6 +8289,13 @@
               </a:rPr>
               <a:t>2</a:t>
             </a:r>
+            <a:endParaRPr lang="zh-CN" altLang="zh-CN" sz="2400" b="1">
+              <a:solidFill>
+                <a:schemeClr val="bg1"/>
+              </a:solidFill>
+              <a:latin typeface="微软雅黑" panose="020B0503020204020204" pitchFamily="34" charset="-122"/>
+              <a:ea typeface="微软雅黑" panose="020B0503020204020204" pitchFamily="34" charset="-122"/>
+            </a:endParaRPr>
           </a:p>
         </p:txBody>
       </p:sp>
@@ -8563,6 +8669,13 @@
               </a:rPr>
               <a:t>3</a:t>
             </a:r>
+            <a:endParaRPr lang="zh-CN" altLang="zh-CN" sz="2400" b="1">
+              <a:solidFill>
+                <a:schemeClr val="bg1"/>
+              </a:solidFill>
+              <a:latin typeface="微软雅黑" panose="020B0503020204020204" pitchFamily="34" charset="-122"/>
+              <a:ea typeface="微软雅黑" panose="020B0503020204020204" pitchFamily="34" charset="-122"/>
+            </a:endParaRPr>
           </a:p>
         </p:txBody>
       </p:sp>
@@ -8936,6 +9049,13 @@
               </a:rPr>
               <a:t>4</a:t>
             </a:r>
+            <a:endParaRPr lang="zh-CN" altLang="zh-CN" sz="2400" b="1">
+              <a:solidFill>
+                <a:schemeClr val="bg1"/>
+              </a:solidFill>
+              <a:latin typeface="微软雅黑" panose="020B0503020204020204" pitchFamily="34" charset="-122"/>
+              <a:ea typeface="微软雅黑" panose="020B0503020204020204" pitchFamily="34" charset="-122"/>
+            </a:endParaRPr>
           </a:p>
         </p:txBody>
       </p:sp>
@@ -9309,6 +9429,13 @@
               </a:rPr>
               <a:t>5</a:t>
             </a:r>
+            <a:endParaRPr lang="zh-CN" altLang="zh-CN" sz="2400" b="1">
+              <a:solidFill>
+                <a:schemeClr val="bg1"/>
+              </a:solidFill>
+              <a:latin typeface="微软雅黑" panose="020B0503020204020204" pitchFamily="34" charset="-122"/>
+              <a:ea typeface="微软雅黑" panose="020B0503020204020204" pitchFamily="34" charset="-122"/>
+            </a:endParaRPr>
           </a:p>
         </p:txBody>
       </p:sp>
@@ -9818,6 +9945,7 @@
               <a:rPr lang="en-US" altLang="zh-CN"/>
               <a:t>  </a:t>
             </a:r>
+            <a:endParaRPr lang="en-US" altLang="zh-CN"/>
           </a:p>
         </p:txBody>
       </p:sp>
@@ -9954,6 +10082,7 @@
               <a:rPr lang="en-US" altLang="zh-CN"/>
               <a:t>  </a:t>
             </a:r>
+            <a:endParaRPr lang="en-US" altLang="zh-CN"/>
           </a:p>
         </p:txBody>
       </p:sp>
@@ -10013,6 +10142,18 @@
               </a:rPr>
               <a:t>谢谢！</a:t>
             </a:r>
+            <a:endParaRPr lang="zh-CN" altLang="en-US" sz="2800">
+              <a:solidFill>
+                <a:schemeClr val="tx1"/>
+              </a:solidFill>
+              <a:effectLst>
+                <a:outerShdw blurRad="38100" dist="19050" dir="2700000" algn="tl" rotWithShape="0">
+                  <a:schemeClr val="dk1">
+                    <a:alpha val="40000"/>
+                  </a:schemeClr>
+                </a:outerShdw>
+              </a:effectLst>
+            </a:endParaRPr>
           </a:p>
         </p:txBody>
       </p:sp>
@@ -10091,8 +10232,8 @@
         </p:nvSpPr>
         <p:spPr>
           <a:xfrm>
-            <a:off x="4139952" y="190322"/>
-            <a:ext cx="5004048" cy="521970"/>
+            <a:off x="4139952" y="313512"/>
+            <a:ext cx="5004048" cy="398780"/>
           </a:xfrm>
           <a:prstGeom prst="rect">
             <a:avLst/>
@@ -10107,20 +10248,20 @@
           <a:p>
             <a:pPr algn="r"/>
             <a:r>
-              <a:rPr lang="en-US" altLang="zh-CN" sz="2800" dirty="0" err="1" smtClean="0">
+              <a:rPr lang="en-US" altLang="zh-CN" sz="2000" dirty="0" err="1" smtClean="0">
                 <a:latin typeface="微软雅黑" panose="020B0503020204020204" pitchFamily="34" charset="-122"/>
                 <a:ea typeface="微软雅黑" panose="020B0503020204020204" pitchFamily="34" charset="-122"/>
               </a:rPr>
               <a:t>TensorFlow</a:t>
             </a:r>
             <a:r>
-              <a:rPr lang="zh-CN" altLang="en-US" sz="2800" dirty="0" smtClean="0">
+              <a:rPr lang="zh-CN" altLang="en-US" sz="2000" dirty="0" smtClean="0">
                 <a:latin typeface="微软雅黑" panose="020B0503020204020204" pitchFamily="34" charset="-122"/>
                 <a:ea typeface="微软雅黑" panose="020B0503020204020204" pitchFamily="34" charset="-122"/>
               </a:rPr>
               <a:t>安装</a:t>
             </a:r>
-            <a:endParaRPr lang="en-US" altLang="zh-CN" sz="2800" dirty="0">
+            <a:endParaRPr lang="en-US" altLang="zh-CN" sz="2000" dirty="0">
               <a:latin typeface="微软雅黑" panose="020B0503020204020204" pitchFamily="34" charset="-122"/>
               <a:ea typeface="微软雅黑" panose="020B0503020204020204" pitchFamily="34" charset="-122"/>
             </a:endParaRPr>
@@ -10224,9 +10365,6 @@
         </p:spPr>
         <p:txBody>
           <a:bodyPr vert="horz" wrap="none" lIns="0" tIns="101568" rIns="0" bIns="101568" numCol="1" anchor="ctr" anchorCtr="0" compatLnSpc="1">
-            <a:prstTxWarp prst="textNoShape">
-              <a:avLst/>
-            </a:prstTxWarp>
             <a:spAutoFit/>
           </a:bodyPr>
           <a:lstStyle/>
@@ -10245,20 +10383,7 @@
               <a:buSzTx/>
               <a:buFontTx/>
               <a:buNone/>
-              <a:tabLst/>
             </a:pPr>
-            <a:r>
-              <a:rPr kumimoji="0" lang="zh-CN" altLang="zh-CN" sz="600" b="0" i="0" u="none" strike="noStrike" cap="none" normalizeH="0" baseline="0" dirty="0" smtClean="0">
-                <a:ln>
-                  <a:noFill/>
-                </a:ln>
-                <a:solidFill>
-                  <a:schemeClr val="tx1"/>
-                </a:solidFill>
-                <a:effectLst/>
-              </a:rPr>
-              <a:t/>
-            </a:r>
             <a:br>
               <a:rPr kumimoji="0" lang="zh-CN" altLang="zh-CN" sz="600" b="0" i="0" u="none" strike="noStrike" cap="none" normalizeH="0" baseline="0" dirty="0" smtClean="0">
                 <a:ln>
@@ -10355,7 +10480,7 @@
                 </a:solidFill>
                 <a:latin typeface="微软雅黑" panose="020B0503020204020204" pitchFamily="34" charset="-122"/>
                 <a:ea typeface="微软雅黑" panose="020B0503020204020204" pitchFamily="34" charset="-122"/>
-                <a:hlinkClick r:id="rId3"/>
+                <a:hlinkClick r:id="rId1"/>
               </a:rPr>
               <a:t>Anaconda 下载网站</a:t>
             </a:r>
@@ -10368,88 +10493,6 @@
                 <a:ea typeface="微软雅黑" panose="020B0503020204020204" pitchFamily="34" charset="-122"/>
               </a:rPr>
               <a:t>上的说明下载并安装 Anaconda。</a:t>
-            </a:r>
-          </a:p>
-          <a:p>
-            <a:pPr lvl="0" eaLnBrk="0" fontAlgn="base" hangingPunct="0">
-              <a:spcBef>
-                <a:spcPct val="0"/>
-              </a:spcBef>
-              <a:spcAft>
-                <a:spcPct val="0"/>
-              </a:spcAft>
-              <a:buFontTx/>
-              <a:buAutoNum type="arabicPeriod" startAt="2"/>
-            </a:pPr>
-            <a:r>
-              <a:rPr lang="zh-CN" altLang="zh-CN" dirty="0">
-                <a:solidFill>
-                  <a:srgbClr val="212121"/>
-                </a:solidFill>
-                <a:latin typeface="微软雅黑" panose="020B0503020204020204" pitchFamily="34" charset="-122"/>
-                <a:ea typeface="微软雅黑" panose="020B0503020204020204" pitchFamily="34" charset="-122"/>
-              </a:rPr>
-              <a:t>通过调用以下命令创建名为 </a:t>
-            </a:r>
-            <a:r>
-              <a:rPr lang="zh-CN" altLang="zh-CN" sz="1200" dirty="0">
-                <a:solidFill>
-                  <a:srgbClr val="212121"/>
-                </a:solidFill>
-                <a:latin typeface="微软雅黑" panose="020B0503020204020204" pitchFamily="34" charset="-122"/>
-                <a:ea typeface="微软雅黑" panose="020B0503020204020204" pitchFamily="34" charset="-122"/>
-              </a:rPr>
-              <a:t>tensorflow</a:t>
-            </a:r>
-            <a:r>
-              <a:rPr lang="zh-CN" altLang="zh-CN" dirty="0">
-                <a:solidFill>
-                  <a:srgbClr val="212121"/>
-                </a:solidFill>
-                <a:latin typeface="微软雅黑" panose="020B0503020204020204" pitchFamily="34" charset="-122"/>
-                <a:ea typeface="微软雅黑" panose="020B0503020204020204" pitchFamily="34" charset="-122"/>
-              </a:rPr>
-              <a:t> 的 conda 环境：</a:t>
-            </a:r>
-          </a:p>
-          <a:p>
-            <a:pPr lvl="0" eaLnBrk="0" fontAlgn="base" hangingPunct="0">
-              <a:spcBef>
-                <a:spcPct val="0"/>
-              </a:spcBef>
-              <a:spcAft>
-                <a:spcPct val="0"/>
-              </a:spcAft>
-            </a:pPr>
-            <a:r>
-              <a:rPr lang="zh-CN" altLang="zh-CN" sz="1200" dirty="0">
-                <a:solidFill>
-                  <a:srgbClr val="37474F"/>
-                </a:solidFill>
-                <a:latin typeface="微软雅黑" panose="020B0503020204020204" pitchFamily="34" charset="-122"/>
-                <a:ea typeface="微软雅黑" panose="020B0503020204020204" pitchFamily="34" charset="-122"/>
-              </a:rPr>
-              <a:t>C:&gt; </a:t>
-            </a:r>
-            <a:r>
-              <a:rPr lang="zh-CN" altLang="zh-CN" sz="1200" b="1" dirty="0">
-                <a:solidFill>
-                  <a:srgbClr val="37474F"/>
-                </a:solidFill>
-                <a:latin typeface="微软雅黑" panose="020B0503020204020204" pitchFamily="34" charset="-122"/>
-                <a:ea typeface="微软雅黑" panose="020B0503020204020204" pitchFamily="34" charset="-122"/>
-              </a:rPr>
-              <a:t>conda create -n tensorflow pip python=3.5</a:t>
-            </a:r>
-            <a:r>
-              <a:rPr lang="zh-CN" altLang="zh-CN" sz="1200" dirty="0">
-                <a:solidFill>
-                  <a:srgbClr val="37474F"/>
-                </a:solidFill>
-                <a:latin typeface="微软雅黑" panose="020B0503020204020204" pitchFamily="34" charset="-122"/>
-                <a:ea typeface="微软雅黑" panose="020B0503020204020204" pitchFamily="34" charset="-122"/>
-              </a:rPr>
-              <a:t> </a:t>
             </a:r>
             <a:endParaRPr lang="zh-CN" altLang="zh-CN" dirty="0">
               <a:solidFill>
@@ -10468,7 +10511,7 @@
                 <a:spcPct val="0"/>
               </a:spcAft>
               <a:buFontTx/>
-              <a:buAutoNum type="arabicPeriod" startAt="3"/>
+              <a:buAutoNum type="arabicPeriod" startAt="2"/>
             </a:pPr>
             <a:r>
               <a:rPr lang="zh-CN" altLang="zh-CN" dirty="0">
@@ -10478,47 +10521,27 @@
                 <a:latin typeface="微软雅黑" panose="020B0503020204020204" pitchFamily="34" charset="-122"/>
                 <a:ea typeface="微软雅黑" panose="020B0503020204020204" pitchFamily="34" charset="-122"/>
               </a:rPr>
-              <a:t>通过发出以下命令激活 conda 环境：</a:t>
-            </a:r>
-          </a:p>
-          <a:p>
-            <a:pPr lvl="0" eaLnBrk="0" fontAlgn="base" hangingPunct="0">
-              <a:spcBef>
-                <a:spcPct val="0"/>
-              </a:spcBef>
-              <a:spcAft>
-                <a:spcPct val="0"/>
-              </a:spcAft>
-            </a:pPr>
+              <a:t>通过调用以下命令创建名为 </a:t>
+            </a:r>
             <a:r>
               <a:rPr lang="zh-CN" altLang="zh-CN" sz="1200" dirty="0">
                 <a:solidFill>
-                  <a:srgbClr val="37474F"/>
+                  <a:srgbClr val="212121"/>
                 </a:solidFill>
                 <a:latin typeface="微软雅黑" panose="020B0503020204020204" pitchFamily="34" charset="-122"/>
                 <a:ea typeface="微软雅黑" panose="020B0503020204020204" pitchFamily="34" charset="-122"/>
               </a:rPr>
-              <a:t>C:&gt; </a:t>
-            </a:r>
-            <a:r>
-              <a:rPr lang="zh-CN" altLang="zh-CN" sz="1200" b="1" dirty="0">
-                <a:solidFill>
-                  <a:srgbClr val="37474F"/>
+              <a:t>tensorflow</a:t>
+            </a:r>
+            <a:r>
+              <a:rPr lang="zh-CN" altLang="zh-CN" dirty="0">
+                <a:solidFill>
+                  <a:srgbClr val="212121"/>
                 </a:solidFill>
                 <a:latin typeface="微软雅黑" panose="020B0503020204020204" pitchFamily="34" charset="-122"/>
                 <a:ea typeface="微软雅黑" panose="020B0503020204020204" pitchFamily="34" charset="-122"/>
               </a:rPr>
-              <a:t>activate tensorflow</a:t>
-            </a:r>
-            <a:r>
-              <a:rPr lang="zh-CN" altLang="zh-CN" sz="1200" dirty="0">
-                <a:solidFill>
-                  <a:srgbClr val="37474F"/>
-                </a:solidFill>
-                <a:latin typeface="微软雅黑" panose="020B0503020204020204" pitchFamily="34" charset="-122"/>
-                <a:ea typeface="微软雅黑" panose="020B0503020204020204" pitchFamily="34" charset="-122"/>
-              </a:rPr>
-              <a:t> (tensorflow)C:&gt; # Your prompt should change </a:t>
+              <a:t> 的 conda 环境：</a:t>
             </a:r>
             <a:endParaRPr lang="zh-CN" altLang="zh-CN" dirty="0">
               <a:solidFill>
@@ -10536,48 +10559,26 @@
               <a:spcAft>
                 <a:spcPct val="0"/>
               </a:spcAft>
-              <a:buFontTx/>
-              <a:buAutoNum type="arabicPeriod" startAt="4"/>
             </a:pPr>
             <a:r>
-              <a:rPr lang="zh-CN" altLang="zh-CN" dirty="0">
-                <a:solidFill>
-                  <a:srgbClr val="212121"/>
+              <a:rPr lang="zh-CN" altLang="zh-CN" sz="1200" dirty="0">
+                <a:solidFill>
+                  <a:srgbClr val="37474F"/>
                 </a:solidFill>
                 <a:latin typeface="微软雅黑" panose="020B0503020204020204" pitchFamily="34" charset="-122"/>
                 <a:ea typeface="微软雅黑" panose="020B0503020204020204" pitchFamily="34" charset="-122"/>
               </a:rPr>
-              <a:t>发出相应命令以在 conda 环境中安装 TensorFlow。要安装仅支持 CPU 的 TensorFlow 版本，请输入以下命令：</a:t>
-            </a:r>
-          </a:p>
-          <a:p>
-            <a:pPr lvl="0" eaLnBrk="0" fontAlgn="base" hangingPunct="0">
-              <a:spcBef>
-                <a:spcPct val="0"/>
-              </a:spcBef>
-              <a:spcAft>
-                <a:spcPct val="0"/>
-              </a:spcAft>
-            </a:pPr>
-            <a:r>
-              <a:rPr lang="zh-CN" altLang="zh-CN" sz="1200" dirty="0">
+              <a:t>C:&gt; </a:t>
+            </a:r>
+            <a:r>
+              <a:rPr lang="zh-CN" altLang="zh-CN" sz="1200" b="1" dirty="0">
                 <a:solidFill>
                   <a:srgbClr val="37474F"/>
                 </a:solidFill>
                 <a:latin typeface="微软雅黑" panose="020B0503020204020204" pitchFamily="34" charset="-122"/>
                 <a:ea typeface="微软雅黑" panose="020B0503020204020204" pitchFamily="34" charset="-122"/>
               </a:rPr>
-              <a:t>(tensorflow)C:&gt; </a:t>
-            </a:r>
-            <a:r>
-              <a:rPr lang="zh-CN" altLang="zh-CN" sz="1200" b="1" dirty="0">
-                <a:solidFill>
-                  <a:srgbClr val="37474F"/>
-                </a:solidFill>
-                <a:latin typeface="微软雅黑" panose="020B0503020204020204" pitchFamily="34" charset="-122"/>
-                <a:ea typeface="微软雅黑" panose="020B0503020204020204" pitchFamily="34" charset="-122"/>
-              </a:rPr>
-              <a:t>pip install --ignore-installed --upgrade tensorflow</a:t>
+              <a:t>conda create -n tensorflow pip python=3.5</a:t>
             </a:r>
             <a:r>
               <a:rPr lang="zh-CN" altLang="zh-CN" sz="1200" dirty="0">
@@ -10605,6 +10606,158 @@
               <a:spcAft>
                 <a:spcPct val="0"/>
               </a:spcAft>
+              <a:buFontTx/>
+              <a:buAutoNum type="arabicPeriod" startAt="3"/>
+            </a:pPr>
+            <a:r>
+              <a:rPr lang="zh-CN" altLang="zh-CN" dirty="0">
+                <a:solidFill>
+                  <a:srgbClr val="212121"/>
+                </a:solidFill>
+                <a:latin typeface="微软雅黑" panose="020B0503020204020204" pitchFamily="34" charset="-122"/>
+                <a:ea typeface="微软雅黑" panose="020B0503020204020204" pitchFamily="34" charset="-122"/>
+              </a:rPr>
+              <a:t>通过发出以下命令激活 conda 环境：</a:t>
+            </a:r>
+            <a:endParaRPr lang="zh-CN" altLang="zh-CN" dirty="0">
+              <a:solidFill>
+                <a:srgbClr val="212121"/>
+              </a:solidFill>
+              <a:latin typeface="微软雅黑" panose="020B0503020204020204" pitchFamily="34" charset="-122"/>
+              <a:ea typeface="微软雅黑" panose="020B0503020204020204" pitchFamily="34" charset="-122"/>
+            </a:endParaRPr>
+          </a:p>
+          <a:p>
+            <a:pPr lvl="0" eaLnBrk="0" fontAlgn="base" hangingPunct="0">
+              <a:spcBef>
+                <a:spcPct val="0"/>
+              </a:spcBef>
+              <a:spcAft>
+                <a:spcPct val="0"/>
+              </a:spcAft>
+            </a:pPr>
+            <a:r>
+              <a:rPr lang="zh-CN" altLang="zh-CN" sz="1200" dirty="0">
+                <a:solidFill>
+                  <a:srgbClr val="37474F"/>
+                </a:solidFill>
+                <a:latin typeface="微软雅黑" panose="020B0503020204020204" pitchFamily="34" charset="-122"/>
+                <a:ea typeface="微软雅黑" panose="020B0503020204020204" pitchFamily="34" charset="-122"/>
+              </a:rPr>
+              <a:t>C:&gt; </a:t>
+            </a:r>
+            <a:r>
+              <a:rPr lang="zh-CN" altLang="zh-CN" sz="1200" b="1" dirty="0">
+                <a:solidFill>
+                  <a:srgbClr val="37474F"/>
+                </a:solidFill>
+                <a:latin typeface="微软雅黑" panose="020B0503020204020204" pitchFamily="34" charset="-122"/>
+                <a:ea typeface="微软雅黑" panose="020B0503020204020204" pitchFamily="34" charset="-122"/>
+              </a:rPr>
+              <a:t>activate tensorflow</a:t>
+            </a:r>
+            <a:r>
+              <a:rPr lang="zh-CN" altLang="zh-CN" sz="1200" dirty="0">
+                <a:solidFill>
+                  <a:srgbClr val="37474F"/>
+                </a:solidFill>
+                <a:latin typeface="微软雅黑" panose="020B0503020204020204" pitchFamily="34" charset="-122"/>
+                <a:ea typeface="微软雅黑" panose="020B0503020204020204" pitchFamily="34" charset="-122"/>
+              </a:rPr>
+              <a:t> (tensorflow)C:&gt; # Your prompt should change </a:t>
+            </a:r>
+            <a:endParaRPr lang="zh-CN" altLang="zh-CN" dirty="0">
+              <a:solidFill>
+                <a:srgbClr val="212121"/>
+              </a:solidFill>
+              <a:latin typeface="微软雅黑" panose="020B0503020204020204" pitchFamily="34" charset="-122"/>
+              <a:ea typeface="微软雅黑" panose="020B0503020204020204" pitchFamily="34" charset="-122"/>
+            </a:endParaRPr>
+          </a:p>
+          <a:p>
+            <a:pPr lvl="0" eaLnBrk="0" fontAlgn="base" hangingPunct="0">
+              <a:spcBef>
+                <a:spcPct val="0"/>
+              </a:spcBef>
+              <a:spcAft>
+                <a:spcPct val="0"/>
+              </a:spcAft>
+              <a:buFontTx/>
+              <a:buAutoNum type="arabicPeriod" startAt="4"/>
+            </a:pPr>
+            <a:r>
+              <a:rPr lang="zh-CN" altLang="zh-CN" dirty="0">
+                <a:solidFill>
+                  <a:srgbClr val="212121"/>
+                </a:solidFill>
+                <a:latin typeface="微软雅黑" panose="020B0503020204020204" pitchFamily="34" charset="-122"/>
+                <a:ea typeface="微软雅黑" panose="020B0503020204020204" pitchFamily="34" charset="-122"/>
+              </a:rPr>
+              <a:t>发出相应命令以在 conda 环境中安装 TensorFlow。要安装仅支持 CPU 的 TensorFlow 版本，请输入以下命令：</a:t>
+            </a:r>
+            <a:endParaRPr lang="zh-CN" altLang="zh-CN" dirty="0">
+              <a:solidFill>
+                <a:srgbClr val="212121"/>
+              </a:solidFill>
+              <a:latin typeface="微软雅黑" panose="020B0503020204020204" pitchFamily="34" charset="-122"/>
+              <a:ea typeface="微软雅黑" panose="020B0503020204020204" pitchFamily="34" charset="-122"/>
+            </a:endParaRPr>
+          </a:p>
+          <a:p>
+            <a:pPr lvl="0" eaLnBrk="0" fontAlgn="base" hangingPunct="0">
+              <a:spcBef>
+                <a:spcPct val="0"/>
+              </a:spcBef>
+              <a:spcAft>
+                <a:spcPct val="0"/>
+              </a:spcAft>
+            </a:pPr>
+            <a:r>
+              <a:rPr lang="zh-CN" altLang="zh-CN" sz="1200" dirty="0">
+                <a:solidFill>
+                  <a:srgbClr val="37474F"/>
+                </a:solidFill>
+                <a:latin typeface="微软雅黑" panose="020B0503020204020204" pitchFamily="34" charset="-122"/>
+                <a:ea typeface="微软雅黑" panose="020B0503020204020204" pitchFamily="34" charset="-122"/>
+              </a:rPr>
+              <a:t>(tensorflow)C:&gt; </a:t>
+            </a:r>
+            <a:r>
+              <a:rPr lang="zh-CN" altLang="zh-CN" sz="1200" b="1" dirty="0">
+                <a:solidFill>
+                  <a:srgbClr val="37474F"/>
+                </a:solidFill>
+                <a:latin typeface="微软雅黑" panose="020B0503020204020204" pitchFamily="34" charset="-122"/>
+                <a:ea typeface="微软雅黑" panose="020B0503020204020204" pitchFamily="34" charset="-122"/>
+              </a:rPr>
+              <a:t>pip install --ignore-installed --upgrade tensorflow</a:t>
+            </a:r>
+            <a:r>
+              <a:rPr lang="zh-CN" altLang="zh-CN" sz="1200" dirty="0">
+                <a:solidFill>
+                  <a:srgbClr val="37474F"/>
+                </a:solidFill>
+                <a:latin typeface="微软雅黑" panose="020B0503020204020204" pitchFamily="34" charset="-122"/>
+                <a:ea typeface="微软雅黑" panose="020B0503020204020204" pitchFamily="34" charset="-122"/>
+              </a:rPr>
+              <a:t> </a:t>
+            </a:r>
+            <a:endParaRPr lang="zh-CN" altLang="zh-CN" dirty="0">
+              <a:solidFill>
+                <a:srgbClr val="212121"/>
+              </a:solidFill>
+              <a:latin typeface="微软雅黑" panose="020B0503020204020204" pitchFamily="34" charset="-122"/>
+              <a:ea typeface="微软雅黑" panose="020B0503020204020204" pitchFamily="34" charset="-122"/>
+            </a:endParaRPr>
+          </a:p>
+          <a:p>
+            <a:pPr lvl="0" eaLnBrk="0" fontAlgn="base" hangingPunct="0">
+              <a:spcBef>
+                <a:spcPct val="0"/>
+              </a:spcBef>
+              <a:spcAft>
+                <a:spcPct val="0"/>
+              </a:spcAft>
             </a:pPr>
             <a:r>
               <a:rPr lang="zh-CN" altLang="zh-CN" dirty="0">
@@ -10616,6 +10769,13 @@
               </a:rPr>
               <a:t>要安装 GPU 版本的 TensorFlow，请输入以下命令（在同一行）：</a:t>
             </a:r>
+            <a:endParaRPr lang="zh-CN" altLang="zh-CN" dirty="0">
+              <a:solidFill>
+                <a:srgbClr val="212121"/>
+              </a:solidFill>
+              <a:latin typeface="微软雅黑" panose="020B0503020204020204" pitchFamily="34" charset="-122"/>
+              <a:ea typeface="微软雅黑" panose="020B0503020204020204" pitchFamily="34" charset="-122"/>
+            </a:endParaRPr>
           </a:p>
           <a:p>
             <a:pPr lvl="0" eaLnBrk="0" fontAlgn="base" hangingPunct="0">
@@ -10695,6 +10855,7 @@
               <a:rPr lang="zh-CN" altLang="en-US" sz="1600" dirty="0"/>
               <a:t>://www.tensorflow.org/install/install_windows</a:t>
             </a:r>
+            <a:endParaRPr lang="zh-CN" altLang="en-US" sz="1600" dirty="0"/>
           </a:p>
         </p:txBody>
       </p:sp>
@@ -10773,8 +10934,8 @@
         </p:nvSpPr>
         <p:spPr>
           <a:xfrm>
-            <a:off x="4139952" y="189072"/>
-            <a:ext cx="5004048" cy="521970"/>
+            <a:off x="4139952" y="313532"/>
+            <a:ext cx="5004048" cy="398780"/>
           </a:xfrm>
           <a:prstGeom prst="rect">
             <a:avLst/>
@@ -10789,13 +10950,13 @@
           <a:p>
             <a:pPr algn="r"/>
             <a:r>
-              <a:rPr lang="zh-CN" altLang="en-US" sz="2800" dirty="0" smtClean="0">
+              <a:rPr lang="zh-CN" altLang="en-US" sz="2000" dirty="0" smtClean="0">
                 <a:latin typeface="微软雅黑" panose="020B0503020204020204" pitchFamily="34" charset="-122"/>
                 <a:ea typeface="微软雅黑" panose="020B0503020204020204" pitchFamily="34" charset="-122"/>
               </a:rPr>
               <a:t>验证您的安装</a:t>
             </a:r>
-            <a:endParaRPr lang="en-US" altLang="zh-CN" sz="2800" dirty="0">
+            <a:endParaRPr lang="zh-CN" altLang="en-US" sz="2000" dirty="0" smtClean="0">
               <a:latin typeface="微软雅黑" panose="020B0503020204020204" pitchFamily="34" charset="-122"/>
               <a:ea typeface="微软雅黑" panose="020B0503020204020204" pitchFamily="34" charset="-122"/>
             </a:endParaRPr>
@@ -10837,7 +10998,7 @@
           <p:nvPr/>
         </p:nvPicPr>
         <p:blipFill>
-          <a:blip r:embed="rId3"/>
+          <a:blip r:embed="rId1"/>
           <a:stretch>
             <a:fillRect/>
           </a:stretch>
@@ -10927,8 +11088,8 @@
         </p:nvSpPr>
         <p:spPr>
           <a:xfrm>
-            <a:off x="4139952" y="189072"/>
-            <a:ext cx="5004048" cy="521970"/>
+            <a:off x="4091057" y="313532"/>
+            <a:ext cx="5004048" cy="398780"/>
           </a:xfrm>
           <a:prstGeom prst="rect">
             <a:avLst/>
@@ -10943,13 +11104,13 @@
           <a:p>
             <a:pPr algn="r"/>
             <a:r>
-              <a:rPr lang="zh-CN" altLang="en-US" sz="2800" dirty="0" smtClean="0">
+              <a:rPr lang="zh-CN" altLang="en-US" sz="2000" dirty="0" smtClean="0">
                 <a:latin typeface="微软雅黑" panose="020B0503020204020204" pitchFamily="34" charset="-122"/>
                 <a:ea typeface="微软雅黑" panose="020B0503020204020204" pitchFamily="34" charset="-122"/>
               </a:rPr>
               <a:t>可能会遇到的问题</a:t>
             </a:r>
-            <a:endParaRPr lang="zh-CN" altLang="en-US" sz="2800" dirty="0">
+            <a:endParaRPr lang="zh-CN" altLang="en-US" sz="2000" dirty="0" smtClean="0">
               <a:latin typeface="微软雅黑" panose="020B0503020204020204" pitchFamily="34" charset="-122"/>
               <a:ea typeface="微软雅黑" panose="020B0503020204020204" pitchFamily="34" charset="-122"/>
             </a:endParaRPr>
@@ -10965,7 +11126,7 @@
           <p:nvPr/>
         </p:nvPicPr>
         <p:blipFill>
-          <a:blip r:embed="rId3"/>
+          <a:blip r:embed="rId1"/>
           <a:stretch>
             <a:fillRect/>
           </a:stretch>
@@ -11005,6 +11166,7 @@
               <a:rPr lang="zh-CN" altLang="en-US" sz="1400" dirty="0"/>
               <a:t>https://stackoverflow.com/questions/47068709/your-cpu-supports-instructions-that-this-tensorflow-binary-was-not-compiled-to-u</a:t>
             </a:r>
+            <a:endParaRPr lang="zh-CN" altLang="en-US" sz="1400" dirty="0"/>
           </a:p>
         </p:txBody>
       </p:sp>
@@ -11083,8 +11245,8 @@
         </p:nvSpPr>
         <p:spPr>
           <a:xfrm>
-            <a:off x="2555776" y="189072"/>
-            <a:ext cx="6588224" cy="523220"/>
+            <a:off x="2555776" y="313532"/>
+            <a:ext cx="6588224" cy="398780"/>
           </a:xfrm>
           <a:prstGeom prst="rect">
             <a:avLst/>
@@ -11097,18 +11259,20 @@
           </a:bodyPr>
           <a:lstStyle/>
           <a:p>
-            <a:r>
-              <a:rPr lang="zh-CN" altLang="en-US" sz="2800" b="1"/>
+            <a:pPr algn="r"/>
+            <a:r>
+              <a:rPr lang="zh-CN" altLang="en-US" sz="2000" b="1"/>
               <a:t>面向机器学习初学者的 </a:t>
             </a:r>
             <a:r>
-              <a:rPr lang="en-US" altLang="zh-CN" sz="2800" b="1"/>
+              <a:rPr lang="en-US" altLang="zh-CN" sz="2000" b="1"/>
               <a:t>MNIST </a:t>
             </a:r>
             <a:r>
-              <a:rPr lang="zh-CN" altLang="en-US" sz="2800" b="1"/>
+              <a:rPr lang="zh-CN" altLang="en-US" sz="2000" b="1"/>
               <a:t>初级教程</a:t>
             </a:r>
+            <a:endParaRPr lang="zh-CN" altLang="en-US" sz="2000" b="1"/>
           </a:p>
         </p:txBody>
       </p:sp>
@@ -11200,6 +11364,7 @@
               <a:rPr lang="zh-CN" altLang="en-US" b="1" dirty="0"/>
               <a:t>准备数据</a:t>
             </a:r>
+            <a:endParaRPr lang="zh-CN" altLang="en-US" b="1" dirty="0"/>
           </a:p>
           <a:p>
             <a:r>
@@ -11230,6 +11395,7 @@
               <a:rPr lang="en-US" altLang="zh-CN" dirty="0"/>
               <a:t>9.</a:t>
             </a:r>
+            <a:endParaRPr lang="en-US" altLang="zh-CN" dirty="0"/>
           </a:p>
           <a:p>
             <a:endParaRPr lang="en-US" altLang="zh-CN" dirty="0" smtClean="0"/>
@@ -11247,6 +11413,7 @@
               <a:rPr lang="en-US" altLang="zh-CN" dirty="0"/>
               <a:t>://yann.lecun.com/exdb/mnist/</a:t>
             </a:r>
+            <a:endParaRPr lang="en-US" altLang="zh-CN" dirty="0"/>
           </a:p>
           <a:p>
             <a:endParaRPr lang="zh-CN" altLang="en-US" dirty="0"/>
@@ -11311,6 +11478,7 @@
               <a:rPr lang="zh-CN" altLang="en-US" dirty="0"/>
               <a:t>）。这样的切分很重要，在机器学习模型设计时必须有一个单独的测试数据集不用于训练而是用来评估这个模型的性能，从而更加容易把设计的模型推广到其他数据集上（泛化）。</a:t>
             </a:r>
+            <a:endParaRPr lang="zh-CN" altLang="en-US" dirty="0"/>
           </a:p>
         </p:txBody>
       </p:sp>
@@ -11389,8 +11557,8 @@
         </p:nvSpPr>
         <p:spPr>
           <a:xfrm>
-            <a:off x="7092280" y="188640"/>
-            <a:ext cx="2376264" cy="738664"/>
+            <a:off x="6602695" y="271190"/>
+            <a:ext cx="2376264" cy="675640"/>
           </a:xfrm>
           <a:prstGeom prst="rect">
             <a:avLst/>
@@ -11403,16 +11571,27 @@
           </a:bodyPr>
           <a:lstStyle/>
           <a:p>
-            <a:r>
-              <a:rPr lang="en-US" altLang="zh-CN" sz="2400" b="1" dirty="0"/>
+            <a:pPr algn="r"/>
+            <a:r>
+              <a:rPr lang="en-US" altLang="zh-CN" sz="2000" dirty="0">
+                <a:latin typeface="微软雅黑" panose="020B0503020204020204" pitchFamily="34" charset="-122"/>
+                <a:ea typeface="微软雅黑" panose="020B0503020204020204" pitchFamily="34" charset="-122"/>
+                <a:cs typeface="微软雅黑" panose="020B0503020204020204" pitchFamily="34" charset="-122"/>
+              </a:rPr>
               <a:t>MNIST</a:t>
             </a:r>
             <a:r>
-              <a:rPr lang="zh-CN" altLang="en-US" sz="2400" b="1" dirty="0"/>
+              <a:rPr lang="zh-CN" altLang="en-US" sz="2000" dirty="0">
+                <a:latin typeface="微软雅黑" panose="020B0503020204020204" pitchFamily="34" charset="-122"/>
+                <a:ea typeface="微软雅黑" panose="020B0503020204020204" pitchFamily="34" charset="-122"/>
+                <a:cs typeface="微软雅黑" panose="020B0503020204020204" pitchFamily="34" charset="-122"/>
+              </a:rPr>
               <a:t>数据集</a:t>
             </a:r>
-          </a:p>
-          <a:p>
+            <a:endParaRPr lang="zh-CN" altLang="en-US" sz="2400" b="1" dirty="0"/>
+          </a:p>
+          <a:p>
+            <a:pPr algn="r"/>
             <a:endParaRPr lang="zh-CN" altLang="en-US" dirty="0"/>
           </a:p>
         </p:txBody>
@@ -11534,6 +11713,7 @@
               <a:rPr lang="zh-CN" altLang="en-US" sz="1600" dirty="0"/>
               <a:t>像素。我们可以用一个数字数组来表示这张图片：</a:t>
             </a:r>
+            <a:endParaRPr lang="zh-CN" altLang="en-US" sz="1600" dirty="0"/>
           </a:p>
         </p:txBody>
       </p:sp>
@@ -11546,7 +11726,7 @@
           <p:nvPr/>
         </p:nvPicPr>
         <p:blipFill>
-          <a:blip r:embed="rId3"/>
+          <a:blip r:embed="rId1"/>
           <a:stretch>
             <a:fillRect/>
           </a:stretch>
@@ -11761,8 +11941,8 @@
         </p:nvSpPr>
         <p:spPr>
           <a:xfrm>
-            <a:off x="7020272" y="188640"/>
-            <a:ext cx="2376264" cy="738664"/>
+            <a:off x="6707852" y="262935"/>
+            <a:ext cx="2376264" cy="675640"/>
           </a:xfrm>
           <a:prstGeom prst="rect">
             <a:avLst/>
@@ -11775,14 +11955,24 @@
           </a:bodyPr>
           <a:lstStyle/>
           <a:p>
-            <a:r>
-              <a:rPr lang="en-US" altLang="zh-CN" sz="2400" b="1" dirty="0"/>
+            <a:pPr algn="r"/>
+            <a:r>
+              <a:rPr lang="en-US" altLang="zh-CN" sz="2000" dirty="0">
+                <a:latin typeface="微软雅黑" panose="020B0503020204020204" pitchFamily="34" charset="-122"/>
+                <a:ea typeface="微软雅黑" panose="020B0503020204020204" pitchFamily="34" charset="-122"/>
+                <a:cs typeface="微软雅黑" panose="020B0503020204020204" pitchFamily="34" charset="-122"/>
+              </a:rPr>
               <a:t>MNIST</a:t>
             </a:r>
             <a:r>
-              <a:rPr lang="zh-CN" altLang="en-US" sz="2400" b="1" dirty="0"/>
+              <a:rPr lang="zh-CN" altLang="en-US" sz="2000" dirty="0">
+                <a:latin typeface="微软雅黑" panose="020B0503020204020204" pitchFamily="34" charset="-122"/>
+                <a:ea typeface="微软雅黑" panose="020B0503020204020204" pitchFamily="34" charset="-122"/>
+                <a:cs typeface="微软雅黑" panose="020B0503020204020204" pitchFamily="34" charset="-122"/>
+              </a:rPr>
               <a:t>数据集</a:t>
             </a:r>
+            <a:endParaRPr lang="zh-CN" altLang="en-US" sz="2400" b="1" dirty="0"/>
           </a:p>
           <a:p>
             <a:endParaRPr lang="zh-CN" altLang="en-US" dirty="0"/>
@@ -11868,7 +12058,7 @@
           <p:nvPr/>
         </p:nvPicPr>
         <p:blipFill>
-          <a:blip r:embed="rId3"/>
+          <a:blip r:embed="rId1"/>
           <a:stretch>
             <a:fillRect/>
           </a:stretch>
@@ -11892,7 +12082,7 @@
           <p:nvPr/>
         </p:nvPicPr>
         <p:blipFill>
-          <a:blip r:embed="rId4"/>
+          <a:blip r:embed="rId2"/>
           <a:stretch>
             <a:fillRect/>
           </a:stretch>
@@ -12065,6 +12255,7 @@
               <a:rPr lang="zh-CN" altLang="en-US" sz="1600" dirty="0"/>
               <a:t>的数字矩阵。</a:t>
             </a:r>
+            <a:endParaRPr lang="zh-CN" altLang="en-US" sz="1600" dirty="0"/>
           </a:p>
         </p:txBody>
       </p:sp>
@@ -12143,8 +12334,8 @@
         </p:nvSpPr>
         <p:spPr>
           <a:xfrm>
-            <a:off x="4932040" y="235238"/>
-            <a:ext cx="3995936" cy="954107"/>
+            <a:off x="5022845" y="297468"/>
+            <a:ext cx="3995936" cy="829945"/>
           </a:xfrm>
           <a:prstGeom prst="rect">
             <a:avLst/>
@@ -12159,13 +12350,22 @@
           <a:p>
             <a:pPr algn="r"/>
             <a:r>
-              <a:rPr lang="en-US" altLang="zh-CN" sz="2800" b="1" dirty="0" err="1"/>
+              <a:rPr lang="en-US" altLang="zh-CN" sz="2000" dirty="0" err="1">
+                <a:latin typeface="微软雅黑" panose="020B0503020204020204" pitchFamily="34" charset="-122"/>
+                <a:ea typeface="微软雅黑" panose="020B0503020204020204" pitchFamily="34" charset="-122"/>
+                <a:cs typeface="微软雅黑" panose="020B0503020204020204" pitchFamily="34" charset="-122"/>
+              </a:rPr>
               <a:t>Softmax</a:t>
             </a:r>
             <a:r>
-              <a:rPr lang="zh-CN" altLang="en-US" sz="2800" b="1" dirty="0"/>
+              <a:rPr lang="zh-CN" altLang="en-US" sz="2000" dirty="0">
+                <a:latin typeface="微软雅黑" panose="020B0503020204020204" pitchFamily="34" charset="-122"/>
+                <a:ea typeface="微软雅黑" panose="020B0503020204020204" pitchFamily="34" charset="-122"/>
+                <a:cs typeface="微软雅黑" panose="020B0503020204020204" pitchFamily="34" charset="-122"/>
+              </a:rPr>
               <a:t>回归介绍</a:t>
             </a:r>
+            <a:endParaRPr lang="zh-CN" altLang="en-US" sz="2800" b="1" dirty="0"/>
           </a:p>
           <a:p>
             <a:pPr algn="r"/>
@@ -12282,6 +12482,7 @@
               <a:rPr lang="zh-CN" altLang="en-US" sz="1600" dirty="0"/>
               <a:t>都有上半部分的小圆），然后给予它代表其他数字的概率更小的值。</a:t>
             </a:r>
+            <a:endParaRPr lang="zh-CN" altLang="en-US" sz="1600" dirty="0"/>
           </a:p>
           <a:p>
             <a:r>
@@ -12328,6 +12529,7 @@
               <a:rPr lang="zh-CN" altLang="en-US" sz="1600" dirty="0"/>
               <a:t>来分配概率。</a:t>
             </a:r>
+            <a:endParaRPr lang="zh-CN" altLang="en-US" sz="1600" dirty="0"/>
           </a:p>
           <a:p>
             <a:r>
@@ -12350,6 +12552,7 @@
               <a:rPr lang="zh-CN" altLang="en-US" sz="1600" dirty="0"/>
               <a:t>）分两步：第一步</a:t>
             </a:r>
+            <a:endParaRPr lang="zh-CN" altLang="en-US" sz="1600" dirty="0"/>
           </a:p>
           <a:p>
             <a:r>
@@ -12372,6 +12575,7 @@
               <a:rPr lang="zh-CN" altLang="en-US" sz="1600" dirty="0"/>
               <a:t>。如果这个像素具有很强的证据说明这张图片不属于该类，那么相应的权值为负数，相反如果这个像素拥有有利的证据支持这张图片属于这个类，那么权值是正数。</a:t>
             </a:r>
+            <a:endParaRPr lang="zh-CN" altLang="en-US" sz="1600" dirty="0"/>
           </a:p>
           <a:p>
             <a:r>
@@ -12395,7 +12599,7 @@
           <p:nvPr/>
         </p:nvPicPr>
         <p:blipFill>
-          <a:blip r:embed="rId3"/>
+          <a:blip r:embed="rId1"/>
           <a:stretch>
             <a:fillRect/>
           </a:stretch>
@@ -12676,8 +12880,6 @@
       </a:bgFillStyleLst>
     </a:fmtScheme>
   </a:themeElements>
-  <a:objectDefaults/>
-  <a:extraClrSchemeLst/>
   <a:extLst>
     <a:ext uri="{05A4C25C-085E-4340-85A3-A5531E510DB2}">
       <thm15:themeFamily xmlns:thm15="http://schemas.microsoft.com/office/thememl/2012/main" name="Office Theme" id="{62F939B6-93AF-4DB8-9C6B-D6C7DFDC589F}" vid="{4A3C46E8-61CC-4603-A589-7422A47A8E4A}"/>
@@ -12966,8 +13168,6 @@
       </a:bgFillStyleLst>
     </a:fmtScheme>
   </a:themeElements>
-  <a:objectDefaults/>
-  <a:extraClrSchemeLst/>
   <a:extLst>
     <a:ext uri="{05A4C25C-085E-4340-85A3-A5531E510DB2}">
       <thm15:themeFamily xmlns:thm15="http://schemas.microsoft.com/office/thememl/2012/main" name="Office Theme" id="{62F939B6-93AF-4DB8-9C6B-D6C7DFDC589F}" vid="{4A3C46E8-61CC-4603-A589-7422A47A8E4A}"/>

--- a/TensorFlow入门.pptx
+++ b/TensorFlow入门.pptx
@@ -5,30 +5,30 @@
     <p:sldMasterId id="2147483648" r:id="rId1"/>
   </p:sldMasterIdLst>
   <p:notesMasterIdLst>
-    <p:notesMasterId r:id="rId5"/>
+    <p:notesMasterId r:id="rId23"/>
   </p:notesMasterIdLst>
   <p:sldIdLst>
-    <p:sldId id="390" r:id="rId3"/>
-    <p:sldId id="270" r:id="rId4"/>
-    <p:sldId id="314" r:id="rId6"/>
-    <p:sldId id="455" r:id="rId7"/>
-    <p:sldId id="456" r:id="rId8"/>
-    <p:sldId id="459" r:id="rId9"/>
-    <p:sldId id="494" r:id="rId10"/>
-    <p:sldId id="493" r:id="rId11"/>
-    <p:sldId id="460" r:id="rId12"/>
-    <p:sldId id="461" r:id="rId13"/>
-    <p:sldId id="495" r:id="rId14"/>
-    <p:sldId id="501" r:id="rId15"/>
-    <p:sldId id="502" r:id="rId16"/>
-    <p:sldId id="503" r:id="rId17"/>
-    <p:sldId id="500" r:id="rId18"/>
-    <p:sldId id="492" r:id="rId19"/>
-    <p:sldId id="496" r:id="rId20"/>
-    <p:sldId id="497" r:id="rId21"/>
-    <p:sldId id="498" r:id="rId22"/>
-    <p:sldId id="499" r:id="rId23"/>
-    <p:sldId id="504" r:id="rId24"/>
+    <p:sldId id="390" r:id="rId2"/>
+    <p:sldId id="270" r:id="rId3"/>
+    <p:sldId id="314" r:id="rId4"/>
+    <p:sldId id="455" r:id="rId5"/>
+    <p:sldId id="456" r:id="rId6"/>
+    <p:sldId id="459" r:id="rId7"/>
+    <p:sldId id="494" r:id="rId8"/>
+    <p:sldId id="493" r:id="rId9"/>
+    <p:sldId id="460" r:id="rId10"/>
+    <p:sldId id="461" r:id="rId11"/>
+    <p:sldId id="495" r:id="rId12"/>
+    <p:sldId id="501" r:id="rId13"/>
+    <p:sldId id="502" r:id="rId14"/>
+    <p:sldId id="503" r:id="rId15"/>
+    <p:sldId id="500" r:id="rId16"/>
+    <p:sldId id="492" r:id="rId17"/>
+    <p:sldId id="496" r:id="rId18"/>
+    <p:sldId id="497" r:id="rId19"/>
+    <p:sldId id="498" r:id="rId20"/>
+    <p:sldId id="499" r:id="rId21"/>
+    <p:sldId id="504" r:id="rId22"/>
   </p:sldIdLst>
   <p:sldSz cx="9144000" cy="6858000" type="screen4x3"/>
   <p:notesSz cx="6858000" cy="9144000"/>
@@ -127,6 +127,22 @@
       </a:defRPr>
     </a:lvl9pPr>
   </p:defaultTextStyle>
+  <p:extLst>
+    <p:ext uri="{EFAFB233-063F-42B5-8137-9DF3F51BA10A}">
+      <p15:sldGuideLst xmlns:p15="http://schemas.microsoft.com/office/powerpoint/2012/main">
+        <p15:guide id="1" orient="horz" pos="2121">
+          <p15:clr>
+            <a:srgbClr val="A4A3A4"/>
+          </p15:clr>
+        </p15:guide>
+        <p15:guide id="2" pos="2869">
+          <p15:clr>
+            <a:srgbClr val="A4A3A4"/>
+          </p15:clr>
+        </p15:guide>
+      </p15:sldGuideLst>
+    </p:ext>
+  </p:extLst>
 </p:presentation>
 </file>
 
@@ -212,6 +228,7 @@
           <a:p>
             <a:fld id="{D18A805E-3924-4030-B627-D89AFF2C885E}" type="datetimeFigureOut">
               <a:rPr lang="zh-CN" altLang="en-US" smtClean="0"/>
+              <a:t>2018/7/18</a:t>
             </a:fld>
             <a:endParaRPr lang="zh-CN" altLang="en-US"/>
           </a:p>
@@ -278,7 +295,6 @@
               <a:rPr lang="zh-CN" altLang="en-US"/>
               <a:t>单击此处编辑母版文本样式</a:t>
             </a:r>
-            <a:endParaRPr lang="zh-CN" altLang="en-US"/>
           </a:p>
           <a:p>
             <a:pPr lvl="1"/>
@@ -286,7 +302,6 @@
               <a:rPr lang="zh-CN" altLang="en-US"/>
               <a:t>第二级</a:t>
             </a:r>
-            <a:endParaRPr lang="zh-CN" altLang="en-US"/>
           </a:p>
           <a:p>
             <a:pPr lvl="2"/>
@@ -294,7 +309,6 @@
               <a:rPr lang="zh-CN" altLang="en-US"/>
               <a:t>第三级</a:t>
             </a:r>
-            <a:endParaRPr lang="zh-CN" altLang="en-US"/>
           </a:p>
           <a:p>
             <a:pPr lvl="3"/>
@@ -302,7 +316,6 @@
               <a:rPr lang="zh-CN" altLang="en-US"/>
               <a:t>第四级</a:t>
             </a:r>
-            <a:endParaRPr lang="zh-CN" altLang="en-US"/>
           </a:p>
           <a:p>
             <a:pPr lvl="4"/>
@@ -310,7 +323,6 @@
               <a:rPr lang="zh-CN" altLang="en-US"/>
               <a:t>第五级</a:t>
             </a:r>
-            <a:endParaRPr lang="zh-CN" altLang="en-US"/>
           </a:p>
         </p:txBody>
       </p:sp>
@@ -374,12 +386,18 @@
           <a:p>
             <a:fld id="{B73877EA-1A91-4B3F-A140-F9DFAD5BA57C}" type="slidenum">
               <a:rPr lang="zh-CN" altLang="en-US" smtClean="0"/>
+              <a:t>‹#›</a:t>
             </a:fld>
             <a:endParaRPr lang="zh-CN" altLang="en-US"/>
           </a:p>
         </p:txBody>
       </p:sp>
     </p:spTree>
+    <p:extLst>
+      <p:ext uri="{BB962C8B-B14F-4D97-AF65-F5344CB8AC3E}">
+        <p14:creationId xmlns:p14="http://schemas.microsoft.com/office/powerpoint/2010/main" val="2225533029"/>
+      </p:ext>
+    </p:extLst>
   </p:cSld>
   <p:clrMap bg1="lt1" tx1="dk1" bg2="lt2" tx2="dk2" accent1="accent1" accent2="accent2" accent3="accent3" accent4="accent4" accent5="accent5" accent6="accent6" hlink="hlink" folHlink="folHlink"/>
   <p:notesStyle>
@@ -542,12 +560,18 @@
           <a:p>
             <a:fld id="{B73877EA-1A91-4B3F-A140-F9DFAD5BA57C}" type="slidenum">
               <a:rPr lang="zh-CN" altLang="en-US" smtClean="0"/>
+              <a:t>2</a:t>
             </a:fld>
             <a:endParaRPr lang="zh-CN" altLang="en-US"/>
           </a:p>
         </p:txBody>
       </p:sp>
     </p:spTree>
+    <p:extLst>
+      <p:ext uri="{BB962C8B-B14F-4D97-AF65-F5344CB8AC3E}">
+        <p14:creationId xmlns:p14="http://schemas.microsoft.com/office/powerpoint/2010/main" val="151179533"/>
+      </p:ext>
+    </p:extLst>
   </p:cSld>
   <p:clrMapOvr>
     <a:masterClrMapping/>
@@ -620,12 +644,18 @@
           <a:p>
             <a:fld id="{B73877EA-1A91-4B3F-A140-F9DFAD5BA57C}" type="slidenum">
               <a:rPr lang="zh-CN" altLang="en-US" smtClean="0"/>
+              <a:t>11</a:t>
             </a:fld>
             <a:endParaRPr lang="zh-CN" altLang="en-US"/>
           </a:p>
         </p:txBody>
       </p:sp>
     </p:spTree>
+    <p:extLst>
+      <p:ext uri="{BB962C8B-B14F-4D97-AF65-F5344CB8AC3E}">
+        <p14:creationId xmlns:p14="http://schemas.microsoft.com/office/powerpoint/2010/main" val="3340134813"/>
+      </p:ext>
+    </p:extLst>
   </p:cSld>
   <p:clrMapOvr>
     <a:masterClrMapping/>
@@ -698,12 +728,18 @@
           <a:p>
             <a:fld id="{B73877EA-1A91-4B3F-A140-F9DFAD5BA57C}" type="slidenum">
               <a:rPr lang="zh-CN" altLang="en-US" smtClean="0"/>
+              <a:t>12</a:t>
             </a:fld>
             <a:endParaRPr lang="zh-CN" altLang="en-US"/>
           </a:p>
         </p:txBody>
       </p:sp>
     </p:spTree>
+    <p:extLst>
+      <p:ext uri="{BB962C8B-B14F-4D97-AF65-F5344CB8AC3E}">
+        <p14:creationId xmlns:p14="http://schemas.microsoft.com/office/powerpoint/2010/main" val="2077671240"/>
+      </p:ext>
+    </p:extLst>
   </p:cSld>
   <p:clrMapOvr>
     <a:masterClrMapping/>
@@ -776,12 +812,18 @@
           <a:p>
             <a:fld id="{B73877EA-1A91-4B3F-A140-F9DFAD5BA57C}" type="slidenum">
               <a:rPr lang="zh-CN" altLang="en-US" smtClean="0"/>
+              <a:t>13</a:t>
             </a:fld>
             <a:endParaRPr lang="zh-CN" altLang="en-US"/>
           </a:p>
         </p:txBody>
       </p:sp>
     </p:spTree>
+    <p:extLst>
+      <p:ext uri="{BB962C8B-B14F-4D97-AF65-F5344CB8AC3E}">
+        <p14:creationId xmlns:p14="http://schemas.microsoft.com/office/powerpoint/2010/main" val="748673125"/>
+      </p:ext>
+    </p:extLst>
   </p:cSld>
   <p:clrMapOvr>
     <a:masterClrMapping/>
@@ -854,12 +896,18 @@
           <a:p>
             <a:fld id="{B73877EA-1A91-4B3F-A140-F9DFAD5BA57C}" type="slidenum">
               <a:rPr lang="zh-CN" altLang="en-US" smtClean="0"/>
+              <a:t>14</a:t>
             </a:fld>
             <a:endParaRPr lang="zh-CN" altLang="en-US"/>
           </a:p>
         </p:txBody>
       </p:sp>
     </p:spTree>
+    <p:extLst>
+      <p:ext uri="{BB962C8B-B14F-4D97-AF65-F5344CB8AC3E}">
+        <p14:creationId xmlns:p14="http://schemas.microsoft.com/office/powerpoint/2010/main" val="2010247410"/>
+      </p:ext>
+    </p:extLst>
   </p:cSld>
   <p:clrMapOvr>
     <a:masterClrMapping/>
@@ -932,12 +980,18 @@
           <a:p>
             <a:fld id="{B73877EA-1A91-4B3F-A140-F9DFAD5BA57C}" type="slidenum">
               <a:rPr lang="zh-CN" altLang="en-US" smtClean="0"/>
+              <a:t>15</a:t>
             </a:fld>
             <a:endParaRPr lang="zh-CN" altLang="en-US"/>
           </a:p>
         </p:txBody>
       </p:sp>
     </p:spTree>
+    <p:extLst>
+      <p:ext uri="{BB962C8B-B14F-4D97-AF65-F5344CB8AC3E}">
+        <p14:creationId xmlns:p14="http://schemas.microsoft.com/office/powerpoint/2010/main" val="2823397394"/>
+      </p:ext>
+    </p:extLst>
   </p:cSld>
   <p:clrMapOvr>
     <a:masterClrMapping/>
@@ -1010,12 +1064,18 @@
           <a:p>
             <a:fld id="{B73877EA-1A91-4B3F-A140-F9DFAD5BA57C}" type="slidenum">
               <a:rPr lang="zh-CN" altLang="en-US" smtClean="0"/>
+              <a:t>16</a:t>
             </a:fld>
             <a:endParaRPr lang="zh-CN" altLang="en-US"/>
           </a:p>
         </p:txBody>
       </p:sp>
     </p:spTree>
+    <p:extLst>
+      <p:ext uri="{BB962C8B-B14F-4D97-AF65-F5344CB8AC3E}">
+        <p14:creationId xmlns:p14="http://schemas.microsoft.com/office/powerpoint/2010/main" val="3629425746"/>
+      </p:ext>
+    </p:extLst>
   </p:cSld>
   <p:clrMapOvr>
     <a:masterClrMapping/>
@@ -1088,12 +1148,18 @@
           <a:p>
             <a:fld id="{B73877EA-1A91-4B3F-A140-F9DFAD5BA57C}" type="slidenum">
               <a:rPr lang="zh-CN" altLang="en-US" smtClean="0"/>
+              <a:t>17</a:t>
             </a:fld>
             <a:endParaRPr lang="zh-CN" altLang="en-US"/>
           </a:p>
         </p:txBody>
       </p:sp>
     </p:spTree>
+    <p:extLst>
+      <p:ext uri="{BB962C8B-B14F-4D97-AF65-F5344CB8AC3E}">
+        <p14:creationId xmlns:p14="http://schemas.microsoft.com/office/powerpoint/2010/main" val="549239061"/>
+      </p:ext>
+    </p:extLst>
   </p:cSld>
   <p:clrMapOvr>
     <a:masterClrMapping/>
@@ -1166,12 +1232,18 @@
           <a:p>
             <a:fld id="{B73877EA-1A91-4B3F-A140-F9DFAD5BA57C}" type="slidenum">
               <a:rPr lang="zh-CN" altLang="en-US" smtClean="0"/>
+              <a:t>18</a:t>
             </a:fld>
             <a:endParaRPr lang="zh-CN" altLang="en-US"/>
           </a:p>
         </p:txBody>
       </p:sp>
     </p:spTree>
+    <p:extLst>
+      <p:ext uri="{BB962C8B-B14F-4D97-AF65-F5344CB8AC3E}">
+        <p14:creationId xmlns:p14="http://schemas.microsoft.com/office/powerpoint/2010/main" val="2516637164"/>
+      </p:ext>
+    </p:extLst>
   </p:cSld>
   <p:clrMapOvr>
     <a:masterClrMapping/>
@@ -1244,12 +1316,18 @@
           <a:p>
             <a:fld id="{B73877EA-1A91-4B3F-A140-F9DFAD5BA57C}" type="slidenum">
               <a:rPr lang="zh-CN" altLang="en-US" smtClean="0"/>
+              <a:t>19</a:t>
             </a:fld>
             <a:endParaRPr lang="zh-CN" altLang="en-US"/>
           </a:p>
         </p:txBody>
       </p:sp>
     </p:spTree>
+    <p:extLst>
+      <p:ext uri="{BB962C8B-B14F-4D97-AF65-F5344CB8AC3E}">
+        <p14:creationId xmlns:p14="http://schemas.microsoft.com/office/powerpoint/2010/main" val="1073926857"/>
+      </p:ext>
+    </p:extLst>
   </p:cSld>
   <p:clrMapOvr>
     <a:masterClrMapping/>
@@ -1322,12 +1400,18 @@
           <a:p>
             <a:fld id="{B73877EA-1A91-4B3F-A140-F9DFAD5BA57C}" type="slidenum">
               <a:rPr lang="zh-CN" altLang="en-US" smtClean="0"/>
+              <a:t>20</a:t>
             </a:fld>
             <a:endParaRPr lang="zh-CN" altLang="en-US"/>
           </a:p>
         </p:txBody>
       </p:sp>
     </p:spTree>
+    <p:extLst>
+      <p:ext uri="{BB962C8B-B14F-4D97-AF65-F5344CB8AC3E}">
+        <p14:creationId xmlns:p14="http://schemas.microsoft.com/office/powerpoint/2010/main" val="3621628290"/>
+      </p:ext>
+    </p:extLst>
   </p:cSld>
   <p:clrMapOvr>
     <a:masterClrMapping/>
@@ -1400,12 +1484,18 @@
           <a:p>
             <a:fld id="{B73877EA-1A91-4B3F-A140-F9DFAD5BA57C}" type="slidenum">
               <a:rPr lang="zh-CN" altLang="en-US" smtClean="0"/>
+              <a:t>3</a:t>
             </a:fld>
             <a:endParaRPr lang="zh-CN" altLang="en-US"/>
           </a:p>
         </p:txBody>
       </p:sp>
     </p:spTree>
+    <p:extLst>
+      <p:ext uri="{BB962C8B-B14F-4D97-AF65-F5344CB8AC3E}">
+        <p14:creationId xmlns:p14="http://schemas.microsoft.com/office/powerpoint/2010/main" val="2500729574"/>
+      </p:ext>
+    </p:extLst>
   </p:cSld>
   <p:clrMapOvr>
     <a:masterClrMapping/>
@@ -1478,12 +1568,18 @@
           <a:p>
             <a:fld id="{B73877EA-1A91-4B3F-A140-F9DFAD5BA57C}" type="slidenum">
               <a:rPr lang="zh-CN" altLang="en-US" smtClean="0"/>
+              <a:t>21</a:t>
             </a:fld>
             <a:endParaRPr lang="zh-CN" altLang="en-US"/>
           </a:p>
         </p:txBody>
       </p:sp>
     </p:spTree>
+    <p:extLst>
+      <p:ext uri="{BB962C8B-B14F-4D97-AF65-F5344CB8AC3E}">
+        <p14:creationId xmlns:p14="http://schemas.microsoft.com/office/powerpoint/2010/main" val="729165154"/>
+      </p:ext>
+    </p:extLst>
   </p:cSld>
   <p:clrMapOvr>
     <a:masterClrMapping/>
@@ -1556,12 +1652,18 @@
           <a:p>
             <a:fld id="{B73877EA-1A91-4B3F-A140-F9DFAD5BA57C}" type="slidenum">
               <a:rPr lang="zh-CN" altLang="en-US" smtClean="0"/>
+              <a:t>4</a:t>
             </a:fld>
             <a:endParaRPr lang="zh-CN" altLang="en-US"/>
           </a:p>
         </p:txBody>
       </p:sp>
     </p:spTree>
+    <p:extLst>
+      <p:ext uri="{BB962C8B-B14F-4D97-AF65-F5344CB8AC3E}">
+        <p14:creationId xmlns:p14="http://schemas.microsoft.com/office/powerpoint/2010/main" val="946016934"/>
+      </p:ext>
+    </p:extLst>
   </p:cSld>
   <p:clrMapOvr>
     <a:masterClrMapping/>
@@ -1634,12 +1736,18 @@
           <a:p>
             <a:fld id="{B73877EA-1A91-4B3F-A140-F9DFAD5BA57C}" type="slidenum">
               <a:rPr lang="zh-CN" altLang="en-US" smtClean="0"/>
+              <a:t>5</a:t>
             </a:fld>
             <a:endParaRPr lang="zh-CN" altLang="en-US"/>
           </a:p>
         </p:txBody>
       </p:sp>
     </p:spTree>
+    <p:extLst>
+      <p:ext uri="{BB962C8B-B14F-4D97-AF65-F5344CB8AC3E}">
+        <p14:creationId xmlns:p14="http://schemas.microsoft.com/office/powerpoint/2010/main" val="1016703771"/>
+      </p:ext>
+    </p:extLst>
   </p:cSld>
   <p:clrMapOvr>
     <a:masterClrMapping/>
@@ -1712,12 +1820,18 @@
           <a:p>
             <a:fld id="{B73877EA-1A91-4B3F-A140-F9DFAD5BA57C}" type="slidenum">
               <a:rPr lang="zh-CN" altLang="en-US" smtClean="0"/>
+              <a:t>6</a:t>
             </a:fld>
             <a:endParaRPr lang="zh-CN" altLang="en-US"/>
           </a:p>
         </p:txBody>
       </p:sp>
     </p:spTree>
+    <p:extLst>
+      <p:ext uri="{BB962C8B-B14F-4D97-AF65-F5344CB8AC3E}">
+        <p14:creationId xmlns:p14="http://schemas.microsoft.com/office/powerpoint/2010/main" val="3681413930"/>
+      </p:ext>
+    </p:extLst>
   </p:cSld>
   <p:clrMapOvr>
     <a:masterClrMapping/>
@@ -1790,12 +1904,18 @@
           <a:p>
             <a:fld id="{B73877EA-1A91-4B3F-A140-F9DFAD5BA57C}" type="slidenum">
               <a:rPr lang="zh-CN" altLang="en-US" smtClean="0"/>
+              <a:t>7</a:t>
             </a:fld>
             <a:endParaRPr lang="zh-CN" altLang="en-US"/>
           </a:p>
         </p:txBody>
       </p:sp>
     </p:spTree>
+    <p:extLst>
+      <p:ext uri="{BB962C8B-B14F-4D97-AF65-F5344CB8AC3E}">
+        <p14:creationId xmlns:p14="http://schemas.microsoft.com/office/powerpoint/2010/main" val="3501167572"/>
+      </p:ext>
+    </p:extLst>
   </p:cSld>
   <p:clrMapOvr>
     <a:masterClrMapping/>
@@ -1868,12 +1988,18 @@
           <a:p>
             <a:fld id="{B73877EA-1A91-4B3F-A140-F9DFAD5BA57C}" type="slidenum">
               <a:rPr lang="zh-CN" altLang="en-US" smtClean="0"/>
+              <a:t>8</a:t>
             </a:fld>
             <a:endParaRPr lang="zh-CN" altLang="en-US"/>
           </a:p>
         </p:txBody>
       </p:sp>
     </p:spTree>
+    <p:extLst>
+      <p:ext uri="{BB962C8B-B14F-4D97-AF65-F5344CB8AC3E}">
+        <p14:creationId xmlns:p14="http://schemas.microsoft.com/office/powerpoint/2010/main" val="2155197936"/>
+      </p:ext>
+    </p:extLst>
   </p:cSld>
   <p:clrMapOvr>
     <a:masterClrMapping/>
@@ -1946,12 +2072,18 @@
           <a:p>
             <a:fld id="{B73877EA-1A91-4B3F-A140-F9DFAD5BA57C}" type="slidenum">
               <a:rPr lang="zh-CN" altLang="en-US" smtClean="0"/>
+              <a:t>9</a:t>
             </a:fld>
             <a:endParaRPr lang="zh-CN" altLang="en-US"/>
           </a:p>
         </p:txBody>
       </p:sp>
     </p:spTree>
+    <p:extLst>
+      <p:ext uri="{BB962C8B-B14F-4D97-AF65-F5344CB8AC3E}">
+        <p14:creationId xmlns:p14="http://schemas.microsoft.com/office/powerpoint/2010/main" val="916142444"/>
+      </p:ext>
+    </p:extLst>
   </p:cSld>
   <p:clrMapOvr>
     <a:masterClrMapping/>
@@ -2024,12 +2156,18 @@
           <a:p>
             <a:fld id="{B73877EA-1A91-4B3F-A140-F9DFAD5BA57C}" type="slidenum">
               <a:rPr lang="zh-CN" altLang="en-US" smtClean="0"/>
+              <a:t>10</a:t>
             </a:fld>
             <a:endParaRPr lang="zh-CN" altLang="en-US"/>
           </a:p>
         </p:txBody>
       </p:sp>
     </p:spTree>
+    <p:extLst>
+      <p:ext uri="{BB962C8B-B14F-4D97-AF65-F5344CB8AC3E}">
+        <p14:creationId xmlns:p14="http://schemas.microsoft.com/office/powerpoint/2010/main" val="2260411440"/>
+      </p:ext>
+    </p:extLst>
   </p:cSld>
   <p:clrMapOvr>
     <a:masterClrMapping/>
@@ -2082,7 +2220,6 @@
               <a:rPr lang="zh-CN" altLang="en-US"/>
               <a:t>单击此处编辑母版标题样式</a:t>
             </a:r>
-            <a:endParaRPr lang="zh-CN" altLang="en-US"/>
           </a:p>
         </p:txBody>
       </p:sp>
@@ -2147,7 +2284,6 @@
               <a:rPr lang="zh-CN" altLang="en-US"/>
               <a:t>单击此处编辑母版副标题样式</a:t>
             </a:r>
-            <a:endParaRPr lang="zh-CN" altLang="en-US"/>
           </a:p>
         </p:txBody>
       </p:sp>
@@ -2168,6 +2304,7 @@
           <a:p>
             <a:fld id="{530820CF-B880-4189-942D-D702A7CBA730}" type="datetimeFigureOut">
               <a:rPr lang="zh-CN" altLang="en-US" smtClean="0"/>
+              <a:t>2018/7/18</a:t>
             </a:fld>
             <a:endParaRPr lang="zh-CN" altLang="en-US"/>
           </a:p>
@@ -2209,6 +2346,7 @@
           <a:p>
             <a:fld id="{0C913308-F349-4B6D-A68A-DD1791B4A57B}" type="slidenum">
               <a:rPr lang="zh-CN" altLang="en-US" smtClean="0"/>
+              <a:t>‹#›</a:t>
             </a:fld>
             <a:endParaRPr lang="zh-CN" altLang="en-US"/>
           </a:p>
@@ -2258,7 +2396,6 @@
               <a:rPr lang="zh-CN" altLang="en-US"/>
               <a:t>单击此处编辑母版标题样式</a:t>
             </a:r>
-            <a:endParaRPr lang="zh-CN" altLang="en-US"/>
           </a:p>
         </p:txBody>
       </p:sp>
@@ -2282,7 +2419,6 @@
               <a:rPr lang="zh-CN" altLang="en-US"/>
               <a:t>单击此处编辑母版文本样式</a:t>
             </a:r>
-            <a:endParaRPr lang="zh-CN" altLang="en-US"/>
           </a:p>
           <a:p>
             <a:pPr lvl="1"/>
@@ -2290,7 +2426,6 @@
               <a:rPr lang="zh-CN" altLang="en-US"/>
               <a:t>第二级</a:t>
             </a:r>
-            <a:endParaRPr lang="zh-CN" altLang="en-US"/>
           </a:p>
           <a:p>
             <a:pPr lvl="2"/>
@@ -2298,7 +2433,6 @@
               <a:rPr lang="zh-CN" altLang="en-US"/>
               <a:t>第三级</a:t>
             </a:r>
-            <a:endParaRPr lang="zh-CN" altLang="en-US"/>
           </a:p>
           <a:p>
             <a:pPr lvl="3"/>
@@ -2306,7 +2440,6 @@
               <a:rPr lang="zh-CN" altLang="en-US"/>
               <a:t>第四级</a:t>
             </a:r>
-            <a:endParaRPr lang="zh-CN" altLang="en-US"/>
           </a:p>
           <a:p>
             <a:pPr lvl="4"/>
@@ -2314,7 +2447,6 @@
               <a:rPr lang="zh-CN" altLang="en-US"/>
               <a:t>第五级</a:t>
             </a:r>
-            <a:endParaRPr lang="zh-CN" altLang="en-US"/>
           </a:p>
         </p:txBody>
       </p:sp>
@@ -2335,6 +2467,7 @@
           <a:p>
             <a:fld id="{530820CF-B880-4189-942D-D702A7CBA730}" type="datetimeFigureOut">
               <a:rPr lang="zh-CN" altLang="en-US" smtClean="0"/>
+              <a:t>2018/7/18</a:t>
             </a:fld>
             <a:endParaRPr lang="zh-CN" altLang="en-US"/>
           </a:p>
@@ -2376,6 +2509,7 @@
           <a:p>
             <a:fld id="{0C913308-F349-4B6D-A68A-DD1791B4A57B}" type="slidenum">
               <a:rPr lang="zh-CN" altLang="en-US" smtClean="0"/>
+              <a:t>‹#›</a:t>
             </a:fld>
             <a:endParaRPr lang="zh-CN" altLang="en-US"/>
           </a:p>
@@ -2430,7 +2564,6 @@
               <a:rPr lang="zh-CN" altLang="en-US"/>
               <a:t>单击此处编辑母版标题样式</a:t>
             </a:r>
-            <a:endParaRPr lang="zh-CN" altLang="en-US"/>
           </a:p>
         </p:txBody>
       </p:sp>
@@ -2459,7 +2592,6 @@
               <a:rPr lang="zh-CN" altLang="en-US"/>
               <a:t>单击此处编辑母版文本样式</a:t>
             </a:r>
-            <a:endParaRPr lang="zh-CN" altLang="en-US"/>
           </a:p>
           <a:p>
             <a:pPr lvl="1"/>
@@ -2467,7 +2599,6 @@
               <a:rPr lang="zh-CN" altLang="en-US"/>
               <a:t>第二级</a:t>
             </a:r>
-            <a:endParaRPr lang="zh-CN" altLang="en-US"/>
           </a:p>
           <a:p>
             <a:pPr lvl="2"/>
@@ -2475,7 +2606,6 @@
               <a:rPr lang="zh-CN" altLang="en-US"/>
               <a:t>第三级</a:t>
             </a:r>
-            <a:endParaRPr lang="zh-CN" altLang="en-US"/>
           </a:p>
           <a:p>
             <a:pPr lvl="3"/>
@@ -2483,7 +2613,6 @@
               <a:rPr lang="zh-CN" altLang="en-US"/>
               <a:t>第四级</a:t>
             </a:r>
-            <a:endParaRPr lang="zh-CN" altLang="en-US"/>
           </a:p>
           <a:p>
             <a:pPr lvl="4"/>
@@ -2491,7 +2620,6 @@
               <a:rPr lang="zh-CN" altLang="en-US"/>
               <a:t>第五级</a:t>
             </a:r>
-            <a:endParaRPr lang="zh-CN" altLang="en-US"/>
           </a:p>
         </p:txBody>
       </p:sp>
@@ -2512,6 +2640,7 @@
           <a:p>
             <a:fld id="{530820CF-B880-4189-942D-D702A7CBA730}" type="datetimeFigureOut">
               <a:rPr lang="zh-CN" altLang="en-US" smtClean="0"/>
+              <a:t>2018/7/18</a:t>
             </a:fld>
             <a:endParaRPr lang="zh-CN" altLang="en-US"/>
           </a:p>
@@ -2553,6 +2682,7 @@
           <a:p>
             <a:fld id="{0C913308-F349-4B6D-A68A-DD1791B4A57B}" type="slidenum">
               <a:rPr lang="zh-CN" altLang="en-US" smtClean="0"/>
+              <a:t>‹#›</a:t>
             </a:fld>
             <a:endParaRPr lang="zh-CN" altLang="en-US"/>
           </a:p>
@@ -2602,7 +2732,6 @@
               <a:rPr lang="zh-CN" altLang="en-US"/>
               <a:t>单击此处编辑母版标题样式</a:t>
             </a:r>
-            <a:endParaRPr lang="zh-CN" altLang="en-US"/>
           </a:p>
         </p:txBody>
       </p:sp>
@@ -2626,7 +2755,6 @@
               <a:rPr lang="zh-CN" altLang="en-US"/>
               <a:t>单击此处编辑母版文本样式</a:t>
             </a:r>
-            <a:endParaRPr lang="zh-CN" altLang="en-US"/>
           </a:p>
           <a:p>
             <a:pPr lvl="1"/>
@@ -2634,7 +2762,6 @@
               <a:rPr lang="zh-CN" altLang="en-US"/>
               <a:t>第二级</a:t>
             </a:r>
-            <a:endParaRPr lang="zh-CN" altLang="en-US"/>
           </a:p>
           <a:p>
             <a:pPr lvl="2"/>
@@ -2642,7 +2769,6 @@
               <a:rPr lang="zh-CN" altLang="en-US"/>
               <a:t>第三级</a:t>
             </a:r>
-            <a:endParaRPr lang="zh-CN" altLang="en-US"/>
           </a:p>
           <a:p>
             <a:pPr lvl="3"/>
@@ -2650,7 +2776,6 @@
               <a:rPr lang="zh-CN" altLang="en-US"/>
               <a:t>第四级</a:t>
             </a:r>
-            <a:endParaRPr lang="zh-CN" altLang="en-US"/>
           </a:p>
           <a:p>
             <a:pPr lvl="4"/>
@@ -2658,7 +2783,6 @@
               <a:rPr lang="zh-CN" altLang="en-US"/>
               <a:t>第五级</a:t>
             </a:r>
-            <a:endParaRPr lang="zh-CN" altLang="en-US"/>
           </a:p>
         </p:txBody>
       </p:sp>
@@ -2679,6 +2803,7 @@
           <a:p>
             <a:fld id="{530820CF-B880-4189-942D-D702A7CBA730}" type="datetimeFigureOut">
               <a:rPr lang="zh-CN" altLang="en-US" smtClean="0"/>
+              <a:t>2018/7/18</a:t>
             </a:fld>
             <a:endParaRPr lang="zh-CN" altLang="en-US"/>
           </a:p>
@@ -2720,6 +2845,7 @@
           <a:p>
             <a:fld id="{0C913308-F349-4B6D-A68A-DD1791B4A57B}" type="slidenum">
               <a:rPr lang="zh-CN" altLang="en-US" smtClean="0"/>
+              <a:t>‹#›</a:t>
             </a:fld>
             <a:endParaRPr lang="zh-CN" altLang="en-US"/>
           </a:p>
@@ -2778,7 +2904,6 @@
               <a:rPr lang="zh-CN" altLang="en-US"/>
               <a:t>单击此处编辑母版标题样式</a:t>
             </a:r>
-            <a:endParaRPr lang="zh-CN" altLang="en-US"/>
           </a:p>
         </p:txBody>
       </p:sp>
@@ -2898,7 +3023,6 @@
               <a:rPr lang="zh-CN" altLang="en-US"/>
               <a:t>单击此处编辑母版文本样式</a:t>
             </a:r>
-            <a:endParaRPr lang="zh-CN" altLang="en-US"/>
           </a:p>
         </p:txBody>
       </p:sp>
@@ -2919,6 +3043,7 @@
           <a:p>
             <a:fld id="{530820CF-B880-4189-942D-D702A7CBA730}" type="datetimeFigureOut">
               <a:rPr lang="zh-CN" altLang="en-US" smtClean="0"/>
+              <a:t>2018/7/18</a:t>
             </a:fld>
             <a:endParaRPr lang="zh-CN" altLang="en-US"/>
           </a:p>
@@ -2960,6 +3085,7 @@
           <a:p>
             <a:fld id="{0C913308-F349-4B6D-A68A-DD1791B4A57B}" type="slidenum">
               <a:rPr lang="zh-CN" altLang="en-US" smtClean="0"/>
+              <a:t>‹#›</a:t>
             </a:fld>
             <a:endParaRPr lang="zh-CN" altLang="en-US"/>
           </a:p>
@@ -3009,7 +3135,6 @@
               <a:rPr lang="zh-CN" altLang="en-US"/>
               <a:t>单击此处编辑母版标题样式</a:t>
             </a:r>
-            <a:endParaRPr lang="zh-CN" altLang="en-US"/>
           </a:p>
         </p:txBody>
       </p:sp>
@@ -3038,7 +3163,6 @@
               <a:rPr lang="zh-CN" altLang="en-US"/>
               <a:t>单击此处编辑母版文本样式</a:t>
             </a:r>
-            <a:endParaRPr lang="zh-CN" altLang="en-US"/>
           </a:p>
           <a:p>
             <a:pPr lvl="1"/>
@@ -3046,7 +3170,6 @@
               <a:rPr lang="zh-CN" altLang="en-US"/>
               <a:t>第二级</a:t>
             </a:r>
-            <a:endParaRPr lang="zh-CN" altLang="en-US"/>
           </a:p>
           <a:p>
             <a:pPr lvl="2"/>
@@ -3054,7 +3177,6 @@
               <a:rPr lang="zh-CN" altLang="en-US"/>
               <a:t>第三级</a:t>
             </a:r>
-            <a:endParaRPr lang="zh-CN" altLang="en-US"/>
           </a:p>
           <a:p>
             <a:pPr lvl="3"/>
@@ -3062,7 +3184,6 @@
               <a:rPr lang="zh-CN" altLang="en-US"/>
               <a:t>第四级</a:t>
             </a:r>
-            <a:endParaRPr lang="zh-CN" altLang="en-US"/>
           </a:p>
           <a:p>
             <a:pPr lvl="4"/>
@@ -3070,7 +3191,6 @@
               <a:rPr lang="zh-CN" altLang="en-US"/>
               <a:t>第五级</a:t>
             </a:r>
-            <a:endParaRPr lang="zh-CN" altLang="en-US"/>
           </a:p>
         </p:txBody>
       </p:sp>
@@ -3099,7 +3219,6 @@
               <a:rPr lang="zh-CN" altLang="en-US"/>
               <a:t>单击此处编辑母版文本样式</a:t>
             </a:r>
-            <a:endParaRPr lang="zh-CN" altLang="en-US"/>
           </a:p>
           <a:p>
             <a:pPr lvl="1"/>
@@ -3107,7 +3226,6 @@
               <a:rPr lang="zh-CN" altLang="en-US"/>
               <a:t>第二级</a:t>
             </a:r>
-            <a:endParaRPr lang="zh-CN" altLang="en-US"/>
           </a:p>
           <a:p>
             <a:pPr lvl="2"/>
@@ -3115,7 +3233,6 @@
               <a:rPr lang="zh-CN" altLang="en-US"/>
               <a:t>第三级</a:t>
             </a:r>
-            <a:endParaRPr lang="zh-CN" altLang="en-US"/>
           </a:p>
           <a:p>
             <a:pPr lvl="3"/>
@@ -3123,7 +3240,6 @@
               <a:rPr lang="zh-CN" altLang="en-US"/>
               <a:t>第四级</a:t>
             </a:r>
-            <a:endParaRPr lang="zh-CN" altLang="en-US"/>
           </a:p>
           <a:p>
             <a:pPr lvl="4"/>
@@ -3131,7 +3247,6 @@
               <a:rPr lang="zh-CN" altLang="en-US"/>
               <a:t>第五级</a:t>
             </a:r>
-            <a:endParaRPr lang="zh-CN" altLang="en-US"/>
           </a:p>
         </p:txBody>
       </p:sp>
@@ -3152,6 +3267,7 @@
           <a:p>
             <a:fld id="{530820CF-B880-4189-942D-D702A7CBA730}" type="datetimeFigureOut">
               <a:rPr lang="zh-CN" altLang="en-US" smtClean="0"/>
+              <a:t>2018/7/18</a:t>
             </a:fld>
             <a:endParaRPr lang="zh-CN" altLang="en-US"/>
           </a:p>
@@ -3193,6 +3309,7 @@
           <a:p>
             <a:fld id="{0C913308-F349-4B6D-A68A-DD1791B4A57B}" type="slidenum">
               <a:rPr lang="zh-CN" altLang="en-US" smtClean="0"/>
+              <a:t>‹#›</a:t>
             </a:fld>
             <a:endParaRPr lang="zh-CN" altLang="en-US"/>
           </a:p>
@@ -3247,7 +3364,6 @@
               <a:rPr lang="zh-CN" altLang="en-US"/>
               <a:t>单击此处编辑母版标题样式</a:t>
             </a:r>
-            <a:endParaRPr lang="zh-CN" altLang="en-US"/>
           </a:p>
         </p:txBody>
       </p:sp>
@@ -3313,7 +3429,6 @@
               <a:rPr lang="zh-CN" altLang="en-US"/>
               <a:t>单击此处编辑母版文本样式</a:t>
             </a:r>
-            <a:endParaRPr lang="zh-CN" altLang="en-US"/>
           </a:p>
         </p:txBody>
       </p:sp>
@@ -3342,7 +3457,6 @@
               <a:rPr lang="zh-CN" altLang="en-US"/>
               <a:t>单击此处编辑母版文本样式</a:t>
             </a:r>
-            <a:endParaRPr lang="zh-CN" altLang="en-US"/>
           </a:p>
           <a:p>
             <a:pPr lvl="1"/>
@@ -3350,7 +3464,6 @@
               <a:rPr lang="zh-CN" altLang="en-US"/>
               <a:t>第二级</a:t>
             </a:r>
-            <a:endParaRPr lang="zh-CN" altLang="en-US"/>
           </a:p>
           <a:p>
             <a:pPr lvl="2"/>
@@ -3358,7 +3471,6 @@
               <a:rPr lang="zh-CN" altLang="en-US"/>
               <a:t>第三级</a:t>
             </a:r>
-            <a:endParaRPr lang="zh-CN" altLang="en-US"/>
           </a:p>
           <a:p>
             <a:pPr lvl="3"/>
@@ -3366,7 +3478,6 @@
               <a:rPr lang="zh-CN" altLang="en-US"/>
               <a:t>第四级</a:t>
             </a:r>
-            <a:endParaRPr lang="zh-CN" altLang="en-US"/>
           </a:p>
           <a:p>
             <a:pPr lvl="4"/>
@@ -3374,7 +3485,6 @@
               <a:rPr lang="zh-CN" altLang="en-US"/>
               <a:t>第五级</a:t>
             </a:r>
-            <a:endParaRPr lang="zh-CN" altLang="en-US"/>
           </a:p>
         </p:txBody>
       </p:sp>
@@ -3440,7 +3550,6 @@
               <a:rPr lang="zh-CN" altLang="en-US"/>
               <a:t>单击此处编辑母版文本样式</a:t>
             </a:r>
-            <a:endParaRPr lang="zh-CN" altLang="en-US"/>
           </a:p>
         </p:txBody>
       </p:sp>
@@ -3469,7 +3578,6 @@
               <a:rPr lang="zh-CN" altLang="en-US"/>
               <a:t>单击此处编辑母版文本样式</a:t>
             </a:r>
-            <a:endParaRPr lang="zh-CN" altLang="en-US"/>
           </a:p>
           <a:p>
             <a:pPr lvl="1"/>
@@ -3477,7 +3585,6 @@
               <a:rPr lang="zh-CN" altLang="en-US"/>
               <a:t>第二级</a:t>
             </a:r>
-            <a:endParaRPr lang="zh-CN" altLang="en-US"/>
           </a:p>
           <a:p>
             <a:pPr lvl="2"/>
@@ -3485,7 +3592,6 @@
               <a:rPr lang="zh-CN" altLang="en-US"/>
               <a:t>第三级</a:t>
             </a:r>
-            <a:endParaRPr lang="zh-CN" altLang="en-US"/>
           </a:p>
           <a:p>
             <a:pPr lvl="3"/>
@@ -3493,7 +3599,6 @@
               <a:rPr lang="zh-CN" altLang="en-US"/>
               <a:t>第四级</a:t>
             </a:r>
-            <a:endParaRPr lang="zh-CN" altLang="en-US"/>
           </a:p>
           <a:p>
             <a:pPr lvl="4"/>
@@ -3501,7 +3606,6 @@
               <a:rPr lang="zh-CN" altLang="en-US"/>
               <a:t>第五级</a:t>
             </a:r>
-            <a:endParaRPr lang="zh-CN" altLang="en-US"/>
           </a:p>
         </p:txBody>
       </p:sp>
@@ -3522,6 +3626,7 @@
           <a:p>
             <a:fld id="{530820CF-B880-4189-942D-D702A7CBA730}" type="datetimeFigureOut">
               <a:rPr lang="zh-CN" altLang="en-US" smtClean="0"/>
+              <a:t>2018/7/18</a:t>
             </a:fld>
             <a:endParaRPr lang="zh-CN" altLang="en-US"/>
           </a:p>
@@ -3563,6 +3668,7 @@
           <a:p>
             <a:fld id="{0C913308-F349-4B6D-A68A-DD1791B4A57B}" type="slidenum">
               <a:rPr lang="zh-CN" altLang="en-US" smtClean="0"/>
+              <a:t>‹#›</a:t>
             </a:fld>
             <a:endParaRPr lang="zh-CN" altLang="en-US"/>
           </a:p>
@@ -3612,7 +3718,6 @@
               <a:rPr lang="zh-CN" altLang="en-US"/>
               <a:t>单击此处编辑母版标题样式</a:t>
             </a:r>
-            <a:endParaRPr lang="zh-CN" altLang="en-US"/>
           </a:p>
         </p:txBody>
       </p:sp>
@@ -3633,6 +3738,7 @@
           <a:p>
             <a:fld id="{530820CF-B880-4189-942D-D702A7CBA730}" type="datetimeFigureOut">
               <a:rPr lang="zh-CN" altLang="en-US" smtClean="0"/>
+              <a:t>2018/7/18</a:t>
             </a:fld>
             <a:endParaRPr lang="zh-CN" altLang="en-US"/>
           </a:p>
@@ -3674,6 +3780,7 @@
           <a:p>
             <a:fld id="{0C913308-F349-4B6D-A68A-DD1791B4A57B}" type="slidenum">
               <a:rPr lang="zh-CN" altLang="en-US" smtClean="0"/>
+              <a:t>‹#›</a:t>
             </a:fld>
             <a:endParaRPr lang="zh-CN" altLang="en-US"/>
           </a:p>
@@ -3721,6 +3828,7 @@
           <a:p>
             <a:fld id="{530820CF-B880-4189-942D-D702A7CBA730}" type="datetimeFigureOut">
               <a:rPr lang="zh-CN" altLang="en-US" smtClean="0"/>
+              <a:t>2018/7/18</a:t>
             </a:fld>
             <a:endParaRPr lang="zh-CN" altLang="en-US"/>
           </a:p>
@@ -3762,6 +3870,7 @@
           <a:p>
             <a:fld id="{0C913308-F349-4B6D-A68A-DD1791B4A57B}" type="slidenum">
               <a:rPr lang="zh-CN" altLang="en-US" smtClean="0"/>
+              <a:t>‹#›</a:t>
             </a:fld>
             <a:endParaRPr lang="zh-CN" altLang="en-US"/>
           </a:p>
@@ -3820,7 +3929,6 @@
               <a:rPr lang="zh-CN" altLang="en-US"/>
               <a:t>单击此处编辑母版标题样式</a:t>
             </a:r>
-            <a:endParaRPr lang="zh-CN" altLang="en-US"/>
           </a:p>
         </p:txBody>
       </p:sp>
@@ -3877,7 +3985,6 @@
               <a:rPr lang="zh-CN" altLang="en-US"/>
               <a:t>单击此处编辑母版文本样式</a:t>
             </a:r>
-            <a:endParaRPr lang="zh-CN" altLang="en-US"/>
           </a:p>
           <a:p>
             <a:pPr lvl="1"/>
@@ -3885,7 +3992,6 @@
               <a:rPr lang="zh-CN" altLang="en-US"/>
               <a:t>第二级</a:t>
             </a:r>
-            <a:endParaRPr lang="zh-CN" altLang="en-US"/>
           </a:p>
           <a:p>
             <a:pPr lvl="2"/>
@@ -3893,7 +3999,6 @@
               <a:rPr lang="zh-CN" altLang="en-US"/>
               <a:t>第三级</a:t>
             </a:r>
-            <a:endParaRPr lang="zh-CN" altLang="en-US"/>
           </a:p>
           <a:p>
             <a:pPr lvl="3"/>
@@ -3901,7 +4006,6 @@
               <a:rPr lang="zh-CN" altLang="en-US"/>
               <a:t>第四级</a:t>
             </a:r>
-            <a:endParaRPr lang="zh-CN" altLang="en-US"/>
           </a:p>
           <a:p>
             <a:pPr lvl="4"/>
@@ -3909,7 +4013,6 @@
               <a:rPr lang="zh-CN" altLang="en-US"/>
               <a:t>第五级</a:t>
             </a:r>
-            <a:endParaRPr lang="zh-CN" altLang="en-US"/>
           </a:p>
         </p:txBody>
       </p:sp>
@@ -3975,7 +4078,6 @@
               <a:rPr lang="zh-CN" altLang="en-US"/>
               <a:t>单击此处编辑母版文本样式</a:t>
             </a:r>
-            <a:endParaRPr lang="zh-CN" altLang="en-US"/>
           </a:p>
         </p:txBody>
       </p:sp>
@@ -3996,6 +4098,7 @@
           <a:p>
             <a:fld id="{530820CF-B880-4189-942D-D702A7CBA730}" type="datetimeFigureOut">
               <a:rPr lang="zh-CN" altLang="en-US" smtClean="0"/>
+              <a:t>2018/7/18</a:t>
             </a:fld>
             <a:endParaRPr lang="zh-CN" altLang="en-US"/>
           </a:p>
@@ -4037,6 +4140,7 @@
           <a:p>
             <a:fld id="{0C913308-F349-4B6D-A68A-DD1791B4A57B}" type="slidenum">
               <a:rPr lang="zh-CN" altLang="en-US" smtClean="0"/>
+              <a:t>‹#›</a:t>
             </a:fld>
             <a:endParaRPr lang="zh-CN" altLang="en-US"/>
           </a:p>
@@ -4095,7 +4199,6 @@
               <a:rPr lang="zh-CN" altLang="en-US"/>
               <a:t>单击此处编辑母版标题样式</a:t>
             </a:r>
-            <a:endParaRPr lang="zh-CN" altLang="en-US"/>
           </a:p>
         </p:txBody>
       </p:sp>
@@ -4160,7 +4263,6 @@
               <a:rPr lang="zh-CN" altLang="en-US"/>
               <a:t>单击图标添加图片</a:t>
             </a:r>
-            <a:endParaRPr lang="zh-CN" altLang="en-US"/>
           </a:p>
         </p:txBody>
       </p:sp>
@@ -4226,7 +4328,6 @@
               <a:rPr lang="zh-CN" altLang="en-US"/>
               <a:t>单击此处编辑母版文本样式</a:t>
             </a:r>
-            <a:endParaRPr lang="zh-CN" altLang="en-US"/>
           </a:p>
         </p:txBody>
       </p:sp>
@@ -4247,6 +4348,7 @@
           <a:p>
             <a:fld id="{530820CF-B880-4189-942D-D702A7CBA730}" type="datetimeFigureOut">
               <a:rPr lang="zh-CN" altLang="en-US" smtClean="0"/>
+              <a:t>2018/7/18</a:t>
             </a:fld>
             <a:endParaRPr lang="zh-CN" altLang="en-US"/>
           </a:p>
@@ -4288,6 +4390,7 @@
           <a:p>
             <a:fld id="{0C913308-F349-4B6D-A68A-DD1791B4A57B}" type="slidenum">
               <a:rPr lang="zh-CN" altLang="en-US" smtClean="0"/>
+              <a:t>‹#›</a:t>
             </a:fld>
             <a:endParaRPr lang="zh-CN" altLang="en-US"/>
           </a:p>
@@ -4352,7 +4455,6 @@
               <a:rPr lang="zh-CN" altLang="en-US"/>
               <a:t>单击此处编辑母版标题样式</a:t>
             </a:r>
-            <a:endParaRPr lang="zh-CN" altLang="en-US"/>
           </a:p>
         </p:txBody>
       </p:sp>
@@ -4386,7 +4488,6 @@
               <a:rPr lang="zh-CN" altLang="en-US"/>
               <a:t>单击此处编辑母版文本样式</a:t>
             </a:r>
-            <a:endParaRPr lang="zh-CN" altLang="en-US"/>
           </a:p>
           <a:p>
             <a:pPr lvl="1"/>
@@ -4394,7 +4495,6 @@
               <a:rPr lang="zh-CN" altLang="en-US"/>
               <a:t>第二级</a:t>
             </a:r>
-            <a:endParaRPr lang="zh-CN" altLang="en-US"/>
           </a:p>
           <a:p>
             <a:pPr lvl="2"/>
@@ -4402,7 +4502,6 @@
               <a:rPr lang="zh-CN" altLang="en-US"/>
               <a:t>第三级</a:t>
             </a:r>
-            <a:endParaRPr lang="zh-CN" altLang="en-US"/>
           </a:p>
           <a:p>
             <a:pPr lvl="3"/>
@@ -4410,7 +4509,6 @@
               <a:rPr lang="zh-CN" altLang="en-US"/>
               <a:t>第四级</a:t>
             </a:r>
-            <a:endParaRPr lang="zh-CN" altLang="en-US"/>
           </a:p>
           <a:p>
             <a:pPr lvl="4"/>
@@ -4418,7 +4516,6 @@
               <a:rPr lang="zh-CN" altLang="en-US"/>
               <a:t>第五级</a:t>
             </a:r>
-            <a:endParaRPr lang="zh-CN" altLang="en-US"/>
           </a:p>
         </p:txBody>
       </p:sp>
@@ -4457,6 +4554,7 @@
           <a:p>
             <a:fld id="{530820CF-B880-4189-942D-D702A7CBA730}" type="datetimeFigureOut">
               <a:rPr lang="zh-CN" altLang="en-US" smtClean="0"/>
+              <a:t>2018/7/18</a:t>
             </a:fld>
             <a:endParaRPr lang="zh-CN" altLang="en-US"/>
           </a:p>
@@ -4534,6 +4632,7 @@
           <a:p>
             <a:fld id="{0C913308-F349-4B6D-A68A-DD1791B4A57B}" type="slidenum">
               <a:rPr lang="zh-CN" altLang="en-US" smtClean="0"/>
+              <a:t>‹#›</a:t>
             </a:fld>
             <a:endParaRPr lang="zh-CN" altLang="en-US"/>
           </a:p>
@@ -4905,11 +5004,6 @@
               </a:rPr>
               <a:t>            </a:t>
             </a:r>
-            <a:endParaRPr lang="en-US" altLang="zh-CN" sz="1350">
-              <a:solidFill>
-                <a:schemeClr val="bg1"/>
-              </a:solidFill>
-            </a:endParaRPr>
           </a:p>
         </p:txBody>
       </p:sp>
@@ -4922,7 +5016,7 @@
           <p:nvPr/>
         </p:nvPicPr>
         <p:blipFill>
-          <a:blip r:embed="rId1"/>
+          <a:blip r:embed="rId2"/>
           <a:stretch>
             <a:fillRect/>
           </a:stretch>
@@ -4954,6 +5048,7 @@
           <a:p>
             <a:fld id="{7D9BB5D0-35E4-459D-AEF3-FE4D7C45CC19}" type="slidenum">
               <a:rPr lang="zh-CN" altLang="en-US" sz="900" smtClean="0"/>
+              <a:t>1</a:t>
             </a:fld>
             <a:endParaRPr lang="zh-CN" altLang="en-US" sz="900"/>
           </a:p>
@@ -5001,13 +5096,6 @@
               </a:rPr>
               <a:t>信数据服务（上海）有限公司 </a:t>
             </a:r>
-            <a:endParaRPr lang="zh-CN" altLang="en-US" sz="1350" dirty="0">
-              <a:solidFill>
-                <a:srgbClr val="42BDD8"/>
-              </a:solidFill>
-              <a:latin typeface="微软雅黑" panose="020B0503020204020204" pitchFamily="34" charset="-122"/>
-              <a:ea typeface="微软雅黑" panose="020B0503020204020204" pitchFamily="34" charset="-122"/>
-            </a:endParaRPr>
           </a:p>
         </p:txBody>
       </p:sp>
@@ -5074,13 +5162,6 @@
               </a:rPr>
               <a:t>月</a:t>
             </a:r>
-            <a:endParaRPr lang="zh-CN" altLang="en-US" sz="1350" dirty="0">
-              <a:solidFill>
-                <a:srgbClr val="42BDD8"/>
-              </a:solidFill>
-              <a:latin typeface="微软雅黑" panose="020B0503020204020204" pitchFamily="34" charset="-122"/>
-              <a:ea typeface="微软雅黑" panose="020B0503020204020204" pitchFamily="34" charset="-122"/>
-            </a:endParaRPr>
           </a:p>
         </p:txBody>
       </p:sp>
@@ -5093,7 +5174,7 @@
           <p:nvPr/>
         </p:nvPicPr>
         <p:blipFill>
-          <a:blip r:embed="rId2"/>
+          <a:blip r:embed="rId3"/>
           <a:stretch>
             <a:fillRect/>
           </a:stretch>
@@ -5261,7 +5342,7 @@
           <p:nvPr/>
         </p:nvPicPr>
         <p:blipFill>
-          <a:blip r:embed="rId1"/>
+          <a:blip r:embed="rId3"/>
           <a:stretch>
             <a:fillRect/>
           </a:stretch>
@@ -5296,12 +5377,12 @@
           <a:bodyPr wrap="square" rtlCol="0">
             <a:spAutoFit/>
           </a:bodyPr>
+          <a:lstStyle/>
           <a:p>
             <a:r>
               <a:rPr lang="zh-CN" altLang="en-US" sz="1400"/>
               <a:t>把输入值当成幂指数求值，再正则化这些结果值。这个幂运算表示，更大的证据对应更大的假设模型（hypothesis）里面的乘数权重值。反之，拥有更少的证据意味着在假设模型里面拥有更小的乘数系数。假设模型里的权值不可以是0值或者负值。Softmax然后会正则化这些权重值，使它们的总和等于1，以此构造一个有效的概率分布。</a:t>
             </a:r>
-            <a:endParaRPr lang="zh-CN" altLang="en-US" sz="1400"/>
           </a:p>
         </p:txBody>
       </p:sp>
@@ -5392,6 +5473,7 @@
           <a:bodyPr wrap="none" rtlCol="0" anchor="t">
             <a:spAutoFit/>
           </a:bodyPr>
+          <a:lstStyle/>
           <a:p>
             <a:r>
               <a:rPr lang="en-US" altLang="zh-CN" sz="2000" dirty="0" err="1">
@@ -5428,7 +5510,7 @@
           <p:nvPr/>
         </p:nvPicPr>
         <p:blipFill>
-          <a:blip r:embed="rId1"/>
+          <a:blip r:embed="rId3"/>
           <a:stretch>
             <a:fillRect/>
           </a:stretch>
@@ -5570,22 +5652,43 @@
           <a:bodyPr wrap="square" rtlCol="0">
             <a:spAutoFit/>
           </a:bodyPr>
+          <a:lstStyle/>
           <a:p>
             <a:pPr algn="r"/>
             <a:r>
-              <a:rPr lang="zh-CN" altLang="en-US" sz="2000">
+              <a:rPr lang="zh-CN" altLang="en-US" sz="2000" dirty="0">
                 <a:latin typeface="微软雅黑" panose="020B0503020204020204" pitchFamily="34" charset="-122"/>
                 <a:ea typeface="微软雅黑" panose="020B0503020204020204" pitchFamily="34" charset="-122"/>
               </a:rPr>
               <a:t>实现回归模型</a:t>
             </a:r>
-            <a:endParaRPr lang="zh-CN" altLang="en-US" sz="2000">
-              <a:latin typeface="微软雅黑" panose="020B0503020204020204" pitchFamily="34" charset="-122"/>
-              <a:ea typeface="微软雅黑" panose="020B0503020204020204" pitchFamily="34" charset="-122"/>
-            </a:endParaRPr>
-          </a:p>
-        </p:txBody>
-      </p:sp>
+          </a:p>
+        </p:txBody>
+      </p:sp>
+      <p:pic>
+        <p:nvPicPr>
+          <p:cNvPr id="4" name="图片 3"/>
+          <p:cNvPicPr>
+            <a:picLocks noChangeAspect="1"/>
+          </p:cNvPicPr>
+          <p:nvPr/>
+        </p:nvPicPr>
+        <p:blipFill>
+          <a:blip r:embed="rId3"/>
+          <a:stretch>
+            <a:fillRect/>
+          </a:stretch>
+        </p:blipFill>
+        <p:spPr>
+          <a:xfrm>
+            <a:off x="2266952" y="1484784"/>
+            <a:ext cx="4742857" cy="2838095"/>
+          </a:xfrm>
+          <a:prstGeom prst="rect">
+            <a:avLst/>
+          </a:prstGeom>
+        </p:spPr>
+      </p:pic>
     </p:spTree>
   </p:cSld>
   <p:clrMapOvr>
@@ -5693,6 +5796,750 @@
           </a:p>
         </p:txBody>
       </p:sp>
+      <p:sp>
+        <p:nvSpPr>
+          <p:cNvPr id="3" name="矩形 2"/>
+          <p:cNvSpPr/>
+          <p:nvPr/>
+        </p:nvSpPr>
+        <p:spPr>
+          <a:xfrm>
+            <a:off x="8036004" y="342960"/>
+            <a:ext cx="1107997" cy="369332"/>
+          </a:xfrm>
+          <a:prstGeom prst="rect">
+            <a:avLst/>
+          </a:prstGeom>
+        </p:spPr>
+        <p:txBody>
+          <a:bodyPr wrap="none">
+            <a:spAutoFit/>
+          </a:bodyPr>
+          <a:lstStyle/>
+          <a:p>
+            <a:pPr algn="r"/>
+            <a:r>
+              <a:rPr lang="zh-CN" altLang="en-US" dirty="0">
+                <a:latin typeface="微软雅黑" panose="020B0503020204020204" pitchFamily="34" charset="-122"/>
+                <a:ea typeface="微软雅黑" panose="020B0503020204020204" pitchFamily="34" charset="-122"/>
+              </a:rPr>
+              <a:t>训练</a:t>
+            </a:r>
+            <a:r>
+              <a:rPr lang="zh-CN" altLang="en-US" dirty="0" smtClean="0">
+                <a:latin typeface="微软雅黑" panose="020B0503020204020204" pitchFamily="34" charset="-122"/>
+                <a:ea typeface="微软雅黑" panose="020B0503020204020204" pitchFamily="34" charset="-122"/>
+              </a:rPr>
+              <a:t>模型</a:t>
+            </a:r>
+            <a:endParaRPr lang="zh-CN" altLang="en-US" dirty="0">
+              <a:latin typeface="微软雅黑" panose="020B0503020204020204" pitchFamily="34" charset="-122"/>
+              <a:ea typeface="微软雅黑" panose="020B0503020204020204" pitchFamily="34" charset="-122"/>
+            </a:endParaRPr>
+          </a:p>
+        </p:txBody>
+      </p:sp>
+      <p:sp>
+        <p:nvSpPr>
+          <p:cNvPr id="4" name="文本框 3"/>
+          <p:cNvSpPr txBox="1"/>
+          <p:nvPr/>
+        </p:nvSpPr>
+        <p:spPr>
+          <a:xfrm>
+            <a:off x="899592" y="3540691"/>
+            <a:ext cx="6006792" cy="461665"/>
+          </a:xfrm>
+          <a:prstGeom prst="rect">
+            <a:avLst/>
+          </a:prstGeom>
+          <a:noFill/>
+        </p:spPr>
+        <p:txBody>
+          <a:bodyPr wrap="square" rtlCol="0">
+            <a:spAutoFit/>
+          </a:bodyPr>
+          <a:lstStyle/>
+          <a:p>
+            <a:pPr eaLnBrk="0" fontAlgn="base" hangingPunct="0">
+              <a:spcBef>
+                <a:spcPct val="0"/>
+              </a:spcBef>
+              <a:spcAft>
+                <a:spcPct val="0"/>
+              </a:spcAft>
+            </a:pPr>
+            <a:r>
+              <a:rPr lang="zh-CN" altLang="zh-CN" sz="1200" dirty="0">
+                <a:solidFill>
+                  <a:srgbClr val="333333"/>
+                </a:solidFill>
+                <a:latin typeface="Arial" panose="020B0604020202020204" pitchFamily="34" charset="0"/>
+                <a:ea typeface="Helvetica Neue"/>
+              </a:rPr>
+              <a:t>y 是我们预测的概率分布, y' 是实际的分布（我们输入的one-hot vector)。比较粗糙的理解是</a:t>
+            </a:r>
+            <a:r>
+              <a:rPr lang="zh-CN" altLang="zh-CN" sz="1200" dirty="0" smtClean="0">
+                <a:solidFill>
+                  <a:srgbClr val="333333"/>
+                </a:solidFill>
+                <a:latin typeface="Arial" panose="020B0604020202020204" pitchFamily="34" charset="0"/>
+                <a:ea typeface="Helvetica Neue"/>
+              </a:rPr>
+              <a:t>，交叉</a:t>
+            </a:r>
+            <a:r>
+              <a:rPr lang="zh-CN" altLang="zh-CN" sz="1200" dirty="0">
+                <a:solidFill>
+                  <a:srgbClr val="333333"/>
+                </a:solidFill>
+                <a:latin typeface="Arial" panose="020B0604020202020204" pitchFamily="34" charset="0"/>
+                <a:ea typeface="Helvetica Neue"/>
+              </a:rPr>
+              <a:t>熵是用来衡量我们的预测用于描述真相的低效性。</a:t>
+            </a:r>
+          </a:p>
+        </p:txBody>
+      </p:sp>
+      <p:sp>
+        <p:nvSpPr>
+          <p:cNvPr id="5" name="Rectangle 1"/>
+          <p:cNvSpPr>
+            <a:spLocks noChangeArrowheads="1"/>
+          </p:cNvSpPr>
+          <p:nvPr/>
+        </p:nvSpPr>
+        <p:spPr bwMode="auto">
+          <a:xfrm>
+            <a:off x="807085" y="1239436"/>
+            <a:ext cx="6955750" cy="1384995"/>
+          </a:xfrm>
+          <a:prstGeom prst="rect">
+            <a:avLst/>
+          </a:prstGeom>
+          <a:noFill/>
+          <a:ln>
+            <a:noFill/>
+          </a:ln>
+          <a:effectLst/>
+          <a:extLst>
+            <a:ext uri="{909E8E84-426E-40DD-AFC4-6F175D3DCCD1}">
+              <a14:hiddenFill xmlns:a14="http://schemas.microsoft.com/office/drawing/2010/main">
+                <a:solidFill>
+                  <a:schemeClr val="accent1"/>
+                </a:solidFill>
+              </a14:hiddenFill>
+            </a:ext>
+            <a:ext uri="{91240B29-F687-4F45-9708-019B960494DF}">
+              <a14:hiddenLine xmlns:a14="http://schemas.microsoft.com/office/drawing/2010/main" w="9525">
+                <a:solidFill>
+                  <a:schemeClr val="tx1"/>
+                </a:solidFill>
+                <a:miter lim="800000"/>
+                <a:headEnd/>
+                <a:tailEnd/>
+              </a14:hiddenLine>
+            </a:ext>
+            <a:ext uri="{AF507438-7753-43E0-B8FC-AC1667EBCBE1}">
+              <a14:hiddenEffects xmlns:a14="http://schemas.microsoft.com/office/drawing/2010/main">
+                <a:effectLst>
+                  <a:outerShdw dist="35921" dir="2700000" algn="ctr" rotWithShape="0">
+                    <a:schemeClr val="bg2"/>
+                  </a:outerShdw>
+                </a:effectLst>
+              </a14:hiddenEffects>
+            </a:ext>
+          </a:extLst>
+        </p:spPr>
+        <p:txBody>
+          <a:bodyPr vert="horz" wrap="none" lIns="91440" tIns="45720" rIns="91440" bIns="45720" numCol="1" anchor="ctr" anchorCtr="0" compatLnSpc="1">
+            <a:prstTxWarp prst="textNoShape">
+              <a:avLst/>
+            </a:prstTxWarp>
+            <a:spAutoFit/>
+          </a:bodyPr>
+          <a:lstStyle>
+            <a:lvl1pPr eaLnBrk="0" fontAlgn="base" hangingPunct="0">
+              <a:spcBef>
+                <a:spcPct val="0"/>
+              </a:spcBef>
+              <a:spcAft>
+                <a:spcPct val="0"/>
+              </a:spcAft>
+              <a:defRPr>
+                <a:solidFill>
+                  <a:schemeClr val="tx1"/>
+                </a:solidFill>
+                <a:latin typeface="Arial" panose="020B0604020202020204" pitchFamily="34" charset="0"/>
+              </a:defRPr>
+            </a:lvl1pPr>
+            <a:lvl2pPr eaLnBrk="0" fontAlgn="base" hangingPunct="0">
+              <a:spcBef>
+                <a:spcPct val="0"/>
+              </a:spcBef>
+              <a:spcAft>
+                <a:spcPct val="0"/>
+              </a:spcAft>
+              <a:defRPr>
+                <a:solidFill>
+                  <a:schemeClr val="tx1"/>
+                </a:solidFill>
+                <a:latin typeface="Arial" panose="020B0604020202020204" pitchFamily="34" charset="0"/>
+              </a:defRPr>
+            </a:lvl2pPr>
+            <a:lvl3pPr eaLnBrk="0" fontAlgn="base" hangingPunct="0">
+              <a:spcBef>
+                <a:spcPct val="0"/>
+              </a:spcBef>
+              <a:spcAft>
+                <a:spcPct val="0"/>
+              </a:spcAft>
+              <a:defRPr>
+                <a:solidFill>
+                  <a:schemeClr val="tx1"/>
+                </a:solidFill>
+                <a:latin typeface="Arial" panose="020B0604020202020204" pitchFamily="34" charset="0"/>
+              </a:defRPr>
+            </a:lvl3pPr>
+            <a:lvl4pPr eaLnBrk="0" fontAlgn="base" hangingPunct="0">
+              <a:spcBef>
+                <a:spcPct val="0"/>
+              </a:spcBef>
+              <a:spcAft>
+                <a:spcPct val="0"/>
+              </a:spcAft>
+              <a:defRPr>
+                <a:solidFill>
+                  <a:schemeClr val="tx1"/>
+                </a:solidFill>
+                <a:latin typeface="Arial" panose="020B0604020202020204" pitchFamily="34" charset="0"/>
+              </a:defRPr>
+            </a:lvl4pPr>
+            <a:lvl5pPr eaLnBrk="0" fontAlgn="base" hangingPunct="0">
+              <a:spcBef>
+                <a:spcPct val="0"/>
+              </a:spcBef>
+              <a:spcAft>
+                <a:spcPct val="0"/>
+              </a:spcAft>
+              <a:defRPr>
+                <a:solidFill>
+                  <a:schemeClr val="tx1"/>
+                </a:solidFill>
+                <a:latin typeface="Arial" panose="020B0604020202020204" pitchFamily="34" charset="0"/>
+              </a:defRPr>
+            </a:lvl5pPr>
+            <a:lvl6pPr eaLnBrk="0" fontAlgn="base" hangingPunct="0">
+              <a:spcBef>
+                <a:spcPct val="0"/>
+              </a:spcBef>
+              <a:spcAft>
+                <a:spcPct val="0"/>
+              </a:spcAft>
+              <a:defRPr>
+                <a:solidFill>
+                  <a:schemeClr val="tx1"/>
+                </a:solidFill>
+                <a:latin typeface="Arial" panose="020B0604020202020204" pitchFamily="34" charset="0"/>
+              </a:defRPr>
+            </a:lvl6pPr>
+            <a:lvl7pPr eaLnBrk="0" fontAlgn="base" hangingPunct="0">
+              <a:spcBef>
+                <a:spcPct val="0"/>
+              </a:spcBef>
+              <a:spcAft>
+                <a:spcPct val="0"/>
+              </a:spcAft>
+              <a:defRPr>
+                <a:solidFill>
+                  <a:schemeClr val="tx1"/>
+                </a:solidFill>
+                <a:latin typeface="Arial" panose="020B0604020202020204" pitchFamily="34" charset="0"/>
+              </a:defRPr>
+            </a:lvl7pPr>
+            <a:lvl8pPr eaLnBrk="0" fontAlgn="base" hangingPunct="0">
+              <a:spcBef>
+                <a:spcPct val="0"/>
+              </a:spcBef>
+              <a:spcAft>
+                <a:spcPct val="0"/>
+              </a:spcAft>
+              <a:defRPr>
+                <a:solidFill>
+                  <a:schemeClr val="tx1"/>
+                </a:solidFill>
+                <a:latin typeface="Arial" panose="020B0604020202020204" pitchFamily="34" charset="0"/>
+              </a:defRPr>
+            </a:lvl8pPr>
+            <a:lvl9pPr eaLnBrk="0" fontAlgn="base" hangingPunct="0">
+              <a:spcBef>
+                <a:spcPct val="0"/>
+              </a:spcBef>
+              <a:spcAft>
+                <a:spcPct val="0"/>
+              </a:spcAft>
+              <a:defRPr>
+                <a:solidFill>
+                  <a:schemeClr val="tx1"/>
+                </a:solidFill>
+                <a:latin typeface="Arial" panose="020B0604020202020204" pitchFamily="34" charset="0"/>
+              </a:defRPr>
+            </a:lvl9pPr>
+          </a:lstStyle>
+          <a:p>
+            <a:pPr marL="0" marR="0" lvl="0" indent="0" algn="l" defTabSz="914400" rtl="0" eaLnBrk="0" fontAlgn="base" latinLnBrk="0" hangingPunct="0">
+              <a:lnSpc>
+                <a:spcPct val="100000"/>
+              </a:lnSpc>
+              <a:spcBef>
+                <a:spcPct val="0"/>
+              </a:spcBef>
+              <a:spcAft>
+                <a:spcPct val="0"/>
+              </a:spcAft>
+              <a:buClrTx/>
+              <a:buSzTx/>
+              <a:buFontTx/>
+              <a:buNone/>
+              <a:tabLst/>
+            </a:pPr>
+            <a:r>
+              <a:rPr kumimoji="0" lang="zh-CN" sz="1200" b="0" i="0" u="none" strike="noStrike" cap="none" normalizeH="0" baseline="0" dirty="0" smtClean="0">
+                <a:ln>
+                  <a:noFill/>
+                </a:ln>
+                <a:solidFill>
+                  <a:srgbClr val="333333"/>
+                </a:solidFill>
+                <a:effectLst/>
+                <a:latin typeface="Arial" panose="020B0604020202020204" pitchFamily="34" charset="0"/>
+                <a:ea typeface="Helvetica Neue"/>
+              </a:rPr>
+              <a:t>为了训练我们的模型，我们首先需要定义一个指标来评估这个模型是好的。其实，在机器学习，</a:t>
+            </a:r>
+            <a:endParaRPr kumimoji="0" lang="en-US" altLang="zh-CN" sz="1200" b="0" i="0" u="none" strike="noStrike" cap="none" normalizeH="0" baseline="0" dirty="0" smtClean="0">
+              <a:ln>
+                <a:noFill/>
+              </a:ln>
+              <a:solidFill>
+                <a:srgbClr val="333333"/>
+              </a:solidFill>
+              <a:effectLst/>
+              <a:latin typeface="Arial" panose="020B0604020202020204" pitchFamily="34" charset="0"/>
+              <a:ea typeface="Helvetica Neue"/>
+            </a:endParaRPr>
+          </a:p>
+          <a:p>
+            <a:pPr marL="0" marR="0" lvl="0" indent="0" algn="l" defTabSz="914400" rtl="0" eaLnBrk="0" fontAlgn="base" latinLnBrk="0" hangingPunct="0">
+              <a:lnSpc>
+                <a:spcPct val="100000"/>
+              </a:lnSpc>
+              <a:spcBef>
+                <a:spcPct val="0"/>
+              </a:spcBef>
+              <a:spcAft>
+                <a:spcPct val="0"/>
+              </a:spcAft>
+              <a:buClrTx/>
+              <a:buSzTx/>
+              <a:buFontTx/>
+              <a:buNone/>
+              <a:tabLst/>
+            </a:pPr>
+            <a:r>
+              <a:rPr kumimoji="0" lang="zh-CN" sz="1200" b="0" i="0" u="none" strike="noStrike" cap="none" normalizeH="0" baseline="0" dirty="0" smtClean="0">
+                <a:ln>
+                  <a:noFill/>
+                </a:ln>
+                <a:solidFill>
+                  <a:srgbClr val="333333"/>
+                </a:solidFill>
+                <a:effectLst/>
+                <a:latin typeface="Arial" panose="020B0604020202020204" pitchFamily="34" charset="0"/>
+                <a:ea typeface="Helvetica Neue"/>
+              </a:rPr>
+              <a:t>我们通常定义指标来表示一个模型是坏的，这个指标称为成本（</a:t>
+            </a:r>
+            <a:r>
+              <a:rPr kumimoji="0" lang="zh-CN" altLang="zh-CN" sz="1200" b="0" i="0" u="none" strike="noStrike" cap="none" normalizeH="0" baseline="0" dirty="0" smtClean="0">
+                <a:ln>
+                  <a:noFill/>
+                </a:ln>
+                <a:solidFill>
+                  <a:srgbClr val="333333"/>
+                </a:solidFill>
+                <a:effectLst/>
+                <a:latin typeface="Arial" panose="020B0604020202020204" pitchFamily="34" charset="0"/>
+                <a:ea typeface="Helvetica Neue"/>
+              </a:rPr>
+              <a:t>cost</a:t>
+            </a:r>
+            <a:r>
+              <a:rPr kumimoji="0" lang="zh-CN" sz="1200" b="0" i="0" u="none" strike="noStrike" cap="none" normalizeH="0" baseline="0" dirty="0" smtClean="0">
+                <a:ln>
+                  <a:noFill/>
+                </a:ln>
+                <a:solidFill>
+                  <a:srgbClr val="333333"/>
+                </a:solidFill>
+                <a:effectLst/>
+                <a:latin typeface="Arial" panose="020B0604020202020204" pitchFamily="34" charset="0"/>
+                <a:ea typeface="Helvetica Neue"/>
+              </a:rPr>
+              <a:t>）或损失（</a:t>
+            </a:r>
+            <a:r>
+              <a:rPr kumimoji="0" lang="zh-CN" altLang="zh-CN" sz="1200" b="0" i="0" u="none" strike="noStrike" cap="none" normalizeH="0" baseline="0" dirty="0" smtClean="0">
+                <a:ln>
+                  <a:noFill/>
+                </a:ln>
+                <a:solidFill>
+                  <a:srgbClr val="333333"/>
+                </a:solidFill>
+                <a:effectLst/>
+                <a:latin typeface="Arial" panose="020B0604020202020204" pitchFamily="34" charset="0"/>
+                <a:ea typeface="Helvetica Neue"/>
+              </a:rPr>
+              <a:t>loss</a:t>
+            </a:r>
+            <a:r>
+              <a:rPr kumimoji="0" lang="zh-CN" sz="1200" b="0" i="0" u="none" strike="noStrike" cap="none" normalizeH="0" baseline="0" dirty="0" smtClean="0">
+                <a:ln>
+                  <a:noFill/>
+                </a:ln>
+                <a:solidFill>
+                  <a:srgbClr val="333333"/>
+                </a:solidFill>
+                <a:effectLst/>
+                <a:latin typeface="Arial" panose="020B0604020202020204" pitchFamily="34" charset="0"/>
+                <a:ea typeface="Helvetica Neue"/>
+              </a:rPr>
+              <a:t>），然后尽</a:t>
+            </a:r>
+            <a:endParaRPr kumimoji="0" lang="en-US" altLang="zh-CN" sz="1200" b="0" i="0" u="none" strike="noStrike" cap="none" normalizeH="0" baseline="0" dirty="0" smtClean="0">
+              <a:ln>
+                <a:noFill/>
+              </a:ln>
+              <a:solidFill>
+                <a:srgbClr val="333333"/>
+              </a:solidFill>
+              <a:effectLst/>
+              <a:latin typeface="Arial" panose="020B0604020202020204" pitchFamily="34" charset="0"/>
+              <a:ea typeface="Helvetica Neue"/>
+            </a:endParaRPr>
+          </a:p>
+          <a:p>
+            <a:pPr marL="0" marR="0" lvl="0" indent="0" algn="l" defTabSz="914400" rtl="0" eaLnBrk="0" fontAlgn="base" latinLnBrk="0" hangingPunct="0">
+              <a:lnSpc>
+                <a:spcPct val="100000"/>
+              </a:lnSpc>
+              <a:spcBef>
+                <a:spcPct val="0"/>
+              </a:spcBef>
+              <a:spcAft>
+                <a:spcPct val="0"/>
+              </a:spcAft>
+              <a:buClrTx/>
+              <a:buSzTx/>
+              <a:buFontTx/>
+              <a:buNone/>
+              <a:tabLst/>
+            </a:pPr>
+            <a:r>
+              <a:rPr kumimoji="0" lang="zh-CN" sz="1200" b="0" i="0" u="none" strike="noStrike" cap="none" normalizeH="0" baseline="0" dirty="0" smtClean="0">
+                <a:ln>
+                  <a:noFill/>
+                </a:ln>
+                <a:solidFill>
+                  <a:srgbClr val="333333"/>
+                </a:solidFill>
+                <a:effectLst/>
+                <a:latin typeface="Arial" panose="020B0604020202020204" pitchFamily="34" charset="0"/>
+                <a:ea typeface="Helvetica Neue"/>
+              </a:rPr>
+              <a:t>量最小化这个指标。但是，这两种方式是相同的。</a:t>
+            </a:r>
+            <a:endParaRPr kumimoji="0" lang="zh-CN" sz="600" b="0" i="0" u="none" strike="noStrike" cap="none" normalizeH="0" baseline="0" dirty="0" smtClean="0">
+              <a:ln>
+                <a:noFill/>
+              </a:ln>
+              <a:solidFill>
+                <a:schemeClr val="tx1"/>
+              </a:solidFill>
+              <a:effectLst/>
+              <a:latin typeface="Arial" panose="020B0604020202020204" pitchFamily="34" charset="0"/>
+            </a:endParaRPr>
+          </a:p>
+          <a:p>
+            <a:pPr marL="0" marR="0" lvl="0" indent="0" algn="l" defTabSz="914400" rtl="0" eaLnBrk="0" fontAlgn="base" latinLnBrk="0" hangingPunct="0">
+              <a:lnSpc>
+                <a:spcPct val="100000"/>
+              </a:lnSpc>
+              <a:spcBef>
+                <a:spcPct val="0"/>
+              </a:spcBef>
+              <a:spcAft>
+                <a:spcPct val="0"/>
+              </a:spcAft>
+              <a:buClrTx/>
+              <a:buSzTx/>
+              <a:buFontTx/>
+              <a:buNone/>
+              <a:tabLst/>
+            </a:pPr>
+            <a:r>
+              <a:rPr kumimoji="0" lang="zh-CN" sz="1200" b="0" i="0" u="none" strike="noStrike" cap="none" normalizeH="0" baseline="0" dirty="0" smtClean="0">
+                <a:ln>
+                  <a:noFill/>
+                </a:ln>
+                <a:solidFill>
+                  <a:srgbClr val="333333"/>
+                </a:solidFill>
+                <a:effectLst/>
+                <a:latin typeface="Arial" panose="020B0604020202020204" pitchFamily="34" charset="0"/>
+                <a:ea typeface="Helvetica Neue"/>
+              </a:rPr>
+              <a:t>一个非常常见的，非常漂亮的成本函数是“</a:t>
+            </a:r>
+            <a:r>
+              <a:rPr kumimoji="0" lang="zh-CN" sz="1200" b="0" i="0" u="none" strike="noStrike" cap="none" normalizeH="0" baseline="0" dirty="0" smtClean="0">
+                <a:ln>
+                  <a:noFill/>
+                </a:ln>
+                <a:solidFill>
+                  <a:srgbClr val="FF0000"/>
+                </a:solidFill>
+                <a:effectLst/>
+                <a:latin typeface="Arial" panose="020B0604020202020204" pitchFamily="34" charset="0"/>
+                <a:ea typeface="Helvetica Neue"/>
+              </a:rPr>
+              <a:t>交叉熵</a:t>
+            </a:r>
+            <a:r>
+              <a:rPr kumimoji="0" lang="zh-CN" sz="1200" b="0" i="0" u="none" strike="noStrike" cap="none" normalizeH="0" baseline="0" dirty="0" smtClean="0">
+                <a:ln>
+                  <a:noFill/>
+                </a:ln>
+                <a:solidFill>
+                  <a:srgbClr val="333333"/>
+                </a:solidFill>
+                <a:effectLst/>
+                <a:latin typeface="Arial" panose="020B0604020202020204" pitchFamily="34" charset="0"/>
+                <a:ea typeface="Helvetica Neue"/>
+              </a:rPr>
+              <a:t>”（</a:t>
+            </a:r>
+            <a:r>
+              <a:rPr kumimoji="0" lang="zh-CN" altLang="zh-CN" sz="1200" b="0" i="0" u="none" strike="noStrike" cap="none" normalizeH="0" baseline="0" dirty="0" smtClean="0">
+                <a:ln>
+                  <a:noFill/>
+                </a:ln>
+                <a:solidFill>
+                  <a:srgbClr val="333333"/>
+                </a:solidFill>
+                <a:effectLst/>
+                <a:latin typeface="Arial" panose="020B0604020202020204" pitchFamily="34" charset="0"/>
+                <a:ea typeface="Helvetica Neue"/>
+              </a:rPr>
+              <a:t>cross-entropy</a:t>
+            </a:r>
+            <a:r>
+              <a:rPr kumimoji="0" lang="zh-CN" sz="1200" b="0" i="0" u="none" strike="noStrike" cap="none" normalizeH="0" baseline="0" dirty="0" smtClean="0">
+                <a:ln>
+                  <a:noFill/>
+                </a:ln>
+                <a:solidFill>
+                  <a:srgbClr val="333333"/>
+                </a:solidFill>
+                <a:effectLst/>
+                <a:latin typeface="Arial" panose="020B0604020202020204" pitchFamily="34" charset="0"/>
+                <a:ea typeface="Helvetica Neue"/>
+              </a:rPr>
+              <a:t>）。交叉熵产生于信息论</a:t>
+            </a:r>
+            <a:endParaRPr kumimoji="0" lang="en-US" altLang="zh-CN" sz="1200" b="0" i="0" u="none" strike="noStrike" cap="none" normalizeH="0" baseline="0" dirty="0" smtClean="0">
+              <a:ln>
+                <a:noFill/>
+              </a:ln>
+              <a:solidFill>
+                <a:srgbClr val="333333"/>
+              </a:solidFill>
+              <a:effectLst/>
+              <a:latin typeface="Arial" panose="020B0604020202020204" pitchFamily="34" charset="0"/>
+              <a:ea typeface="Helvetica Neue"/>
+            </a:endParaRPr>
+          </a:p>
+          <a:p>
+            <a:pPr marL="0" marR="0" lvl="0" indent="0" algn="l" defTabSz="914400" rtl="0" eaLnBrk="0" fontAlgn="base" latinLnBrk="0" hangingPunct="0">
+              <a:lnSpc>
+                <a:spcPct val="100000"/>
+              </a:lnSpc>
+              <a:spcBef>
+                <a:spcPct val="0"/>
+              </a:spcBef>
+              <a:spcAft>
+                <a:spcPct val="0"/>
+              </a:spcAft>
+              <a:buClrTx/>
+              <a:buSzTx/>
+              <a:buFontTx/>
+              <a:buNone/>
+              <a:tabLst/>
+            </a:pPr>
+            <a:r>
+              <a:rPr kumimoji="0" lang="zh-CN" sz="1200" b="0" i="0" u="none" strike="noStrike" cap="none" normalizeH="0" baseline="0" dirty="0" smtClean="0">
+                <a:ln>
+                  <a:noFill/>
+                </a:ln>
+                <a:solidFill>
+                  <a:srgbClr val="333333"/>
+                </a:solidFill>
+                <a:effectLst/>
+                <a:latin typeface="Arial" panose="020B0604020202020204" pitchFamily="34" charset="0"/>
+                <a:ea typeface="Helvetica Neue"/>
+              </a:rPr>
+              <a:t>里面的信息压缩编码技术，但是它后来演变成为从博弈论到机器学习等其他领域里的重要技术手段。</a:t>
+            </a:r>
+            <a:endParaRPr kumimoji="0" lang="en-US" altLang="zh-CN" sz="1200" b="0" i="0" u="none" strike="noStrike" cap="none" normalizeH="0" baseline="0" dirty="0" smtClean="0">
+              <a:ln>
+                <a:noFill/>
+              </a:ln>
+              <a:solidFill>
+                <a:srgbClr val="333333"/>
+              </a:solidFill>
+              <a:effectLst/>
+              <a:latin typeface="Arial" panose="020B0604020202020204" pitchFamily="34" charset="0"/>
+              <a:ea typeface="Helvetica Neue"/>
+            </a:endParaRPr>
+          </a:p>
+          <a:p>
+            <a:pPr marL="0" marR="0" lvl="0" indent="0" algn="l" defTabSz="914400" rtl="0" eaLnBrk="0" fontAlgn="base" latinLnBrk="0" hangingPunct="0">
+              <a:lnSpc>
+                <a:spcPct val="100000"/>
+              </a:lnSpc>
+              <a:spcBef>
+                <a:spcPct val="0"/>
+              </a:spcBef>
+              <a:spcAft>
+                <a:spcPct val="0"/>
+              </a:spcAft>
+              <a:buClrTx/>
+              <a:buSzTx/>
+              <a:buFontTx/>
+              <a:buNone/>
+              <a:tabLst/>
+            </a:pPr>
+            <a:r>
+              <a:rPr kumimoji="0" lang="zh-CN" sz="1200" b="0" i="0" u="none" strike="noStrike" cap="none" normalizeH="0" baseline="0" dirty="0" smtClean="0">
+                <a:ln>
+                  <a:noFill/>
+                </a:ln>
+                <a:solidFill>
+                  <a:srgbClr val="333333"/>
+                </a:solidFill>
+                <a:effectLst/>
+                <a:latin typeface="Arial" panose="020B0604020202020204" pitchFamily="34" charset="0"/>
+                <a:ea typeface="Helvetica Neue"/>
+              </a:rPr>
+              <a:t>它的定义如下：</a:t>
+            </a:r>
+            <a:endParaRPr kumimoji="0" lang="zh-CN" sz="600" b="0" i="0" u="none" strike="noStrike" cap="none" normalizeH="0" baseline="0" dirty="0" smtClean="0">
+              <a:ln>
+                <a:noFill/>
+              </a:ln>
+              <a:solidFill>
+                <a:schemeClr val="tx1"/>
+              </a:solidFill>
+              <a:effectLst/>
+              <a:latin typeface="Arial" panose="020B0604020202020204" pitchFamily="34" charset="0"/>
+            </a:endParaRPr>
+          </a:p>
+          <a:p>
+            <a:pPr marL="0" marR="0" lvl="0" indent="0" algn="l" defTabSz="914400" rtl="0" eaLnBrk="0" fontAlgn="base" latinLnBrk="0" hangingPunct="0">
+              <a:lnSpc>
+                <a:spcPct val="100000"/>
+              </a:lnSpc>
+              <a:spcBef>
+                <a:spcPct val="0"/>
+              </a:spcBef>
+              <a:spcAft>
+                <a:spcPct val="0"/>
+              </a:spcAft>
+              <a:buClrTx/>
+              <a:buSzTx/>
+              <a:buFontTx/>
+              <a:buNone/>
+              <a:tabLst/>
+            </a:pPr>
+            <a:r>
+              <a:rPr kumimoji="0" lang="zh-CN" sz="1200" b="0" i="0" u="none" strike="noStrike" cap="none" normalizeH="0" baseline="0" dirty="0" smtClean="0">
+                <a:ln>
+                  <a:noFill/>
+                </a:ln>
+                <a:solidFill>
+                  <a:srgbClr val="333333"/>
+                </a:solidFill>
+                <a:effectLst/>
+                <a:latin typeface="Arial" panose="020B0604020202020204" pitchFamily="34" charset="0"/>
+                <a:ea typeface="Helvetica Neue"/>
+              </a:rPr>
+              <a:t>  </a:t>
+            </a:r>
+            <a:endParaRPr kumimoji="0" lang="zh-CN" sz="600" b="0" i="0" u="none" strike="noStrike" cap="none" normalizeH="0" baseline="0" dirty="0" smtClean="0">
+              <a:ln>
+                <a:noFill/>
+              </a:ln>
+              <a:solidFill>
+                <a:schemeClr val="tx1"/>
+              </a:solidFill>
+              <a:effectLst/>
+              <a:latin typeface="Arial" panose="020B0604020202020204" pitchFamily="34" charset="0"/>
+            </a:endParaRPr>
+          </a:p>
+        </p:txBody>
+      </p:sp>
+      <p:pic>
+        <p:nvPicPr>
+          <p:cNvPr id="1026" name="Picture 2" descr="http://www.tensorfly.cn/tfdoc/images/mnist10.png"/>
+          <p:cNvPicPr>
+            <a:picLocks noChangeAspect="1" noChangeArrowheads="1"/>
+          </p:cNvPicPr>
+          <p:nvPr/>
+        </p:nvPicPr>
+        <p:blipFill>
+          <a:blip r:embed="rId3">
+            <a:extLst>
+              <a:ext uri="{28A0092B-C50C-407E-A947-70E740481C1C}">
+                <a14:useLocalDpi xmlns:a14="http://schemas.microsoft.com/office/drawing/2010/main" val="0"/>
+              </a:ext>
+            </a:extLst>
+          </a:blip>
+          <a:srcRect/>
+          <a:stretch>
+            <a:fillRect/>
+          </a:stretch>
+        </p:blipFill>
+        <p:spPr bwMode="auto">
+          <a:xfrm>
+            <a:off x="2915816" y="2607241"/>
+            <a:ext cx="2276475" cy="933450"/>
+          </a:xfrm>
+          <a:prstGeom prst="rect">
+            <a:avLst/>
+          </a:prstGeom>
+          <a:noFill/>
+          <a:extLst>
+            <a:ext uri="{909E8E84-426E-40DD-AFC4-6F175D3DCCD1}">
+              <a14:hiddenFill xmlns:a14="http://schemas.microsoft.com/office/drawing/2010/main">
+                <a:solidFill>
+                  <a:srgbClr val="FFFFFF"/>
+                </a:solidFill>
+              </a14:hiddenFill>
+            </a:ext>
+          </a:extLst>
+        </p:spPr>
+      </p:pic>
     </p:spTree>
   </p:cSld>
   <p:clrMapOvr>
@@ -5960,7 +6807,6 @@
               <a:rPr lang="en-US" altLang="zh-CN"/>
               <a:t>  </a:t>
             </a:r>
-            <a:endParaRPr lang="en-US" altLang="zh-CN"/>
           </a:p>
         </p:txBody>
       </p:sp>
@@ -6097,7 +6943,6 @@
               <a:rPr lang="en-US" altLang="zh-CN"/>
               <a:t>  </a:t>
             </a:r>
-            <a:endParaRPr lang="en-US" altLang="zh-CN"/>
           </a:p>
         </p:txBody>
       </p:sp>
@@ -6234,7 +7079,6 @@
               <a:rPr lang="en-US" altLang="zh-CN"/>
               <a:t>  </a:t>
             </a:r>
-            <a:endParaRPr lang="en-US" altLang="zh-CN"/>
           </a:p>
         </p:txBody>
       </p:sp>
@@ -6331,7 +7175,6 @@
               <a:rPr lang="en-US" altLang="zh-CN"/>
               <a:t>  </a:t>
             </a:r>
-            <a:endParaRPr lang="en-US" altLang="zh-CN"/>
           </a:p>
         </p:txBody>
       </p:sp>
@@ -6729,10 +7572,6 @@
               </a:rPr>
               <a:t>进阶</a:t>
             </a:r>
-            <a:endParaRPr lang="zh-CN" altLang="en-US" sz="2400" dirty="0">
-              <a:latin typeface="微软雅黑" panose="020B0503020204020204" pitchFamily="34" charset="-122"/>
-              <a:ea typeface="微软雅黑" panose="020B0503020204020204" pitchFamily="34" charset="-122"/>
-            </a:endParaRPr>
           </a:p>
         </p:txBody>
       </p:sp>
@@ -7344,10 +8183,6 @@
               </a:rPr>
               <a:t>本期主题</a:t>
             </a:r>
-            <a:endParaRPr lang="zh-CN" altLang="en-US" sz="2000" dirty="0" smtClean="0">
-              <a:latin typeface="微软雅黑" panose="020B0503020204020204" pitchFamily="34" charset="-122"/>
-              <a:ea typeface="微软雅黑" panose="020B0503020204020204" pitchFamily="34" charset="-122"/>
-            </a:endParaRPr>
           </a:p>
         </p:txBody>
       </p:sp>
@@ -7909,13 +8744,6 @@
               </a:rPr>
               <a:t>1</a:t>
             </a:r>
-            <a:endParaRPr lang="zh-CN" altLang="zh-CN" sz="2400" b="1" dirty="0">
-              <a:solidFill>
-                <a:schemeClr val="bg1"/>
-              </a:solidFill>
-              <a:latin typeface="微软雅黑" panose="020B0503020204020204" pitchFamily="34" charset="-122"/>
-              <a:ea typeface="微软雅黑" panose="020B0503020204020204" pitchFamily="34" charset="-122"/>
-            </a:endParaRPr>
           </a:p>
         </p:txBody>
       </p:sp>
@@ -8289,13 +9117,6 @@
               </a:rPr>
               <a:t>2</a:t>
             </a:r>
-            <a:endParaRPr lang="zh-CN" altLang="zh-CN" sz="2400" b="1">
-              <a:solidFill>
-                <a:schemeClr val="bg1"/>
-              </a:solidFill>
-              <a:latin typeface="微软雅黑" panose="020B0503020204020204" pitchFamily="34" charset="-122"/>
-              <a:ea typeface="微软雅黑" panose="020B0503020204020204" pitchFamily="34" charset="-122"/>
-            </a:endParaRPr>
           </a:p>
         </p:txBody>
       </p:sp>
@@ -8669,13 +9490,6 @@
               </a:rPr>
               <a:t>3</a:t>
             </a:r>
-            <a:endParaRPr lang="zh-CN" altLang="zh-CN" sz="2400" b="1">
-              <a:solidFill>
-                <a:schemeClr val="bg1"/>
-              </a:solidFill>
-              <a:latin typeface="微软雅黑" panose="020B0503020204020204" pitchFamily="34" charset="-122"/>
-              <a:ea typeface="微软雅黑" panose="020B0503020204020204" pitchFamily="34" charset="-122"/>
-            </a:endParaRPr>
           </a:p>
         </p:txBody>
       </p:sp>
@@ -9049,13 +9863,6 @@
               </a:rPr>
               <a:t>4</a:t>
             </a:r>
-            <a:endParaRPr lang="zh-CN" altLang="zh-CN" sz="2400" b="1">
-              <a:solidFill>
-                <a:schemeClr val="bg1"/>
-              </a:solidFill>
-              <a:latin typeface="微软雅黑" panose="020B0503020204020204" pitchFamily="34" charset="-122"/>
-              <a:ea typeface="微软雅黑" panose="020B0503020204020204" pitchFamily="34" charset="-122"/>
-            </a:endParaRPr>
           </a:p>
         </p:txBody>
       </p:sp>
@@ -9429,13 +10236,6 @@
               </a:rPr>
               <a:t>5</a:t>
             </a:r>
-            <a:endParaRPr lang="zh-CN" altLang="zh-CN" sz="2400" b="1">
-              <a:solidFill>
-                <a:schemeClr val="bg1"/>
-              </a:solidFill>
-              <a:latin typeface="微软雅黑" panose="020B0503020204020204" pitchFamily="34" charset="-122"/>
-              <a:ea typeface="微软雅黑" panose="020B0503020204020204" pitchFamily="34" charset="-122"/>
-            </a:endParaRPr>
           </a:p>
         </p:txBody>
       </p:sp>
@@ -9945,7 +10745,6 @@
               <a:rPr lang="en-US" altLang="zh-CN"/>
               <a:t>  </a:t>
             </a:r>
-            <a:endParaRPr lang="en-US" altLang="zh-CN"/>
           </a:p>
         </p:txBody>
       </p:sp>
@@ -10082,7 +10881,6 @@
               <a:rPr lang="en-US" altLang="zh-CN"/>
               <a:t>  </a:t>
             </a:r>
-            <a:endParaRPr lang="en-US" altLang="zh-CN"/>
           </a:p>
         </p:txBody>
       </p:sp>
@@ -10142,18 +10940,6 @@
               </a:rPr>
               <a:t>谢谢！</a:t>
             </a:r>
-            <a:endParaRPr lang="zh-CN" altLang="en-US" sz="2800">
-              <a:solidFill>
-                <a:schemeClr val="tx1"/>
-              </a:solidFill>
-              <a:effectLst>
-                <a:outerShdw blurRad="38100" dist="19050" dir="2700000" algn="tl" rotWithShape="0">
-                  <a:schemeClr val="dk1">
-                    <a:alpha val="40000"/>
-                  </a:schemeClr>
-                </a:outerShdw>
-              </a:effectLst>
-            </a:endParaRPr>
           </a:p>
         </p:txBody>
       </p:sp>
@@ -10384,6 +11170,18 @@
               <a:buFontTx/>
               <a:buNone/>
             </a:pPr>
+            <a:r>
+              <a:rPr kumimoji="0" lang="zh-CN" altLang="zh-CN" sz="600" b="0" i="0" u="none" strike="noStrike" cap="none" normalizeH="0" baseline="0" dirty="0" smtClean="0">
+                <a:ln>
+                  <a:noFill/>
+                </a:ln>
+                <a:solidFill>
+                  <a:schemeClr val="tx1"/>
+                </a:solidFill>
+                <a:effectLst/>
+              </a:rPr>
+              <a:t/>
+            </a:r>
             <a:br>
               <a:rPr kumimoji="0" lang="zh-CN" altLang="zh-CN" sz="600" b="0" i="0" u="none" strike="noStrike" cap="none" normalizeH="0" baseline="0" dirty="0" smtClean="0">
                 <a:ln>
@@ -10480,7 +11278,7 @@
                 </a:solidFill>
                 <a:latin typeface="微软雅黑" panose="020B0503020204020204" pitchFamily="34" charset="-122"/>
                 <a:ea typeface="微软雅黑" panose="020B0503020204020204" pitchFamily="34" charset="-122"/>
-                <a:hlinkClick r:id="rId1"/>
+                <a:hlinkClick r:id="rId3"/>
               </a:rPr>
               <a:t>Anaconda 下载网站</a:t>
             </a:r>
@@ -10493,6 +11291,88 @@
                 <a:ea typeface="微软雅黑" panose="020B0503020204020204" pitchFamily="34" charset="-122"/>
               </a:rPr>
               <a:t>上的说明下载并安装 Anaconda。</a:t>
+            </a:r>
+          </a:p>
+          <a:p>
+            <a:pPr lvl="0" eaLnBrk="0" fontAlgn="base" hangingPunct="0">
+              <a:spcBef>
+                <a:spcPct val="0"/>
+              </a:spcBef>
+              <a:spcAft>
+                <a:spcPct val="0"/>
+              </a:spcAft>
+              <a:buFontTx/>
+              <a:buAutoNum type="arabicPeriod" startAt="2"/>
+            </a:pPr>
+            <a:r>
+              <a:rPr lang="zh-CN" altLang="zh-CN" dirty="0">
+                <a:solidFill>
+                  <a:srgbClr val="212121"/>
+                </a:solidFill>
+                <a:latin typeface="微软雅黑" panose="020B0503020204020204" pitchFamily="34" charset="-122"/>
+                <a:ea typeface="微软雅黑" panose="020B0503020204020204" pitchFamily="34" charset="-122"/>
+              </a:rPr>
+              <a:t>通过调用以下命令创建名为 </a:t>
+            </a:r>
+            <a:r>
+              <a:rPr lang="zh-CN" altLang="zh-CN" sz="1200" dirty="0">
+                <a:solidFill>
+                  <a:srgbClr val="212121"/>
+                </a:solidFill>
+                <a:latin typeface="微软雅黑" panose="020B0503020204020204" pitchFamily="34" charset="-122"/>
+                <a:ea typeface="微软雅黑" panose="020B0503020204020204" pitchFamily="34" charset="-122"/>
+              </a:rPr>
+              <a:t>tensorflow</a:t>
+            </a:r>
+            <a:r>
+              <a:rPr lang="zh-CN" altLang="zh-CN" dirty="0">
+                <a:solidFill>
+                  <a:srgbClr val="212121"/>
+                </a:solidFill>
+                <a:latin typeface="微软雅黑" panose="020B0503020204020204" pitchFamily="34" charset="-122"/>
+                <a:ea typeface="微软雅黑" panose="020B0503020204020204" pitchFamily="34" charset="-122"/>
+              </a:rPr>
+              <a:t> 的 conda 环境：</a:t>
+            </a:r>
+          </a:p>
+          <a:p>
+            <a:pPr lvl="0" eaLnBrk="0" fontAlgn="base" hangingPunct="0">
+              <a:spcBef>
+                <a:spcPct val="0"/>
+              </a:spcBef>
+              <a:spcAft>
+                <a:spcPct val="0"/>
+              </a:spcAft>
+            </a:pPr>
+            <a:r>
+              <a:rPr lang="zh-CN" altLang="zh-CN" sz="1200" dirty="0">
+                <a:solidFill>
+                  <a:srgbClr val="37474F"/>
+                </a:solidFill>
+                <a:latin typeface="微软雅黑" panose="020B0503020204020204" pitchFamily="34" charset="-122"/>
+                <a:ea typeface="微软雅黑" panose="020B0503020204020204" pitchFamily="34" charset="-122"/>
+              </a:rPr>
+              <a:t>C:&gt; </a:t>
+            </a:r>
+            <a:r>
+              <a:rPr lang="zh-CN" altLang="zh-CN" sz="1200" b="1" dirty="0">
+                <a:solidFill>
+                  <a:srgbClr val="37474F"/>
+                </a:solidFill>
+                <a:latin typeface="微软雅黑" panose="020B0503020204020204" pitchFamily="34" charset="-122"/>
+                <a:ea typeface="微软雅黑" panose="020B0503020204020204" pitchFamily="34" charset="-122"/>
+              </a:rPr>
+              <a:t>conda create -n tensorflow pip python=3.5</a:t>
+            </a:r>
+            <a:r>
+              <a:rPr lang="zh-CN" altLang="zh-CN" sz="1200" dirty="0">
+                <a:solidFill>
+                  <a:srgbClr val="37474F"/>
+                </a:solidFill>
+                <a:latin typeface="微软雅黑" panose="020B0503020204020204" pitchFamily="34" charset="-122"/>
+                <a:ea typeface="微软雅黑" panose="020B0503020204020204" pitchFamily="34" charset="-122"/>
+              </a:rPr>
+              <a:t> </a:t>
             </a:r>
             <a:endParaRPr lang="zh-CN" altLang="zh-CN" dirty="0">
               <a:solidFill>
@@ -10511,7 +11391,7 @@
                 <a:spcPct val="0"/>
               </a:spcAft>
               <a:buFontTx/>
-              <a:buAutoNum type="arabicPeriod" startAt="2"/>
+              <a:buAutoNum type="arabicPeriod" startAt="3"/>
             </a:pPr>
             <a:r>
               <a:rPr lang="zh-CN" altLang="zh-CN" dirty="0">
@@ -10521,27 +11401,47 @@
                 <a:latin typeface="微软雅黑" panose="020B0503020204020204" pitchFamily="34" charset="-122"/>
                 <a:ea typeface="微软雅黑" panose="020B0503020204020204" pitchFamily="34" charset="-122"/>
               </a:rPr>
-              <a:t>通过调用以下命令创建名为 </a:t>
-            </a:r>
+              <a:t>通过发出以下命令激活 conda 环境：</a:t>
+            </a:r>
+          </a:p>
+          <a:p>
+            <a:pPr lvl="0" eaLnBrk="0" fontAlgn="base" hangingPunct="0">
+              <a:spcBef>
+                <a:spcPct val="0"/>
+              </a:spcBef>
+              <a:spcAft>
+                <a:spcPct val="0"/>
+              </a:spcAft>
+            </a:pPr>
             <a:r>
               <a:rPr lang="zh-CN" altLang="zh-CN" sz="1200" dirty="0">
                 <a:solidFill>
-                  <a:srgbClr val="212121"/>
+                  <a:srgbClr val="37474F"/>
                 </a:solidFill>
                 <a:latin typeface="微软雅黑" panose="020B0503020204020204" pitchFamily="34" charset="-122"/>
                 <a:ea typeface="微软雅黑" panose="020B0503020204020204" pitchFamily="34" charset="-122"/>
               </a:rPr>
-              <a:t>tensorflow</a:t>
-            </a:r>
-            <a:r>
-              <a:rPr lang="zh-CN" altLang="zh-CN" dirty="0">
-                <a:solidFill>
-                  <a:srgbClr val="212121"/>
+              <a:t>C:&gt; </a:t>
+            </a:r>
+            <a:r>
+              <a:rPr lang="zh-CN" altLang="zh-CN" sz="1200" b="1" dirty="0">
+                <a:solidFill>
+                  <a:srgbClr val="37474F"/>
                 </a:solidFill>
                 <a:latin typeface="微软雅黑" panose="020B0503020204020204" pitchFamily="34" charset="-122"/>
                 <a:ea typeface="微软雅黑" panose="020B0503020204020204" pitchFamily="34" charset="-122"/>
               </a:rPr>
-              <a:t> 的 conda 环境：</a:t>
+              <a:t>activate tensorflow</a:t>
+            </a:r>
+            <a:r>
+              <a:rPr lang="zh-CN" altLang="zh-CN" sz="1200" dirty="0">
+                <a:solidFill>
+                  <a:srgbClr val="37474F"/>
+                </a:solidFill>
+                <a:latin typeface="微软雅黑" panose="020B0503020204020204" pitchFamily="34" charset="-122"/>
+                <a:ea typeface="微软雅黑" panose="020B0503020204020204" pitchFamily="34" charset="-122"/>
+              </a:rPr>
+              <a:t> (tensorflow)C:&gt; # Your prompt should change </a:t>
             </a:r>
             <a:endParaRPr lang="zh-CN" altLang="zh-CN" dirty="0">
               <a:solidFill>
@@ -10559,26 +11459,48 @@
               <a:spcAft>
                 <a:spcPct val="0"/>
               </a:spcAft>
+              <a:buFontTx/>
+              <a:buAutoNum type="arabicPeriod" startAt="4"/>
             </a:pPr>
             <a:r>
-              <a:rPr lang="zh-CN" altLang="zh-CN" sz="1200" dirty="0">
-                <a:solidFill>
-                  <a:srgbClr val="37474F"/>
+              <a:rPr lang="zh-CN" altLang="zh-CN" dirty="0">
+                <a:solidFill>
+                  <a:srgbClr val="212121"/>
                 </a:solidFill>
                 <a:latin typeface="微软雅黑" panose="020B0503020204020204" pitchFamily="34" charset="-122"/>
                 <a:ea typeface="微软雅黑" panose="020B0503020204020204" pitchFamily="34" charset="-122"/>
               </a:rPr>
-              <a:t>C:&gt; </a:t>
-            </a:r>
-            <a:r>
-              <a:rPr lang="zh-CN" altLang="zh-CN" sz="1200" b="1" dirty="0">
+              <a:t>发出相应命令以在 conda 环境中安装 TensorFlow。要安装仅支持 CPU 的 TensorFlow 版本，请输入以下命令：</a:t>
+            </a:r>
+          </a:p>
+          <a:p>
+            <a:pPr lvl="0" eaLnBrk="0" fontAlgn="base" hangingPunct="0">
+              <a:spcBef>
+                <a:spcPct val="0"/>
+              </a:spcBef>
+              <a:spcAft>
+                <a:spcPct val="0"/>
+              </a:spcAft>
+            </a:pPr>
+            <a:r>
+              <a:rPr lang="zh-CN" altLang="zh-CN" sz="1200" dirty="0">
                 <a:solidFill>
                   <a:srgbClr val="37474F"/>
                 </a:solidFill>
                 <a:latin typeface="微软雅黑" panose="020B0503020204020204" pitchFamily="34" charset="-122"/>
                 <a:ea typeface="微软雅黑" panose="020B0503020204020204" pitchFamily="34" charset="-122"/>
               </a:rPr>
-              <a:t>conda create -n tensorflow pip python=3.5</a:t>
+              <a:t>(tensorflow)C:&gt; </a:t>
+            </a:r>
+            <a:r>
+              <a:rPr lang="zh-CN" altLang="zh-CN" sz="1200" b="1" dirty="0">
+                <a:solidFill>
+                  <a:srgbClr val="37474F"/>
+                </a:solidFill>
+                <a:latin typeface="微软雅黑" panose="020B0503020204020204" pitchFamily="34" charset="-122"/>
+                <a:ea typeface="微软雅黑" panose="020B0503020204020204" pitchFamily="34" charset="-122"/>
+              </a:rPr>
+              <a:t>pip install --ignore-installed --upgrade tensorflow</a:t>
             </a:r>
             <a:r>
               <a:rPr lang="zh-CN" altLang="zh-CN" sz="1200" dirty="0">
@@ -10606,158 +11528,6 @@
               <a:spcAft>
                 <a:spcPct val="0"/>
               </a:spcAft>
-              <a:buFontTx/>
-              <a:buAutoNum type="arabicPeriod" startAt="3"/>
-            </a:pPr>
-            <a:r>
-              <a:rPr lang="zh-CN" altLang="zh-CN" dirty="0">
-                <a:solidFill>
-                  <a:srgbClr val="212121"/>
-                </a:solidFill>
-                <a:latin typeface="微软雅黑" panose="020B0503020204020204" pitchFamily="34" charset="-122"/>
-                <a:ea typeface="微软雅黑" panose="020B0503020204020204" pitchFamily="34" charset="-122"/>
-              </a:rPr>
-              <a:t>通过发出以下命令激活 conda 环境：</a:t>
-            </a:r>
-            <a:endParaRPr lang="zh-CN" altLang="zh-CN" dirty="0">
-              <a:solidFill>
-                <a:srgbClr val="212121"/>
-              </a:solidFill>
-              <a:latin typeface="微软雅黑" panose="020B0503020204020204" pitchFamily="34" charset="-122"/>
-              <a:ea typeface="微软雅黑" panose="020B0503020204020204" pitchFamily="34" charset="-122"/>
-            </a:endParaRPr>
-          </a:p>
-          <a:p>
-            <a:pPr lvl="0" eaLnBrk="0" fontAlgn="base" hangingPunct="0">
-              <a:spcBef>
-                <a:spcPct val="0"/>
-              </a:spcBef>
-              <a:spcAft>
-                <a:spcPct val="0"/>
-              </a:spcAft>
-            </a:pPr>
-            <a:r>
-              <a:rPr lang="zh-CN" altLang="zh-CN" sz="1200" dirty="0">
-                <a:solidFill>
-                  <a:srgbClr val="37474F"/>
-                </a:solidFill>
-                <a:latin typeface="微软雅黑" panose="020B0503020204020204" pitchFamily="34" charset="-122"/>
-                <a:ea typeface="微软雅黑" panose="020B0503020204020204" pitchFamily="34" charset="-122"/>
-              </a:rPr>
-              <a:t>C:&gt; </a:t>
-            </a:r>
-            <a:r>
-              <a:rPr lang="zh-CN" altLang="zh-CN" sz="1200" b="1" dirty="0">
-                <a:solidFill>
-                  <a:srgbClr val="37474F"/>
-                </a:solidFill>
-                <a:latin typeface="微软雅黑" panose="020B0503020204020204" pitchFamily="34" charset="-122"/>
-                <a:ea typeface="微软雅黑" panose="020B0503020204020204" pitchFamily="34" charset="-122"/>
-              </a:rPr>
-              <a:t>activate tensorflow</a:t>
-            </a:r>
-            <a:r>
-              <a:rPr lang="zh-CN" altLang="zh-CN" sz="1200" dirty="0">
-                <a:solidFill>
-                  <a:srgbClr val="37474F"/>
-                </a:solidFill>
-                <a:latin typeface="微软雅黑" panose="020B0503020204020204" pitchFamily="34" charset="-122"/>
-                <a:ea typeface="微软雅黑" panose="020B0503020204020204" pitchFamily="34" charset="-122"/>
-              </a:rPr>
-              <a:t> (tensorflow)C:&gt; # Your prompt should change </a:t>
-            </a:r>
-            <a:endParaRPr lang="zh-CN" altLang="zh-CN" dirty="0">
-              <a:solidFill>
-                <a:srgbClr val="212121"/>
-              </a:solidFill>
-              <a:latin typeface="微软雅黑" panose="020B0503020204020204" pitchFamily="34" charset="-122"/>
-              <a:ea typeface="微软雅黑" panose="020B0503020204020204" pitchFamily="34" charset="-122"/>
-            </a:endParaRPr>
-          </a:p>
-          <a:p>
-            <a:pPr lvl="0" eaLnBrk="0" fontAlgn="base" hangingPunct="0">
-              <a:spcBef>
-                <a:spcPct val="0"/>
-              </a:spcBef>
-              <a:spcAft>
-                <a:spcPct val="0"/>
-              </a:spcAft>
-              <a:buFontTx/>
-              <a:buAutoNum type="arabicPeriod" startAt="4"/>
-            </a:pPr>
-            <a:r>
-              <a:rPr lang="zh-CN" altLang="zh-CN" dirty="0">
-                <a:solidFill>
-                  <a:srgbClr val="212121"/>
-                </a:solidFill>
-                <a:latin typeface="微软雅黑" panose="020B0503020204020204" pitchFamily="34" charset="-122"/>
-                <a:ea typeface="微软雅黑" panose="020B0503020204020204" pitchFamily="34" charset="-122"/>
-              </a:rPr>
-              <a:t>发出相应命令以在 conda 环境中安装 TensorFlow。要安装仅支持 CPU 的 TensorFlow 版本，请输入以下命令：</a:t>
-            </a:r>
-            <a:endParaRPr lang="zh-CN" altLang="zh-CN" dirty="0">
-              <a:solidFill>
-                <a:srgbClr val="212121"/>
-              </a:solidFill>
-              <a:latin typeface="微软雅黑" panose="020B0503020204020204" pitchFamily="34" charset="-122"/>
-              <a:ea typeface="微软雅黑" panose="020B0503020204020204" pitchFamily="34" charset="-122"/>
-            </a:endParaRPr>
-          </a:p>
-          <a:p>
-            <a:pPr lvl="0" eaLnBrk="0" fontAlgn="base" hangingPunct="0">
-              <a:spcBef>
-                <a:spcPct val="0"/>
-              </a:spcBef>
-              <a:spcAft>
-                <a:spcPct val="0"/>
-              </a:spcAft>
-            </a:pPr>
-            <a:r>
-              <a:rPr lang="zh-CN" altLang="zh-CN" sz="1200" dirty="0">
-                <a:solidFill>
-                  <a:srgbClr val="37474F"/>
-                </a:solidFill>
-                <a:latin typeface="微软雅黑" panose="020B0503020204020204" pitchFamily="34" charset="-122"/>
-                <a:ea typeface="微软雅黑" panose="020B0503020204020204" pitchFamily="34" charset="-122"/>
-              </a:rPr>
-              <a:t>(tensorflow)C:&gt; </a:t>
-            </a:r>
-            <a:r>
-              <a:rPr lang="zh-CN" altLang="zh-CN" sz="1200" b="1" dirty="0">
-                <a:solidFill>
-                  <a:srgbClr val="37474F"/>
-                </a:solidFill>
-                <a:latin typeface="微软雅黑" panose="020B0503020204020204" pitchFamily="34" charset="-122"/>
-                <a:ea typeface="微软雅黑" panose="020B0503020204020204" pitchFamily="34" charset="-122"/>
-              </a:rPr>
-              <a:t>pip install --ignore-installed --upgrade tensorflow</a:t>
-            </a:r>
-            <a:r>
-              <a:rPr lang="zh-CN" altLang="zh-CN" sz="1200" dirty="0">
-                <a:solidFill>
-                  <a:srgbClr val="37474F"/>
-                </a:solidFill>
-                <a:latin typeface="微软雅黑" panose="020B0503020204020204" pitchFamily="34" charset="-122"/>
-                <a:ea typeface="微软雅黑" panose="020B0503020204020204" pitchFamily="34" charset="-122"/>
-              </a:rPr>
-              <a:t> </a:t>
-            </a:r>
-            <a:endParaRPr lang="zh-CN" altLang="zh-CN" dirty="0">
-              <a:solidFill>
-                <a:srgbClr val="212121"/>
-              </a:solidFill>
-              <a:latin typeface="微软雅黑" panose="020B0503020204020204" pitchFamily="34" charset="-122"/>
-              <a:ea typeface="微软雅黑" panose="020B0503020204020204" pitchFamily="34" charset="-122"/>
-            </a:endParaRPr>
-          </a:p>
-          <a:p>
-            <a:pPr lvl="0" eaLnBrk="0" fontAlgn="base" hangingPunct="0">
-              <a:spcBef>
-                <a:spcPct val="0"/>
-              </a:spcBef>
-              <a:spcAft>
-                <a:spcPct val="0"/>
-              </a:spcAft>
             </a:pPr>
             <a:r>
               <a:rPr lang="zh-CN" altLang="zh-CN" dirty="0">
@@ -10769,13 +11539,6 @@
               </a:rPr>
               <a:t>要安装 GPU 版本的 TensorFlow，请输入以下命令（在同一行）：</a:t>
             </a:r>
-            <a:endParaRPr lang="zh-CN" altLang="zh-CN" dirty="0">
-              <a:solidFill>
-                <a:srgbClr val="212121"/>
-              </a:solidFill>
-              <a:latin typeface="微软雅黑" panose="020B0503020204020204" pitchFamily="34" charset="-122"/>
-              <a:ea typeface="微软雅黑" panose="020B0503020204020204" pitchFamily="34" charset="-122"/>
-            </a:endParaRPr>
           </a:p>
           <a:p>
             <a:pPr lvl="0" eaLnBrk="0" fontAlgn="base" hangingPunct="0">
@@ -10855,7 +11618,6 @@
               <a:rPr lang="zh-CN" altLang="en-US" sz="1600" dirty="0"/>
               <a:t>://www.tensorflow.org/install/install_windows</a:t>
             </a:r>
-            <a:endParaRPr lang="zh-CN" altLang="en-US" sz="1600" dirty="0"/>
           </a:p>
         </p:txBody>
       </p:sp>
@@ -10956,10 +11718,6 @@
               </a:rPr>
               <a:t>验证您的安装</a:t>
             </a:r>
-            <a:endParaRPr lang="zh-CN" altLang="en-US" sz="2000" dirty="0" smtClean="0">
-              <a:latin typeface="微软雅黑" panose="020B0503020204020204" pitchFamily="34" charset="-122"/>
-              <a:ea typeface="微软雅黑" panose="020B0503020204020204" pitchFamily="34" charset="-122"/>
-            </a:endParaRPr>
           </a:p>
         </p:txBody>
       </p:sp>
@@ -10998,7 +11756,7 @@
           <p:nvPr/>
         </p:nvPicPr>
         <p:blipFill>
-          <a:blip r:embed="rId1"/>
+          <a:blip r:embed="rId3"/>
           <a:stretch>
             <a:fillRect/>
           </a:stretch>
@@ -11110,10 +11868,6 @@
               </a:rPr>
               <a:t>可能会遇到的问题</a:t>
             </a:r>
-            <a:endParaRPr lang="zh-CN" altLang="en-US" sz="2000" dirty="0" smtClean="0">
-              <a:latin typeface="微软雅黑" panose="020B0503020204020204" pitchFamily="34" charset="-122"/>
-              <a:ea typeface="微软雅黑" panose="020B0503020204020204" pitchFamily="34" charset="-122"/>
-            </a:endParaRPr>
           </a:p>
         </p:txBody>
       </p:sp>
@@ -11126,7 +11880,7 @@
           <p:nvPr/>
         </p:nvPicPr>
         <p:blipFill>
-          <a:blip r:embed="rId1"/>
+          <a:blip r:embed="rId3"/>
           <a:stretch>
             <a:fillRect/>
           </a:stretch>
@@ -11166,7 +11920,6 @@
               <a:rPr lang="zh-CN" altLang="en-US" sz="1400" dirty="0"/>
               <a:t>https://stackoverflow.com/questions/47068709/your-cpu-supports-instructions-that-this-tensorflow-binary-was-not-compiled-to-u</a:t>
             </a:r>
-            <a:endParaRPr lang="zh-CN" altLang="en-US" sz="1400" dirty="0"/>
           </a:p>
         </p:txBody>
       </p:sp>
@@ -11272,7 +12025,6 @@
               <a:rPr lang="zh-CN" altLang="en-US" sz="2000" b="1"/>
               <a:t>初级教程</a:t>
             </a:r>
-            <a:endParaRPr lang="zh-CN" altLang="en-US" sz="2000" b="1"/>
           </a:p>
         </p:txBody>
       </p:sp>
@@ -11364,7 +12116,6 @@
               <a:rPr lang="zh-CN" altLang="en-US" b="1" dirty="0"/>
               <a:t>准备数据</a:t>
             </a:r>
-            <a:endParaRPr lang="zh-CN" altLang="en-US" b="1" dirty="0"/>
           </a:p>
           <a:p>
             <a:r>
@@ -11395,7 +12146,6 @@
               <a:rPr lang="en-US" altLang="zh-CN" dirty="0"/>
               <a:t>9.</a:t>
             </a:r>
-            <a:endParaRPr lang="en-US" altLang="zh-CN" dirty="0"/>
           </a:p>
           <a:p>
             <a:endParaRPr lang="en-US" altLang="zh-CN" dirty="0" smtClean="0"/>
@@ -11413,7 +12163,6 @@
               <a:rPr lang="en-US" altLang="zh-CN" dirty="0"/>
               <a:t>://yann.lecun.com/exdb/mnist/</a:t>
             </a:r>
-            <a:endParaRPr lang="en-US" altLang="zh-CN" dirty="0"/>
           </a:p>
           <a:p>
             <a:endParaRPr lang="zh-CN" altLang="en-US" dirty="0"/>
@@ -11478,7 +12227,6 @@
               <a:rPr lang="zh-CN" altLang="en-US" dirty="0"/>
               <a:t>）。这样的切分很重要，在机器学习模型设计时必须有一个单独的测试数据集不用于训练而是用来评估这个模型的性能，从而更加容易把设计的模型推广到其他数据集上（泛化）。</a:t>
             </a:r>
-            <a:endParaRPr lang="zh-CN" altLang="en-US" dirty="0"/>
           </a:p>
         </p:txBody>
       </p:sp>
@@ -11713,7 +12461,6 @@
               <a:rPr lang="zh-CN" altLang="en-US" sz="1600" dirty="0"/>
               <a:t>像素。我们可以用一个数字数组来表示这张图片：</a:t>
             </a:r>
-            <a:endParaRPr lang="zh-CN" altLang="en-US" sz="1600" dirty="0"/>
           </a:p>
         </p:txBody>
       </p:sp>
@@ -11726,7 +12473,7 @@
           <p:nvPr/>
         </p:nvPicPr>
         <p:blipFill>
-          <a:blip r:embed="rId1"/>
+          <a:blip r:embed="rId3"/>
           <a:stretch>
             <a:fillRect/>
           </a:stretch>
@@ -11862,7 +12609,6 @@
               <a:rPr lang="zh-CN" altLang="en-US" sz="1600" dirty="0"/>
               <a:t>，不会利用这些结构信息。</a:t>
             </a:r>
-            <a:endParaRPr lang="zh-CN" altLang="en-US" sz="1600" dirty="0"/>
           </a:p>
         </p:txBody>
       </p:sp>
@@ -12058,7 +12804,7 @@
           <p:nvPr/>
         </p:nvPicPr>
         <p:blipFill>
-          <a:blip r:embed="rId1"/>
+          <a:blip r:embed="rId3"/>
           <a:stretch>
             <a:fillRect/>
           </a:stretch>
@@ -12082,7 +12828,7 @@
           <p:nvPr/>
         </p:nvPicPr>
         <p:blipFill>
-          <a:blip r:embed="rId2"/>
+          <a:blip r:embed="rId4"/>
           <a:stretch>
             <a:fillRect/>
           </a:stretch>
@@ -12255,7 +13001,6 @@
               <a:rPr lang="zh-CN" altLang="en-US" sz="1600" dirty="0"/>
               <a:t>的数字矩阵。</a:t>
             </a:r>
-            <a:endParaRPr lang="zh-CN" altLang="en-US" sz="1600" dirty="0"/>
           </a:p>
         </p:txBody>
       </p:sp>
@@ -12482,7 +13227,6 @@
               <a:rPr lang="zh-CN" altLang="en-US" sz="1600" dirty="0"/>
               <a:t>都有上半部分的小圆），然后给予它代表其他数字的概率更小的值。</a:t>
             </a:r>
-            <a:endParaRPr lang="zh-CN" altLang="en-US" sz="1600" dirty="0"/>
           </a:p>
           <a:p>
             <a:r>
@@ -12529,7 +13273,6 @@
               <a:rPr lang="zh-CN" altLang="en-US" sz="1600" dirty="0"/>
               <a:t>来分配概率。</a:t>
             </a:r>
-            <a:endParaRPr lang="zh-CN" altLang="en-US" sz="1600" dirty="0"/>
           </a:p>
           <a:p>
             <a:r>
@@ -12552,7 +13295,6 @@
               <a:rPr lang="zh-CN" altLang="en-US" sz="1600" dirty="0"/>
               <a:t>）分两步：第一步</a:t>
             </a:r>
-            <a:endParaRPr lang="zh-CN" altLang="en-US" sz="1600" dirty="0"/>
           </a:p>
           <a:p>
             <a:r>
@@ -12575,7 +13317,6 @@
               <a:rPr lang="zh-CN" altLang="en-US" sz="1600" dirty="0"/>
               <a:t>。如果这个像素具有很强的证据说明这张图片不属于该类，那么相应的权值为负数，相反如果这个像素拥有有利的证据支持这张图片属于这个类，那么权值是正数。</a:t>
             </a:r>
-            <a:endParaRPr lang="zh-CN" altLang="en-US" sz="1600" dirty="0"/>
           </a:p>
           <a:p>
             <a:r>
@@ -12599,7 +13340,7 @@
           <p:nvPr/>
         </p:nvPicPr>
         <p:blipFill>
-          <a:blip r:embed="rId1"/>
+          <a:blip r:embed="rId3"/>
           <a:stretch>
             <a:fillRect/>
           </a:stretch>
@@ -12880,6 +13621,8 @@
       </a:bgFillStyleLst>
     </a:fmtScheme>
   </a:themeElements>
+  <a:objectDefaults/>
+  <a:extraClrSchemeLst/>
   <a:extLst>
     <a:ext uri="{05A4C25C-085E-4340-85A3-A5531E510DB2}">
       <thm15:themeFamily xmlns:thm15="http://schemas.microsoft.com/office/thememl/2012/main" name="Office Theme" id="{62F939B6-93AF-4DB8-9C6B-D6C7DFDC589F}" vid="{4A3C46E8-61CC-4603-A589-7422A47A8E4A}"/>
@@ -13168,6 +13911,8 @@
       </a:bgFillStyleLst>
     </a:fmtScheme>
   </a:themeElements>
+  <a:objectDefaults/>
+  <a:extraClrSchemeLst/>
   <a:extLst>
     <a:ext uri="{05A4C25C-085E-4340-85A3-A5531E510DB2}">
       <thm15:themeFamily xmlns:thm15="http://schemas.microsoft.com/office/thememl/2012/main" name="Office Theme" id="{62F939B6-93AF-4DB8-9C6B-D6C7DFDC589F}" vid="{4A3C46E8-61CC-4603-A589-7422A47A8E4A}"/>

--- a/TensorFlow入门.pptx
+++ b/TensorFlow入门.pptx
@@ -5,30 +5,30 @@
     <p:sldMasterId id="2147483648" r:id="rId1"/>
   </p:sldMasterIdLst>
   <p:notesMasterIdLst>
-    <p:notesMasterId r:id="rId23"/>
+    <p:notesMasterId r:id="rId5"/>
   </p:notesMasterIdLst>
   <p:sldIdLst>
-    <p:sldId id="390" r:id="rId2"/>
-    <p:sldId id="270" r:id="rId3"/>
-    <p:sldId id="314" r:id="rId4"/>
-    <p:sldId id="455" r:id="rId5"/>
-    <p:sldId id="456" r:id="rId6"/>
-    <p:sldId id="459" r:id="rId7"/>
-    <p:sldId id="494" r:id="rId8"/>
-    <p:sldId id="493" r:id="rId9"/>
-    <p:sldId id="460" r:id="rId10"/>
-    <p:sldId id="461" r:id="rId11"/>
-    <p:sldId id="495" r:id="rId12"/>
-    <p:sldId id="501" r:id="rId13"/>
-    <p:sldId id="502" r:id="rId14"/>
-    <p:sldId id="503" r:id="rId15"/>
-    <p:sldId id="500" r:id="rId16"/>
-    <p:sldId id="492" r:id="rId17"/>
-    <p:sldId id="496" r:id="rId18"/>
-    <p:sldId id="497" r:id="rId19"/>
-    <p:sldId id="498" r:id="rId20"/>
-    <p:sldId id="499" r:id="rId21"/>
-    <p:sldId id="504" r:id="rId22"/>
+    <p:sldId id="390" r:id="rId3"/>
+    <p:sldId id="270" r:id="rId4"/>
+    <p:sldId id="314" r:id="rId6"/>
+    <p:sldId id="455" r:id="rId7"/>
+    <p:sldId id="456" r:id="rId8"/>
+    <p:sldId id="459" r:id="rId9"/>
+    <p:sldId id="494" r:id="rId10"/>
+    <p:sldId id="493" r:id="rId11"/>
+    <p:sldId id="460" r:id="rId12"/>
+    <p:sldId id="461" r:id="rId13"/>
+    <p:sldId id="495" r:id="rId14"/>
+    <p:sldId id="501" r:id="rId15"/>
+    <p:sldId id="502" r:id="rId16"/>
+    <p:sldId id="503" r:id="rId17"/>
+    <p:sldId id="500" r:id="rId18"/>
+    <p:sldId id="492" r:id="rId19"/>
+    <p:sldId id="496" r:id="rId20"/>
+    <p:sldId id="497" r:id="rId21"/>
+    <p:sldId id="498" r:id="rId22"/>
+    <p:sldId id="499" r:id="rId23"/>
+    <p:sldId id="504" r:id="rId24"/>
   </p:sldIdLst>
   <p:sldSz cx="9144000" cy="6858000" type="screen4x3"/>
   <p:notesSz cx="6858000" cy="9144000"/>
@@ -127,22 +127,6 @@
       </a:defRPr>
     </a:lvl9pPr>
   </p:defaultTextStyle>
-  <p:extLst>
-    <p:ext uri="{EFAFB233-063F-42B5-8137-9DF3F51BA10A}">
-      <p15:sldGuideLst xmlns:p15="http://schemas.microsoft.com/office/powerpoint/2012/main">
-        <p15:guide id="1" orient="horz" pos="2121">
-          <p15:clr>
-            <a:srgbClr val="A4A3A4"/>
-          </p15:clr>
-        </p15:guide>
-        <p15:guide id="2" pos="2869">
-          <p15:clr>
-            <a:srgbClr val="A4A3A4"/>
-          </p15:clr>
-        </p15:guide>
-      </p15:sldGuideLst>
-    </p:ext>
-  </p:extLst>
 </p:presentation>
 </file>
 
@@ -228,7 +212,6 @@
           <a:p>
             <a:fld id="{D18A805E-3924-4030-B627-D89AFF2C885E}" type="datetimeFigureOut">
               <a:rPr lang="zh-CN" altLang="en-US" smtClean="0"/>
-              <a:t>2018/7/18</a:t>
             </a:fld>
             <a:endParaRPr lang="zh-CN" altLang="en-US"/>
           </a:p>
@@ -295,6 +278,7 @@
               <a:rPr lang="zh-CN" altLang="en-US"/>
               <a:t>单击此处编辑母版文本样式</a:t>
             </a:r>
+            <a:endParaRPr lang="zh-CN" altLang="en-US"/>
           </a:p>
           <a:p>
             <a:pPr lvl="1"/>
@@ -302,6 +286,7 @@
               <a:rPr lang="zh-CN" altLang="en-US"/>
               <a:t>第二级</a:t>
             </a:r>
+            <a:endParaRPr lang="zh-CN" altLang="en-US"/>
           </a:p>
           <a:p>
             <a:pPr lvl="2"/>
@@ -309,6 +294,7 @@
               <a:rPr lang="zh-CN" altLang="en-US"/>
               <a:t>第三级</a:t>
             </a:r>
+            <a:endParaRPr lang="zh-CN" altLang="en-US"/>
           </a:p>
           <a:p>
             <a:pPr lvl="3"/>
@@ -316,6 +302,7 @@
               <a:rPr lang="zh-CN" altLang="en-US"/>
               <a:t>第四级</a:t>
             </a:r>
+            <a:endParaRPr lang="zh-CN" altLang="en-US"/>
           </a:p>
           <a:p>
             <a:pPr lvl="4"/>
@@ -323,6 +310,7 @@
               <a:rPr lang="zh-CN" altLang="en-US"/>
               <a:t>第五级</a:t>
             </a:r>
+            <a:endParaRPr lang="zh-CN" altLang="en-US"/>
           </a:p>
         </p:txBody>
       </p:sp>
@@ -386,18 +374,12 @@
           <a:p>
             <a:fld id="{B73877EA-1A91-4B3F-A140-F9DFAD5BA57C}" type="slidenum">
               <a:rPr lang="zh-CN" altLang="en-US" smtClean="0"/>
-              <a:t>‹#›</a:t>
             </a:fld>
             <a:endParaRPr lang="zh-CN" altLang="en-US"/>
           </a:p>
         </p:txBody>
       </p:sp>
     </p:spTree>
-    <p:extLst>
-      <p:ext uri="{BB962C8B-B14F-4D97-AF65-F5344CB8AC3E}">
-        <p14:creationId xmlns:p14="http://schemas.microsoft.com/office/powerpoint/2010/main" val="2225533029"/>
-      </p:ext>
-    </p:extLst>
   </p:cSld>
   <p:clrMap bg1="lt1" tx1="dk1" bg2="lt2" tx2="dk2" accent1="accent1" accent2="accent2" accent3="accent3" accent4="accent4" accent5="accent5" accent6="accent6" hlink="hlink" folHlink="folHlink"/>
   <p:notesStyle>
@@ -560,18 +542,12 @@
           <a:p>
             <a:fld id="{B73877EA-1A91-4B3F-A140-F9DFAD5BA57C}" type="slidenum">
               <a:rPr lang="zh-CN" altLang="en-US" smtClean="0"/>
-              <a:t>2</a:t>
             </a:fld>
             <a:endParaRPr lang="zh-CN" altLang="en-US"/>
           </a:p>
         </p:txBody>
       </p:sp>
     </p:spTree>
-    <p:extLst>
-      <p:ext uri="{BB962C8B-B14F-4D97-AF65-F5344CB8AC3E}">
-        <p14:creationId xmlns:p14="http://schemas.microsoft.com/office/powerpoint/2010/main" val="151179533"/>
-      </p:ext>
-    </p:extLst>
   </p:cSld>
   <p:clrMapOvr>
     <a:masterClrMapping/>
@@ -644,18 +620,12 @@
           <a:p>
             <a:fld id="{B73877EA-1A91-4B3F-A140-F9DFAD5BA57C}" type="slidenum">
               <a:rPr lang="zh-CN" altLang="en-US" smtClean="0"/>
-              <a:t>11</a:t>
             </a:fld>
             <a:endParaRPr lang="zh-CN" altLang="en-US"/>
           </a:p>
         </p:txBody>
       </p:sp>
     </p:spTree>
-    <p:extLst>
-      <p:ext uri="{BB962C8B-B14F-4D97-AF65-F5344CB8AC3E}">
-        <p14:creationId xmlns:p14="http://schemas.microsoft.com/office/powerpoint/2010/main" val="3340134813"/>
-      </p:ext>
-    </p:extLst>
   </p:cSld>
   <p:clrMapOvr>
     <a:masterClrMapping/>
@@ -728,18 +698,12 @@
           <a:p>
             <a:fld id="{B73877EA-1A91-4B3F-A140-F9DFAD5BA57C}" type="slidenum">
               <a:rPr lang="zh-CN" altLang="en-US" smtClean="0"/>
-              <a:t>12</a:t>
             </a:fld>
             <a:endParaRPr lang="zh-CN" altLang="en-US"/>
           </a:p>
         </p:txBody>
       </p:sp>
     </p:spTree>
-    <p:extLst>
-      <p:ext uri="{BB962C8B-B14F-4D97-AF65-F5344CB8AC3E}">
-        <p14:creationId xmlns:p14="http://schemas.microsoft.com/office/powerpoint/2010/main" val="2077671240"/>
-      </p:ext>
-    </p:extLst>
   </p:cSld>
   <p:clrMapOvr>
     <a:masterClrMapping/>
@@ -812,18 +776,12 @@
           <a:p>
             <a:fld id="{B73877EA-1A91-4B3F-A140-F9DFAD5BA57C}" type="slidenum">
               <a:rPr lang="zh-CN" altLang="en-US" smtClean="0"/>
-              <a:t>13</a:t>
             </a:fld>
             <a:endParaRPr lang="zh-CN" altLang="en-US"/>
           </a:p>
         </p:txBody>
       </p:sp>
     </p:spTree>
-    <p:extLst>
-      <p:ext uri="{BB962C8B-B14F-4D97-AF65-F5344CB8AC3E}">
-        <p14:creationId xmlns:p14="http://schemas.microsoft.com/office/powerpoint/2010/main" val="748673125"/>
-      </p:ext>
-    </p:extLst>
   </p:cSld>
   <p:clrMapOvr>
     <a:masterClrMapping/>
@@ -896,18 +854,12 @@
           <a:p>
             <a:fld id="{B73877EA-1A91-4B3F-A140-F9DFAD5BA57C}" type="slidenum">
               <a:rPr lang="zh-CN" altLang="en-US" smtClean="0"/>
-              <a:t>14</a:t>
             </a:fld>
             <a:endParaRPr lang="zh-CN" altLang="en-US"/>
           </a:p>
         </p:txBody>
       </p:sp>
     </p:spTree>
-    <p:extLst>
-      <p:ext uri="{BB962C8B-B14F-4D97-AF65-F5344CB8AC3E}">
-        <p14:creationId xmlns:p14="http://schemas.microsoft.com/office/powerpoint/2010/main" val="2010247410"/>
-      </p:ext>
-    </p:extLst>
   </p:cSld>
   <p:clrMapOvr>
     <a:masterClrMapping/>
@@ -980,18 +932,12 @@
           <a:p>
             <a:fld id="{B73877EA-1A91-4B3F-A140-F9DFAD5BA57C}" type="slidenum">
               <a:rPr lang="zh-CN" altLang="en-US" smtClean="0"/>
-              <a:t>15</a:t>
             </a:fld>
             <a:endParaRPr lang="zh-CN" altLang="en-US"/>
           </a:p>
         </p:txBody>
       </p:sp>
     </p:spTree>
-    <p:extLst>
-      <p:ext uri="{BB962C8B-B14F-4D97-AF65-F5344CB8AC3E}">
-        <p14:creationId xmlns:p14="http://schemas.microsoft.com/office/powerpoint/2010/main" val="2823397394"/>
-      </p:ext>
-    </p:extLst>
   </p:cSld>
   <p:clrMapOvr>
     <a:masterClrMapping/>
@@ -1064,18 +1010,12 @@
           <a:p>
             <a:fld id="{B73877EA-1A91-4B3F-A140-F9DFAD5BA57C}" type="slidenum">
               <a:rPr lang="zh-CN" altLang="en-US" smtClean="0"/>
-              <a:t>16</a:t>
             </a:fld>
             <a:endParaRPr lang="zh-CN" altLang="en-US"/>
           </a:p>
         </p:txBody>
       </p:sp>
     </p:spTree>
-    <p:extLst>
-      <p:ext uri="{BB962C8B-B14F-4D97-AF65-F5344CB8AC3E}">
-        <p14:creationId xmlns:p14="http://schemas.microsoft.com/office/powerpoint/2010/main" val="3629425746"/>
-      </p:ext>
-    </p:extLst>
   </p:cSld>
   <p:clrMapOvr>
     <a:masterClrMapping/>
@@ -1148,18 +1088,12 @@
           <a:p>
             <a:fld id="{B73877EA-1A91-4B3F-A140-F9DFAD5BA57C}" type="slidenum">
               <a:rPr lang="zh-CN" altLang="en-US" smtClean="0"/>
-              <a:t>17</a:t>
             </a:fld>
             <a:endParaRPr lang="zh-CN" altLang="en-US"/>
           </a:p>
         </p:txBody>
       </p:sp>
     </p:spTree>
-    <p:extLst>
-      <p:ext uri="{BB962C8B-B14F-4D97-AF65-F5344CB8AC3E}">
-        <p14:creationId xmlns:p14="http://schemas.microsoft.com/office/powerpoint/2010/main" val="549239061"/>
-      </p:ext>
-    </p:extLst>
   </p:cSld>
   <p:clrMapOvr>
     <a:masterClrMapping/>
@@ -1232,18 +1166,12 @@
           <a:p>
             <a:fld id="{B73877EA-1A91-4B3F-A140-F9DFAD5BA57C}" type="slidenum">
               <a:rPr lang="zh-CN" altLang="en-US" smtClean="0"/>
-              <a:t>18</a:t>
             </a:fld>
             <a:endParaRPr lang="zh-CN" altLang="en-US"/>
           </a:p>
         </p:txBody>
       </p:sp>
     </p:spTree>
-    <p:extLst>
-      <p:ext uri="{BB962C8B-B14F-4D97-AF65-F5344CB8AC3E}">
-        <p14:creationId xmlns:p14="http://schemas.microsoft.com/office/powerpoint/2010/main" val="2516637164"/>
-      </p:ext>
-    </p:extLst>
   </p:cSld>
   <p:clrMapOvr>
     <a:masterClrMapping/>
@@ -1316,18 +1244,12 @@
           <a:p>
             <a:fld id="{B73877EA-1A91-4B3F-A140-F9DFAD5BA57C}" type="slidenum">
               <a:rPr lang="zh-CN" altLang="en-US" smtClean="0"/>
-              <a:t>19</a:t>
             </a:fld>
             <a:endParaRPr lang="zh-CN" altLang="en-US"/>
           </a:p>
         </p:txBody>
       </p:sp>
     </p:spTree>
-    <p:extLst>
-      <p:ext uri="{BB962C8B-B14F-4D97-AF65-F5344CB8AC3E}">
-        <p14:creationId xmlns:p14="http://schemas.microsoft.com/office/powerpoint/2010/main" val="1073926857"/>
-      </p:ext>
-    </p:extLst>
   </p:cSld>
   <p:clrMapOvr>
     <a:masterClrMapping/>
@@ -1400,18 +1322,12 @@
           <a:p>
             <a:fld id="{B73877EA-1A91-4B3F-A140-F9DFAD5BA57C}" type="slidenum">
               <a:rPr lang="zh-CN" altLang="en-US" smtClean="0"/>
-              <a:t>20</a:t>
             </a:fld>
             <a:endParaRPr lang="zh-CN" altLang="en-US"/>
           </a:p>
         </p:txBody>
       </p:sp>
     </p:spTree>
-    <p:extLst>
-      <p:ext uri="{BB962C8B-B14F-4D97-AF65-F5344CB8AC3E}">
-        <p14:creationId xmlns:p14="http://schemas.microsoft.com/office/powerpoint/2010/main" val="3621628290"/>
-      </p:ext>
-    </p:extLst>
   </p:cSld>
   <p:clrMapOvr>
     <a:masterClrMapping/>
@@ -1484,18 +1400,12 @@
           <a:p>
             <a:fld id="{B73877EA-1A91-4B3F-A140-F9DFAD5BA57C}" type="slidenum">
               <a:rPr lang="zh-CN" altLang="en-US" smtClean="0"/>
-              <a:t>3</a:t>
             </a:fld>
             <a:endParaRPr lang="zh-CN" altLang="en-US"/>
           </a:p>
         </p:txBody>
       </p:sp>
     </p:spTree>
-    <p:extLst>
-      <p:ext uri="{BB962C8B-B14F-4D97-AF65-F5344CB8AC3E}">
-        <p14:creationId xmlns:p14="http://schemas.microsoft.com/office/powerpoint/2010/main" val="2500729574"/>
-      </p:ext>
-    </p:extLst>
   </p:cSld>
   <p:clrMapOvr>
     <a:masterClrMapping/>
@@ -1568,18 +1478,12 @@
           <a:p>
             <a:fld id="{B73877EA-1A91-4B3F-A140-F9DFAD5BA57C}" type="slidenum">
               <a:rPr lang="zh-CN" altLang="en-US" smtClean="0"/>
-              <a:t>21</a:t>
             </a:fld>
             <a:endParaRPr lang="zh-CN" altLang="en-US"/>
           </a:p>
         </p:txBody>
       </p:sp>
     </p:spTree>
-    <p:extLst>
-      <p:ext uri="{BB962C8B-B14F-4D97-AF65-F5344CB8AC3E}">
-        <p14:creationId xmlns:p14="http://schemas.microsoft.com/office/powerpoint/2010/main" val="729165154"/>
-      </p:ext>
-    </p:extLst>
   </p:cSld>
   <p:clrMapOvr>
     <a:masterClrMapping/>
@@ -1652,18 +1556,12 @@
           <a:p>
             <a:fld id="{B73877EA-1A91-4B3F-A140-F9DFAD5BA57C}" type="slidenum">
               <a:rPr lang="zh-CN" altLang="en-US" smtClean="0"/>
-              <a:t>4</a:t>
             </a:fld>
             <a:endParaRPr lang="zh-CN" altLang="en-US"/>
           </a:p>
         </p:txBody>
       </p:sp>
     </p:spTree>
-    <p:extLst>
-      <p:ext uri="{BB962C8B-B14F-4D97-AF65-F5344CB8AC3E}">
-        <p14:creationId xmlns:p14="http://schemas.microsoft.com/office/powerpoint/2010/main" val="946016934"/>
-      </p:ext>
-    </p:extLst>
   </p:cSld>
   <p:clrMapOvr>
     <a:masterClrMapping/>
@@ -1736,18 +1634,12 @@
           <a:p>
             <a:fld id="{B73877EA-1A91-4B3F-A140-F9DFAD5BA57C}" type="slidenum">
               <a:rPr lang="zh-CN" altLang="en-US" smtClean="0"/>
-              <a:t>5</a:t>
             </a:fld>
             <a:endParaRPr lang="zh-CN" altLang="en-US"/>
           </a:p>
         </p:txBody>
       </p:sp>
     </p:spTree>
-    <p:extLst>
-      <p:ext uri="{BB962C8B-B14F-4D97-AF65-F5344CB8AC3E}">
-        <p14:creationId xmlns:p14="http://schemas.microsoft.com/office/powerpoint/2010/main" val="1016703771"/>
-      </p:ext>
-    </p:extLst>
   </p:cSld>
   <p:clrMapOvr>
     <a:masterClrMapping/>
@@ -1820,18 +1712,12 @@
           <a:p>
             <a:fld id="{B73877EA-1A91-4B3F-A140-F9DFAD5BA57C}" type="slidenum">
               <a:rPr lang="zh-CN" altLang="en-US" smtClean="0"/>
-              <a:t>6</a:t>
             </a:fld>
             <a:endParaRPr lang="zh-CN" altLang="en-US"/>
           </a:p>
         </p:txBody>
       </p:sp>
     </p:spTree>
-    <p:extLst>
-      <p:ext uri="{BB962C8B-B14F-4D97-AF65-F5344CB8AC3E}">
-        <p14:creationId xmlns:p14="http://schemas.microsoft.com/office/powerpoint/2010/main" val="3681413930"/>
-      </p:ext>
-    </p:extLst>
   </p:cSld>
   <p:clrMapOvr>
     <a:masterClrMapping/>
@@ -1904,18 +1790,12 @@
           <a:p>
             <a:fld id="{B73877EA-1A91-4B3F-A140-F9DFAD5BA57C}" type="slidenum">
               <a:rPr lang="zh-CN" altLang="en-US" smtClean="0"/>
-              <a:t>7</a:t>
             </a:fld>
             <a:endParaRPr lang="zh-CN" altLang="en-US"/>
           </a:p>
         </p:txBody>
       </p:sp>
     </p:spTree>
-    <p:extLst>
-      <p:ext uri="{BB962C8B-B14F-4D97-AF65-F5344CB8AC3E}">
-        <p14:creationId xmlns:p14="http://schemas.microsoft.com/office/powerpoint/2010/main" val="3501167572"/>
-      </p:ext>
-    </p:extLst>
   </p:cSld>
   <p:clrMapOvr>
     <a:masterClrMapping/>
@@ -1988,18 +1868,12 @@
           <a:p>
             <a:fld id="{B73877EA-1A91-4B3F-A140-F9DFAD5BA57C}" type="slidenum">
               <a:rPr lang="zh-CN" altLang="en-US" smtClean="0"/>
-              <a:t>8</a:t>
             </a:fld>
             <a:endParaRPr lang="zh-CN" altLang="en-US"/>
           </a:p>
         </p:txBody>
       </p:sp>
     </p:spTree>
-    <p:extLst>
-      <p:ext uri="{BB962C8B-B14F-4D97-AF65-F5344CB8AC3E}">
-        <p14:creationId xmlns:p14="http://schemas.microsoft.com/office/powerpoint/2010/main" val="2155197936"/>
-      </p:ext>
-    </p:extLst>
   </p:cSld>
   <p:clrMapOvr>
     <a:masterClrMapping/>
@@ -2072,18 +1946,12 @@
           <a:p>
             <a:fld id="{B73877EA-1A91-4B3F-A140-F9DFAD5BA57C}" type="slidenum">
               <a:rPr lang="zh-CN" altLang="en-US" smtClean="0"/>
-              <a:t>9</a:t>
             </a:fld>
             <a:endParaRPr lang="zh-CN" altLang="en-US"/>
           </a:p>
         </p:txBody>
       </p:sp>
     </p:spTree>
-    <p:extLst>
-      <p:ext uri="{BB962C8B-B14F-4D97-AF65-F5344CB8AC3E}">
-        <p14:creationId xmlns:p14="http://schemas.microsoft.com/office/powerpoint/2010/main" val="916142444"/>
-      </p:ext>
-    </p:extLst>
   </p:cSld>
   <p:clrMapOvr>
     <a:masterClrMapping/>
@@ -2156,18 +2024,12 @@
           <a:p>
             <a:fld id="{B73877EA-1A91-4B3F-A140-F9DFAD5BA57C}" type="slidenum">
               <a:rPr lang="zh-CN" altLang="en-US" smtClean="0"/>
-              <a:t>10</a:t>
             </a:fld>
             <a:endParaRPr lang="zh-CN" altLang="en-US"/>
           </a:p>
         </p:txBody>
       </p:sp>
     </p:spTree>
-    <p:extLst>
-      <p:ext uri="{BB962C8B-B14F-4D97-AF65-F5344CB8AC3E}">
-        <p14:creationId xmlns:p14="http://schemas.microsoft.com/office/powerpoint/2010/main" val="2260411440"/>
-      </p:ext>
-    </p:extLst>
   </p:cSld>
   <p:clrMapOvr>
     <a:masterClrMapping/>
@@ -2220,6 +2082,7 @@
               <a:rPr lang="zh-CN" altLang="en-US"/>
               <a:t>单击此处编辑母版标题样式</a:t>
             </a:r>
+            <a:endParaRPr lang="zh-CN" altLang="en-US"/>
           </a:p>
         </p:txBody>
       </p:sp>
@@ -2284,6 +2147,7 @@
               <a:rPr lang="zh-CN" altLang="en-US"/>
               <a:t>单击此处编辑母版副标题样式</a:t>
             </a:r>
+            <a:endParaRPr lang="zh-CN" altLang="en-US"/>
           </a:p>
         </p:txBody>
       </p:sp>
@@ -2304,7 +2168,6 @@
           <a:p>
             <a:fld id="{530820CF-B880-4189-942D-D702A7CBA730}" type="datetimeFigureOut">
               <a:rPr lang="zh-CN" altLang="en-US" smtClean="0"/>
-              <a:t>2018/7/18</a:t>
             </a:fld>
             <a:endParaRPr lang="zh-CN" altLang="en-US"/>
           </a:p>
@@ -2346,7 +2209,6 @@
           <a:p>
             <a:fld id="{0C913308-F349-4B6D-A68A-DD1791B4A57B}" type="slidenum">
               <a:rPr lang="zh-CN" altLang="en-US" smtClean="0"/>
-              <a:t>‹#›</a:t>
             </a:fld>
             <a:endParaRPr lang="zh-CN" altLang="en-US"/>
           </a:p>
@@ -2396,6 +2258,7 @@
               <a:rPr lang="zh-CN" altLang="en-US"/>
               <a:t>单击此处编辑母版标题样式</a:t>
             </a:r>
+            <a:endParaRPr lang="zh-CN" altLang="en-US"/>
           </a:p>
         </p:txBody>
       </p:sp>
@@ -2419,6 +2282,7 @@
               <a:rPr lang="zh-CN" altLang="en-US"/>
               <a:t>单击此处编辑母版文本样式</a:t>
             </a:r>
+            <a:endParaRPr lang="zh-CN" altLang="en-US"/>
           </a:p>
           <a:p>
             <a:pPr lvl="1"/>
@@ -2426,6 +2290,7 @@
               <a:rPr lang="zh-CN" altLang="en-US"/>
               <a:t>第二级</a:t>
             </a:r>
+            <a:endParaRPr lang="zh-CN" altLang="en-US"/>
           </a:p>
           <a:p>
             <a:pPr lvl="2"/>
@@ -2433,6 +2298,7 @@
               <a:rPr lang="zh-CN" altLang="en-US"/>
               <a:t>第三级</a:t>
             </a:r>
+            <a:endParaRPr lang="zh-CN" altLang="en-US"/>
           </a:p>
           <a:p>
             <a:pPr lvl="3"/>
@@ -2440,6 +2306,7 @@
               <a:rPr lang="zh-CN" altLang="en-US"/>
               <a:t>第四级</a:t>
             </a:r>
+            <a:endParaRPr lang="zh-CN" altLang="en-US"/>
           </a:p>
           <a:p>
             <a:pPr lvl="4"/>
@@ -2447,6 +2314,7 @@
               <a:rPr lang="zh-CN" altLang="en-US"/>
               <a:t>第五级</a:t>
             </a:r>
+            <a:endParaRPr lang="zh-CN" altLang="en-US"/>
           </a:p>
         </p:txBody>
       </p:sp>
@@ -2467,7 +2335,6 @@
           <a:p>
             <a:fld id="{530820CF-B880-4189-942D-D702A7CBA730}" type="datetimeFigureOut">
               <a:rPr lang="zh-CN" altLang="en-US" smtClean="0"/>
-              <a:t>2018/7/18</a:t>
             </a:fld>
             <a:endParaRPr lang="zh-CN" altLang="en-US"/>
           </a:p>
@@ -2509,7 +2376,6 @@
           <a:p>
             <a:fld id="{0C913308-F349-4B6D-A68A-DD1791B4A57B}" type="slidenum">
               <a:rPr lang="zh-CN" altLang="en-US" smtClean="0"/>
-              <a:t>‹#›</a:t>
             </a:fld>
             <a:endParaRPr lang="zh-CN" altLang="en-US"/>
           </a:p>
@@ -2564,6 +2430,7 @@
               <a:rPr lang="zh-CN" altLang="en-US"/>
               <a:t>单击此处编辑母版标题样式</a:t>
             </a:r>
+            <a:endParaRPr lang="zh-CN" altLang="en-US"/>
           </a:p>
         </p:txBody>
       </p:sp>
@@ -2592,6 +2459,7 @@
               <a:rPr lang="zh-CN" altLang="en-US"/>
               <a:t>单击此处编辑母版文本样式</a:t>
             </a:r>
+            <a:endParaRPr lang="zh-CN" altLang="en-US"/>
           </a:p>
           <a:p>
             <a:pPr lvl="1"/>
@@ -2599,6 +2467,7 @@
               <a:rPr lang="zh-CN" altLang="en-US"/>
               <a:t>第二级</a:t>
             </a:r>
+            <a:endParaRPr lang="zh-CN" altLang="en-US"/>
           </a:p>
           <a:p>
             <a:pPr lvl="2"/>
@@ -2606,6 +2475,7 @@
               <a:rPr lang="zh-CN" altLang="en-US"/>
               <a:t>第三级</a:t>
             </a:r>
+            <a:endParaRPr lang="zh-CN" altLang="en-US"/>
           </a:p>
           <a:p>
             <a:pPr lvl="3"/>
@@ -2613,6 +2483,7 @@
               <a:rPr lang="zh-CN" altLang="en-US"/>
               <a:t>第四级</a:t>
             </a:r>
+            <a:endParaRPr lang="zh-CN" altLang="en-US"/>
           </a:p>
           <a:p>
             <a:pPr lvl="4"/>
@@ -2620,6 +2491,7 @@
               <a:rPr lang="zh-CN" altLang="en-US"/>
               <a:t>第五级</a:t>
             </a:r>
+            <a:endParaRPr lang="zh-CN" altLang="en-US"/>
           </a:p>
         </p:txBody>
       </p:sp>
@@ -2640,7 +2512,6 @@
           <a:p>
             <a:fld id="{530820CF-B880-4189-942D-D702A7CBA730}" type="datetimeFigureOut">
               <a:rPr lang="zh-CN" altLang="en-US" smtClean="0"/>
-              <a:t>2018/7/18</a:t>
             </a:fld>
             <a:endParaRPr lang="zh-CN" altLang="en-US"/>
           </a:p>
@@ -2682,7 +2553,6 @@
           <a:p>
             <a:fld id="{0C913308-F349-4B6D-A68A-DD1791B4A57B}" type="slidenum">
               <a:rPr lang="zh-CN" altLang="en-US" smtClean="0"/>
-              <a:t>‹#›</a:t>
             </a:fld>
             <a:endParaRPr lang="zh-CN" altLang="en-US"/>
           </a:p>
@@ -2732,6 +2602,7 @@
               <a:rPr lang="zh-CN" altLang="en-US"/>
               <a:t>单击此处编辑母版标题样式</a:t>
             </a:r>
+            <a:endParaRPr lang="zh-CN" altLang="en-US"/>
           </a:p>
         </p:txBody>
       </p:sp>
@@ -2755,6 +2626,7 @@
               <a:rPr lang="zh-CN" altLang="en-US"/>
               <a:t>单击此处编辑母版文本样式</a:t>
             </a:r>
+            <a:endParaRPr lang="zh-CN" altLang="en-US"/>
           </a:p>
           <a:p>
             <a:pPr lvl="1"/>
@@ -2762,6 +2634,7 @@
               <a:rPr lang="zh-CN" altLang="en-US"/>
               <a:t>第二级</a:t>
             </a:r>
+            <a:endParaRPr lang="zh-CN" altLang="en-US"/>
           </a:p>
           <a:p>
             <a:pPr lvl="2"/>
@@ -2769,6 +2642,7 @@
               <a:rPr lang="zh-CN" altLang="en-US"/>
               <a:t>第三级</a:t>
             </a:r>
+            <a:endParaRPr lang="zh-CN" altLang="en-US"/>
           </a:p>
           <a:p>
             <a:pPr lvl="3"/>
@@ -2776,6 +2650,7 @@
               <a:rPr lang="zh-CN" altLang="en-US"/>
               <a:t>第四级</a:t>
             </a:r>
+            <a:endParaRPr lang="zh-CN" altLang="en-US"/>
           </a:p>
           <a:p>
             <a:pPr lvl="4"/>
@@ -2783,6 +2658,7 @@
               <a:rPr lang="zh-CN" altLang="en-US"/>
               <a:t>第五级</a:t>
             </a:r>
+            <a:endParaRPr lang="zh-CN" altLang="en-US"/>
           </a:p>
         </p:txBody>
       </p:sp>
@@ -2803,7 +2679,6 @@
           <a:p>
             <a:fld id="{530820CF-B880-4189-942D-D702A7CBA730}" type="datetimeFigureOut">
               <a:rPr lang="zh-CN" altLang="en-US" smtClean="0"/>
-              <a:t>2018/7/18</a:t>
             </a:fld>
             <a:endParaRPr lang="zh-CN" altLang="en-US"/>
           </a:p>
@@ -2845,7 +2720,6 @@
           <a:p>
             <a:fld id="{0C913308-F349-4B6D-A68A-DD1791B4A57B}" type="slidenum">
               <a:rPr lang="zh-CN" altLang="en-US" smtClean="0"/>
-              <a:t>‹#›</a:t>
             </a:fld>
             <a:endParaRPr lang="zh-CN" altLang="en-US"/>
           </a:p>
@@ -2904,6 +2778,7 @@
               <a:rPr lang="zh-CN" altLang="en-US"/>
               <a:t>单击此处编辑母版标题样式</a:t>
             </a:r>
+            <a:endParaRPr lang="zh-CN" altLang="en-US"/>
           </a:p>
         </p:txBody>
       </p:sp>
@@ -3023,6 +2898,7 @@
               <a:rPr lang="zh-CN" altLang="en-US"/>
               <a:t>单击此处编辑母版文本样式</a:t>
             </a:r>
+            <a:endParaRPr lang="zh-CN" altLang="en-US"/>
           </a:p>
         </p:txBody>
       </p:sp>
@@ -3043,7 +2919,6 @@
           <a:p>
             <a:fld id="{530820CF-B880-4189-942D-D702A7CBA730}" type="datetimeFigureOut">
               <a:rPr lang="zh-CN" altLang="en-US" smtClean="0"/>
-              <a:t>2018/7/18</a:t>
             </a:fld>
             <a:endParaRPr lang="zh-CN" altLang="en-US"/>
           </a:p>
@@ -3085,7 +2960,6 @@
           <a:p>
             <a:fld id="{0C913308-F349-4B6D-A68A-DD1791B4A57B}" type="slidenum">
               <a:rPr lang="zh-CN" altLang="en-US" smtClean="0"/>
-              <a:t>‹#›</a:t>
             </a:fld>
             <a:endParaRPr lang="zh-CN" altLang="en-US"/>
           </a:p>
@@ -3135,6 +3009,7 @@
               <a:rPr lang="zh-CN" altLang="en-US"/>
               <a:t>单击此处编辑母版标题样式</a:t>
             </a:r>
+            <a:endParaRPr lang="zh-CN" altLang="en-US"/>
           </a:p>
         </p:txBody>
       </p:sp>
@@ -3163,6 +3038,7 @@
               <a:rPr lang="zh-CN" altLang="en-US"/>
               <a:t>单击此处编辑母版文本样式</a:t>
             </a:r>
+            <a:endParaRPr lang="zh-CN" altLang="en-US"/>
           </a:p>
           <a:p>
             <a:pPr lvl="1"/>
@@ -3170,6 +3046,7 @@
               <a:rPr lang="zh-CN" altLang="en-US"/>
               <a:t>第二级</a:t>
             </a:r>
+            <a:endParaRPr lang="zh-CN" altLang="en-US"/>
           </a:p>
           <a:p>
             <a:pPr lvl="2"/>
@@ -3177,6 +3054,7 @@
               <a:rPr lang="zh-CN" altLang="en-US"/>
               <a:t>第三级</a:t>
             </a:r>
+            <a:endParaRPr lang="zh-CN" altLang="en-US"/>
           </a:p>
           <a:p>
             <a:pPr lvl="3"/>
@@ -3184,6 +3062,7 @@
               <a:rPr lang="zh-CN" altLang="en-US"/>
               <a:t>第四级</a:t>
             </a:r>
+            <a:endParaRPr lang="zh-CN" altLang="en-US"/>
           </a:p>
           <a:p>
             <a:pPr lvl="4"/>
@@ -3191,6 +3070,7 @@
               <a:rPr lang="zh-CN" altLang="en-US"/>
               <a:t>第五级</a:t>
             </a:r>
+            <a:endParaRPr lang="zh-CN" altLang="en-US"/>
           </a:p>
         </p:txBody>
       </p:sp>
@@ -3219,6 +3099,7 @@
               <a:rPr lang="zh-CN" altLang="en-US"/>
               <a:t>单击此处编辑母版文本样式</a:t>
             </a:r>
+            <a:endParaRPr lang="zh-CN" altLang="en-US"/>
           </a:p>
           <a:p>
             <a:pPr lvl="1"/>
@@ -3226,6 +3107,7 @@
               <a:rPr lang="zh-CN" altLang="en-US"/>
               <a:t>第二级</a:t>
             </a:r>
+            <a:endParaRPr lang="zh-CN" altLang="en-US"/>
           </a:p>
           <a:p>
             <a:pPr lvl="2"/>
@@ -3233,6 +3115,7 @@
               <a:rPr lang="zh-CN" altLang="en-US"/>
               <a:t>第三级</a:t>
             </a:r>
+            <a:endParaRPr lang="zh-CN" altLang="en-US"/>
           </a:p>
           <a:p>
             <a:pPr lvl="3"/>
@@ -3240,6 +3123,7 @@
               <a:rPr lang="zh-CN" altLang="en-US"/>
               <a:t>第四级</a:t>
             </a:r>
+            <a:endParaRPr lang="zh-CN" altLang="en-US"/>
           </a:p>
           <a:p>
             <a:pPr lvl="4"/>
@@ -3247,6 +3131,7 @@
               <a:rPr lang="zh-CN" altLang="en-US"/>
               <a:t>第五级</a:t>
             </a:r>
+            <a:endParaRPr lang="zh-CN" altLang="en-US"/>
           </a:p>
         </p:txBody>
       </p:sp>
@@ -3267,7 +3152,6 @@
           <a:p>
             <a:fld id="{530820CF-B880-4189-942D-D702A7CBA730}" type="datetimeFigureOut">
               <a:rPr lang="zh-CN" altLang="en-US" smtClean="0"/>
-              <a:t>2018/7/18</a:t>
             </a:fld>
             <a:endParaRPr lang="zh-CN" altLang="en-US"/>
           </a:p>
@@ -3309,7 +3193,6 @@
           <a:p>
             <a:fld id="{0C913308-F349-4B6D-A68A-DD1791B4A57B}" type="slidenum">
               <a:rPr lang="zh-CN" altLang="en-US" smtClean="0"/>
-              <a:t>‹#›</a:t>
             </a:fld>
             <a:endParaRPr lang="zh-CN" altLang="en-US"/>
           </a:p>
@@ -3364,6 +3247,7 @@
               <a:rPr lang="zh-CN" altLang="en-US"/>
               <a:t>单击此处编辑母版标题样式</a:t>
             </a:r>
+            <a:endParaRPr lang="zh-CN" altLang="en-US"/>
           </a:p>
         </p:txBody>
       </p:sp>
@@ -3429,6 +3313,7 @@
               <a:rPr lang="zh-CN" altLang="en-US"/>
               <a:t>单击此处编辑母版文本样式</a:t>
             </a:r>
+            <a:endParaRPr lang="zh-CN" altLang="en-US"/>
           </a:p>
         </p:txBody>
       </p:sp>
@@ -3457,6 +3342,7 @@
               <a:rPr lang="zh-CN" altLang="en-US"/>
               <a:t>单击此处编辑母版文本样式</a:t>
             </a:r>
+            <a:endParaRPr lang="zh-CN" altLang="en-US"/>
           </a:p>
           <a:p>
             <a:pPr lvl="1"/>
@@ -3464,6 +3350,7 @@
               <a:rPr lang="zh-CN" altLang="en-US"/>
               <a:t>第二级</a:t>
             </a:r>
+            <a:endParaRPr lang="zh-CN" altLang="en-US"/>
           </a:p>
           <a:p>
             <a:pPr lvl="2"/>
@@ -3471,6 +3358,7 @@
               <a:rPr lang="zh-CN" altLang="en-US"/>
               <a:t>第三级</a:t>
             </a:r>
+            <a:endParaRPr lang="zh-CN" altLang="en-US"/>
           </a:p>
           <a:p>
             <a:pPr lvl="3"/>
@@ -3478,6 +3366,7 @@
               <a:rPr lang="zh-CN" altLang="en-US"/>
               <a:t>第四级</a:t>
             </a:r>
+            <a:endParaRPr lang="zh-CN" altLang="en-US"/>
           </a:p>
           <a:p>
             <a:pPr lvl="4"/>
@@ -3485,6 +3374,7 @@
               <a:rPr lang="zh-CN" altLang="en-US"/>
               <a:t>第五级</a:t>
             </a:r>
+            <a:endParaRPr lang="zh-CN" altLang="en-US"/>
           </a:p>
         </p:txBody>
       </p:sp>
@@ -3550,6 +3440,7 @@
               <a:rPr lang="zh-CN" altLang="en-US"/>
               <a:t>单击此处编辑母版文本样式</a:t>
             </a:r>
+            <a:endParaRPr lang="zh-CN" altLang="en-US"/>
           </a:p>
         </p:txBody>
       </p:sp>
@@ -3578,6 +3469,7 @@
               <a:rPr lang="zh-CN" altLang="en-US"/>
               <a:t>单击此处编辑母版文本样式</a:t>
             </a:r>
+            <a:endParaRPr lang="zh-CN" altLang="en-US"/>
           </a:p>
           <a:p>
             <a:pPr lvl="1"/>
@@ -3585,6 +3477,7 @@
               <a:rPr lang="zh-CN" altLang="en-US"/>
               <a:t>第二级</a:t>
             </a:r>
+            <a:endParaRPr lang="zh-CN" altLang="en-US"/>
           </a:p>
           <a:p>
             <a:pPr lvl="2"/>
@@ -3592,6 +3485,7 @@
               <a:rPr lang="zh-CN" altLang="en-US"/>
               <a:t>第三级</a:t>
             </a:r>
+            <a:endParaRPr lang="zh-CN" altLang="en-US"/>
           </a:p>
           <a:p>
             <a:pPr lvl="3"/>
@@ -3599,6 +3493,7 @@
               <a:rPr lang="zh-CN" altLang="en-US"/>
               <a:t>第四级</a:t>
             </a:r>
+            <a:endParaRPr lang="zh-CN" altLang="en-US"/>
           </a:p>
           <a:p>
             <a:pPr lvl="4"/>
@@ -3606,6 +3501,7 @@
               <a:rPr lang="zh-CN" altLang="en-US"/>
               <a:t>第五级</a:t>
             </a:r>
+            <a:endParaRPr lang="zh-CN" altLang="en-US"/>
           </a:p>
         </p:txBody>
       </p:sp>
@@ -3626,7 +3522,6 @@
           <a:p>
             <a:fld id="{530820CF-B880-4189-942D-D702A7CBA730}" type="datetimeFigureOut">
               <a:rPr lang="zh-CN" altLang="en-US" smtClean="0"/>
-              <a:t>2018/7/18</a:t>
             </a:fld>
             <a:endParaRPr lang="zh-CN" altLang="en-US"/>
           </a:p>
@@ -3668,7 +3563,6 @@
           <a:p>
             <a:fld id="{0C913308-F349-4B6D-A68A-DD1791B4A57B}" type="slidenum">
               <a:rPr lang="zh-CN" altLang="en-US" smtClean="0"/>
-              <a:t>‹#›</a:t>
             </a:fld>
             <a:endParaRPr lang="zh-CN" altLang="en-US"/>
           </a:p>
@@ -3718,6 +3612,7 @@
               <a:rPr lang="zh-CN" altLang="en-US"/>
               <a:t>单击此处编辑母版标题样式</a:t>
             </a:r>
+            <a:endParaRPr lang="zh-CN" altLang="en-US"/>
           </a:p>
         </p:txBody>
       </p:sp>
@@ -3738,7 +3633,6 @@
           <a:p>
             <a:fld id="{530820CF-B880-4189-942D-D702A7CBA730}" type="datetimeFigureOut">
               <a:rPr lang="zh-CN" altLang="en-US" smtClean="0"/>
-              <a:t>2018/7/18</a:t>
             </a:fld>
             <a:endParaRPr lang="zh-CN" altLang="en-US"/>
           </a:p>
@@ -3780,7 +3674,6 @@
           <a:p>
             <a:fld id="{0C913308-F349-4B6D-A68A-DD1791B4A57B}" type="slidenum">
               <a:rPr lang="zh-CN" altLang="en-US" smtClean="0"/>
-              <a:t>‹#›</a:t>
             </a:fld>
             <a:endParaRPr lang="zh-CN" altLang="en-US"/>
           </a:p>
@@ -3828,7 +3721,6 @@
           <a:p>
             <a:fld id="{530820CF-B880-4189-942D-D702A7CBA730}" type="datetimeFigureOut">
               <a:rPr lang="zh-CN" altLang="en-US" smtClean="0"/>
-              <a:t>2018/7/18</a:t>
             </a:fld>
             <a:endParaRPr lang="zh-CN" altLang="en-US"/>
           </a:p>
@@ -3870,7 +3762,6 @@
           <a:p>
             <a:fld id="{0C913308-F349-4B6D-A68A-DD1791B4A57B}" type="slidenum">
               <a:rPr lang="zh-CN" altLang="en-US" smtClean="0"/>
-              <a:t>‹#›</a:t>
             </a:fld>
             <a:endParaRPr lang="zh-CN" altLang="en-US"/>
           </a:p>
@@ -3929,6 +3820,7 @@
               <a:rPr lang="zh-CN" altLang="en-US"/>
               <a:t>单击此处编辑母版标题样式</a:t>
             </a:r>
+            <a:endParaRPr lang="zh-CN" altLang="en-US"/>
           </a:p>
         </p:txBody>
       </p:sp>
@@ -3985,6 +3877,7 @@
               <a:rPr lang="zh-CN" altLang="en-US"/>
               <a:t>单击此处编辑母版文本样式</a:t>
             </a:r>
+            <a:endParaRPr lang="zh-CN" altLang="en-US"/>
           </a:p>
           <a:p>
             <a:pPr lvl="1"/>
@@ -3992,6 +3885,7 @@
               <a:rPr lang="zh-CN" altLang="en-US"/>
               <a:t>第二级</a:t>
             </a:r>
+            <a:endParaRPr lang="zh-CN" altLang="en-US"/>
           </a:p>
           <a:p>
             <a:pPr lvl="2"/>
@@ -3999,6 +3893,7 @@
               <a:rPr lang="zh-CN" altLang="en-US"/>
               <a:t>第三级</a:t>
             </a:r>
+            <a:endParaRPr lang="zh-CN" altLang="en-US"/>
           </a:p>
           <a:p>
             <a:pPr lvl="3"/>
@@ -4006,6 +3901,7 @@
               <a:rPr lang="zh-CN" altLang="en-US"/>
               <a:t>第四级</a:t>
             </a:r>
+            <a:endParaRPr lang="zh-CN" altLang="en-US"/>
           </a:p>
           <a:p>
             <a:pPr lvl="4"/>
@@ -4013,6 +3909,7 @@
               <a:rPr lang="zh-CN" altLang="en-US"/>
               <a:t>第五级</a:t>
             </a:r>
+            <a:endParaRPr lang="zh-CN" altLang="en-US"/>
           </a:p>
         </p:txBody>
       </p:sp>
@@ -4078,6 +3975,7 @@
               <a:rPr lang="zh-CN" altLang="en-US"/>
               <a:t>单击此处编辑母版文本样式</a:t>
             </a:r>
+            <a:endParaRPr lang="zh-CN" altLang="en-US"/>
           </a:p>
         </p:txBody>
       </p:sp>
@@ -4098,7 +3996,6 @@
           <a:p>
             <a:fld id="{530820CF-B880-4189-942D-D702A7CBA730}" type="datetimeFigureOut">
               <a:rPr lang="zh-CN" altLang="en-US" smtClean="0"/>
-              <a:t>2018/7/18</a:t>
             </a:fld>
             <a:endParaRPr lang="zh-CN" altLang="en-US"/>
           </a:p>
@@ -4140,7 +4037,6 @@
           <a:p>
             <a:fld id="{0C913308-F349-4B6D-A68A-DD1791B4A57B}" type="slidenum">
               <a:rPr lang="zh-CN" altLang="en-US" smtClean="0"/>
-              <a:t>‹#›</a:t>
             </a:fld>
             <a:endParaRPr lang="zh-CN" altLang="en-US"/>
           </a:p>
@@ -4199,6 +4095,7 @@
               <a:rPr lang="zh-CN" altLang="en-US"/>
               <a:t>单击此处编辑母版标题样式</a:t>
             </a:r>
+            <a:endParaRPr lang="zh-CN" altLang="en-US"/>
           </a:p>
         </p:txBody>
       </p:sp>
@@ -4263,6 +4160,7 @@
               <a:rPr lang="zh-CN" altLang="en-US"/>
               <a:t>单击图标添加图片</a:t>
             </a:r>
+            <a:endParaRPr lang="zh-CN" altLang="en-US"/>
           </a:p>
         </p:txBody>
       </p:sp>
@@ -4328,6 +4226,7 @@
               <a:rPr lang="zh-CN" altLang="en-US"/>
               <a:t>单击此处编辑母版文本样式</a:t>
             </a:r>
+            <a:endParaRPr lang="zh-CN" altLang="en-US"/>
           </a:p>
         </p:txBody>
       </p:sp>
@@ -4348,7 +4247,6 @@
           <a:p>
             <a:fld id="{530820CF-B880-4189-942D-D702A7CBA730}" type="datetimeFigureOut">
               <a:rPr lang="zh-CN" altLang="en-US" smtClean="0"/>
-              <a:t>2018/7/18</a:t>
             </a:fld>
             <a:endParaRPr lang="zh-CN" altLang="en-US"/>
           </a:p>
@@ -4390,7 +4288,6 @@
           <a:p>
             <a:fld id="{0C913308-F349-4B6D-A68A-DD1791B4A57B}" type="slidenum">
               <a:rPr lang="zh-CN" altLang="en-US" smtClean="0"/>
-              <a:t>‹#›</a:t>
             </a:fld>
             <a:endParaRPr lang="zh-CN" altLang="en-US"/>
           </a:p>
@@ -4455,6 +4352,7 @@
               <a:rPr lang="zh-CN" altLang="en-US"/>
               <a:t>单击此处编辑母版标题样式</a:t>
             </a:r>
+            <a:endParaRPr lang="zh-CN" altLang="en-US"/>
           </a:p>
         </p:txBody>
       </p:sp>
@@ -4488,6 +4386,7 @@
               <a:rPr lang="zh-CN" altLang="en-US"/>
               <a:t>单击此处编辑母版文本样式</a:t>
             </a:r>
+            <a:endParaRPr lang="zh-CN" altLang="en-US"/>
           </a:p>
           <a:p>
             <a:pPr lvl="1"/>
@@ -4495,6 +4394,7 @@
               <a:rPr lang="zh-CN" altLang="en-US"/>
               <a:t>第二级</a:t>
             </a:r>
+            <a:endParaRPr lang="zh-CN" altLang="en-US"/>
           </a:p>
           <a:p>
             <a:pPr lvl="2"/>
@@ -4502,6 +4402,7 @@
               <a:rPr lang="zh-CN" altLang="en-US"/>
               <a:t>第三级</a:t>
             </a:r>
+            <a:endParaRPr lang="zh-CN" altLang="en-US"/>
           </a:p>
           <a:p>
             <a:pPr lvl="3"/>
@@ -4509,6 +4410,7 @@
               <a:rPr lang="zh-CN" altLang="en-US"/>
               <a:t>第四级</a:t>
             </a:r>
+            <a:endParaRPr lang="zh-CN" altLang="en-US"/>
           </a:p>
           <a:p>
             <a:pPr lvl="4"/>
@@ -4516,6 +4418,7 @@
               <a:rPr lang="zh-CN" altLang="en-US"/>
               <a:t>第五级</a:t>
             </a:r>
+            <a:endParaRPr lang="zh-CN" altLang="en-US"/>
           </a:p>
         </p:txBody>
       </p:sp>
@@ -4554,7 +4457,6 @@
           <a:p>
             <a:fld id="{530820CF-B880-4189-942D-D702A7CBA730}" type="datetimeFigureOut">
               <a:rPr lang="zh-CN" altLang="en-US" smtClean="0"/>
-              <a:t>2018/7/18</a:t>
             </a:fld>
             <a:endParaRPr lang="zh-CN" altLang="en-US"/>
           </a:p>
@@ -4632,7 +4534,6 @@
           <a:p>
             <a:fld id="{0C913308-F349-4B6D-A68A-DD1791B4A57B}" type="slidenum">
               <a:rPr lang="zh-CN" altLang="en-US" smtClean="0"/>
-              <a:t>‹#›</a:t>
             </a:fld>
             <a:endParaRPr lang="zh-CN" altLang="en-US"/>
           </a:p>
@@ -5004,6 +4905,11 @@
               </a:rPr>
               <a:t>            </a:t>
             </a:r>
+            <a:endParaRPr lang="en-US" altLang="zh-CN" sz="1350">
+              <a:solidFill>
+                <a:schemeClr val="bg1"/>
+              </a:solidFill>
+            </a:endParaRPr>
           </a:p>
         </p:txBody>
       </p:sp>
@@ -5016,7 +4922,7 @@
           <p:nvPr/>
         </p:nvPicPr>
         <p:blipFill>
-          <a:blip r:embed="rId2"/>
+          <a:blip r:embed="rId1"/>
           <a:stretch>
             <a:fillRect/>
           </a:stretch>
@@ -5048,7 +4954,6 @@
           <a:p>
             <a:fld id="{7D9BB5D0-35E4-459D-AEF3-FE4D7C45CC19}" type="slidenum">
               <a:rPr lang="zh-CN" altLang="en-US" sz="900" smtClean="0"/>
-              <a:t>1</a:t>
             </a:fld>
             <a:endParaRPr lang="zh-CN" altLang="en-US" sz="900"/>
           </a:p>
@@ -5096,6 +5001,13 @@
               </a:rPr>
               <a:t>信数据服务（上海）有限公司 </a:t>
             </a:r>
+            <a:endParaRPr lang="zh-CN" altLang="en-US" sz="1350" dirty="0">
+              <a:solidFill>
+                <a:srgbClr val="42BDD8"/>
+              </a:solidFill>
+              <a:latin typeface="微软雅黑" panose="020B0503020204020204" pitchFamily="34" charset="-122"/>
+              <a:ea typeface="微软雅黑" panose="020B0503020204020204" pitchFamily="34" charset="-122"/>
+            </a:endParaRPr>
           </a:p>
         </p:txBody>
       </p:sp>
@@ -5162,6 +5074,13 @@
               </a:rPr>
               <a:t>月</a:t>
             </a:r>
+            <a:endParaRPr lang="zh-CN" altLang="en-US" sz="1350" dirty="0">
+              <a:solidFill>
+                <a:srgbClr val="42BDD8"/>
+              </a:solidFill>
+              <a:latin typeface="微软雅黑" panose="020B0503020204020204" pitchFamily="34" charset="-122"/>
+              <a:ea typeface="微软雅黑" panose="020B0503020204020204" pitchFamily="34" charset="-122"/>
+            </a:endParaRPr>
           </a:p>
         </p:txBody>
       </p:sp>
@@ -5174,7 +5093,7 @@
           <p:nvPr/>
         </p:nvPicPr>
         <p:blipFill>
-          <a:blip r:embed="rId3"/>
+          <a:blip r:embed="rId2"/>
           <a:stretch>
             <a:fillRect/>
           </a:stretch>
@@ -5342,7 +5261,7 @@
           <p:nvPr/>
         </p:nvPicPr>
         <p:blipFill>
-          <a:blip r:embed="rId3"/>
+          <a:blip r:embed="rId1"/>
           <a:stretch>
             <a:fillRect/>
           </a:stretch>
@@ -5383,6 +5302,7 @@
               <a:rPr lang="zh-CN" altLang="en-US" sz="1400"/>
               <a:t>把输入值当成幂指数求值，再正则化这些结果值。这个幂运算表示，更大的证据对应更大的假设模型（hypothesis）里面的乘数权重值。反之，拥有更少的证据意味着在假设模型里面拥有更小的乘数系数。假设模型里的权值不可以是0值或者负值。Softmax然后会正则化这些权重值，使它们的总和等于1，以此构造一个有效的概率分布。</a:t>
             </a:r>
+            <a:endParaRPr lang="zh-CN" altLang="en-US" sz="1400"/>
           </a:p>
         </p:txBody>
       </p:sp>
@@ -5510,7 +5430,7 @@
           <p:nvPr/>
         </p:nvPicPr>
         <p:blipFill>
-          <a:blip r:embed="rId3"/>
+          <a:blip r:embed="rId1"/>
           <a:stretch>
             <a:fillRect/>
           </a:stretch>
@@ -5662,6 +5582,10 @@
               </a:rPr>
               <a:t>实现回归模型</a:t>
             </a:r>
+            <a:endParaRPr lang="zh-CN" altLang="en-US" sz="2000" dirty="0">
+              <a:latin typeface="微软雅黑" panose="020B0503020204020204" pitchFamily="34" charset="-122"/>
+              <a:ea typeface="微软雅黑" panose="020B0503020204020204" pitchFamily="34" charset="-122"/>
+            </a:endParaRPr>
           </a:p>
         </p:txBody>
       </p:sp>
@@ -5674,7 +5598,7 @@
           <p:nvPr/>
         </p:nvPicPr>
         <p:blipFill>
-          <a:blip r:embed="rId3"/>
+          <a:blip r:embed="rId1"/>
           <a:stretch>
             <a:fillRect/>
           </a:stretch>
@@ -5899,6 +5823,13 @@
               </a:rPr>
               <a:t>熵是用来衡量我们的预测用于描述真相的低效性。</a:t>
             </a:r>
+            <a:endParaRPr lang="zh-CN" altLang="zh-CN" sz="1200" dirty="0">
+              <a:solidFill>
+                <a:srgbClr val="333333"/>
+              </a:solidFill>
+              <a:latin typeface="Arial" panose="020B0604020202020204" pitchFamily="34" charset="0"/>
+              <a:ea typeface="Helvetica Neue"/>
+            </a:endParaRPr>
           </a:p>
         </p:txBody>
       </p:sp>
@@ -5954,9 +5885,6 @@
         </p:spPr>
         <p:txBody>
           <a:bodyPr vert="horz" wrap="none" lIns="91440" tIns="45720" rIns="91440" bIns="45720" numCol="1" anchor="ctr" anchorCtr="0" compatLnSpc="1">
-            <a:prstTxWarp prst="textNoShape">
-              <a:avLst/>
-            </a:prstTxWarp>
             <a:spAutoFit/>
           </a:bodyPr>
           <a:lstStyle>
@@ -6102,7 +6030,6 @@
               <a:buSzTx/>
               <a:buFontTx/>
               <a:buNone/>
-              <a:tabLst/>
             </a:pPr>
             <a:r>
               <a:rPr kumimoji="0" lang="zh-CN" sz="1200" b="0" i="0" u="none" strike="noStrike" cap="none" normalizeH="0" baseline="0" dirty="0" smtClean="0">
@@ -6145,7 +6072,6 @@
               <a:buSzTx/>
               <a:buFontTx/>
               <a:buNone/>
-              <a:tabLst/>
             </a:pPr>
             <a:r>
               <a:rPr kumimoji="0" lang="zh-CN" sz="1200" b="0" i="0" u="none" strike="noStrike" cap="none" normalizeH="0" baseline="0" dirty="0" smtClean="0">
@@ -6244,7 +6170,6 @@
               <a:buSzTx/>
               <a:buFontTx/>
               <a:buNone/>
-              <a:tabLst/>
             </a:pPr>
             <a:r>
               <a:rPr kumimoji="0" lang="zh-CN" sz="1200" b="0" i="0" u="none" strike="noStrike" cap="none" normalizeH="0" baseline="0" dirty="0" smtClean="0">
@@ -6286,7 +6211,6 @@
               <a:buSzTx/>
               <a:buFontTx/>
               <a:buNone/>
-              <a:tabLst/>
             </a:pPr>
             <a:r>
               <a:rPr kumimoji="0" lang="zh-CN" sz="1200" b="0" i="0" u="none" strike="noStrike" cap="none" normalizeH="0" baseline="0" dirty="0" smtClean="0">
@@ -6385,7 +6309,6 @@
               <a:buSzTx/>
               <a:buFontTx/>
               <a:buNone/>
-              <a:tabLst/>
             </a:pPr>
             <a:r>
               <a:rPr kumimoji="0" lang="zh-CN" sz="1200" b="0" i="0" u="none" strike="noStrike" cap="none" normalizeH="0" baseline="0" dirty="0" smtClean="0">
@@ -6428,7 +6351,6 @@
               <a:buSzTx/>
               <a:buFontTx/>
               <a:buNone/>
-              <a:tabLst/>
             </a:pPr>
             <a:r>
               <a:rPr kumimoji="0" lang="zh-CN" sz="1200" b="0" i="0" u="none" strike="noStrike" cap="none" normalizeH="0" baseline="0" dirty="0" smtClean="0">
@@ -6470,7 +6392,6 @@
               <a:buSzTx/>
               <a:buFontTx/>
               <a:buNone/>
-              <a:tabLst/>
             </a:pPr>
             <a:r>
               <a:rPr kumimoji="0" lang="zh-CN" sz="1200" b="0" i="0" u="none" strike="noStrike" cap="none" normalizeH="0" baseline="0" dirty="0" smtClean="0">
@@ -6508,7 +6429,7 @@
           <p:nvPr/>
         </p:nvPicPr>
         <p:blipFill>
-          <a:blip r:embed="rId3">
+          <a:blip r:embed="rId1">
             <a:extLst>
               <a:ext uri="{28A0092B-C50C-407E-A947-70E740481C1C}">
                 <a14:useLocalDpi xmlns:a14="http://schemas.microsoft.com/office/drawing/2010/main" val="0"/>
@@ -6807,6 +6728,7 @@
               <a:rPr lang="en-US" altLang="zh-CN"/>
               <a:t>  </a:t>
             </a:r>
+            <a:endParaRPr lang="en-US" altLang="zh-CN"/>
           </a:p>
         </p:txBody>
       </p:sp>
@@ -6943,6 +6865,7 @@
               <a:rPr lang="en-US" altLang="zh-CN"/>
               <a:t>  </a:t>
             </a:r>
+            <a:endParaRPr lang="en-US" altLang="zh-CN"/>
           </a:p>
         </p:txBody>
       </p:sp>
@@ -7079,6 +7002,7 @@
               <a:rPr lang="en-US" altLang="zh-CN"/>
               <a:t>  </a:t>
             </a:r>
+            <a:endParaRPr lang="en-US" altLang="zh-CN"/>
           </a:p>
         </p:txBody>
       </p:sp>
@@ -7175,6 +7099,7 @@
               <a:rPr lang="en-US" altLang="zh-CN"/>
               <a:t>  </a:t>
             </a:r>
+            <a:endParaRPr lang="en-US" altLang="zh-CN"/>
           </a:p>
         </p:txBody>
       </p:sp>
@@ -7572,6 +7497,10 @@
               </a:rPr>
               <a:t>进阶</a:t>
             </a:r>
+            <a:endParaRPr lang="zh-CN" altLang="en-US" sz="2400" dirty="0">
+              <a:latin typeface="微软雅黑" panose="020B0503020204020204" pitchFamily="34" charset="-122"/>
+              <a:ea typeface="微软雅黑" panose="020B0503020204020204" pitchFamily="34" charset="-122"/>
+            </a:endParaRPr>
           </a:p>
         </p:txBody>
       </p:sp>
@@ -8183,6 +8112,10 @@
               </a:rPr>
               <a:t>本期主题</a:t>
             </a:r>
+            <a:endParaRPr lang="zh-CN" altLang="en-US" sz="2000" dirty="0" smtClean="0">
+              <a:latin typeface="微软雅黑" panose="020B0503020204020204" pitchFamily="34" charset="-122"/>
+              <a:ea typeface="微软雅黑" panose="020B0503020204020204" pitchFamily="34" charset="-122"/>
+            </a:endParaRPr>
           </a:p>
         </p:txBody>
       </p:sp>
@@ -8744,6 +8677,13 @@
               </a:rPr>
               <a:t>1</a:t>
             </a:r>
+            <a:endParaRPr lang="zh-CN" altLang="zh-CN" sz="2400" b="1" dirty="0">
+              <a:solidFill>
+                <a:schemeClr val="bg1"/>
+              </a:solidFill>
+              <a:latin typeface="微软雅黑" panose="020B0503020204020204" pitchFamily="34" charset="-122"/>
+              <a:ea typeface="微软雅黑" panose="020B0503020204020204" pitchFamily="34" charset="-122"/>
+            </a:endParaRPr>
           </a:p>
         </p:txBody>
       </p:sp>
@@ -9117,6 +9057,13 @@
               </a:rPr>
               <a:t>2</a:t>
             </a:r>
+            <a:endParaRPr lang="zh-CN" altLang="zh-CN" sz="2400" b="1">
+              <a:solidFill>
+                <a:schemeClr val="bg1"/>
+              </a:solidFill>
+              <a:latin typeface="微软雅黑" panose="020B0503020204020204" pitchFamily="34" charset="-122"/>
+              <a:ea typeface="微软雅黑" panose="020B0503020204020204" pitchFamily="34" charset="-122"/>
+            </a:endParaRPr>
           </a:p>
         </p:txBody>
       </p:sp>
@@ -9490,6 +9437,13 @@
               </a:rPr>
               <a:t>3</a:t>
             </a:r>
+            <a:endParaRPr lang="zh-CN" altLang="zh-CN" sz="2400" b="1">
+              <a:solidFill>
+                <a:schemeClr val="bg1"/>
+              </a:solidFill>
+              <a:latin typeface="微软雅黑" panose="020B0503020204020204" pitchFamily="34" charset="-122"/>
+              <a:ea typeface="微软雅黑" panose="020B0503020204020204" pitchFamily="34" charset="-122"/>
+            </a:endParaRPr>
           </a:p>
         </p:txBody>
       </p:sp>
@@ -9863,6 +9817,13 @@
               </a:rPr>
               <a:t>4</a:t>
             </a:r>
+            <a:endParaRPr lang="zh-CN" altLang="zh-CN" sz="2400" b="1">
+              <a:solidFill>
+                <a:schemeClr val="bg1"/>
+              </a:solidFill>
+              <a:latin typeface="微软雅黑" panose="020B0503020204020204" pitchFamily="34" charset="-122"/>
+              <a:ea typeface="微软雅黑" panose="020B0503020204020204" pitchFamily="34" charset="-122"/>
+            </a:endParaRPr>
           </a:p>
         </p:txBody>
       </p:sp>
@@ -10236,6 +10197,13 @@
               </a:rPr>
               <a:t>5</a:t>
             </a:r>
+            <a:endParaRPr lang="zh-CN" altLang="zh-CN" sz="2400" b="1">
+              <a:solidFill>
+                <a:schemeClr val="bg1"/>
+              </a:solidFill>
+              <a:latin typeface="微软雅黑" panose="020B0503020204020204" pitchFamily="34" charset="-122"/>
+              <a:ea typeface="微软雅黑" panose="020B0503020204020204" pitchFamily="34" charset="-122"/>
+            </a:endParaRPr>
           </a:p>
         </p:txBody>
       </p:sp>
@@ -10745,6 +10713,7 @@
               <a:rPr lang="en-US" altLang="zh-CN"/>
               <a:t>  </a:t>
             </a:r>
+            <a:endParaRPr lang="en-US" altLang="zh-CN"/>
           </a:p>
         </p:txBody>
       </p:sp>
@@ -10881,6 +10850,7 @@
               <a:rPr lang="en-US" altLang="zh-CN"/>
               <a:t>  </a:t>
             </a:r>
+            <a:endParaRPr lang="en-US" altLang="zh-CN"/>
           </a:p>
         </p:txBody>
       </p:sp>
@@ -10940,6 +10910,18 @@
               </a:rPr>
               <a:t>谢谢！</a:t>
             </a:r>
+            <a:endParaRPr lang="zh-CN" altLang="en-US" sz="2800">
+              <a:solidFill>
+                <a:schemeClr val="tx1"/>
+              </a:solidFill>
+              <a:effectLst>
+                <a:outerShdw blurRad="38100" dist="19050" dir="2700000" algn="tl" rotWithShape="0">
+                  <a:schemeClr val="dk1">
+                    <a:alpha val="40000"/>
+                  </a:schemeClr>
+                </a:outerShdw>
+              </a:effectLst>
+            </a:endParaRPr>
           </a:p>
         </p:txBody>
       </p:sp>
@@ -11170,18 +11152,6 @@
               <a:buFontTx/>
               <a:buNone/>
             </a:pPr>
-            <a:r>
-              <a:rPr kumimoji="0" lang="zh-CN" altLang="zh-CN" sz="600" b="0" i="0" u="none" strike="noStrike" cap="none" normalizeH="0" baseline="0" dirty="0" smtClean="0">
-                <a:ln>
-                  <a:noFill/>
-                </a:ln>
-                <a:solidFill>
-                  <a:schemeClr val="tx1"/>
-                </a:solidFill>
-                <a:effectLst/>
-              </a:rPr>
-              <a:t/>
-            </a:r>
             <a:br>
               <a:rPr kumimoji="0" lang="zh-CN" altLang="zh-CN" sz="600" b="0" i="0" u="none" strike="noStrike" cap="none" normalizeH="0" baseline="0" dirty="0" smtClean="0">
                 <a:ln>
@@ -11278,7 +11248,7 @@
                 </a:solidFill>
                 <a:latin typeface="微软雅黑" panose="020B0503020204020204" pitchFamily="34" charset="-122"/>
                 <a:ea typeface="微软雅黑" panose="020B0503020204020204" pitchFamily="34" charset="-122"/>
-                <a:hlinkClick r:id="rId3"/>
+                <a:hlinkClick r:id="rId1"/>
               </a:rPr>
               <a:t>Anaconda 下载网站</a:t>
             </a:r>
@@ -11291,88 +11261,6 @@
                 <a:ea typeface="微软雅黑" panose="020B0503020204020204" pitchFamily="34" charset="-122"/>
               </a:rPr>
               <a:t>上的说明下载并安装 Anaconda。</a:t>
-            </a:r>
-          </a:p>
-          <a:p>
-            <a:pPr lvl="0" eaLnBrk="0" fontAlgn="base" hangingPunct="0">
-              <a:spcBef>
-                <a:spcPct val="0"/>
-              </a:spcBef>
-              <a:spcAft>
-                <a:spcPct val="0"/>
-              </a:spcAft>
-              <a:buFontTx/>
-              <a:buAutoNum type="arabicPeriod" startAt="2"/>
-            </a:pPr>
-            <a:r>
-              <a:rPr lang="zh-CN" altLang="zh-CN" dirty="0">
-                <a:solidFill>
-                  <a:srgbClr val="212121"/>
-                </a:solidFill>
-                <a:latin typeface="微软雅黑" panose="020B0503020204020204" pitchFamily="34" charset="-122"/>
-                <a:ea typeface="微软雅黑" panose="020B0503020204020204" pitchFamily="34" charset="-122"/>
-              </a:rPr>
-              <a:t>通过调用以下命令创建名为 </a:t>
-            </a:r>
-            <a:r>
-              <a:rPr lang="zh-CN" altLang="zh-CN" sz="1200" dirty="0">
-                <a:solidFill>
-                  <a:srgbClr val="212121"/>
-                </a:solidFill>
-                <a:latin typeface="微软雅黑" panose="020B0503020204020204" pitchFamily="34" charset="-122"/>
-                <a:ea typeface="微软雅黑" panose="020B0503020204020204" pitchFamily="34" charset="-122"/>
-              </a:rPr>
-              <a:t>tensorflow</a:t>
-            </a:r>
-            <a:r>
-              <a:rPr lang="zh-CN" altLang="zh-CN" dirty="0">
-                <a:solidFill>
-                  <a:srgbClr val="212121"/>
-                </a:solidFill>
-                <a:latin typeface="微软雅黑" panose="020B0503020204020204" pitchFamily="34" charset="-122"/>
-                <a:ea typeface="微软雅黑" panose="020B0503020204020204" pitchFamily="34" charset="-122"/>
-              </a:rPr>
-              <a:t> 的 conda 环境：</a:t>
-            </a:r>
-          </a:p>
-          <a:p>
-            <a:pPr lvl="0" eaLnBrk="0" fontAlgn="base" hangingPunct="0">
-              <a:spcBef>
-                <a:spcPct val="0"/>
-              </a:spcBef>
-              <a:spcAft>
-                <a:spcPct val="0"/>
-              </a:spcAft>
-            </a:pPr>
-            <a:r>
-              <a:rPr lang="zh-CN" altLang="zh-CN" sz="1200" dirty="0">
-                <a:solidFill>
-                  <a:srgbClr val="37474F"/>
-                </a:solidFill>
-                <a:latin typeface="微软雅黑" panose="020B0503020204020204" pitchFamily="34" charset="-122"/>
-                <a:ea typeface="微软雅黑" panose="020B0503020204020204" pitchFamily="34" charset="-122"/>
-              </a:rPr>
-              <a:t>C:&gt; </a:t>
-            </a:r>
-            <a:r>
-              <a:rPr lang="zh-CN" altLang="zh-CN" sz="1200" b="1" dirty="0">
-                <a:solidFill>
-                  <a:srgbClr val="37474F"/>
-                </a:solidFill>
-                <a:latin typeface="微软雅黑" panose="020B0503020204020204" pitchFamily="34" charset="-122"/>
-                <a:ea typeface="微软雅黑" panose="020B0503020204020204" pitchFamily="34" charset="-122"/>
-              </a:rPr>
-              <a:t>conda create -n tensorflow pip python=3.5</a:t>
-            </a:r>
-            <a:r>
-              <a:rPr lang="zh-CN" altLang="zh-CN" sz="1200" dirty="0">
-                <a:solidFill>
-                  <a:srgbClr val="37474F"/>
-                </a:solidFill>
-                <a:latin typeface="微软雅黑" panose="020B0503020204020204" pitchFamily="34" charset="-122"/>
-                <a:ea typeface="微软雅黑" panose="020B0503020204020204" pitchFamily="34" charset="-122"/>
-              </a:rPr>
-              <a:t> </a:t>
             </a:r>
             <a:endParaRPr lang="zh-CN" altLang="zh-CN" dirty="0">
               <a:solidFill>
@@ -11391,7 +11279,7 @@
                 <a:spcPct val="0"/>
               </a:spcAft>
               <a:buFontTx/>
-              <a:buAutoNum type="arabicPeriod" startAt="3"/>
+              <a:buAutoNum type="arabicPeriod" startAt="2"/>
             </a:pPr>
             <a:r>
               <a:rPr lang="zh-CN" altLang="zh-CN" dirty="0">
@@ -11401,47 +11289,27 @@
                 <a:latin typeface="微软雅黑" panose="020B0503020204020204" pitchFamily="34" charset="-122"/>
                 <a:ea typeface="微软雅黑" panose="020B0503020204020204" pitchFamily="34" charset="-122"/>
               </a:rPr>
-              <a:t>通过发出以下命令激活 conda 环境：</a:t>
-            </a:r>
-          </a:p>
-          <a:p>
-            <a:pPr lvl="0" eaLnBrk="0" fontAlgn="base" hangingPunct="0">
-              <a:spcBef>
-                <a:spcPct val="0"/>
-              </a:spcBef>
-              <a:spcAft>
-                <a:spcPct val="0"/>
-              </a:spcAft>
-            </a:pPr>
+              <a:t>通过调用以下命令创建名为 </a:t>
+            </a:r>
             <a:r>
               <a:rPr lang="zh-CN" altLang="zh-CN" sz="1200" dirty="0">
                 <a:solidFill>
-                  <a:srgbClr val="37474F"/>
+                  <a:srgbClr val="212121"/>
                 </a:solidFill>
                 <a:latin typeface="微软雅黑" panose="020B0503020204020204" pitchFamily="34" charset="-122"/>
                 <a:ea typeface="微软雅黑" panose="020B0503020204020204" pitchFamily="34" charset="-122"/>
               </a:rPr>
-              <a:t>C:&gt; </a:t>
-            </a:r>
-            <a:r>
-              <a:rPr lang="zh-CN" altLang="zh-CN" sz="1200" b="1" dirty="0">
-                <a:solidFill>
-                  <a:srgbClr val="37474F"/>
+              <a:t>tensorflow</a:t>
+            </a:r>
+            <a:r>
+              <a:rPr lang="zh-CN" altLang="zh-CN" dirty="0">
+                <a:solidFill>
+                  <a:srgbClr val="212121"/>
                 </a:solidFill>
                 <a:latin typeface="微软雅黑" panose="020B0503020204020204" pitchFamily="34" charset="-122"/>
                 <a:ea typeface="微软雅黑" panose="020B0503020204020204" pitchFamily="34" charset="-122"/>
               </a:rPr>
-              <a:t>activate tensorflow</a:t>
-            </a:r>
-            <a:r>
-              <a:rPr lang="zh-CN" altLang="zh-CN" sz="1200" dirty="0">
-                <a:solidFill>
-                  <a:srgbClr val="37474F"/>
-                </a:solidFill>
-                <a:latin typeface="微软雅黑" panose="020B0503020204020204" pitchFamily="34" charset="-122"/>
-                <a:ea typeface="微软雅黑" panose="020B0503020204020204" pitchFamily="34" charset="-122"/>
-              </a:rPr>
-              <a:t> (tensorflow)C:&gt; # Your prompt should change </a:t>
+              <a:t> 的 conda 环境：</a:t>
             </a:r>
             <a:endParaRPr lang="zh-CN" altLang="zh-CN" dirty="0">
               <a:solidFill>
@@ -11459,48 +11327,26 @@
               <a:spcAft>
                 <a:spcPct val="0"/>
               </a:spcAft>
-              <a:buFontTx/>
-              <a:buAutoNum type="arabicPeriod" startAt="4"/>
             </a:pPr>
             <a:r>
-              <a:rPr lang="zh-CN" altLang="zh-CN" dirty="0">
-                <a:solidFill>
-                  <a:srgbClr val="212121"/>
+              <a:rPr lang="zh-CN" altLang="zh-CN" sz="1200" dirty="0">
+                <a:solidFill>
+                  <a:srgbClr val="37474F"/>
                 </a:solidFill>
                 <a:latin typeface="微软雅黑" panose="020B0503020204020204" pitchFamily="34" charset="-122"/>
                 <a:ea typeface="微软雅黑" panose="020B0503020204020204" pitchFamily="34" charset="-122"/>
               </a:rPr>
-              <a:t>发出相应命令以在 conda 环境中安装 TensorFlow。要安装仅支持 CPU 的 TensorFlow 版本，请输入以下命令：</a:t>
-            </a:r>
-          </a:p>
-          <a:p>
-            <a:pPr lvl="0" eaLnBrk="0" fontAlgn="base" hangingPunct="0">
-              <a:spcBef>
-                <a:spcPct val="0"/>
-              </a:spcBef>
-              <a:spcAft>
-                <a:spcPct val="0"/>
-              </a:spcAft>
-            </a:pPr>
-            <a:r>
-              <a:rPr lang="zh-CN" altLang="zh-CN" sz="1200" dirty="0">
+              <a:t>C:&gt; </a:t>
+            </a:r>
+            <a:r>
+              <a:rPr lang="zh-CN" altLang="zh-CN" sz="1200" b="1" dirty="0">
                 <a:solidFill>
                   <a:srgbClr val="37474F"/>
                 </a:solidFill>
                 <a:latin typeface="微软雅黑" panose="020B0503020204020204" pitchFamily="34" charset="-122"/>
                 <a:ea typeface="微软雅黑" panose="020B0503020204020204" pitchFamily="34" charset="-122"/>
               </a:rPr>
-              <a:t>(tensorflow)C:&gt; </a:t>
-            </a:r>
-            <a:r>
-              <a:rPr lang="zh-CN" altLang="zh-CN" sz="1200" b="1" dirty="0">
-                <a:solidFill>
-                  <a:srgbClr val="37474F"/>
-                </a:solidFill>
-                <a:latin typeface="微软雅黑" panose="020B0503020204020204" pitchFamily="34" charset="-122"/>
-                <a:ea typeface="微软雅黑" panose="020B0503020204020204" pitchFamily="34" charset="-122"/>
-              </a:rPr>
-              <a:t>pip install --ignore-installed --upgrade tensorflow</a:t>
+              <a:t>conda create -n tensorflow pip python=3.5</a:t>
             </a:r>
             <a:r>
               <a:rPr lang="zh-CN" altLang="zh-CN" sz="1200" dirty="0">
@@ -11528,6 +11374,158 @@
               <a:spcAft>
                 <a:spcPct val="0"/>
               </a:spcAft>
+              <a:buFontTx/>
+              <a:buAutoNum type="arabicPeriod" startAt="3"/>
+            </a:pPr>
+            <a:r>
+              <a:rPr lang="zh-CN" altLang="zh-CN" dirty="0">
+                <a:solidFill>
+                  <a:srgbClr val="212121"/>
+                </a:solidFill>
+                <a:latin typeface="微软雅黑" panose="020B0503020204020204" pitchFamily="34" charset="-122"/>
+                <a:ea typeface="微软雅黑" panose="020B0503020204020204" pitchFamily="34" charset="-122"/>
+              </a:rPr>
+              <a:t>通过发出以下命令激活 conda 环境：</a:t>
+            </a:r>
+            <a:endParaRPr lang="zh-CN" altLang="zh-CN" dirty="0">
+              <a:solidFill>
+                <a:srgbClr val="212121"/>
+              </a:solidFill>
+              <a:latin typeface="微软雅黑" panose="020B0503020204020204" pitchFamily="34" charset="-122"/>
+              <a:ea typeface="微软雅黑" panose="020B0503020204020204" pitchFamily="34" charset="-122"/>
+            </a:endParaRPr>
+          </a:p>
+          <a:p>
+            <a:pPr lvl="0" eaLnBrk="0" fontAlgn="base" hangingPunct="0">
+              <a:spcBef>
+                <a:spcPct val="0"/>
+              </a:spcBef>
+              <a:spcAft>
+                <a:spcPct val="0"/>
+              </a:spcAft>
+            </a:pPr>
+            <a:r>
+              <a:rPr lang="zh-CN" altLang="zh-CN" sz="1200" dirty="0">
+                <a:solidFill>
+                  <a:srgbClr val="37474F"/>
+                </a:solidFill>
+                <a:latin typeface="微软雅黑" panose="020B0503020204020204" pitchFamily="34" charset="-122"/>
+                <a:ea typeface="微软雅黑" panose="020B0503020204020204" pitchFamily="34" charset="-122"/>
+              </a:rPr>
+              <a:t>C:&gt; </a:t>
+            </a:r>
+            <a:r>
+              <a:rPr lang="zh-CN" altLang="zh-CN" sz="1200" b="1" dirty="0">
+                <a:solidFill>
+                  <a:srgbClr val="37474F"/>
+                </a:solidFill>
+                <a:latin typeface="微软雅黑" panose="020B0503020204020204" pitchFamily="34" charset="-122"/>
+                <a:ea typeface="微软雅黑" panose="020B0503020204020204" pitchFamily="34" charset="-122"/>
+              </a:rPr>
+              <a:t>activate tensorflow</a:t>
+            </a:r>
+            <a:r>
+              <a:rPr lang="zh-CN" altLang="zh-CN" sz="1200" dirty="0">
+                <a:solidFill>
+                  <a:srgbClr val="37474F"/>
+                </a:solidFill>
+                <a:latin typeface="微软雅黑" panose="020B0503020204020204" pitchFamily="34" charset="-122"/>
+                <a:ea typeface="微软雅黑" panose="020B0503020204020204" pitchFamily="34" charset="-122"/>
+              </a:rPr>
+              <a:t> (tensorflow)C:&gt; # Your prompt should change </a:t>
+            </a:r>
+            <a:endParaRPr lang="zh-CN" altLang="zh-CN" dirty="0">
+              <a:solidFill>
+                <a:srgbClr val="212121"/>
+              </a:solidFill>
+              <a:latin typeface="微软雅黑" panose="020B0503020204020204" pitchFamily="34" charset="-122"/>
+              <a:ea typeface="微软雅黑" panose="020B0503020204020204" pitchFamily="34" charset="-122"/>
+            </a:endParaRPr>
+          </a:p>
+          <a:p>
+            <a:pPr lvl="0" eaLnBrk="0" fontAlgn="base" hangingPunct="0">
+              <a:spcBef>
+                <a:spcPct val="0"/>
+              </a:spcBef>
+              <a:spcAft>
+                <a:spcPct val="0"/>
+              </a:spcAft>
+              <a:buFontTx/>
+              <a:buAutoNum type="arabicPeriod" startAt="4"/>
+            </a:pPr>
+            <a:r>
+              <a:rPr lang="zh-CN" altLang="zh-CN" dirty="0">
+                <a:solidFill>
+                  <a:srgbClr val="212121"/>
+                </a:solidFill>
+                <a:latin typeface="微软雅黑" panose="020B0503020204020204" pitchFamily="34" charset="-122"/>
+                <a:ea typeface="微软雅黑" panose="020B0503020204020204" pitchFamily="34" charset="-122"/>
+              </a:rPr>
+              <a:t>发出相应命令以在 conda 环境中安装 TensorFlow。要安装仅支持 CPU 的 TensorFlow 版本，请输入以下命令：</a:t>
+            </a:r>
+            <a:endParaRPr lang="zh-CN" altLang="zh-CN" dirty="0">
+              <a:solidFill>
+                <a:srgbClr val="212121"/>
+              </a:solidFill>
+              <a:latin typeface="微软雅黑" panose="020B0503020204020204" pitchFamily="34" charset="-122"/>
+              <a:ea typeface="微软雅黑" panose="020B0503020204020204" pitchFamily="34" charset="-122"/>
+            </a:endParaRPr>
+          </a:p>
+          <a:p>
+            <a:pPr lvl="0" eaLnBrk="0" fontAlgn="base" hangingPunct="0">
+              <a:spcBef>
+                <a:spcPct val="0"/>
+              </a:spcBef>
+              <a:spcAft>
+                <a:spcPct val="0"/>
+              </a:spcAft>
+            </a:pPr>
+            <a:r>
+              <a:rPr lang="zh-CN" altLang="zh-CN" sz="1200" dirty="0">
+                <a:solidFill>
+                  <a:srgbClr val="37474F"/>
+                </a:solidFill>
+                <a:latin typeface="微软雅黑" panose="020B0503020204020204" pitchFamily="34" charset="-122"/>
+                <a:ea typeface="微软雅黑" panose="020B0503020204020204" pitchFamily="34" charset="-122"/>
+              </a:rPr>
+              <a:t>(tensorflow)C:&gt; </a:t>
+            </a:r>
+            <a:r>
+              <a:rPr lang="zh-CN" altLang="zh-CN" sz="1200" b="1" dirty="0">
+                <a:solidFill>
+                  <a:srgbClr val="37474F"/>
+                </a:solidFill>
+                <a:latin typeface="微软雅黑" panose="020B0503020204020204" pitchFamily="34" charset="-122"/>
+                <a:ea typeface="微软雅黑" panose="020B0503020204020204" pitchFamily="34" charset="-122"/>
+              </a:rPr>
+              <a:t>pip install --ignore-installed --upgrade tensorflow</a:t>
+            </a:r>
+            <a:r>
+              <a:rPr lang="zh-CN" altLang="zh-CN" sz="1200" dirty="0">
+                <a:solidFill>
+                  <a:srgbClr val="37474F"/>
+                </a:solidFill>
+                <a:latin typeface="微软雅黑" panose="020B0503020204020204" pitchFamily="34" charset="-122"/>
+                <a:ea typeface="微软雅黑" panose="020B0503020204020204" pitchFamily="34" charset="-122"/>
+              </a:rPr>
+              <a:t> </a:t>
+            </a:r>
+            <a:endParaRPr lang="zh-CN" altLang="zh-CN" dirty="0">
+              <a:solidFill>
+                <a:srgbClr val="212121"/>
+              </a:solidFill>
+              <a:latin typeface="微软雅黑" panose="020B0503020204020204" pitchFamily="34" charset="-122"/>
+              <a:ea typeface="微软雅黑" panose="020B0503020204020204" pitchFamily="34" charset="-122"/>
+            </a:endParaRPr>
+          </a:p>
+          <a:p>
+            <a:pPr lvl="0" eaLnBrk="0" fontAlgn="base" hangingPunct="0">
+              <a:spcBef>
+                <a:spcPct val="0"/>
+              </a:spcBef>
+              <a:spcAft>
+                <a:spcPct val="0"/>
+              </a:spcAft>
             </a:pPr>
             <a:r>
               <a:rPr lang="zh-CN" altLang="zh-CN" dirty="0">
@@ -11539,6 +11537,13 @@
               </a:rPr>
               <a:t>要安装 GPU 版本的 TensorFlow，请输入以下命令（在同一行）：</a:t>
             </a:r>
+            <a:endParaRPr lang="zh-CN" altLang="zh-CN" dirty="0">
+              <a:solidFill>
+                <a:srgbClr val="212121"/>
+              </a:solidFill>
+              <a:latin typeface="微软雅黑" panose="020B0503020204020204" pitchFamily="34" charset="-122"/>
+              <a:ea typeface="微软雅黑" panose="020B0503020204020204" pitchFamily="34" charset="-122"/>
+            </a:endParaRPr>
           </a:p>
           <a:p>
             <a:pPr lvl="0" eaLnBrk="0" fontAlgn="base" hangingPunct="0">
@@ -11618,6 +11623,7 @@
               <a:rPr lang="zh-CN" altLang="en-US" sz="1600" dirty="0"/>
               <a:t>://www.tensorflow.org/install/install_windows</a:t>
             </a:r>
+            <a:endParaRPr lang="zh-CN" altLang="en-US" sz="1600" dirty="0"/>
           </a:p>
         </p:txBody>
       </p:sp>
@@ -11718,6 +11724,10 @@
               </a:rPr>
               <a:t>验证您的安装</a:t>
             </a:r>
+            <a:endParaRPr lang="zh-CN" altLang="en-US" sz="2000" dirty="0" smtClean="0">
+              <a:latin typeface="微软雅黑" panose="020B0503020204020204" pitchFamily="34" charset="-122"/>
+              <a:ea typeface="微软雅黑" panose="020B0503020204020204" pitchFamily="34" charset="-122"/>
+            </a:endParaRPr>
           </a:p>
         </p:txBody>
       </p:sp>
@@ -11756,7 +11766,7 @@
           <p:nvPr/>
         </p:nvPicPr>
         <p:blipFill>
-          <a:blip r:embed="rId3"/>
+          <a:blip r:embed="rId1"/>
           <a:stretch>
             <a:fillRect/>
           </a:stretch>
@@ -11868,6 +11878,10 @@
               </a:rPr>
               <a:t>可能会遇到的问题</a:t>
             </a:r>
+            <a:endParaRPr lang="zh-CN" altLang="en-US" sz="2000" dirty="0" smtClean="0">
+              <a:latin typeface="微软雅黑" panose="020B0503020204020204" pitchFamily="34" charset="-122"/>
+              <a:ea typeface="微软雅黑" panose="020B0503020204020204" pitchFamily="34" charset="-122"/>
+            </a:endParaRPr>
           </a:p>
         </p:txBody>
       </p:sp>
@@ -11880,7 +11894,7 @@
           <p:nvPr/>
         </p:nvPicPr>
         <p:blipFill>
-          <a:blip r:embed="rId3"/>
+          <a:blip r:embed="rId1"/>
           <a:stretch>
             <a:fillRect/>
           </a:stretch>
@@ -11920,6 +11934,7 @@
               <a:rPr lang="zh-CN" altLang="en-US" sz="1400" dirty="0"/>
               <a:t>https://stackoverflow.com/questions/47068709/your-cpu-supports-instructions-that-this-tensorflow-binary-was-not-compiled-to-u</a:t>
             </a:r>
+            <a:endParaRPr lang="zh-CN" altLang="en-US" sz="1400" dirty="0"/>
           </a:p>
         </p:txBody>
       </p:sp>
@@ -12025,6 +12040,7 @@
               <a:rPr lang="zh-CN" altLang="en-US" sz="2000" b="1"/>
               <a:t>初级教程</a:t>
             </a:r>
+            <a:endParaRPr lang="zh-CN" altLang="en-US" sz="2000" b="1"/>
           </a:p>
         </p:txBody>
       </p:sp>
@@ -12116,6 +12132,7 @@
               <a:rPr lang="zh-CN" altLang="en-US" b="1" dirty="0"/>
               <a:t>准备数据</a:t>
             </a:r>
+            <a:endParaRPr lang="zh-CN" altLang="en-US" b="1" dirty="0"/>
           </a:p>
           <a:p>
             <a:r>
@@ -12146,6 +12163,7 @@
               <a:rPr lang="en-US" altLang="zh-CN" dirty="0"/>
               <a:t>9.</a:t>
             </a:r>
+            <a:endParaRPr lang="en-US" altLang="zh-CN" dirty="0"/>
           </a:p>
           <a:p>
             <a:endParaRPr lang="en-US" altLang="zh-CN" dirty="0" smtClean="0"/>
@@ -12163,6 +12181,7 @@
               <a:rPr lang="en-US" altLang="zh-CN" dirty="0"/>
               <a:t>://yann.lecun.com/exdb/mnist/</a:t>
             </a:r>
+            <a:endParaRPr lang="en-US" altLang="zh-CN" dirty="0"/>
           </a:p>
           <a:p>
             <a:endParaRPr lang="zh-CN" altLang="en-US" dirty="0"/>
@@ -12227,6 +12246,7 @@
               <a:rPr lang="zh-CN" altLang="en-US" dirty="0"/>
               <a:t>）。这样的切分很重要，在机器学习模型设计时必须有一个单独的测试数据集不用于训练而是用来评估这个模型的性能，从而更加容易把设计的模型推广到其他数据集上（泛化）。</a:t>
             </a:r>
+            <a:endParaRPr lang="zh-CN" altLang="en-US" dirty="0"/>
           </a:p>
         </p:txBody>
       </p:sp>
@@ -12461,6 +12481,7 @@
               <a:rPr lang="zh-CN" altLang="en-US" sz="1600" dirty="0"/>
               <a:t>像素。我们可以用一个数字数组来表示这张图片：</a:t>
             </a:r>
+            <a:endParaRPr lang="zh-CN" altLang="en-US" sz="1600" dirty="0"/>
           </a:p>
         </p:txBody>
       </p:sp>
@@ -12473,7 +12494,7 @@
           <p:nvPr/>
         </p:nvPicPr>
         <p:blipFill>
-          <a:blip r:embed="rId3"/>
+          <a:blip r:embed="rId1"/>
           <a:stretch>
             <a:fillRect/>
           </a:stretch>
@@ -12609,6 +12630,7 @@
               <a:rPr lang="zh-CN" altLang="en-US" sz="1600" dirty="0"/>
               <a:t>，不会利用这些结构信息。</a:t>
             </a:r>
+            <a:endParaRPr lang="zh-CN" altLang="en-US" sz="1600" dirty="0"/>
           </a:p>
         </p:txBody>
       </p:sp>
@@ -12804,7 +12826,7 @@
           <p:nvPr/>
         </p:nvPicPr>
         <p:blipFill>
-          <a:blip r:embed="rId3"/>
+          <a:blip r:embed="rId1"/>
           <a:stretch>
             <a:fillRect/>
           </a:stretch>
@@ -12828,7 +12850,7 @@
           <p:nvPr/>
         </p:nvPicPr>
         <p:blipFill>
-          <a:blip r:embed="rId4"/>
+          <a:blip r:embed="rId2"/>
           <a:stretch>
             <a:fillRect/>
           </a:stretch>
@@ -13001,6 +13023,7 @@
               <a:rPr lang="zh-CN" altLang="en-US" sz="1600" dirty="0"/>
               <a:t>的数字矩阵。</a:t>
             </a:r>
+            <a:endParaRPr lang="zh-CN" altLang="en-US" sz="1600" dirty="0"/>
           </a:p>
         </p:txBody>
       </p:sp>
@@ -13227,6 +13250,7 @@
               <a:rPr lang="zh-CN" altLang="en-US" sz="1600" dirty="0"/>
               <a:t>都有上半部分的小圆），然后给予它代表其他数字的概率更小的值。</a:t>
             </a:r>
+            <a:endParaRPr lang="zh-CN" altLang="en-US" sz="1600" dirty="0"/>
           </a:p>
           <a:p>
             <a:r>
@@ -13273,6 +13297,7 @@
               <a:rPr lang="zh-CN" altLang="en-US" sz="1600" dirty="0"/>
               <a:t>来分配概率。</a:t>
             </a:r>
+            <a:endParaRPr lang="zh-CN" altLang="en-US" sz="1600" dirty="0"/>
           </a:p>
           <a:p>
             <a:r>
@@ -13295,6 +13320,7 @@
               <a:rPr lang="zh-CN" altLang="en-US" sz="1600" dirty="0"/>
               <a:t>）分两步：第一步</a:t>
             </a:r>
+            <a:endParaRPr lang="zh-CN" altLang="en-US" sz="1600" dirty="0"/>
           </a:p>
           <a:p>
             <a:r>
@@ -13317,6 +13343,7 @@
               <a:rPr lang="zh-CN" altLang="en-US" sz="1600" dirty="0"/>
               <a:t>。如果这个像素具有很强的证据说明这张图片不属于该类，那么相应的权值为负数，相反如果这个像素拥有有利的证据支持这张图片属于这个类，那么权值是正数。</a:t>
             </a:r>
+            <a:endParaRPr lang="zh-CN" altLang="en-US" sz="1600" dirty="0"/>
           </a:p>
           <a:p>
             <a:r>
@@ -13340,7 +13367,7 @@
           <p:nvPr/>
         </p:nvPicPr>
         <p:blipFill>
-          <a:blip r:embed="rId3"/>
+          <a:blip r:embed="rId1"/>
           <a:stretch>
             <a:fillRect/>
           </a:stretch>
@@ -13621,8 +13648,6 @@
       </a:bgFillStyleLst>
     </a:fmtScheme>
   </a:themeElements>
-  <a:objectDefaults/>
-  <a:extraClrSchemeLst/>
   <a:extLst>
     <a:ext uri="{05A4C25C-085E-4340-85A3-A5531E510DB2}">
       <thm15:themeFamily xmlns:thm15="http://schemas.microsoft.com/office/thememl/2012/main" name="Office Theme" id="{62F939B6-93AF-4DB8-9C6B-D6C7DFDC589F}" vid="{4A3C46E8-61CC-4603-A589-7422A47A8E4A}"/>
@@ -13911,8 +13936,6 @@
       </a:bgFillStyleLst>
     </a:fmtScheme>
   </a:themeElements>
-  <a:objectDefaults/>
-  <a:extraClrSchemeLst/>
   <a:extLst>
     <a:ext uri="{05A4C25C-085E-4340-85A3-A5531E510DB2}">
       <thm15:themeFamily xmlns:thm15="http://schemas.microsoft.com/office/thememl/2012/main" name="Office Theme" id="{62F939B6-93AF-4DB8-9C6B-D6C7DFDC589F}" vid="{4A3C46E8-61CC-4603-A589-7422A47A8E4A}"/>

--- a/TensorFlow入门.pptx
+++ b/TensorFlow入门.pptx
@@ -5,30 +5,30 @@
     <p:sldMasterId id="2147483648" r:id="rId1"/>
   </p:sldMasterIdLst>
   <p:notesMasterIdLst>
-    <p:notesMasterId r:id="rId5"/>
+    <p:notesMasterId r:id="rId23"/>
   </p:notesMasterIdLst>
   <p:sldIdLst>
-    <p:sldId id="390" r:id="rId3"/>
-    <p:sldId id="270" r:id="rId4"/>
-    <p:sldId id="314" r:id="rId6"/>
-    <p:sldId id="455" r:id="rId7"/>
-    <p:sldId id="456" r:id="rId8"/>
-    <p:sldId id="459" r:id="rId9"/>
-    <p:sldId id="494" r:id="rId10"/>
-    <p:sldId id="493" r:id="rId11"/>
-    <p:sldId id="460" r:id="rId12"/>
-    <p:sldId id="461" r:id="rId13"/>
-    <p:sldId id="495" r:id="rId14"/>
-    <p:sldId id="501" r:id="rId15"/>
-    <p:sldId id="502" r:id="rId16"/>
-    <p:sldId id="503" r:id="rId17"/>
-    <p:sldId id="500" r:id="rId18"/>
-    <p:sldId id="492" r:id="rId19"/>
-    <p:sldId id="496" r:id="rId20"/>
-    <p:sldId id="497" r:id="rId21"/>
-    <p:sldId id="498" r:id="rId22"/>
-    <p:sldId id="499" r:id="rId23"/>
-    <p:sldId id="504" r:id="rId24"/>
+    <p:sldId id="390" r:id="rId2"/>
+    <p:sldId id="270" r:id="rId3"/>
+    <p:sldId id="314" r:id="rId4"/>
+    <p:sldId id="455" r:id="rId5"/>
+    <p:sldId id="456" r:id="rId6"/>
+    <p:sldId id="459" r:id="rId7"/>
+    <p:sldId id="494" r:id="rId8"/>
+    <p:sldId id="493" r:id="rId9"/>
+    <p:sldId id="460" r:id="rId10"/>
+    <p:sldId id="461" r:id="rId11"/>
+    <p:sldId id="495" r:id="rId12"/>
+    <p:sldId id="501" r:id="rId13"/>
+    <p:sldId id="502" r:id="rId14"/>
+    <p:sldId id="503" r:id="rId15"/>
+    <p:sldId id="500" r:id="rId16"/>
+    <p:sldId id="492" r:id="rId17"/>
+    <p:sldId id="496" r:id="rId18"/>
+    <p:sldId id="497" r:id="rId19"/>
+    <p:sldId id="498" r:id="rId20"/>
+    <p:sldId id="499" r:id="rId21"/>
+    <p:sldId id="504" r:id="rId22"/>
   </p:sldIdLst>
   <p:sldSz cx="9144000" cy="6858000" type="screen4x3"/>
   <p:notesSz cx="6858000" cy="9144000"/>
@@ -127,6 +127,22 @@
       </a:defRPr>
     </a:lvl9pPr>
   </p:defaultTextStyle>
+  <p:extLst>
+    <p:ext uri="{EFAFB233-063F-42B5-8137-9DF3F51BA10A}">
+      <p15:sldGuideLst xmlns:p15="http://schemas.microsoft.com/office/powerpoint/2012/main">
+        <p15:guide id="1" orient="horz" pos="2121">
+          <p15:clr>
+            <a:srgbClr val="A4A3A4"/>
+          </p15:clr>
+        </p15:guide>
+        <p15:guide id="2" pos="2869">
+          <p15:clr>
+            <a:srgbClr val="A4A3A4"/>
+          </p15:clr>
+        </p15:guide>
+      </p15:sldGuideLst>
+    </p:ext>
+  </p:extLst>
 </p:presentation>
 </file>
 
@@ -212,6 +228,7 @@
           <a:p>
             <a:fld id="{D18A805E-3924-4030-B627-D89AFF2C885E}" type="datetimeFigureOut">
               <a:rPr lang="zh-CN" altLang="en-US" smtClean="0"/>
+              <a:t>2018/7/19</a:t>
             </a:fld>
             <a:endParaRPr lang="zh-CN" altLang="en-US"/>
           </a:p>
@@ -278,7 +295,6 @@
               <a:rPr lang="zh-CN" altLang="en-US"/>
               <a:t>单击此处编辑母版文本样式</a:t>
             </a:r>
-            <a:endParaRPr lang="zh-CN" altLang="en-US"/>
           </a:p>
           <a:p>
             <a:pPr lvl="1"/>
@@ -286,7 +302,6 @@
               <a:rPr lang="zh-CN" altLang="en-US"/>
               <a:t>第二级</a:t>
             </a:r>
-            <a:endParaRPr lang="zh-CN" altLang="en-US"/>
           </a:p>
           <a:p>
             <a:pPr lvl="2"/>
@@ -294,7 +309,6 @@
               <a:rPr lang="zh-CN" altLang="en-US"/>
               <a:t>第三级</a:t>
             </a:r>
-            <a:endParaRPr lang="zh-CN" altLang="en-US"/>
           </a:p>
           <a:p>
             <a:pPr lvl="3"/>
@@ -302,7 +316,6 @@
               <a:rPr lang="zh-CN" altLang="en-US"/>
               <a:t>第四级</a:t>
             </a:r>
-            <a:endParaRPr lang="zh-CN" altLang="en-US"/>
           </a:p>
           <a:p>
             <a:pPr lvl="4"/>
@@ -310,7 +323,6 @@
               <a:rPr lang="zh-CN" altLang="en-US"/>
               <a:t>第五级</a:t>
             </a:r>
-            <a:endParaRPr lang="zh-CN" altLang="en-US"/>
           </a:p>
         </p:txBody>
       </p:sp>
@@ -374,12 +386,18 @@
           <a:p>
             <a:fld id="{B73877EA-1A91-4B3F-A140-F9DFAD5BA57C}" type="slidenum">
               <a:rPr lang="zh-CN" altLang="en-US" smtClean="0"/>
+              <a:t>‹#›</a:t>
             </a:fld>
             <a:endParaRPr lang="zh-CN" altLang="en-US"/>
           </a:p>
         </p:txBody>
       </p:sp>
     </p:spTree>
+    <p:extLst>
+      <p:ext uri="{BB962C8B-B14F-4D97-AF65-F5344CB8AC3E}">
+        <p14:creationId xmlns:p14="http://schemas.microsoft.com/office/powerpoint/2010/main" val="4003347986"/>
+      </p:ext>
+    </p:extLst>
   </p:cSld>
   <p:clrMap bg1="lt1" tx1="dk1" bg2="lt2" tx2="dk2" accent1="accent1" accent2="accent2" accent3="accent3" accent4="accent4" accent5="accent5" accent6="accent6" hlink="hlink" folHlink="folHlink"/>
   <p:notesStyle>
@@ -542,12 +560,18 @@
           <a:p>
             <a:fld id="{B73877EA-1A91-4B3F-A140-F9DFAD5BA57C}" type="slidenum">
               <a:rPr lang="zh-CN" altLang="en-US" smtClean="0"/>
+              <a:t>2</a:t>
             </a:fld>
             <a:endParaRPr lang="zh-CN" altLang="en-US"/>
           </a:p>
         </p:txBody>
       </p:sp>
     </p:spTree>
+    <p:extLst>
+      <p:ext uri="{BB962C8B-B14F-4D97-AF65-F5344CB8AC3E}">
+        <p14:creationId xmlns:p14="http://schemas.microsoft.com/office/powerpoint/2010/main" val="1567212817"/>
+      </p:ext>
+    </p:extLst>
   </p:cSld>
   <p:clrMapOvr>
     <a:masterClrMapping/>
@@ -620,12 +644,18 @@
           <a:p>
             <a:fld id="{B73877EA-1A91-4B3F-A140-F9DFAD5BA57C}" type="slidenum">
               <a:rPr lang="zh-CN" altLang="en-US" smtClean="0"/>
+              <a:t>11</a:t>
             </a:fld>
             <a:endParaRPr lang="zh-CN" altLang="en-US"/>
           </a:p>
         </p:txBody>
       </p:sp>
     </p:spTree>
+    <p:extLst>
+      <p:ext uri="{BB962C8B-B14F-4D97-AF65-F5344CB8AC3E}">
+        <p14:creationId xmlns:p14="http://schemas.microsoft.com/office/powerpoint/2010/main" val="104507363"/>
+      </p:ext>
+    </p:extLst>
   </p:cSld>
   <p:clrMapOvr>
     <a:masterClrMapping/>
@@ -698,12 +728,18 @@
           <a:p>
             <a:fld id="{B73877EA-1A91-4B3F-A140-F9DFAD5BA57C}" type="slidenum">
               <a:rPr lang="zh-CN" altLang="en-US" smtClean="0"/>
+              <a:t>12</a:t>
             </a:fld>
             <a:endParaRPr lang="zh-CN" altLang="en-US"/>
           </a:p>
         </p:txBody>
       </p:sp>
     </p:spTree>
+    <p:extLst>
+      <p:ext uri="{BB962C8B-B14F-4D97-AF65-F5344CB8AC3E}">
+        <p14:creationId xmlns:p14="http://schemas.microsoft.com/office/powerpoint/2010/main" val="3894806147"/>
+      </p:ext>
+    </p:extLst>
   </p:cSld>
   <p:clrMapOvr>
     <a:masterClrMapping/>
@@ -776,12 +812,18 @@
           <a:p>
             <a:fld id="{B73877EA-1A91-4B3F-A140-F9DFAD5BA57C}" type="slidenum">
               <a:rPr lang="zh-CN" altLang="en-US" smtClean="0"/>
+              <a:t>13</a:t>
             </a:fld>
             <a:endParaRPr lang="zh-CN" altLang="en-US"/>
           </a:p>
         </p:txBody>
       </p:sp>
     </p:spTree>
+    <p:extLst>
+      <p:ext uri="{BB962C8B-B14F-4D97-AF65-F5344CB8AC3E}">
+        <p14:creationId xmlns:p14="http://schemas.microsoft.com/office/powerpoint/2010/main" val="3452688813"/>
+      </p:ext>
+    </p:extLst>
   </p:cSld>
   <p:clrMapOvr>
     <a:masterClrMapping/>
@@ -854,12 +896,18 @@
           <a:p>
             <a:fld id="{B73877EA-1A91-4B3F-A140-F9DFAD5BA57C}" type="slidenum">
               <a:rPr lang="zh-CN" altLang="en-US" smtClean="0"/>
+              <a:t>14</a:t>
             </a:fld>
             <a:endParaRPr lang="zh-CN" altLang="en-US"/>
           </a:p>
         </p:txBody>
       </p:sp>
     </p:spTree>
+    <p:extLst>
+      <p:ext uri="{BB962C8B-B14F-4D97-AF65-F5344CB8AC3E}">
+        <p14:creationId xmlns:p14="http://schemas.microsoft.com/office/powerpoint/2010/main" val="2113690352"/>
+      </p:ext>
+    </p:extLst>
   </p:cSld>
   <p:clrMapOvr>
     <a:masterClrMapping/>
@@ -932,12 +980,18 @@
           <a:p>
             <a:fld id="{B73877EA-1A91-4B3F-A140-F9DFAD5BA57C}" type="slidenum">
               <a:rPr lang="zh-CN" altLang="en-US" smtClean="0"/>
+              <a:t>15</a:t>
             </a:fld>
             <a:endParaRPr lang="zh-CN" altLang="en-US"/>
           </a:p>
         </p:txBody>
       </p:sp>
     </p:spTree>
+    <p:extLst>
+      <p:ext uri="{BB962C8B-B14F-4D97-AF65-F5344CB8AC3E}">
+        <p14:creationId xmlns:p14="http://schemas.microsoft.com/office/powerpoint/2010/main" val="3642959505"/>
+      </p:ext>
+    </p:extLst>
   </p:cSld>
   <p:clrMapOvr>
     <a:masterClrMapping/>
@@ -1010,12 +1064,18 @@
           <a:p>
             <a:fld id="{B73877EA-1A91-4B3F-A140-F9DFAD5BA57C}" type="slidenum">
               <a:rPr lang="zh-CN" altLang="en-US" smtClean="0"/>
+              <a:t>16</a:t>
             </a:fld>
             <a:endParaRPr lang="zh-CN" altLang="en-US"/>
           </a:p>
         </p:txBody>
       </p:sp>
     </p:spTree>
+    <p:extLst>
+      <p:ext uri="{BB962C8B-B14F-4D97-AF65-F5344CB8AC3E}">
+        <p14:creationId xmlns:p14="http://schemas.microsoft.com/office/powerpoint/2010/main" val="1298213547"/>
+      </p:ext>
+    </p:extLst>
   </p:cSld>
   <p:clrMapOvr>
     <a:masterClrMapping/>
@@ -1088,12 +1148,18 @@
           <a:p>
             <a:fld id="{B73877EA-1A91-4B3F-A140-F9DFAD5BA57C}" type="slidenum">
               <a:rPr lang="zh-CN" altLang="en-US" smtClean="0"/>
+              <a:t>17</a:t>
             </a:fld>
             <a:endParaRPr lang="zh-CN" altLang="en-US"/>
           </a:p>
         </p:txBody>
       </p:sp>
     </p:spTree>
+    <p:extLst>
+      <p:ext uri="{BB962C8B-B14F-4D97-AF65-F5344CB8AC3E}">
+        <p14:creationId xmlns:p14="http://schemas.microsoft.com/office/powerpoint/2010/main" val="3789372069"/>
+      </p:ext>
+    </p:extLst>
   </p:cSld>
   <p:clrMapOvr>
     <a:masterClrMapping/>
@@ -1166,12 +1232,18 @@
           <a:p>
             <a:fld id="{B73877EA-1A91-4B3F-A140-F9DFAD5BA57C}" type="slidenum">
               <a:rPr lang="zh-CN" altLang="en-US" smtClean="0"/>
+              <a:t>18</a:t>
             </a:fld>
             <a:endParaRPr lang="zh-CN" altLang="en-US"/>
           </a:p>
         </p:txBody>
       </p:sp>
     </p:spTree>
+    <p:extLst>
+      <p:ext uri="{BB962C8B-B14F-4D97-AF65-F5344CB8AC3E}">
+        <p14:creationId xmlns:p14="http://schemas.microsoft.com/office/powerpoint/2010/main" val="3915014909"/>
+      </p:ext>
+    </p:extLst>
   </p:cSld>
   <p:clrMapOvr>
     <a:masterClrMapping/>
@@ -1244,12 +1316,18 @@
           <a:p>
             <a:fld id="{B73877EA-1A91-4B3F-A140-F9DFAD5BA57C}" type="slidenum">
               <a:rPr lang="zh-CN" altLang="en-US" smtClean="0"/>
+              <a:t>19</a:t>
             </a:fld>
             <a:endParaRPr lang="zh-CN" altLang="en-US"/>
           </a:p>
         </p:txBody>
       </p:sp>
     </p:spTree>
+    <p:extLst>
+      <p:ext uri="{BB962C8B-B14F-4D97-AF65-F5344CB8AC3E}">
+        <p14:creationId xmlns:p14="http://schemas.microsoft.com/office/powerpoint/2010/main" val="1317242315"/>
+      </p:ext>
+    </p:extLst>
   </p:cSld>
   <p:clrMapOvr>
     <a:masterClrMapping/>
@@ -1322,12 +1400,18 @@
           <a:p>
             <a:fld id="{B73877EA-1A91-4B3F-A140-F9DFAD5BA57C}" type="slidenum">
               <a:rPr lang="zh-CN" altLang="en-US" smtClean="0"/>
+              <a:t>20</a:t>
             </a:fld>
             <a:endParaRPr lang="zh-CN" altLang="en-US"/>
           </a:p>
         </p:txBody>
       </p:sp>
     </p:spTree>
+    <p:extLst>
+      <p:ext uri="{BB962C8B-B14F-4D97-AF65-F5344CB8AC3E}">
+        <p14:creationId xmlns:p14="http://schemas.microsoft.com/office/powerpoint/2010/main" val="3885863225"/>
+      </p:ext>
+    </p:extLst>
   </p:cSld>
   <p:clrMapOvr>
     <a:masterClrMapping/>
@@ -1400,12 +1484,18 @@
           <a:p>
             <a:fld id="{B73877EA-1A91-4B3F-A140-F9DFAD5BA57C}" type="slidenum">
               <a:rPr lang="zh-CN" altLang="en-US" smtClean="0"/>
+              <a:t>3</a:t>
             </a:fld>
             <a:endParaRPr lang="zh-CN" altLang="en-US"/>
           </a:p>
         </p:txBody>
       </p:sp>
     </p:spTree>
+    <p:extLst>
+      <p:ext uri="{BB962C8B-B14F-4D97-AF65-F5344CB8AC3E}">
+        <p14:creationId xmlns:p14="http://schemas.microsoft.com/office/powerpoint/2010/main" val="2431998785"/>
+      </p:ext>
+    </p:extLst>
   </p:cSld>
   <p:clrMapOvr>
     <a:masterClrMapping/>
@@ -1478,12 +1568,18 @@
           <a:p>
             <a:fld id="{B73877EA-1A91-4B3F-A140-F9DFAD5BA57C}" type="slidenum">
               <a:rPr lang="zh-CN" altLang="en-US" smtClean="0"/>
+              <a:t>21</a:t>
             </a:fld>
             <a:endParaRPr lang="zh-CN" altLang="en-US"/>
           </a:p>
         </p:txBody>
       </p:sp>
     </p:spTree>
+    <p:extLst>
+      <p:ext uri="{BB962C8B-B14F-4D97-AF65-F5344CB8AC3E}">
+        <p14:creationId xmlns:p14="http://schemas.microsoft.com/office/powerpoint/2010/main" val="1157738457"/>
+      </p:ext>
+    </p:extLst>
   </p:cSld>
   <p:clrMapOvr>
     <a:masterClrMapping/>
@@ -1556,12 +1652,18 @@
           <a:p>
             <a:fld id="{B73877EA-1A91-4B3F-A140-F9DFAD5BA57C}" type="slidenum">
               <a:rPr lang="zh-CN" altLang="en-US" smtClean="0"/>
+              <a:t>4</a:t>
             </a:fld>
             <a:endParaRPr lang="zh-CN" altLang="en-US"/>
           </a:p>
         </p:txBody>
       </p:sp>
     </p:spTree>
+    <p:extLst>
+      <p:ext uri="{BB962C8B-B14F-4D97-AF65-F5344CB8AC3E}">
+        <p14:creationId xmlns:p14="http://schemas.microsoft.com/office/powerpoint/2010/main" val="2919368026"/>
+      </p:ext>
+    </p:extLst>
   </p:cSld>
   <p:clrMapOvr>
     <a:masterClrMapping/>
@@ -1634,12 +1736,18 @@
           <a:p>
             <a:fld id="{B73877EA-1A91-4B3F-A140-F9DFAD5BA57C}" type="slidenum">
               <a:rPr lang="zh-CN" altLang="en-US" smtClean="0"/>
+              <a:t>5</a:t>
             </a:fld>
             <a:endParaRPr lang="zh-CN" altLang="en-US"/>
           </a:p>
         </p:txBody>
       </p:sp>
     </p:spTree>
+    <p:extLst>
+      <p:ext uri="{BB962C8B-B14F-4D97-AF65-F5344CB8AC3E}">
+        <p14:creationId xmlns:p14="http://schemas.microsoft.com/office/powerpoint/2010/main" val="538841961"/>
+      </p:ext>
+    </p:extLst>
   </p:cSld>
   <p:clrMapOvr>
     <a:masterClrMapping/>
@@ -1712,12 +1820,18 @@
           <a:p>
             <a:fld id="{B73877EA-1A91-4B3F-A140-F9DFAD5BA57C}" type="slidenum">
               <a:rPr lang="zh-CN" altLang="en-US" smtClean="0"/>
+              <a:t>6</a:t>
             </a:fld>
             <a:endParaRPr lang="zh-CN" altLang="en-US"/>
           </a:p>
         </p:txBody>
       </p:sp>
     </p:spTree>
+    <p:extLst>
+      <p:ext uri="{BB962C8B-B14F-4D97-AF65-F5344CB8AC3E}">
+        <p14:creationId xmlns:p14="http://schemas.microsoft.com/office/powerpoint/2010/main" val="3953292242"/>
+      </p:ext>
+    </p:extLst>
   </p:cSld>
   <p:clrMapOvr>
     <a:masterClrMapping/>
@@ -1790,12 +1904,18 @@
           <a:p>
             <a:fld id="{B73877EA-1A91-4B3F-A140-F9DFAD5BA57C}" type="slidenum">
               <a:rPr lang="zh-CN" altLang="en-US" smtClean="0"/>
+              <a:t>7</a:t>
             </a:fld>
             <a:endParaRPr lang="zh-CN" altLang="en-US"/>
           </a:p>
         </p:txBody>
       </p:sp>
     </p:spTree>
+    <p:extLst>
+      <p:ext uri="{BB962C8B-B14F-4D97-AF65-F5344CB8AC3E}">
+        <p14:creationId xmlns:p14="http://schemas.microsoft.com/office/powerpoint/2010/main" val="4118763018"/>
+      </p:ext>
+    </p:extLst>
   </p:cSld>
   <p:clrMapOvr>
     <a:masterClrMapping/>
@@ -1868,12 +1988,18 @@
           <a:p>
             <a:fld id="{B73877EA-1A91-4B3F-A140-F9DFAD5BA57C}" type="slidenum">
               <a:rPr lang="zh-CN" altLang="en-US" smtClean="0"/>
+              <a:t>8</a:t>
             </a:fld>
             <a:endParaRPr lang="zh-CN" altLang="en-US"/>
           </a:p>
         </p:txBody>
       </p:sp>
     </p:spTree>
+    <p:extLst>
+      <p:ext uri="{BB962C8B-B14F-4D97-AF65-F5344CB8AC3E}">
+        <p14:creationId xmlns:p14="http://schemas.microsoft.com/office/powerpoint/2010/main" val="2997445151"/>
+      </p:ext>
+    </p:extLst>
   </p:cSld>
   <p:clrMapOvr>
     <a:masterClrMapping/>
@@ -1946,12 +2072,18 @@
           <a:p>
             <a:fld id="{B73877EA-1A91-4B3F-A140-F9DFAD5BA57C}" type="slidenum">
               <a:rPr lang="zh-CN" altLang="en-US" smtClean="0"/>
+              <a:t>9</a:t>
             </a:fld>
             <a:endParaRPr lang="zh-CN" altLang="en-US"/>
           </a:p>
         </p:txBody>
       </p:sp>
     </p:spTree>
+    <p:extLst>
+      <p:ext uri="{BB962C8B-B14F-4D97-AF65-F5344CB8AC3E}">
+        <p14:creationId xmlns:p14="http://schemas.microsoft.com/office/powerpoint/2010/main" val="2008056996"/>
+      </p:ext>
+    </p:extLst>
   </p:cSld>
   <p:clrMapOvr>
     <a:masterClrMapping/>
@@ -2024,12 +2156,18 @@
           <a:p>
             <a:fld id="{B73877EA-1A91-4B3F-A140-F9DFAD5BA57C}" type="slidenum">
               <a:rPr lang="zh-CN" altLang="en-US" smtClean="0"/>
+              <a:t>10</a:t>
             </a:fld>
             <a:endParaRPr lang="zh-CN" altLang="en-US"/>
           </a:p>
         </p:txBody>
       </p:sp>
     </p:spTree>
+    <p:extLst>
+      <p:ext uri="{BB962C8B-B14F-4D97-AF65-F5344CB8AC3E}">
+        <p14:creationId xmlns:p14="http://schemas.microsoft.com/office/powerpoint/2010/main" val="2001198089"/>
+      </p:ext>
+    </p:extLst>
   </p:cSld>
   <p:clrMapOvr>
     <a:masterClrMapping/>
@@ -2082,7 +2220,6 @@
               <a:rPr lang="zh-CN" altLang="en-US"/>
               <a:t>单击此处编辑母版标题样式</a:t>
             </a:r>
-            <a:endParaRPr lang="zh-CN" altLang="en-US"/>
           </a:p>
         </p:txBody>
       </p:sp>
@@ -2147,7 +2284,6 @@
               <a:rPr lang="zh-CN" altLang="en-US"/>
               <a:t>单击此处编辑母版副标题样式</a:t>
             </a:r>
-            <a:endParaRPr lang="zh-CN" altLang="en-US"/>
           </a:p>
         </p:txBody>
       </p:sp>
@@ -2168,6 +2304,7 @@
           <a:p>
             <a:fld id="{530820CF-B880-4189-942D-D702A7CBA730}" type="datetimeFigureOut">
               <a:rPr lang="zh-CN" altLang="en-US" smtClean="0"/>
+              <a:t>2018/7/19</a:t>
             </a:fld>
             <a:endParaRPr lang="zh-CN" altLang="en-US"/>
           </a:p>
@@ -2209,6 +2346,7 @@
           <a:p>
             <a:fld id="{0C913308-F349-4B6D-A68A-DD1791B4A57B}" type="slidenum">
               <a:rPr lang="zh-CN" altLang="en-US" smtClean="0"/>
+              <a:t>‹#›</a:t>
             </a:fld>
             <a:endParaRPr lang="zh-CN" altLang="en-US"/>
           </a:p>
@@ -2258,7 +2396,6 @@
               <a:rPr lang="zh-CN" altLang="en-US"/>
               <a:t>单击此处编辑母版标题样式</a:t>
             </a:r>
-            <a:endParaRPr lang="zh-CN" altLang="en-US"/>
           </a:p>
         </p:txBody>
       </p:sp>
@@ -2282,7 +2419,6 @@
               <a:rPr lang="zh-CN" altLang="en-US"/>
               <a:t>单击此处编辑母版文本样式</a:t>
             </a:r>
-            <a:endParaRPr lang="zh-CN" altLang="en-US"/>
           </a:p>
           <a:p>
             <a:pPr lvl="1"/>
@@ -2290,7 +2426,6 @@
               <a:rPr lang="zh-CN" altLang="en-US"/>
               <a:t>第二级</a:t>
             </a:r>
-            <a:endParaRPr lang="zh-CN" altLang="en-US"/>
           </a:p>
           <a:p>
             <a:pPr lvl="2"/>
@@ -2298,7 +2433,6 @@
               <a:rPr lang="zh-CN" altLang="en-US"/>
               <a:t>第三级</a:t>
             </a:r>
-            <a:endParaRPr lang="zh-CN" altLang="en-US"/>
           </a:p>
           <a:p>
             <a:pPr lvl="3"/>
@@ -2306,7 +2440,6 @@
               <a:rPr lang="zh-CN" altLang="en-US"/>
               <a:t>第四级</a:t>
             </a:r>
-            <a:endParaRPr lang="zh-CN" altLang="en-US"/>
           </a:p>
           <a:p>
             <a:pPr lvl="4"/>
@@ -2314,7 +2447,6 @@
               <a:rPr lang="zh-CN" altLang="en-US"/>
               <a:t>第五级</a:t>
             </a:r>
-            <a:endParaRPr lang="zh-CN" altLang="en-US"/>
           </a:p>
         </p:txBody>
       </p:sp>
@@ -2335,6 +2467,7 @@
           <a:p>
             <a:fld id="{530820CF-B880-4189-942D-D702A7CBA730}" type="datetimeFigureOut">
               <a:rPr lang="zh-CN" altLang="en-US" smtClean="0"/>
+              <a:t>2018/7/19</a:t>
             </a:fld>
             <a:endParaRPr lang="zh-CN" altLang="en-US"/>
           </a:p>
@@ -2376,6 +2509,7 @@
           <a:p>
             <a:fld id="{0C913308-F349-4B6D-A68A-DD1791B4A57B}" type="slidenum">
               <a:rPr lang="zh-CN" altLang="en-US" smtClean="0"/>
+              <a:t>‹#›</a:t>
             </a:fld>
             <a:endParaRPr lang="zh-CN" altLang="en-US"/>
           </a:p>
@@ -2430,7 +2564,6 @@
               <a:rPr lang="zh-CN" altLang="en-US"/>
               <a:t>单击此处编辑母版标题样式</a:t>
             </a:r>
-            <a:endParaRPr lang="zh-CN" altLang="en-US"/>
           </a:p>
         </p:txBody>
       </p:sp>
@@ -2459,7 +2592,6 @@
               <a:rPr lang="zh-CN" altLang="en-US"/>
               <a:t>单击此处编辑母版文本样式</a:t>
             </a:r>
-            <a:endParaRPr lang="zh-CN" altLang="en-US"/>
           </a:p>
           <a:p>
             <a:pPr lvl="1"/>
@@ -2467,7 +2599,6 @@
               <a:rPr lang="zh-CN" altLang="en-US"/>
               <a:t>第二级</a:t>
             </a:r>
-            <a:endParaRPr lang="zh-CN" altLang="en-US"/>
           </a:p>
           <a:p>
             <a:pPr lvl="2"/>
@@ -2475,7 +2606,6 @@
               <a:rPr lang="zh-CN" altLang="en-US"/>
               <a:t>第三级</a:t>
             </a:r>
-            <a:endParaRPr lang="zh-CN" altLang="en-US"/>
           </a:p>
           <a:p>
             <a:pPr lvl="3"/>
@@ -2483,7 +2613,6 @@
               <a:rPr lang="zh-CN" altLang="en-US"/>
               <a:t>第四级</a:t>
             </a:r>
-            <a:endParaRPr lang="zh-CN" altLang="en-US"/>
           </a:p>
           <a:p>
             <a:pPr lvl="4"/>
@@ -2491,7 +2620,6 @@
               <a:rPr lang="zh-CN" altLang="en-US"/>
               <a:t>第五级</a:t>
             </a:r>
-            <a:endParaRPr lang="zh-CN" altLang="en-US"/>
           </a:p>
         </p:txBody>
       </p:sp>
@@ -2512,6 +2640,7 @@
           <a:p>
             <a:fld id="{530820CF-B880-4189-942D-D702A7CBA730}" type="datetimeFigureOut">
               <a:rPr lang="zh-CN" altLang="en-US" smtClean="0"/>
+              <a:t>2018/7/19</a:t>
             </a:fld>
             <a:endParaRPr lang="zh-CN" altLang="en-US"/>
           </a:p>
@@ -2553,6 +2682,7 @@
           <a:p>
             <a:fld id="{0C913308-F349-4B6D-A68A-DD1791B4A57B}" type="slidenum">
               <a:rPr lang="zh-CN" altLang="en-US" smtClean="0"/>
+              <a:t>‹#›</a:t>
             </a:fld>
             <a:endParaRPr lang="zh-CN" altLang="en-US"/>
           </a:p>
@@ -2602,7 +2732,6 @@
               <a:rPr lang="zh-CN" altLang="en-US"/>
               <a:t>单击此处编辑母版标题样式</a:t>
             </a:r>
-            <a:endParaRPr lang="zh-CN" altLang="en-US"/>
           </a:p>
         </p:txBody>
       </p:sp>
@@ -2626,7 +2755,6 @@
               <a:rPr lang="zh-CN" altLang="en-US"/>
               <a:t>单击此处编辑母版文本样式</a:t>
             </a:r>
-            <a:endParaRPr lang="zh-CN" altLang="en-US"/>
           </a:p>
           <a:p>
             <a:pPr lvl="1"/>
@@ -2634,7 +2762,6 @@
               <a:rPr lang="zh-CN" altLang="en-US"/>
               <a:t>第二级</a:t>
             </a:r>
-            <a:endParaRPr lang="zh-CN" altLang="en-US"/>
           </a:p>
           <a:p>
             <a:pPr lvl="2"/>
@@ -2642,7 +2769,6 @@
               <a:rPr lang="zh-CN" altLang="en-US"/>
               <a:t>第三级</a:t>
             </a:r>
-            <a:endParaRPr lang="zh-CN" altLang="en-US"/>
           </a:p>
           <a:p>
             <a:pPr lvl="3"/>
@@ -2650,7 +2776,6 @@
               <a:rPr lang="zh-CN" altLang="en-US"/>
               <a:t>第四级</a:t>
             </a:r>
-            <a:endParaRPr lang="zh-CN" altLang="en-US"/>
           </a:p>
           <a:p>
             <a:pPr lvl="4"/>
@@ -2658,7 +2783,6 @@
               <a:rPr lang="zh-CN" altLang="en-US"/>
               <a:t>第五级</a:t>
             </a:r>
-            <a:endParaRPr lang="zh-CN" altLang="en-US"/>
           </a:p>
         </p:txBody>
       </p:sp>
@@ -2679,6 +2803,7 @@
           <a:p>
             <a:fld id="{530820CF-B880-4189-942D-D702A7CBA730}" type="datetimeFigureOut">
               <a:rPr lang="zh-CN" altLang="en-US" smtClean="0"/>
+              <a:t>2018/7/19</a:t>
             </a:fld>
             <a:endParaRPr lang="zh-CN" altLang="en-US"/>
           </a:p>
@@ -2720,6 +2845,7 @@
           <a:p>
             <a:fld id="{0C913308-F349-4B6D-A68A-DD1791B4A57B}" type="slidenum">
               <a:rPr lang="zh-CN" altLang="en-US" smtClean="0"/>
+              <a:t>‹#›</a:t>
             </a:fld>
             <a:endParaRPr lang="zh-CN" altLang="en-US"/>
           </a:p>
@@ -2778,7 +2904,6 @@
               <a:rPr lang="zh-CN" altLang="en-US"/>
               <a:t>单击此处编辑母版标题样式</a:t>
             </a:r>
-            <a:endParaRPr lang="zh-CN" altLang="en-US"/>
           </a:p>
         </p:txBody>
       </p:sp>
@@ -2898,7 +3023,6 @@
               <a:rPr lang="zh-CN" altLang="en-US"/>
               <a:t>单击此处编辑母版文本样式</a:t>
             </a:r>
-            <a:endParaRPr lang="zh-CN" altLang="en-US"/>
           </a:p>
         </p:txBody>
       </p:sp>
@@ -2919,6 +3043,7 @@
           <a:p>
             <a:fld id="{530820CF-B880-4189-942D-D702A7CBA730}" type="datetimeFigureOut">
               <a:rPr lang="zh-CN" altLang="en-US" smtClean="0"/>
+              <a:t>2018/7/19</a:t>
             </a:fld>
             <a:endParaRPr lang="zh-CN" altLang="en-US"/>
           </a:p>
@@ -2960,6 +3085,7 @@
           <a:p>
             <a:fld id="{0C913308-F349-4B6D-A68A-DD1791B4A57B}" type="slidenum">
               <a:rPr lang="zh-CN" altLang="en-US" smtClean="0"/>
+              <a:t>‹#›</a:t>
             </a:fld>
             <a:endParaRPr lang="zh-CN" altLang="en-US"/>
           </a:p>
@@ -3009,7 +3135,6 @@
               <a:rPr lang="zh-CN" altLang="en-US"/>
               <a:t>单击此处编辑母版标题样式</a:t>
             </a:r>
-            <a:endParaRPr lang="zh-CN" altLang="en-US"/>
           </a:p>
         </p:txBody>
       </p:sp>
@@ -3038,7 +3163,6 @@
               <a:rPr lang="zh-CN" altLang="en-US"/>
               <a:t>单击此处编辑母版文本样式</a:t>
             </a:r>
-            <a:endParaRPr lang="zh-CN" altLang="en-US"/>
           </a:p>
           <a:p>
             <a:pPr lvl="1"/>
@@ -3046,7 +3170,6 @@
               <a:rPr lang="zh-CN" altLang="en-US"/>
               <a:t>第二级</a:t>
             </a:r>
-            <a:endParaRPr lang="zh-CN" altLang="en-US"/>
           </a:p>
           <a:p>
             <a:pPr lvl="2"/>
@@ -3054,7 +3177,6 @@
               <a:rPr lang="zh-CN" altLang="en-US"/>
               <a:t>第三级</a:t>
             </a:r>
-            <a:endParaRPr lang="zh-CN" altLang="en-US"/>
           </a:p>
           <a:p>
             <a:pPr lvl="3"/>
@@ -3062,7 +3184,6 @@
               <a:rPr lang="zh-CN" altLang="en-US"/>
               <a:t>第四级</a:t>
             </a:r>
-            <a:endParaRPr lang="zh-CN" altLang="en-US"/>
           </a:p>
           <a:p>
             <a:pPr lvl="4"/>
@@ -3070,7 +3191,6 @@
               <a:rPr lang="zh-CN" altLang="en-US"/>
               <a:t>第五级</a:t>
             </a:r>
-            <a:endParaRPr lang="zh-CN" altLang="en-US"/>
           </a:p>
         </p:txBody>
       </p:sp>
@@ -3099,7 +3219,6 @@
               <a:rPr lang="zh-CN" altLang="en-US"/>
               <a:t>单击此处编辑母版文本样式</a:t>
             </a:r>
-            <a:endParaRPr lang="zh-CN" altLang="en-US"/>
           </a:p>
           <a:p>
             <a:pPr lvl="1"/>
@@ -3107,7 +3226,6 @@
               <a:rPr lang="zh-CN" altLang="en-US"/>
               <a:t>第二级</a:t>
             </a:r>
-            <a:endParaRPr lang="zh-CN" altLang="en-US"/>
           </a:p>
           <a:p>
             <a:pPr lvl="2"/>
@@ -3115,7 +3233,6 @@
               <a:rPr lang="zh-CN" altLang="en-US"/>
               <a:t>第三级</a:t>
             </a:r>
-            <a:endParaRPr lang="zh-CN" altLang="en-US"/>
           </a:p>
           <a:p>
             <a:pPr lvl="3"/>
@@ -3123,7 +3240,6 @@
               <a:rPr lang="zh-CN" altLang="en-US"/>
               <a:t>第四级</a:t>
             </a:r>
-            <a:endParaRPr lang="zh-CN" altLang="en-US"/>
           </a:p>
           <a:p>
             <a:pPr lvl="4"/>
@@ -3131,7 +3247,6 @@
               <a:rPr lang="zh-CN" altLang="en-US"/>
               <a:t>第五级</a:t>
             </a:r>
-            <a:endParaRPr lang="zh-CN" altLang="en-US"/>
           </a:p>
         </p:txBody>
       </p:sp>
@@ -3152,6 +3267,7 @@
           <a:p>
             <a:fld id="{530820CF-B880-4189-942D-D702A7CBA730}" type="datetimeFigureOut">
               <a:rPr lang="zh-CN" altLang="en-US" smtClean="0"/>
+              <a:t>2018/7/19</a:t>
             </a:fld>
             <a:endParaRPr lang="zh-CN" altLang="en-US"/>
           </a:p>
@@ -3193,6 +3309,7 @@
           <a:p>
             <a:fld id="{0C913308-F349-4B6D-A68A-DD1791B4A57B}" type="slidenum">
               <a:rPr lang="zh-CN" altLang="en-US" smtClean="0"/>
+              <a:t>‹#›</a:t>
             </a:fld>
             <a:endParaRPr lang="zh-CN" altLang="en-US"/>
           </a:p>
@@ -3247,7 +3364,6 @@
               <a:rPr lang="zh-CN" altLang="en-US"/>
               <a:t>单击此处编辑母版标题样式</a:t>
             </a:r>
-            <a:endParaRPr lang="zh-CN" altLang="en-US"/>
           </a:p>
         </p:txBody>
       </p:sp>
@@ -3313,7 +3429,6 @@
               <a:rPr lang="zh-CN" altLang="en-US"/>
               <a:t>单击此处编辑母版文本样式</a:t>
             </a:r>
-            <a:endParaRPr lang="zh-CN" altLang="en-US"/>
           </a:p>
         </p:txBody>
       </p:sp>
@@ -3342,7 +3457,6 @@
               <a:rPr lang="zh-CN" altLang="en-US"/>
               <a:t>单击此处编辑母版文本样式</a:t>
             </a:r>
-            <a:endParaRPr lang="zh-CN" altLang="en-US"/>
           </a:p>
           <a:p>
             <a:pPr lvl="1"/>
@@ -3350,7 +3464,6 @@
               <a:rPr lang="zh-CN" altLang="en-US"/>
               <a:t>第二级</a:t>
             </a:r>
-            <a:endParaRPr lang="zh-CN" altLang="en-US"/>
           </a:p>
           <a:p>
             <a:pPr lvl="2"/>
@@ -3358,7 +3471,6 @@
               <a:rPr lang="zh-CN" altLang="en-US"/>
               <a:t>第三级</a:t>
             </a:r>
-            <a:endParaRPr lang="zh-CN" altLang="en-US"/>
           </a:p>
           <a:p>
             <a:pPr lvl="3"/>
@@ -3366,7 +3478,6 @@
               <a:rPr lang="zh-CN" altLang="en-US"/>
               <a:t>第四级</a:t>
             </a:r>
-            <a:endParaRPr lang="zh-CN" altLang="en-US"/>
           </a:p>
           <a:p>
             <a:pPr lvl="4"/>
@@ -3374,7 +3485,6 @@
               <a:rPr lang="zh-CN" altLang="en-US"/>
               <a:t>第五级</a:t>
             </a:r>
-            <a:endParaRPr lang="zh-CN" altLang="en-US"/>
           </a:p>
         </p:txBody>
       </p:sp>
@@ -3440,7 +3550,6 @@
               <a:rPr lang="zh-CN" altLang="en-US"/>
               <a:t>单击此处编辑母版文本样式</a:t>
             </a:r>
-            <a:endParaRPr lang="zh-CN" altLang="en-US"/>
           </a:p>
         </p:txBody>
       </p:sp>
@@ -3469,7 +3578,6 @@
               <a:rPr lang="zh-CN" altLang="en-US"/>
               <a:t>单击此处编辑母版文本样式</a:t>
             </a:r>
-            <a:endParaRPr lang="zh-CN" altLang="en-US"/>
           </a:p>
           <a:p>
             <a:pPr lvl="1"/>
@@ -3477,7 +3585,6 @@
               <a:rPr lang="zh-CN" altLang="en-US"/>
               <a:t>第二级</a:t>
             </a:r>
-            <a:endParaRPr lang="zh-CN" altLang="en-US"/>
           </a:p>
           <a:p>
             <a:pPr lvl="2"/>
@@ -3485,7 +3592,6 @@
               <a:rPr lang="zh-CN" altLang="en-US"/>
               <a:t>第三级</a:t>
             </a:r>
-            <a:endParaRPr lang="zh-CN" altLang="en-US"/>
           </a:p>
           <a:p>
             <a:pPr lvl="3"/>
@@ -3493,7 +3599,6 @@
               <a:rPr lang="zh-CN" altLang="en-US"/>
               <a:t>第四级</a:t>
             </a:r>
-            <a:endParaRPr lang="zh-CN" altLang="en-US"/>
           </a:p>
           <a:p>
             <a:pPr lvl="4"/>
@@ -3501,7 +3606,6 @@
               <a:rPr lang="zh-CN" altLang="en-US"/>
               <a:t>第五级</a:t>
             </a:r>
-            <a:endParaRPr lang="zh-CN" altLang="en-US"/>
           </a:p>
         </p:txBody>
       </p:sp>
@@ -3522,6 +3626,7 @@
           <a:p>
             <a:fld id="{530820CF-B880-4189-942D-D702A7CBA730}" type="datetimeFigureOut">
               <a:rPr lang="zh-CN" altLang="en-US" smtClean="0"/>
+              <a:t>2018/7/19</a:t>
             </a:fld>
             <a:endParaRPr lang="zh-CN" altLang="en-US"/>
           </a:p>
@@ -3563,6 +3668,7 @@
           <a:p>
             <a:fld id="{0C913308-F349-4B6D-A68A-DD1791B4A57B}" type="slidenum">
               <a:rPr lang="zh-CN" altLang="en-US" smtClean="0"/>
+              <a:t>‹#›</a:t>
             </a:fld>
             <a:endParaRPr lang="zh-CN" altLang="en-US"/>
           </a:p>
@@ -3612,7 +3718,6 @@
               <a:rPr lang="zh-CN" altLang="en-US"/>
               <a:t>单击此处编辑母版标题样式</a:t>
             </a:r>
-            <a:endParaRPr lang="zh-CN" altLang="en-US"/>
           </a:p>
         </p:txBody>
       </p:sp>
@@ -3633,6 +3738,7 @@
           <a:p>
             <a:fld id="{530820CF-B880-4189-942D-D702A7CBA730}" type="datetimeFigureOut">
               <a:rPr lang="zh-CN" altLang="en-US" smtClean="0"/>
+              <a:t>2018/7/19</a:t>
             </a:fld>
             <a:endParaRPr lang="zh-CN" altLang="en-US"/>
           </a:p>
@@ -3674,6 +3780,7 @@
           <a:p>
             <a:fld id="{0C913308-F349-4B6D-A68A-DD1791B4A57B}" type="slidenum">
               <a:rPr lang="zh-CN" altLang="en-US" smtClean="0"/>
+              <a:t>‹#›</a:t>
             </a:fld>
             <a:endParaRPr lang="zh-CN" altLang="en-US"/>
           </a:p>
@@ -3721,6 +3828,7 @@
           <a:p>
             <a:fld id="{530820CF-B880-4189-942D-D702A7CBA730}" type="datetimeFigureOut">
               <a:rPr lang="zh-CN" altLang="en-US" smtClean="0"/>
+              <a:t>2018/7/19</a:t>
             </a:fld>
             <a:endParaRPr lang="zh-CN" altLang="en-US"/>
           </a:p>
@@ -3762,6 +3870,7 @@
           <a:p>
             <a:fld id="{0C913308-F349-4B6D-A68A-DD1791B4A57B}" type="slidenum">
               <a:rPr lang="zh-CN" altLang="en-US" smtClean="0"/>
+              <a:t>‹#›</a:t>
             </a:fld>
             <a:endParaRPr lang="zh-CN" altLang="en-US"/>
           </a:p>
@@ -3820,7 +3929,6 @@
               <a:rPr lang="zh-CN" altLang="en-US"/>
               <a:t>单击此处编辑母版标题样式</a:t>
             </a:r>
-            <a:endParaRPr lang="zh-CN" altLang="en-US"/>
           </a:p>
         </p:txBody>
       </p:sp>
@@ -3877,7 +3985,6 @@
               <a:rPr lang="zh-CN" altLang="en-US"/>
               <a:t>单击此处编辑母版文本样式</a:t>
             </a:r>
-            <a:endParaRPr lang="zh-CN" altLang="en-US"/>
           </a:p>
           <a:p>
             <a:pPr lvl="1"/>
@@ -3885,7 +3992,6 @@
               <a:rPr lang="zh-CN" altLang="en-US"/>
               <a:t>第二级</a:t>
             </a:r>
-            <a:endParaRPr lang="zh-CN" altLang="en-US"/>
           </a:p>
           <a:p>
             <a:pPr lvl="2"/>
@@ -3893,7 +3999,6 @@
               <a:rPr lang="zh-CN" altLang="en-US"/>
               <a:t>第三级</a:t>
             </a:r>
-            <a:endParaRPr lang="zh-CN" altLang="en-US"/>
           </a:p>
           <a:p>
             <a:pPr lvl="3"/>
@@ -3901,7 +4006,6 @@
               <a:rPr lang="zh-CN" altLang="en-US"/>
               <a:t>第四级</a:t>
             </a:r>
-            <a:endParaRPr lang="zh-CN" altLang="en-US"/>
           </a:p>
           <a:p>
             <a:pPr lvl="4"/>
@@ -3909,7 +4013,6 @@
               <a:rPr lang="zh-CN" altLang="en-US"/>
               <a:t>第五级</a:t>
             </a:r>
-            <a:endParaRPr lang="zh-CN" altLang="en-US"/>
           </a:p>
         </p:txBody>
       </p:sp>
@@ -3975,7 +4078,6 @@
               <a:rPr lang="zh-CN" altLang="en-US"/>
               <a:t>单击此处编辑母版文本样式</a:t>
             </a:r>
-            <a:endParaRPr lang="zh-CN" altLang="en-US"/>
           </a:p>
         </p:txBody>
       </p:sp>
@@ -3996,6 +4098,7 @@
           <a:p>
             <a:fld id="{530820CF-B880-4189-942D-D702A7CBA730}" type="datetimeFigureOut">
               <a:rPr lang="zh-CN" altLang="en-US" smtClean="0"/>
+              <a:t>2018/7/19</a:t>
             </a:fld>
             <a:endParaRPr lang="zh-CN" altLang="en-US"/>
           </a:p>
@@ -4037,6 +4140,7 @@
           <a:p>
             <a:fld id="{0C913308-F349-4B6D-A68A-DD1791B4A57B}" type="slidenum">
               <a:rPr lang="zh-CN" altLang="en-US" smtClean="0"/>
+              <a:t>‹#›</a:t>
             </a:fld>
             <a:endParaRPr lang="zh-CN" altLang="en-US"/>
           </a:p>
@@ -4095,7 +4199,6 @@
               <a:rPr lang="zh-CN" altLang="en-US"/>
               <a:t>单击此处编辑母版标题样式</a:t>
             </a:r>
-            <a:endParaRPr lang="zh-CN" altLang="en-US"/>
           </a:p>
         </p:txBody>
       </p:sp>
@@ -4160,7 +4263,6 @@
               <a:rPr lang="zh-CN" altLang="en-US"/>
               <a:t>单击图标添加图片</a:t>
             </a:r>
-            <a:endParaRPr lang="zh-CN" altLang="en-US"/>
           </a:p>
         </p:txBody>
       </p:sp>
@@ -4226,7 +4328,6 @@
               <a:rPr lang="zh-CN" altLang="en-US"/>
               <a:t>单击此处编辑母版文本样式</a:t>
             </a:r>
-            <a:endParaRPr lang="zh-CN" altLang="en-US"/>
           </a:p>
         </p:txBody>
       </p:sp>
@@ -4247,6 +4348,7 @@
           <a:p>
             <a:fld id="{530820CF-B880-4189-942D-D702A7CBA730}" type="datetimeFigureOut">
               <a:rPr lang="zh-CN" altLang="en-US" smtClean="0"/>
+              <a:t>2018/7/19</a:t>
             </a:fld>
             <a:endParaRPr lang="zh-CN" altLang="en-US"/>
           </a:p>
@@ -4288,6 +4390,7 @@
           <a:p>
             <a:fld id="{0C913308-F349-4B6D-A68A-DD1791B4A57B}" type="slidenum">
               <a:rPr lang="zh-CN" altLang="en-US" smtClean="0"/>
+              <a:t>‹#›</a:t>
             </a:fld>
             <a:endParaRPr lang="zh-CN" altLang="en-US"/>
           </a:p>
@@ -4352,7 +4455,6 @@
               <a:rPr lang="zh-CN" altLang="en-US"/>
               <a:t>单击此处编辑母版标题样式</a:t>
             </a:r>
-            <a:endParaRPr lang="zh-CN" altLang="en-US"/>
           </a:p>
         </p:txBody>
       </p:sp>
@@ -4386,7 +4488,6 @@
               <a:rPr lang="zh-CN" altLang="en-US"/>
               <a:t>单击此处编辑母版文本样式</a:t>
             </a:r>
-            <a:endParaRPr lang="zh-CN" altLang="en-US"/>
           </a:p>
           <a:p>
             <a:pPr lvl="1"/>
@@ -4394,7 +4495,6 @@
               <a:rPr lang="zh-CN" altLang="en-US"/>
               <a:t>第二级</a:t>
             </a:r>
-            <a:endParaRPr lang="zh-CN" altLang="en-US"/>
           </a:p>
           <a:p>
             <a:pPr lvl="2"/>
@@ -4402,7 +4502,6 @@
               <a:rPr lang="zh-CN" altLang="en-US"/>
               <a:t>第三级</a:t>
             </a:r>
-            <a:endParaRPr lang="zh-CN" altLang="en-US"/>
           </a:p>
           <a:p>
             <a:pPr lvl="3"/>
@@ -4410,7 +4509,6 @@
               <a:rPr lang="zh-CN" altLang="en-US"/>
               <a:t>第四级</a:t>
             </a:r>
-            <a:endParaRPr lang="zh-CN" altLang="en-US"/>
           </a:p>
           <a:p>
             <a:pPr lvl="4"/>
@@ -4418,7 +4516,6 @@
               <a:rPr lang="zh-CN" altLang="en-US"/>
               <a:t>第五级</a:t>
             </a:r>
-            <a:endParaRPr lang="zh-CN" altLang="en-US"/>
           </a:p>
         </p:txBody>
       </p:sp>
@@ -4457,6 +4554,7 @@
           <a:p>
             <a:fld id="{530820CF-B880-4189-942D-D702A7CBA730}" type="datetimeFigureOut">
               <a:rPr lang="zh-CN" altLang="en-US" smtClean="0"/>
+              <a:t>2018/7/19</a:t>
             </a:fld>
             <a:endParaRPr lang="zh-CN" altLang="en-US"/>
           </a:p>
@@ -4534,6 +4632,7 @@
           <a:p>
             <a:fld id="{0C913308-F349-4B6D-A68A-DD1791B4A57B}" type="slidenum">
               <a:rPr lang="zh-CN" altLang="en-US" smtClean="0"/>
+              <a:t>‹#›</a:t>
             </a:fld>
             <a:endParaRPr lang="zh-CN" altLang="en-US"/>
           </a:p>
@@ -4905,11 +5004,6 @@
               </a:rPr>
               <a:t>            </a:t>
             </a:r>
-            <a:endParaRPr lang="en-US" altLang="zh-CN" sz="1350">
-              <a:solidFill>
-                <a:schemeClr val="bg1"/>
-              </a:solidFill>
-            </a:endParaRPr>
           </a:p>
         </p:txBody>
       </p:sp>
@@ -4922,7 +5016,7 @@
           <p:nvPr/>
         </p:nvPicPr>
         <p:blipFill>
-          <a:blip r:embed="rId1"/>
+          <a:blip r:embed="rId2"/>
           <a:stretch>
             <a:fillRect/>
           </a:stretch>
@@ -4954,6 +5048,7 @@
           <a:p>
             <a:fld id="{7D9BB5D0-35E4-459D-AEF3-FE4D7C45CC19}" type="slidenum">
               <a:rPr lang="zh-CN" altLang="en-US" sz="900" smtClean="0"/>
+              <a:t>1</a:t>
             </a:fld>
             <a:endParaRPr lang="zh-CN" altLang="en-US" sz="900"/>
           </a:p>
@@ -5001,13 +5096,6 @@
               </a:rPr>
               <a:t>信数据服务（上海）有限公司 </a:t>
             </a:r>
-            <a:endParaRPr lang="zh-CN" altLang="en-US" sz="1350" dirty="0">
-              <a:solidFill>
-                <a:srgbClr val="42BDD8"/>
-              </a:solidFill>
-              <a:latin typeface="微软雅黑" panose="020B0503020204020204" pitchFamily="34" charset="-122"/>
-              <a:ea typeface="微软雅黑" panose="020B0503020204020204" pitchFamily="34" charset="-122"/>
-            </a:endParaRPr>
           </a:p>
         </p:txBody>
       </p:sp>
@@ -5074,13 +5162,6 @@
               </a:rPr>
               <a:t>月</a:t>
             </a:r>
-            <a:endParaRPr lang="zh-CN" altLang="en-US" sz="1350" dirty="0">
-              <a:solidFill>
-                <a:srgbClr val="42BDD8"/>
-              </a:solidFill>
-              <a:latin typeface="微软雅黑" panose="020B0503020204020204" pitchFamily="34" charset="-122"/>
-              <a:ea typeface="微软雅黑" panose="020B0503020204020204" pitchFamily="34" charset="-122"/>
-            </a:endParaRPr>
           </a:p>
         </p:txBody>
       </p:sp>
@@ -5093,7 +5174,7 @@
           <p:nvPr/>
         </p:nvPicPr>
         <p:blipFill>
-          <a:blip r:embed="rId2"/>
+          <a:blip r:embed="rId3"/>
           <a:stretch>
             <a:fillRect/>
           </a:stretch>
@@ -5261,7 +5342,7 @@
           <p:nvPr/>
         </p:nvPicPr>
         <p:blipFill>
-          <a:blip r:embed="rId1"/>
+          <a:blip r:embed="rId3"/>
           <a:stretch>
             <a:fillRect/>
           </a:stretch>
@@ -5302,7 +5383,6 @@
               <a:rPr lang="zh-CN" altLang="en-US" sz="1400"/>
               <a:t>把输入值当成幂指数求值，再正则化这些结果值。这个幂运算表示，更大的证据对应更大的假设模型（hypothesis）里面的乘数权重值。反之，拥有更少的证据意味着在假设模型里面拥有更小的乘数系数。假设模型里的权值不可以是0值或者负值。Softmax然后会正则化这些权重值，使它们的总和等于1，以此构造一个有效的概率分布。</a:t>
             </a:r>
-            <a:endParaRPr lang="zh-CN" altLang="en-US" sz="1400"/>
           </a:p>
         </p:txBody>
       </p:sp>
@@ -5430,7 +5510,7 @@
           <p:nvPr/>
         </p:nvPicPr>
         <p:blipFill>
-          <a:blip r:embed="rId1"/>
+          <a:blip r:embed="rId3"/>
           <a:stretch>
             <a:fillRect/>
           </a:stretch>
@@ -5582,10 +5662,6 @@
               </a:rPr>
               <a:t>实现回归模型</a:t>
             </a:r>
-            <a:endParaRPr lang="zh-CN" altLang="en-US" sz="2000" dirty="0">
-              <a:latin typeface="微软雅黑" panose="020B0503020204020204" pitchFamily="34" charset="-122"/>
-              <a:ea typeface="微软雅黑" panose="020B0503020204020204" pitchFamily="34" charset="-122"/>
-            </a:endParaRPr>
           </a:p>
         </p:txBody>
       </p:sp>
@@ -5598,7 +5674,7 @@
           <p:nvPr/>
         </p:nvPicPr>
         <p:blipFill>
-          <a:blip r:embed="rId1"/>
+          <a:blip r:embed="rId3"/>
           <a:stretch>
             <a:fillRect/>
           </a:stretch>
@@ -5823,13 +5899,6 @@
               </a:rPr>
               <a:t>熵是用来衡量我们的预测用于描述真相的低效性。</a:t>
             </a:r>
-            <a:endParaRPr lang="zh-CN" altLang="zh-CN" sz="1200" dirty="0">
-              <a:solidFill>
-                <a:srgbClr val="333333"/>
-              </a:solidFill>
-              <a:latin typeface="Arial" panose="020B0604020202020204" pitchFamily="34" charset="0"/>
-              <a:ea typeface="Helvetica Neue"/>
-            </a:endParaRPr>
           </a:p>
         </p:txBody>
       </p:sp>
@@ -6429,7 +6498,7 @@
           <p:nvPr/>
         </p:nvPicPr>
         <p:blipFill>
-          <a:blip r:embed="rId1">
+          <a:blip r:embed="rId3">
             <a:extLst>
               <a:ext uri="{28A0092B-C50C-407E-A947-70E740481C1C}">
                 <a14:useLocalDpi xmlns:a14="http://schemas.microsoft.com/office/drawing/2010/main" val="0"/>
@@ -6565,6 +6634,60 @@
           </a:p>
           <a:p>
             <a:endParaRPr lang="en-US" altLang="zh-CN"/>
+          </a:p>
+        </p:txBody>
+      </p:sp>
+      <p:sp>
+        <p:nvSpPr>
+          <p:cNvPr id="3" name="矩形 2"/>
+          <p:cNvSpPr/>
+          <p:nvPr/>
+        </p:nvSpPr>
+        <p:spPr>
+          <a:xfrm>
+            <a:off x="827584" y="3861048"/>
+            <a:ext cx="6174432" cy="1477328"/>
+          </a:xfrm>
+          <a:prstGeom prst="rect">
+            <a:avLst/>
+          </a:prstGeom>
+        </p:spPr>
+        <p:txBody>
+          <a:bodyPr wrap="square">
+            <a:spAutoFit/>
+          </a:bodyPr>
+          <a:lstStyle/>
+          <a:p>
+            <a:r>
+              <a:rPr lang="zh-CN" altLang="en-US" dirty="0" smtClean="0"/>
+              <a:t>神经网络的直观解释</a:t>
+            </a:r>
+            <a:r>
+              <a:rPr lang="zh-CN" altLang="en-US" dirty="0" smtClean="0">
+                <a:hlinkClick r:id="rId3"/>
+              </a:rPr>
+              <a:t>http</a:t>
+            </a:r>
+            <a:r>
+              <a:rPr lang="zh-CN" altLang="en-US" dirty="0">
+                <a:hlinkClick r:id="rId3"/>
+              </a:rPr>
+              <a:t>://www.hackcv.com/index.php/archives/104/?hmsr=toutiao.io&amp;utm_medium=toutiao.io&amp;utm_source=toutiao.</a:t>
+            </a:r>
+            <a:r>
+              <a:rPr lang="zh-CN" altLang="en-US" dirty="0" smtClean="0">
+                <a:hlinkClick r:id="rId3"/>
+              </a:rPr>
+              <a:t>io</a:t>
+            </a:r>
+            <a:endParaRPr lang="en-US" altLang="zh-CN" dirty="0" smtClean="0"/>
+          </a:p>
+          <a:p>
+            <a:r>
+              <a:rPr lang="en-US" altLang="zh-CN" dirty="0"/>
+              <a:t>https://ujjwalkarn.me/2016/08/11/intuitive-explanation-convnets/</a:t>
+            </a:r>
+            <a:endParaRPr lang="zh-CN" altLang="en-US" dirty="0"/>
           </a:p>
         </p:txBody>
       </p:sp>
@@ -6728,7 +6851,6 @@
               <a:rPr lang="en-US" altLang="zh-CN"/>
               <a:t>  </a:t>
             </a:r>
-            <a:endParaRPr lang="en-US" altLang="zh-CN"/>
           </a:p>
         </p:txBody>
       </p:sp>
@@ -6865,7 +6987,6 @@
               <a:rPr lang="en-US" altLang="zh-CN"/>
               <a:t>  </a:t>
             </a:r>
-            <a:endParaRPr lang="en-US" altLang="zh-CN"/>
           </a:p>
         </p:txBody>
       </p:sp>
@@ -7002,7 +7123,6 @@
               <a:rPr lang="en-US" altLang="zh-CN"/>
               <a:t>  </a:t>
             </a:r>
-            <a:endParaRPr lang="en-US" altLang="zh-CN"/>
           </a:p>
         </p:txBody>
       </p:sp>
@@ -7099,7 +7219,6 @@
               <a:rPr lang="en-US" altLang="zh-CN"/>
               <a:t>  </a:t>
             </a:r>
-            <a:endParaRPr lang="en-US" altLang="zh-CN"/>
           </a:p>
         </p:txBody>
       </p:sp>
@@ -7497,10 +7616,6 @@
               </a:rPr>
               <a:t>进阶</a:t>
             </a:r>
-            <a:endParaRPr lang="zh-CN" altLang="en-US" sz="2400" dirty="0">
-              <a:latin typeface="微软雅黑" panose="020B0503020204020204" pitchFamily="34" charset="-122"/>
-              <a:ea typeface="微软雅黑" panose="020B0503020204020204" pitchFamily="34" charset="-122"/>
-            </a:endParaRPr>
           </a:p>
         </p:txBody>
       </p:sp>
@@ -8112,10 +8227,6 @@
               </a:rPr>
               <a:t>本期主题</a:t>
             </a:r>
-            <a:endParaRPr lang="zh-CN" altLang="en-US" sz="2000" dirty="0" smtClean="0">
-              <a:latin typeface="微软雅黑" panose="020B0503020204020204" pitchFamily="34" charset="-122"/>
-              <a:ea typeface="微软雅黑" panose="020B0503020204020204" pitchFamily="34" charset="-122"/>
-            </a:endParaRPr>
           </a:p>
         </p:txBody>
       </p:sp>
@@ -8677,13 +8788,6 @@
               </a:rPr>
               <a:t>1</a:t>
             </a:r>
-            <a:endParaRPr lang="zh-CN" altLang="zh-CN" sz="2400" b="1" dirty="0">
-              <a:solidFill>
-                <a:schemeClr val="bg1"/>
-              </a:solidFill>
-              <a:latin typeface="微软雅黑" panose="020B0503020204020204" pitchFamily="34" charset="-122"/>
-              <a:ea typeface="微软雅黑" panose="020B0503020204020204" pitchFamily="34" charset="-122"/>
-            </a:endParaRPr>
           </a:p>
         </p:txBody>
       </p:sp>
@@ -9057,13 +9161,6 @@
               </a:rPr>
               <a:t>2</a:t>
             </a:r>
-            <a:endParaRPr lang="zh-CN" altLang="zh-CN" sz="2400" b="1">
-              <a:solidFill>
-                <a:schemeClr val="bg1"/>
-              </a:solidFill>
-              <a:latin typeface="微软雅黑" panose="020B0503020204020204" pitchFamily="34" charset="-122"/>
-              <a:ea typeface="微软雅黑" panose="020B0503020204020204" pitchFamily="34" charset="-122"/>
-            </a:endParaRPr>
           </a:p>
         </p:txBody>
       </p:sp>
@@ -9437,13 +9534,6 @@
               </a:rPr>
               <a:t>3</a:t>
             </a:r>
-            <a:endParaRPr lang="zh-CN" altLang="zh-CN" sz="2400" b="1">
-              <a:solidFill>
-                <a:schemeClr val="bg1"/>
-              </a:solidFill>
-              <a:latin typeface="微软雅黑" panose="020B0503020204020204" pitchFamily="34" charset="-122"/>
-              <a:ea typeface="微软雅黑" panose="020B0503020204020204" pitchFamily="34" charset="-122"/>
-            </a:endParaRPr>
           </a:p>
         </p:txBody>
       </p:sp>
@@ -9817,13 +9907,6 @@
               </a:rPr>
               <a:t>4</a:t>
             </a:r>
-            <a:endParaRPr lang="zh-CN" altLang="zh-CN" sz="2400" b="1">
-              <a:solidFill>
-                <a:schemeClr val="bg1"/>
-              </a:solidFill>
-              <a:latin typeface="微软雅黑" panose="020B0503020204020204" pitchFamily="34" charset="-122"/>
-              <a:ea typeface="微软雅黑" panose="020B0503020204020204" pitchFamily="34" charset="-122"/>
-            </a:endParaRPr>
           </a:p>
         </p:txBody>
       </p:sp>
@@ -10197,13 +10280,6 @@
               </a:rPr>
               <a:t>5</a:t>
             </a:r>
-            <a:endParaRPr lang="zh-CN" altLang="zh-CN" sz="2400" b="1">
-              <a:solidFill>
-                <a:schemeClr val="bg1"/>
-              </a:solidFill>
-              <a:latin typeface="微软雅黑" panose="020B0503020204020204" pitchFamily="34" charset="-122"/>
-              <a:ea typeface="微软雅黑" panose="020B0503020204020204" pitchFamily="34" charset="-122"/>
-            </a:endParaRPr>
           </a:p>
         </p:txBody>
       </p:sp>
@@ -10713,7 +10789,6 @@
               <a:rPr lang="en-US" altLang="zh-CN"/>
               <a:t>  </a:t>
             </a:r>
-            <a:endParaRPr lang="en-US" altLang="zh-CN"/>
           </a:p>
         </p:txBody>
       </p:sp>
@@ -10850,7 +10925,6 @@
               <a:rPr lang="en-US" altLang="zh-CN"/>
               <a:t>  </a:t>
             </a:r>
-            <a:endParaRPr lang="en-US" altLang="zh-CN"/>
           </a:p>
         </p:txBody>
       </p:sp>
@@ -10910,18 +10984,6 @@
               </a:rPr>
               <a:t>谢谢！</a:t>
             </a:r>
-            <a:endParaRPr lang="zh-CN" altLang="en-US" sz="2800">
-              <a:solidFill>
-                <a:schemeClr val="tx1"/>
-              </a:solidFill>
-              <a:effectLst>
-                <a:outerShdw blurRad="38100" dist="19050" dir="2700000" algn="tl" rotWithShape="0">
-                  <a:schemeClr val="dk1">
-                    <a:alpha val="40000"/>
-                  </a:schemeClr>
-                </a:outerShdw>
-              </a:effectLst>
-            </a:endParaRPr>
           </a:p>
         </p:txBody>
       </p:sp>
@@ -11152,6 +11214,18 @@
               <a:buFontTx/>
               <a:buNone/>
             </a:pPr>
+            <a:r>
+              <a:rPr kumimoji="0" lang="zh-CN" altLang="zh-CN" sz="600" b="0" i="0" u="none" strike="noStrike" cap="none" normalizeH="0" baseline="0" dirty="0" smtClean="0">
+                <a:ln>
+                  <a:noFill/>
+                </a:ln>
+                <a:solidFill>
+                  <a:schemeClr val="tx1"/>
+                </a:solidFill>
+                <a:effectLst/>
+              </a:rPr>
+              <a:t/>
+            </a:r>
             <a:br>
               <a:rPr kumimoji="0" lang="zh-CN" altLang="zh-CN" sz="600" b="0" i="0" u="none" strike="noStrike" cap="none" normalizeH="0" baseline="0" dirty="0" smtClean="0">
                 <a:ln>
@@ -11248,7 +11322,7 @@
                 </a:solidFill>
                 <a:latin typeface="微软雅黑" panose="020B0503020204020204" pitchFamily="34" charset="-122"/>
                 <a:ea typeface="微软雅黑" panose="020B0503020204020204" pitchFamily="34" charset="-122"/>
-                <a:hlinkClick r:id="rId1"/>
+                <a:hlinkClick r:id="rId3"/>
               </a:rPr>
               <a:t>Anaconda 下载网站</a:t>
             </a:r>
@@ -11261,6 +11335,88 @@
                 <a:ea typeface="微软雅黑" panose="020B0503020204020204" pitchFamily="34" charset="-122"/>
               </a:rPr>
               <a:t>上的说明下载并安装 Anaconda。</a:t>
+            </a:r>
+          </a:p>
+          <a:p>
+            <a:pPr lvl="0" eaLnBrk="0" fontAlgn="base" hangingPunct="0">
+              <a:spcBef>
+                <a:spcPct val="0"/>
+              </a:spcBef>
+              <a:spcAft>
+                <a:spcPct val="0"/>
+              </a:spcAft>
+              <a:buFontTx/>
+              <a:buAutoNum type="arabicPeriod" startAt="2"/>
+            </a:pPr>
+            <a:r>
+              <a:rPr lang="zh-CN" altLang="zh-CN" dirty="0">
+                <a:solidFill>
+                  <a:srgbClr val="212121"/>
+                </a:solidFill>
+                <a:latin typeface="微软雅黑" panose="020B0503020204020204" pitchFamily="34" charset="-122"/>
+                <a:ea typeface="微软雅黑" panose="020B0503020204020204" pitchFamily="34" charset="-122"/>
+              </a:rPr>
+              <a:t>通过调用以下命令创建名为 </a:t>
+            </a:r>
+            <a:r>
+              <a:rPr lang="zh-CN" altLang="zh-CN" sz="1200" dirty="0">
+                <a:solidFill>
+                  <a:srgbClr val="212121"/>
+                </a:solidFill>
+                <a:latin typeface="微软雅黑" panose="020B0503020204020204" pitchFamily="34" charset="-122"/>
+                <a:ea typeface="微软雅黑" panose="020B0503020204020204" pitchFamily="34" charset="-122"/>
+              </a:rPr>
+              <a:t>tensorflow</a:t>
+            </a:r>
+            <a:r>
+              <a:rPr lang="zh-CN" altLang="zh-CN" dirty="0">
+                <a:solidFill>
+                  <a:srgbClr val="212121"/>
+                </a:solidFill>
+                <a:latin typeface="微软雅黑" panose="020B0503020204020204" pitchFamily="34" charset="-122"/>
+                <a:ea typeface="微软雅黑" panose="020B0503020204020204" pitchFamily="34" charset="-122"/>
+              </a:rPr>
+              <a:t> 的 conda 环境：</a:t>
+            </a:r>
+          </a:p>
+          <a:p>
+            <a:pPr lvl="0" eaLnBrk="0" fontAlgn="base" hangingPunct="0">
+              <a:spcBef>
+                <a:spcPct val="0"/>
+              </a:spcBef>
+              <a:spcAft>
+                <a:spcPct val="0"/>
+              </a:spcAft>
+            </a:pPr>
+            <a:r>
+              <a:rPr lang="zh-CN" altLang="zh-CN" sz="1200" dirty="0">
+                <a:solidFill>
+                  <a:srgbClr val="37474F"/>
+                </a:solidFill>
+                <a:latin typeface="微软雅黑" panose="020B0503020204020204" pitchFamily="34" charset="-122"/>
+                <a:ea typeface="微软雅黑" panose="020B0503020204020204" pitchFamily="34" charset="-122"/>
+              </a:rPr>
+              <a:t>C:&gt; </a:t>
+            </a:r>
+            <a:r>
+              <a:rPr lang="zh-CN" altLang="zh-CN" sz="1200" b="1" dirty="0">
+                <a:solidFill>
+                  <a:srgbClr val="37474F"/>
+                </a:solidFill>
+                <a:latin typeface="微软雅黑" panose="020B0503020204020204" pitchFamily="34" charset="-122"/>
+                <a:ea typeface="微软雅黑" panose="020B0503020204020204" pitchFamily="34" charset="-122"/>
+              </a:rPr>
+              <a:t>conda create -n tensorflow pip python=3.5</a:t>
+            </a:r>
+            <a:r>
+              <a:rPr lang="zh-CN" altLang="zh-CN" sz="1200" dirty="0">
+                <a:solidFill>
+                  <a:srgbClr val="37474F"/>
+                </a:solidFill>
+                <a:latin typeface="微软雅黑" panose="020B0503020204020204" pitchFamily="34" charset="-122"/>
+                <a:ea typeface="微软雅黑" panose="020B0503020204020204" pitchFamily="34" charset="-122"/>
+              </a:rPr>
+              <a:t> </a:t>
             </a:r>
             <a:endParaRPr lang="zh-CN" altLang="zh-CN" dirty="0">
               <a:solidFill>
@@ -11279,7 +11435,7 @@
                 <a:spcPct val="0"/>
               </a:spcAft>
               <a:buFontTx/>
-              <a:buAutoNum type="arabicPeriod" startAt="2"/>
+              <a:buAutoNum type="arabicPeriod" startAt="3"/>
             </a:pPr>
             <a:r>
               <a:rPr lang="zh-CN" altLang="zh-CN" dirty="0">
@@ -11289,27 +11445,47 @@
                 <a:latin typeface="微软雅黑" panose="020B0503020204020204" pitchFamily="34" charset="-122"/>
                 <a:ea typeface="微软雅黑" panose="020B0503020204020204" pitchFamily="34" charset="-122"/>
               </a:rPr>
-              <a:t>通过调用以下命令创建名为 </a:t>
-            </a:r>
+              <a:t>通过发出以下命令激活 conda 环境：</a:t>
+            </a:r>
+          </a:p>
+          <a:p>
+            <a:pPr lvl="0" eaLnBrk="0" fontAlgn="base" hangingPunct="0">
+              <a:spcBef>
+                <a:spcPct val="0"/>
+              </a:spcBef>
+              <a:spcAft>
+                <a:spcPct val="0"/>
+              </a:spcAft>
+            </a:pPr>
             <a:r>
               <a:rPr lang="zh-CN" altLang="zh-CN" sz="1200" dirty="0">
                 <a:solidFill>
-                  <a:srgbClr val="212121"/>
+                  <a:srgbClr val="37474F"/>
                 </a:solidFill>
                 <a:latin typeface="微软雅黑" panose="020B0503020204020204" pitchFamily="34" charset="-122"/>
                 <a:ea typeface="微软雅黑" panose="020B0503020204020204" pitchFamily="34" charset="-122"/>
               </a:rPr>
-              <a:t>tensorflow</a:t>
-            </a:r>
-            <a:r>
-              <a:rPr lang="zh-CN" altLang="zh-CN" dirty="0">
-                <a:solidFill>
-                  <a:srgbClr val="212121"/>
+              <a:t>C:&gt; </a:t>
+            </a:r>
+            <a:r>
+              <a:rPr lang="zh-CN" altLang="zh-CN" sz="1200" b="1" dirty="0">
+                <a:solidFill>
+                  <a:srgbClr val="37474F"/>
                 </a:solidFill>
                 <a:latin typeface="微软雅黑" panose="020B0503020204020204" pitchFamily="34" charset="-122"/>
                 <a:ea typeface="微软雅黑" panose="020B0503020204020204" pitchFamily="34" charset="-122"/>
               </a:rPr>
-              <a:t> 的 conda 环境：</a:t>
+              <a:t>activate tensorflow</a:t>
+            </a:r>
+            <a:r>
+              <a:rPr lang="zh-CN" altLang="zh-CN" sz="1200" dirty="0">
+                <a:solidFill>
+                  <a:srgbClr val="37474F"/>
+                </a:solidFill>
+                <a:latin typeface="微软雅黑" panose="020B0503020204020204" pitchFamily="34" charset="-122"/>
+                <a:ea typeface="微软雅黑" panose="020B0503020204020204" pitchFamily="34" charset="-122"/>
+              </a:rPr>
+              <a:t> (tensorflow)C:&gt; # Your prompt should change </a:t>
             </a:r>
             <a:endParaRPr lang="zh-CN" altLang="zh-CN" dirty="0">
               <a:solidFill>
@@ -11327,26 +11503,48 @@
               <a:spcAft>
                 <a:spcPct val="0"/>
               </a:spcAft>
+              <a:buFontTx/>
+              <a:buAutoNum type="arabicPeriod" startAt="4"/>
             </a:pPr>
             <a:r>
-              <a:rPr lang="zh-CN" altLang="zh-CN" sz="1200" dirty="0">
-                <a:solidFill>
-                  <a:srgbClr val="37474F"/>
+              <a:rPr lang="zh-CN" altLang="zh-CN" dirty="0">
+                <a:solidFill>
+                  <a:srgbClr val="212121"/>
                 </a:solidFill>
                 <a:latin typeface="微软雅黑" panose="020B0503020204020204" pitchFamily="34" charset="-122"/>
                 <a:ea typeface="微软雅黑" panose="020B0503020204020204" pitchFamily="34" charset="-122"/>
               </a:rPr>
-              <a:t>C:&gt; </a:t>
-            </a:r>
-            <a:r>
-              <a:rPr lang="zh-CN" altLang="zh-CN" sz="1200" b="1" dirty="0">
+              <a:t>发出相应命令以在 conda 环境中安装 TensorFlow。要安装仅支持 CPU 的 TensorFlow 版本，请输入以下命令：</a:t>
+            </a:r>
+          </a:p>
+          <a:p>
+            <a:pPr lvl="0" eaLnBrk="0" fontAlgn="base" hangingPunct="0">
+              <a:spcBef>
+                <a:spcPct val="0"/>
+              </a:spcBef>
+              <a:spcAft>
+                <a:spcPct val="0"/>
+              </a:spcAft>
+            </a:pPr>
+            <a:r>
+              <a:rPr lang="zh-CN" altLang="zh-CN" sz="1200" dirty="0">
                 <a:solidFill>
                   <a:srgbClr val="37474F"/>
                 </a:solidFill>
                 <a:latin typeface="微软雅黑" panose="020B0503020204020204" pitchFamily="34" charset="-122"/>
                 <a:ea typeface="微软雅黑" panose="020B0503020204020204" pitchFamily="34" charset="-122"/>
               </a:rPr>
-              <a:t>conda create -n tensorflow pip python=3.5</a:t>
+              <a:t>(tensorflow)C:&gt; </a:t>
+            </a:r>
+            <a:r>
+              <a:rPr lang="zh-CN" altLang="zh-CN" sz="1200" b="1" dirty="0">
+                <a:solidFill>
+                  <a:srgbClr val="37474F"/>
+                </a:solidFill>
+                <a:latin typeface="微软雅黑" panose="020B0503020204020204" pitchFamily="34" charset="-122"/>
+                <a:ea typeface="微软雅黑" panose="020B0503020204020204" pitchFamily="34" charset="-122"/>
+              </a:rPr>
+              <a:t>pip install --ignore-installed --upgrade tensorflow</a:t>
             </a:r>
             <a:r>
               <a:rPr lang="zh-CN" altLang="zh-CN" sz="1200" dirty="0">
@@ -11374,158 +11572,6 @@
               <a:spcAft>
                 <a:spcPct val="0"/>
               </a:spcAft>
-              <a:buFontTx/>
-              <a:buAutoNum type="arabicPeriod" startAt="3"/>
-            </a:pPr>
-            <a:r>
-              <a:rPr lang="zh-CN" altLang="zh-CN" dirty="0">
-                <a:solidFill>
-                  <a:srgbClr val="212121"/>
-                </a:solidFill>
-                <a:latin typeface="微软雅黑" panose="020B0503020204020204" pitchFamily="34" charset="-122"/>
-                <a:ea typeface="微软雅黑" panose="020B0503020204020204" pitchFamily="34" charset="-122"/>
-              </a:rPr>
-              <a:t>通过发出以下命令激活 conda 环境：</a:t>
-            </a:r>
-            <a:endParaRPr lang="zh-CN" altLang="zh-CN" dirty="0">
-              <a:solidFill>
-                <a:srgbClr val="212121"/>
-              </a:solidFill>
-              <a:latin typeface="微软雅黑" panose="020B0503020204020204" pitchFamily="34" charset="-122"/>
-              <a:ea typeface="微软雅黑" panose="020B0503020204020204" pitchFamily="34" charset="-122"/>
-            </a:endParaRPr>
-          </a:p>
-          <a:p>
-            <a:pPr lvl="0" eaLnBrk="0" fontAlgn="base" hangingPunct="0">
-              <a:spcBef>
-                <a:spcPct val="0"/>
-              </a:spcBef>
-              <a:spcAft>
-                <a:spcPct val="0"/>
-              </a:spcAft>
-            </a:pPr>
-            <a:r>
-              <a:rPr lang="zh-CN" altLang="zh-CN" sz="1200" dirty="0">
-                <a:solidFill>
-                  <a:srgbClr val="37474F"/>
-                </a:solidFill>
-                <a:latin typeface="微软雅黑" panose="020B0503020204020204" pitchFamily="34" charset="-122"/>
-                <a:ea typeface="微软雅黑" panose="020B0503020204020204" pitchFamily="34" charset="-122"/>
-              </a:rPr>
-              <a:t>C:&gt; </a:t>
-            </a:r>
-            <a:r>
-              <a:rPr lang="zh-CN" altLang="zh-CN" sz="1200" b="1" dirty="0">
-                <a:solidFill>
-                  <a:srgbClr val="37474F"/>
-                </a:solidFill>
-                <a:latin typeface="微软雅黑" panose="020B0503020204020204" pitchFamily="34" charset="-122"/>
-                <a:ea typeface="微软雅黑" panose="020B0503020204020204" pitchFamily="34" charset="-122"/>
-              </a:rPr>
-              <a:t>activate tensorflow</a:t>
-            </a:r>
-            <a:r>
-              <a:rPr lang="zh-CN" altLang="zh-CN" sz="1200" dirty="0">
-                <a:solidFill>
-                  <a:srgbClr val="37474F"/>
-                </a:solidFill>
-                <a:latin typeface="微软雅黑" panose="020B0503020204020204" pitchFamily="34" charset="-122"/>
-                <a:ea typeface="微软雅黑" panose="020B0503020204020204" pitchFamily="34" charset="-122"/>
-              </a:rPr>
-              <a:t> (tensorflow)C:&gt; # Your prompt should change </a:t>
-            </a:r>
-            <a:endParaRPr lang="zh-CN" altLang="zh-CN" dirty="0">
-              <a:solidFill>
-                <a:srgbClr val="212121"/>
-              </a:solidFill>
-              <a:latin typeface="微软雅黑" panose="020B0503020204020204" pitchFamily="34" charset="-122"/>
-              <a:ea typeface="微软雅黑" panose="020B0503020204020204" pitchFamily="34" charset="-122"/>
-            </a:endParaRPr>
-          </a:p>
-          <a:p>
-            <a:pPr lvl="0" eaLnBrk="0" fontAlgn="base" hangingPunct="0">
-              <a:spcBef>
-                <a:spcPct val="0"/>
-              </a:spcBef>
-              <a:spcAft>
-                <a:spcPct val="0"/>
-              </a:spcAft>
-              <a:buFontTx/>
-              <a:buAutoNum type="arabicPeriod" startAt="4"/>
-            </a:pPr>
-            <a:r>
-              <a:rPr lang="zh-CN" altLang="zh-CN" dirty="0">
-                <a:solidFill>
-                  <a:srgbClr val="212121"/>
-                </a:solidFill>
-                <a:latin typeface="微软雅黑" panose="020B0503020204020204" pitchFamily="34" charset="-122"/>
-                <a:ea typeface="微软雅黑" panose="020B0503020204020204" pitchFamily="34" charset="-122"/>
-              </a:rPr>
-              <a:t>发出相应命令以在 conda 环境中安装 TensorFlow。要安装仅支持 CPU 的 TensorFlow 版本，请输入以下命令：</a:t>
-            </a:r>
-            <a:endParaRPr lang="zh-CN" altLang="zh-CN" dirty="0">
-              <a:solidFill>
-                <a:srgbClr val="212121"/>
-              </a:solidFill>
-              <a:latin typeface="微软雅黑" panose="020B0503020204020204" pitchFamily="34" charset="-122"/>
-              <a:ea typeface="微软雅黑" panose="020B0503020204020204" pitchFamily="34" charset="-122"/>
-            </a:endParaRPr>
-          </a:p>
-          <a:p>
-            <a:pPr lvl="0" eaLnBrk="0" fontAlgn="base" hangingPunct="0">
-              <a:spcBef>
-                <a:spcPct val="0"/>
-              </a:spcBef>
-              <a:spcAft>
-                <a:spcPct val="0"/>
-              </a:spcAft>
-            </a:pPr>
-            <a:r>
-              <a:rPr lang="zh-CN" altLang="zh-CN" sz="1200" dirty="0">
-                <a:solidFill>
-                  <a:srgbClr val="37474F"/>
-                </a:solidFill>
-                <a:latin typeface="微软雅黑" panose="020B0503020204020204" pitchFamily="34" charset="-122"/>
-                <a:ea typeface="微软雅黑" panose="020B0503020204020204" pitchFamily="34" charset="-122"/>
-              </a:rPr>
-              <a:t>(tensorflow)C:&gt; </a:t>
-            </a:r>
-            <a:r>
-              <a:rPr lang="zh-CN" altLang="zh-CN" sz="1200" b="1" dirty="0">
-                <a:solidFill>
-                  <a:srgbClr val="37474F"/>
-                </a:solidFill>
-                <a:latin typeface="微软雅黑" panose="020B0503020204020204" pitchFamily="34" charset="-122"/>
-                <a:ea typeface="微软雅黑" panose="020B0503020204020204" pitchFamily="34" charset="-122"/>
-              </a:rPr>
-              <a:t>pip install --ignore-installed --upgrade tensorflow</a:t>
-            </a:r>
-            <a:r>
-              <a:rPr lang="zh-CN" altLang="zh-CN" sz="1200" dirty="0">
-                <a:solidFill>
-                  <a:srgbClr val="37474F"/>
-                </a:solidFill>
-                <a:latin typeface="微软雅黑" panose="020B0503020204020204" pitchFamily="34" charset="-122"/>
-                <a:ea typeface="微软雅黑" panose="020B0503020204020204" pitchFamily="34" charset="-122"/>
-              </a:rPr>
-              <a:t> </a:t>
-            </a:r>
-            <a:endParaRPr lang="zh-CN" altLang="zh-CN" dirty="0">
-              <a:solidFill>
-                <a:srgbClr val="212121"/>
-              </a:solidFill>
-              <a:latin typeface="微软雅黑" panose="020B0503020204020204" pitchFamily="34" charset="-122"/>
-              <a:ea typeface="微软雅黑" panose="020B0503020204020204" pitchFamily="34" charset="-122"/>
-            </a:endParaRPr>
-          </a:p>
-          <a:p>
-            <a:pPr lvl="0" eaLnBrk="0" fontAlgn="base" hangingPunct="0">
-              <a:spcBef>
-                <a:spcPct val="0"/>
-              </a:spcBef>
-              <a:spcAft>
-                <a:spcPct val="0"/>
-              </a:spcAft>
             </a:pPr>
             <a:r>
               <a:rPr lang="zh-CN" altLang="zh-CN" dirty="0">
@@ -11537,13 +11583,6 @@
               </a:rPr>
               <a:t>要安装 GPU 版本的 TensorFlow，请输入以下命令（在同一行）：</a:t>
             </a:r>
-            <a:endParaRPr lang="zh-CN" altLang="zh-CN" dirty="0">
-              <a:solidFill>
-                <a:srgbClr val="212121"/>
-              </a:solidFill>
-              <a:latin typeface="微软雅黑" panose="020B0503020204020204" pitchFamily="34" charset="-122"/>
-              <a:ea typeface="微软雅黑" panose="020B0503020204020204" pitchFamily="34" charset="-122"/>
-            </a:endParaRPr>
           </a:p>
           <a:p>
             <a:pPr lvl="0" eaLnBrk="0" fontAlgn="base" hangingPunct="0">
@@ -11623,7 +11662,6 @@
               <a:rPr lang="zh-CN" altLang="en-US" sz="1600" dirty="0"/>
               <a:t>://www.tensorflow.org/install/install_windows</a:t>
             </a:r>
-            <a:endParaRPr lang="zh-CN" altLang="en-US" sz="1600" dirty="0"/>
           </a:p>
         </p:txBody>
       </p:sp>
@@ -11724,10 +11762,6 @@
               </a:rPr>
               <a:t>验证您的安装</a:t>
             </a:r>
-            <a:endParaRPr lang="zh-CN" altLang="en-US" sz="2000" dirty="0" smtClean="0">
-              <a:latin typeface="微软雅黑" panose="020B0503020204020204" pitchFamily="34" charset="-122"/>
-              <a:ea typeface="微软雅黑" panose="020B0503020204020204" pitchFamily="34" charset="-122"/>
-            </a:endParaRPr>
           </a:p>
         </p:txBody>
       </p:sp>
@@ -11766,7 +11800,7 @@
           <p:nvPr/>
         </p:nvPicPr>
         <p:blipFill>
-          <a:blip r:embed="rId1"/>
+          <a:blip r:embed="rId3"/>
           <a:stretch>
             <a:fillRect/>
           </a:stretch>
@@ -11878,10 +11912,6 @@
               </a:rPr>
               <a:t>可能会遇到的问题</a:t>
             </a:r>
-            <a:endParaRPr lang="zh-CN" altLang="en-US" sz="2000" dirty="0" smtClean="0">
-              <a:latin typeface="微软雅黑" panose="020B0503020204020204" pitchFamily="34" charset="-122"/>
-              <a:ea typeface="微软雅黑" panose="020B0503020204020204" pitchFamily="34" charset="-122"/>
-            </a:endParaRPr>
           </a:p>
         </p:txBody>
       </p:sp>
@@ -11894,7 +11924,7 @@
           <p:nvPr/>
         </p:nvPicPr>
         <p:blipFill>
-          <a:blip r:embed="rId1"/>
+          <a:blip r:embed="rId3"/>
           <a:stretch>
             <a:fillRect/>
           </a:stretch>
@@ -11934,7 +11964,6 @@
               <a:rPr lang="zh-CN" altLang="en-US" sz="1400" dirty="0"/>
               <a:t>https://stackoverflow.com/questions/47068709/your-cpu-supports-instructions-that-this-tensorflow-binary-was-not-compiled-to-u</a:t>
             </a:r>
-            <a:endParaRPr lang="zh-CN" altLang="en-US" sz="1400" dirty="0"/>
           </a:p>
         </p:txBody>
       </p:sp>
@@ -12040,7 +12069,6 @@
               <a:rPr lang="zh-CN" altLang="en-US" sz="2000" b="1"/>
               <a:t>初级教程</a:t>
             </a:r>
-            <a:endParaRPr lang="zh-CN" altLang="en-US" sz="2000" b="1"/>
           </a:p>
         </p:txBody>
       </p:sp>
@@ -12132,7 +12160,6 @@
               <a:rPr lang="zh-CN" altLang="en-US" b="1" dirty="0"/>
               <a:t>准备数据</a:t>
             </a:r>
-            <a:endParaRPr lang="zh-CN" altLang="en-US" b="1" dirty="0"/>
           </a:p>
           <a:p>
             <a:r>
@@ -12163,7 +12190,6 @@
               <a:rPr lang="en-US" altLang="zh-CN" dirty="0"/>
               <a:t>9.</a:t>
             </a:r>
-            <a:endParaRPr lang="en-US" altLang="zh-CN" dirty="0"/>
           </a:p>
           <a:p>
             <a:endParaRPr lang="en-US" altLang="zh-CN" dirty="0" smtClean="0"/>
@@ -12181,7 +12207,6 @@
               <a:rPr lang="en-US" altLang="zh-CN" dirty="0"/>
               <a:t>://yann.lecun.com/exdb/mnist/</a:t>
             </a:r>
-            <a:endParaRPr lang="en-US" altLang="zh-CN" dirty="0"/>
           </a:p>
           <a:p>
             <a:endParaRPr lang="zh-CN" altLang="en-US" dirty="0"/>
@@ -12246,7 +12271,6 @@
               <a:rPr lang="zh-CN" altLang="en-US" dirty="0"/>
               <a:t>）。这样的切分很重要，在机器学习模型设计时必须有一个单独的测试数据集不用于训练而是用来评估这个模型的性能，从而更加容易把设计的模型推广到其他数据集上（泛化）。</a:t>
             </a:r>
-            <a:endParaRPr lang="zh-CN" altLang="en-US" dirty="0"/>
           </a:p>
         </p:txBody>
       </p:sp>
@@ -12481,7 +12505,6 @@
               <a:rPr lang="zh-CN" altLang="en-US" sz="1600" dirty="0"/>
               <a:t>像素。我们可以用一个数字数组来表示这张图片：</a:t>
             </a:r>
-            <a:endParaRPr lang="zh-CN" altLang="en-US" sz="1600" dirty="0"/>
           </a:p>
         </p:txBody>
       </p:sp>
@@ -12494,7 +12517,7 @@
           <p:nvPr/>
         </p:nvPicPr>
         <p:blipFill>
-          <a:blip r:embed="rId1"/>
+          <a:blip r:embed="rId3"/>
           <a:stretch>
             <a:fillRect/>
           </a:stretch>
@@ -12630,7 +12653,6 @@
               <a:rPr lang="zh-CN" altLang="en-US" sz="1600" dirty="0"/>
               <a:t>，不会利用这些结构信息。</a:t>
             </a:r>
-            <a:endParaRPr lang="zh-CN" altLang="en-US" sz="1600" dirty="0"/>
           </a:p>
         </p:txBody>
       </p:sp>
@@ -12826,7 +12848,7 @@
           <p:nvPr/>
         </p:nvPicPr>
         <p:blipFill>
-          <a:blip r:embed="rId1"/>
+          <a:blip r:embed="rId3"/>
           <a:stretch>
             <a:fillRect/>
           </a:stretch>
@@ -12850,7 +12872,7 @@
           <p:nvPr/>
         </p:nvPicPr>
         <p:blipFill>
-          <a:blip r:embed="rId2"/>
+          <a:blip r:embed="rId4"/>
           <a:stretch>
             <a:fillRect/>
           </a:stretch>
@@ -13023,7 +13045,6 @@
               <a:rPr lang="zh-CN" altLang="en-US" sz="1600" dirty="0"/>
               <a:t>的数字矩阵。</a:t>
             </a:r>
-            <a:endParaRPr lang="zh-CN" altLang="en-US" sz="1600" dirty="0"/>
           </a:p>
         </p:txBody>
       </p:sp>
@@ -13250,7 +13271,6 @@
               <a:rPr lang="zh-CN" altLang="en-US" sz="1600" dirty="0"/>
               <a:t>都有上半部分的小圆），然后给予它代表其他数字的概率更小的值。</a:t>
             </a:r>
-            <a:endParaRPr lang="zh-CN" altLang="en-US" sz="1600" dirty="0"/>
           </a:p>
           <a:p>
             <a:r>
@@ -13297,7 +13317,6 @@
               <a:rPr lang="zh-CN" altLang="en-US" sz="1600" dirty="0"/>
               <a:t>来分配概率。</a:t>
             </a:r>
-            <a:endParaRPr lang="zh-CN" altLang="en-US" sz="1600" dirty="0"/>
           </a:p>
           <a:p>
             <a:r>
@@ -13320,7 +13339,6 @@
               <a:rPr lang="zh-CN" altLang="en-US" sz="1600" dirty="0"/>
               <a:t>）分两步：第一步</a:t>
             </a:r>
-            <a:endParaRPr lang="zh-CN" altLang="en-US" sz="1600" dirty="0"/>
           </a:p>
           <a:p>
             <a:r>
@@ -13343,7 +13361,6 @@
               <a:rPr lang="zh-CN" altLang="en-US" sz="1600" dirty="0"/>
               <a:t>。如果这个像素具有很强的证据说明这张图片不属于该类，那么相应的权值为负数，相反如果这个像素拥有有利的证据支持这张图片属于这个类，那么权值是正数。</a:t>
             </a:r>
-            <a:endParaRPr lang="zh-CN" altLang="en-US" sz="1600" dirty="0"/>
           </a:p>
           <a:p>
             <a:r>
@@ -13367,7 +13384,7 @@
           <p:nvPr/>
         </p:nvPicPr>
         <p:blipFill>
-          <a:blip r:embed="rId1"/>
+          <a:blip r:embed="rId3"/>
           <a:stretch>
             <a:fillRect/>
           </a:stretch>
@@ -13648,6 +13665,8 @@
       </a:bgFillStyleLst>
     </a:fmtScheme>
   </a:themeElements>
+  <a:objectDefaults/>
+  <a:extraClrSchemeLst/>
   <a:extLst>
     <a:ext uri="{05A4C25C-085E-4340-85A3-A5531E510DB2}">
       <thm15:themeFamily xmlns:thm15="http://schemas.microsoft.com/office/thememl/2012/main" name="Office Theme" id="{62F939B6-93AF-4DB8-9C6B-D6C7DFDC589F}" vid="{4A3C46E8-61CC-4603-A589-7422A47A8E4A}"/>
@@ -13936,6 +13955,8 @@
       </a:bgFillStyleLst>
     </a:fmtScheme>
   </a:themeElements>
+  <a:objectDefaults/>
+  <a:extraClrSchemeLst/>
   <a:extLst>
     <a:ext uri="{05A4C25C-085E-4340-85A3-A5531E510DB2}">
       <thm15:themeFamily xmlns:thm15="http://schemas.microsoft.com/office/thememl/2012/main" name="Office Theme" id="{62F939B6-93AF-4DB8-9C6B-D6C7DFDC589F}" vid="{4A3C46E8-61CC-4603-A589-7422A47A8E4A}"/>
